--- a/BoostMe_Presentation.pptx
+++ b/BoostMe_Presentation.pptx
@@ -1,31 +1,31 @@
 
 <file path=ppt/presentation.xml><?xml version="1.0" encoding="utf-8"?>
-<p:presentation xmlns:a="http://schemas.openxmlformats.org/drawingml/2006/main" xmlns:r="http://schemas.openxmlformats.org/officeDocument/2006/relationships" xmlns:mc="http://schemas.openxmlformats.org/markup-compatibility/2006" xmlns:mv="urn:schemas-microsoft-com:mac:vml" xmlns:p="http://schemas.openxmlformats.org/presentationml/2006/main" xmlns:c="http://schemas.openxmlformats.org/drawingml/2006/chart" xmlns:dgm="http://schemas.openxmlformats.org/drawingml/2006/diagram" xmlns:o="urn:schemas-microsoft-com:office:office" xmlns:v="urn:schemas-microsoft-com:vml" xmlns:pvml="urn:schemas-microsoft-com:office:powerpoint" xmlns:com="http://schemas.openxmlformats.org/drawingml/2006/compatibility" xmlns:p14="http://schemas.microsoft.com/office/powerpoint/2010/main" xmlns:p15="http://schemas.microsoft.com/office/powerpoint/2012/main" xmlns:ahyp="http://schemas.microsoft.com/office/drawing/2018/hyperlinkcolor" autoCompressPictures="0" strictFirstAndLastChars="0" saveSubsetFonts="1">
+<p:presentation xmlns:a="http://schemas.openxmlformats.org/drawingml/2006/main" xmlns:r="http://schemas.openxmlformats.org/officeDocument/2006/relationships" xmlns:p="http://schemas.openxmlformats.org/presentationml/2006/main" strictFirstAndLastChars="0" saveSubsetFonts="1" autoCompressPictures="0">
   <p:sldMasterIdLst>
-    <p:sldMasterId id="2147483659" r:id="rId4"/>
+    <p:sldMasterId id="2147483659" r:id="rId1"/>
   </p:sldMasterIdLst>
   <p:notesMasterIdLst>
-    <p:notesMasterId r:id="rId5"/>
+    <p:notesMasterId r:id="rId15"/>
   </p:notesMasterIdLst>
   <p:sldIdLst>
-    <p:sldId id="256" r:id="rId6"/>
-    <p:sldId id="257" r:id="rId7"/>
-    <p:sldId id="258" r:id="rId8"/>
-    <p:sldId id="259" r:id="rId9"/>
-    <p:sldId id="260" r:id="rId10"/>
-    <p:sldId id="261" r:id="rId11"/>
-    <p:sldId id="262" r:id="rId12"/>
-    <p:sldId id="263" r:id="rId13"/>
-    <p:sldId id="264" r:id="rId14"/>
-    <p:sldId id="265" r:id="rId15"/>
-    <p:sldId id="266" r:id="rId16"/>
-    <p:sldId id="267" r:id="rId17"/>
-    <p:sldId id="268" r:id="rId18"/>
+    <p:sldId id="256" r:id="rId2"/>
+    <p:sldId id="257" r:id="rId3"/>
+    <p:sldId id="258" r:id="rId4"/>
+    <p:sldId id="259" r:id="rId5"/>
+    <p:sldId id="260" r:id="rId6"/>
+    <p:sldId id="261" r:id="rId7"/>
+    <p:sldId id="262" r:id="rId8"/>
+    <p:sldId id="263" r:id="rId9"/>
+    <p:sldId id="264" r:id="rId10"/>
+    <p:sldId id="265" r:id="rId11"/>
+    <p:sldId id="266" r:id="rId12"/>
+    <p:sldId id="267" r:id="rId13"/>
+    <p:sldId id="268" r:id="rId14"/>
   </p:sldIdLst>
-  <p:sldSz cy="6858000" cx="9144000"/>
+  <p:sldSz cx="9144000" cy="6858000" type="screen4x3"/>
   <p:notesSz cx="6858000" cy="9144000"/>
   <p:defaultTextStyle>
-    <a:defPPr lvl="0" marR="0" rtl="0" algn="l">
+    <a:defPPr marR="0" lvl="0" algn="l" rtl="0">
       <a:lnSpc>
         <a:spcPct val="100000"/>
       </a:lnSpc>
@@ -36,7 +36,7 @@
         <a:spcPts val="0"/>
       </a:spcAft>
     </a:defPPr>
-    <a:lvl1pPr lvl="0" marR="0" rtl="0" algn="l">
+    <a:lvl1pPr marR="0" lvl="0" algn="l" rtl="0">
       <a:lnSpc>
         <a:spcPct val="100000"/>
       </a:lnSpc>
@@ -50,7 +50,7 @@
         <a:srgbClr val="000000"/>
       </a:buClr>
       <a:buFont typeface="Arial"/>
-      <a:defRPr b="0" i="0" sz="1400" u="none" cap="none" strike="noStrike">
+      <a:defRPr sz="1400" b="0" i="0" u="none" strike="noStrike" cap="none">
         <a:solidFill>
           <a:srgbClr val="000000"/>
         </a:solidFill>
@@ -60,7 +60,7 @@
         <a:sym typeface="Arial"/>
       </a:defRPr>
     </a:lvl1pPr>
-    <a:lvl2pPr lvl="1" marR="0" rtl="0" algn="l">
+    <a:lvl2pPr marR="0" lvl="1" algn="l" rtl="0">
       <a:lnSpc>
         <a:spcPct val="100000"/>
       </a:lnSpc>
@@ -74,7 +74,7 @@
         <a:srgbClr val="000000"/>
       </a:buClr>
       <a:buFont typeface="Arial"/>
-      <a:defRPr b="0" i="0" sz="1400" u="none" cap="none" strike="noStrike">
+      <a:defRPr sz="1400" b="0" i="0" u="none" strike="noStrike" cap="none">
         <a:solidFill>
           <a:srgbClr val="000000"/>
         </a:solidFill>
@@ -84,7 +84,7 @@
         <a:sym typeface="Arial"/>
       </a:defRPr>
     </a:lvl2pPr>
-    <a:lvl3pPr lvl="2" marR="0" rtl="0" algn="l">
+    <a:lvl3pPr marR="0" lvl="2" algn="l" rtl="0">
       <a:lnSpc>
         <a:spcPct val="100000"/>
       </a:lnSpc>
@@ -98,7 +98,7 @@
         <a:srgbClr val="000000"/>
       </a:buClr>
       <a:buFont typeface="Arial"/>
-      <a:defRPr b="0" i="0" sz="1400" u="none" cap="none" strike="noStrike">
+      <a:defRPr sz="1400" b="0" i="0" u="none" strike="noStrike" cap="none">
         <a:solidFill>
           <a:srgbClr val="000000"/>
         </a:solidFill>
@@ -108,7 +108,7 @@
         <a:sym typeface="Arial"/>
       </a:defRPr>
     </a:lvl3pPr>
-    <a:lvl4pPr lvl="3" marR="0" rtl="0" algn="l">
+    <a:lvl4pPr marR="0" lvl="3" algn="l" rtl="0">
       <a:lnSpc>
         <a:spcPct val="100000"/>
       </a:lnSpc>
@@ -122,7 +122,7 @@
         <a:srgbClr val="000000"/>
       </a:buClr>
       <a:buFont typeface="Arial"/>
-      <a:defRPr b="0" i="0" sz="1400" u="none" cap="none" strike="noStrike">
+      <a:defRPr sz="1400" b="0" i="0" u="none" strike="noStrike" cap="none">
         <a:solidFill>
           <a:srgbClr val="000000"/>
         </a:solidFill>
@@ -132,7 +132,7 @@
         <a:sym typeface="Arial"/>
       </a:defRPr>
     </a:lvl4pPr>
-    <a:lvl5pPr lvl="4" marR="0" rtl="0" algn="l">
+    <a:lvl5pPr marR="0" lvl="4" algn="l" rtl="0">
       <a:lnSpc>
         <a:spcPct val="100000"/>
       </a:lnSpc>
@@ -146,7 +146,7 @@
         <a:srgbClr val="000000"/>
       </a:buClr>
       <a:buFont typeface="Arial"/>
-      <a:defRPr b="0" i="0" sz="1400" u="none" cap="none" strike="noStrike">
+      <a:defRPr sz="1400" b="0" i="0" u="none" strike="noStrike" cap="none">
         <a:solidFill>
           <a:srgbClr val="000000"/>
         </a:solidFill>
@@ -156,7 +156,7 @@
         <a:sym typeface="Arial"/>
       </a:defRPr>
     </a:lvl5pPr>
-    <a:lvl6pPr lvl="5" marR="0" rtl="0" algn="l">
+    <a:lvl6pPr marR="0" lvl="5" algn="l" rtl="0">
       <a:lnSpc>
         <a:spcPct val="100000"/>
       </a:lnSpc>
@@ -170,7 +170,7 @@
         <a:srgbClr val="000000"/>
       </a:buClr>
       <a:buFont typeface="Arial"/>
-      <a:defRPr b="0" i="0" sz="1400" u="none" cap="none" strike="noStrike">
+      <a:defRPr sz="1400" b="0" i="0" u="none" strike="noStrike" cap="none">
         <a:solidFill>
           <a:srgbClr val="000000"/>
         </a:solidFill>
@@ -180,7 +180,7 @@
         <a:sym typeface="Arial"/>
       </a:defRPr>
     </a:lvl6pPr>
-    <a:lvl7pPr lvl="6" marR="0" rtl="0" algn="l">
+    <a:lvl7pPr marR="0" lvl="6" algn="l" rtl="0">
       <a:lnSpc>
         <a:spcPct val="100000"/>
       </a:lnSpc>
@@ -194,7 +194,7 @@
         <a:srgbClr val="000000"/>
       </a:buClr>
       <a:buFont typeface="Arial"/>
-      <a:defRPr b="0" i="0" sz="1400" u="none" cap="none" strike="noStrike">
+      <a:defRPr sz="1400" b="0" i="0" u="none" strike="noStrike" cap="none">
         <a:solidFill>
           <a:srgbClr val="000000"/>
         </a:solidFill>
@@ -204,7 +204,7 @@
         <a:sym typeface="Arial"/>
       </a:defRPr>
     </a:lvl7pPr>
-    <a:lvl8pPr lvl="7" marR="0" rtl="0" algn="l">
+    <a:lvl8pPr marR="0" lvl="7" algn="l" rtl="0">
       <a:lnSpc>
         <a:spcPct val="100000"/>
       </a:lnSpc>
@@ -218,7 +218,7 @@
         <a:srgbClr val="000000"/>
       </a:buClr>
       <a:buFont typeface="Arial"/>
-      <a:defRPr b="0" i="0" sz="1400" u="none" cap="none" strike="noStrike">
+      <a:defRPr sz="1400" b="0" i="0" u="none" strike="noStrike" cap="none">
         <a:solidFill>
           <a:srgbClr val="000000"/>
         </a:solidFill>
@@ -228,7 +228,7 @@
         <a:sym typeface="Arial"/>
       </a:defRPr>
     </a:lvl8pPr>
-    <a:lvl9pPr lvl="8" marR="0" rtl="0" algn="l">
+    <a:lvl9pPr marR="0" lvl="8" algn="l" rtl="0">
       <a:lnSpc>
         <a:spcPct val="100000"/>
       </a:lnSpc>
@@ -242,7 +242,7 @@
         <a:srgbClr val="000000"/>
       </a:buClr>
       <a:buFont typeface="Arial"/>
-      <a:defRPr b="0" i="0" sz="1400" u="none" cap="none" strike="noStrike">
+      <a:defRPr sz="1400" b="0" i="0" u="none" strike="noStrike" cap="none">
         <a:solidFill>
           <a:srgbClr val="000000"/>
         </a:solidFill>
@@ -255,7 +255,7 @@
   </p:defaultTextStyle>
   <p:extLst>
     <p:ext uri="{EFAFB233-063F-42B5-8137-9DF3F51BA10A}">
-      <p15:sldGuideLst>
+      <p15:sldGuideLst xmlns:p15="http://schemas.microsoft.com/office/powerpoint/2012/main">
         <p15:guide id="1" orient="horz" pos="2160">
           <p15:clr>
             <a:srgbClr val="000000"/>
@@ -273,11 +273,16 @@
 </file>
 
 <file path=ppt/notesMasters/notesMaster1.xml><?xml version="1.0" encoding="utf-8"?>
-<p:notesMaster xmlns:a="http://schemas.openxmlformats.org/drawingml/2006/main" xmlns:r="http://schemas.openxmlformats.org/officeDocument/2006/relationships" xmlns:mc="http://schemas.openxmlformats.org/markup-compatibility/2006" xmlns:mv="urn:schemas-microsoft-com:mac:vml" xmlns:p="http://schemas.openxmlformats.org/presentationml/2006/main" xmlns:c="http://schemas.openxmlformats.org/drawingml/2006/chart" xmlns:dgm="http://schemas.openxmlformats.org/drawingml/2006/diagram" xmlns:o="urn:schemas-microsoft-com:office:office" xmlns:v="urn:schemas-microsoft-com:vml" xmlns:pvml="urn:schemas-microsoft-com:office:powerpoint" xmlns:com="http://schemas.openxmlformats.org/drawingml/2006/compatibility" xmlns:p14="http://schemas.microsoft.com/office/powerpoint/2010/main" xmlns:p15="http://schemas.microsoft.com/office/powerpoint/2012/main" xmlns:ahyp="http://schemas.microsoft.com/office/drawing/2018/hyperlinkcolor">
+<p:notesMaster xmlns:a="http://schemas.openxmlformats.org/drawingml/2006/main" xmlns:r="http://schemas.openxmlformats.org/officeDocument/2006/relationships" xmlns:p="http://schemas.openxmlformats.org/presentationml/2006/main">
   <p:cSld>
+    <p:bg>
+      <p:bgRef idx="1001">
+        <a:schemeClr val="bg1"/>
+      </p:bgRef>
+    </p:bg>
     <p:spTree>
       <p:nvGrpSpPr>
-        <p:cNvPr id="2" name="Shape 2"/>
+        <p:cNvPr id="1" name="Shape 2"/>
         <p:cNvGrpSpPr/>
         <p:nvPr/>
       </p:nvGrpSpPr>
@@ -292,9 +297,11 @@
       <p:sp>
         <p:nvSpPr>
           <p:cNvPr id="3" name="Google Shape;3;n"/>
-          <p:cNvSpPr/>
+          <p:cNvSpPr>
+            <a:spLocks noGrp="1" noRot="1" noChangeAspect="1"/>
+          </p:cNvSpPr>
           <p:nvPr>
-            <p:ph idx="2" type="sldImg"/>
+            <p:ph type="sldImg" idx="2"/>
           </p:nvPr>
         </p:nvSpPr>
         <p:spPr>
@@ -303,9 +310,13 @@
             <a:ext cx="4572225" cy="3429000"/>
           </a:xfrm>
           <a:custGeom>
-            <a:rect b="b" l="l" r="r" t="t"/>
+            <a:avLst/>
+            <a:gdLst/>
+            <a:ahLst/>
+            <a:cxnLst/>
+            <a:rect l="l" t="t" r="r" b="b"/>
             <a:pathLst>
-              <a:path extrusionOk="0" h="120000" w="120000">
+              <a:path w="120000" h="120000" extrusionOk="0">
                 <a:moveTo>
                   <a:pt x="0" y="0"/>
                 </a:moveTo>
@@ -323,23 +334,25 @@
             </a:pathLst>
           </a:custGeom>
           <a:noFill/>
-          <a:ln cap="flat" cmpd="sng" w="9525">
+          <a:ln w="9525" cap="flat" cmpd="sng">
             <a:solidFill>
               <a:srgbClr val="000000"/>
             </a:solidFill>
             <a:prstDash val="solid"/>
             <a:round/>
-            <a:headEnd len="sm" w="sm" type="none"/>
-            <a:tailEnd len="sm" w="sm" type="none"/>
+            <a:headEnd type="none" w="sm" len="sm"/>
+            <a:tailEnd type="none" w="sm" len="sm"/>
           </a:ln>
         </p:spPr>
       </p:sp>
       <p:sp>
         <p:nvSpPr>
           <p:cNvPr id="4" name="Google Shape;4;n"/>
-          <p:cNvSpPr txBox="1"/>
+          <p:cNvSpPr txBox="1">
+            <a:spLocks noGrp="1"/>
+          </p:cNvSpPr>
           <p:nvPr>
-            <p:ph idx="1" type="body"/>
+            <p:ph type="body" idx="1"/>
           </p:nvPr>
         </p:nvSpPr>
         <p:spPr>
@@ -356,11 +369,11 @@
           </a:ln>
         </p:spPr>
         <p:txBody>
-          <a:bodyPr anchorCtr="0" anchor="t" bIns="91425" lIns="91425" spcFirstLastPara="1" rIns="91425" wrap="square" tIns="91425">
+          <a:bodyPr spcFirstLastPara="1" wrap="square" lIns="91425" tIns="91425" rIns="91425" bIns="91425" anchor="t" anchorCtr="0">
             <a:noAutofit/>
           </a:bodyPr>
           <a:lstStyle>
-            <a:lvl1pPr indent="-298450" lvl="0" marL="457200">
+            <a:lvl1pPr marL="457200" lvl="0" indent="-298450">
               <a:spcBef>
                 <a:spcPts val="0"/>
               </a:spcBef>
@@ -371,7 +384,7 @@
               <a:buChar char="●"/>
               <a:defRPr sz="1100"/>
             </a:lvl1pPr>
-            <a:lvl2pPr indent="-298450" lvl="1" marL="914400">
+            <a:lvl2pPr marL="914400" lvl="1" indent="-298450">
               <a:spcBef>
                 <a:spcPts val="0"/>
               </a:spcBef>
@@ -382,7 +395,7 @@
               <a:buChar char="○"/>
               <a:defRPr sz="1100"/>
             </a:lvl2pPr>
-            <a:lvl3pPr indent="-298450" lvl="2" marL="1371600">
+            <a:lvl3pPr marL="1371600" lvl="2" indent="-298450">
               <a:spcBef>
                 <a:spcPts val="0"/>
               </a:spcBef>
@@ -393,7 +406,7 @@
               <a:buChar char="■"/>
               <a:defRPr sz="1100"/>
             </a:lvl3pPr>
-            <a:lvl4pPr indent="-298450" lvl="3" marL="1828800">
+            <a:lvl4pPr marL="1828800" lvl="3" indent="-298450">
               <a:spcBef>
                 <a:spcPts val="0"/>
               </a:spcBef>
@@ -404,7 +417,7 @@
               <a:buChar char="●"/>
               <a:defRPr sz="1100"/>
             </a:lvl4pPr>
-            <a:lvl5pPr indent="-298450" lvl="4" marL="2286000">
+            <a:lvl5pPr marL="2286000" lvl="4" indent="-298450">
               <a:spcBef>
                 <a:spcPts val="0"/>
               </a:spcBef>
@@ -415,7 +428,7 @@
               <a:buChar char="○"/>
               <a:defRPr sz="1100"/>
             </a:lvl5pPr>
-            <a:lvl6pPr indent="-298450" lvl="5" marL="2743200">
+            <a:lvl6pPr marL="2743200" lvl="5" indent="-298450">
               <a:spcBef>
                 <a:spcPts val="0"/>
               </a:spcBef>
@@ -426,7 +439,7 @@
               <a:buChar char="■"/>
               <a:defRPr sz="1100"/>
             </a:lvl6pPr>
-            <a:lvl7pPr indent="-298450" lvl="6" marL="3200400">
+            <a:lvl7pPr marL="3200400" lvl="6" indent="-298450">
               <a:spcBef>
                 <a:spcPts val="0"/>
               </a:spcBef>
@@ -437,7 +450,7 @@
               <a:buChar char="●"/>
               <a:defRPr sz="1100"/>
             </a:lvl7pPr>
-            <a:lvl8pPr indent="-298450" lvl="7" marL="3657600">
+            <a:lvl8pPr marL="3657600" lvl="7" indent="-298450">
               <a:spcBef>
                 <a:spcPts val="0"/>
               </a:spcBef>
@@ -448,7 +461,7 @@
               <a:buChar char="○"/>
               <a:defRPr sz="1100"/>
             </a:lvl8pPr>
-            <a:lvl9pPr indent="-298450" lvl="8" marL="4114800">
+            <a:lvl9pPr marL="4114800" lvl="8" indent="-298450">
               <a:spcBef>
                 <a:spcPts val="0"/>
               </a:spcBef>
@@ -460,14 +473,16 @@
               <a:defRPr sz="1100"/>
             </a:lvl9pPr>
           </a:lstStyle>
-          <a:p/>
+          <a:p>
+            <a:endParaRPr/>
+          </a:p>
         </p:txBody>
       </p:sp>
     </p:spTree>
   </p:cSld>
-  <p:clrMap accent1="accent1" accent2="accent2" accent3="accent3" accent4="accent4" accent5="accent5" accent6="accent6" bg1="lt1" bg2="dk2" tx1="dk1" tx2="lt2" folHlink="folHlink" hlink="hlink"/>
+  <p:clrMap bg1="lt1" tx1="dk1" bg2="dk2" tx2="lt2" accent1="accent1" accent2="accent2" accent3="accent3" accent4="accent4" accent5="accent5" accent6="accent6" hlink="hlink" folHlink="folHlink"/>
   <p:notesStyle>
-    <a:defPPr lvl="0" marR="0" rtl="0" algn="l">
+    <a:defPPr marR="0" lvl="0" algn="l" rtl="0">
       <a:lnSpc>
         <a:spcPct val="100000"/>
       </a:lnSpc>
@@ -478,7 +493,7 @@
         <a:spcPts val="0"/>
       </a:spcAft>
     </a:defPPr>
-    <a:lvl1pPr lvl="0" marR="0" rtl="0" algn="l">
+    <a:lvl1pPr marR="0" lvl="0" algn="l" rtl="0">
       <a:lnSpc>
         <a:spcPct val="100000"/>
       </a:lnSpc>
@@ -492,7 +507,7 @@
         <a:srgbClr val="000000"/>
       </a:buClr>
       <a:buFont typeface="Arial"/>
-      <a:defRPr b="0" i="0" sz="1400" u="none" cap="none" strike="noStrike">
+      <a:defRPr sz="1400" b="0" i="0" u="none" strike="noStrike" cap="none">
         <a:solidFill>
           <a:srgbClr val="000000"/>
         </a:solidFill>
@@ -502,7 +517,7 @@
         <a:sym typeface="Arial"/>
       </a:defRPr>
     </a:lvl1pPr>
-    <a:lvl2pPr lvl="1" marR="0" rtl="0" algn="l">
+    <a:lvl2pPr marR="0" lvl="1" algn="l" rtl="0">
       <a:lnSpc>
         <a:spcPct val="100000"/>
       </a:lnSpc>
@@ -516,7 +531,7 @@
         <a:srgbClr val="000000"/>
       </a:buClr>
       <a:buFont typeface="Arial"/>
-      <a:defRPr b="0" i="0" sz="1400" u="none" cap="none" strike="noStrike">
+      <a:defRPr sz="1400" b="0" i="0" u="none" strike="noStrike" cap="none">
         <a:solidFill>
           <a:srgbClr val="000000"/>
         </a:solidFill>
@@ -526,7 +541,7 @@
         <a:sym typeface="Arial"/>
       </a:defRPr>
     </a:lvl2pPr>
-    <a:lvl3pPr lvl="2" marR="0" rtl="0" algn="l">
+    <a:lvl3pPr marR="0" lvl="2" algn="l" rtl="0">
       <a:lnSpc>
         <a:spcPct val="100000"/>
       </a:lnSpc>
@@ -540,7 +555,7 @@
         <a:srgbClr val="000000"/>
       </a:buClr>
       <a:buFont typeface="Arial"/>
-      <a:defRPr b="0" i="0" sz="1400" u="none" cap="none" strike="noStrike">
+      <a:defRPr sz="1400" b="0" i="0" u="none" strike="noStrike" cap="none">
         <a:solidFill>
           <a:srgbClr val="000000"/>
         </a:solidFill>
@@ -550,7 +565,7 @@
         <a:sym typeface="Arial"/>
       </a:defRPr>
     </a:lvl3pPr>
-    <a:lvl4pPr lvl="3" marR="0" rtl="0" algn="l">
+    <a:lvl4pPr marR="0" lvl="3" algn="l" rtl="0">
       <a:lnSpc>
         <a:spcPct val="100000"/>
       </a:lnSpc>
@@ -564,7 +579,7 @@
         <a:srgbClr val="000000"/>
       </a:buClr>
       <a:buFont typeface="Arial"/>
-      <a:defRPr b="0" i="0" sz="1400" u="none" cap="none" strike="noStrike">
+      <a:defRPr sz="1400" b="0" i="0" u="none" strike="noStrike" cap="none">
         <a:solidFill>
           <a:srgbClr val="000000"/>
         </a:solidFill>
@@ -574,7 +589,7 @@
         <a:sym typeface="Arial"/>
       </a:defRPr>
     </a:lvl4pPr>
-    <a:lvl5pPr lvl="4" marR="0" rtl="0" algn="l">
+    <a:lvl5pPr marR="0" lvl="4" algn="l" rtl="0">
       <a:lnSpc>
         <a:spcPct val="100000"/>
       </a:lnSpc>
@@ -588,7 +603,7 @@
         <a:srgbClr val="000000"/>
       </a:buClr>
       <a:buFont typeface="Arial"/>
-      <a:defRPr b="0" i="0" sz="1400" u="none" cap="none" strike="noStrike">
+      <a:defRPr sz="1400" b="0" i="0" u="none" strike="noStrike" cap="none">
         <a:solidFill>
           <a:srgbClr val="000000"/>
         </a:solidFill>
@@ -598,7 +613,7 @@
         <a:sym typeface="Arial"/>
       </a:defRPr>
     </a:lvl5pPr>
-    <a:lvl6pPr lvl="5" marR="0" rtl="0" algn="l">
+    <a:lvl6pPr marR="0" lvl="5" algn="l" rtl="0">
       <a:lnSpc>
         <a:spcPct val="100000"/>
       </a:lnSpc>
@@ -612,7 +627,7 @@
         <a:srgbClr val="000000"/>
       </a:buClr>
       <a:buFont typeface="Arial"/>
-      <a:defRPr b="0" i="0" sz="1400" u="none" cap="none" strike="noStrike">
+      <a:defRPr sz="1400" b="0" i="0" u="none" strike="noStrike" cap="none">
         <a:solidFill>
           <a:srgbClr val="000000"/>
         </a:solidFill>
@@ -622,7 +637,7 @@
         <a:sym typeface="Arial"/>
       </a:defRPr>
     </a:lvl6pPr>
-    <a:lvl7pPr lvl="6" marR="0" rtl="0" algn="l">
+    <a:lvl7pPr marR="0" lvl="6" algn="l" rtl="0">
       <a:lnSpc>
         <a:spcPct val="100000"/>
       </a:lnSpc>
@@ -636,7 +651,7 @@
         <a:srgbClr val="000000"/>
       </a:buClr>
       <a:buFont typeface="Arial"/>
-      <a:defRPr b="0" i="0" sz="1400" u="none" cap="none" strike="noStrike">
+      <a:defRPr sz="1400" b="0" i="0" u="none" strike="noStrike" cap="none">
         <a:solidFill>
           <a:srgbClr val="000000"/>
         </a:solidFill>
@@ -646,7 +661,7 @@
         <a:sym typeface="Arial"/>
       </a:defRPr>
     </a:lvl7pPr>
-    <a:lvl8pPr lvl="7" marR="0" rtl="0" algn="l">
+    <a:lvl8pPr marR="0" lvl="7" algn="l" rtl="0">
       <a:lnSpc>
         <a:spcPct val="100000"/>
       </a:lnSpc>
@@ -660,7 +675,7 @@
         <a:srgbClr val="000000"/>
       </a:buClr>
       <a:buFont typeface="Arial"/>
-      <a:defRPr b="0" i="0" sz="1400" u="none" cap="none" strike="noStrike">
+      <a:defRPr sz="1400" b="0" i="0" u="none" strike="noStrike" cap="none">
         <a:solidFill>
           <a:srgbClr val="000000"/>
         </a:solidFill>
@@ -670,7 +685,7 @@
         <a:sym typeface="Arial"/>
       </a:defRPr>
     </a:lvl8pPr>
-    <a:lvl9pPr lvl="8" marR="0" rtl="0" algn="l">
+    <a:lvl9pPr marR="0" lvl="8" algn="l" rtl="0">
       <a:lnSpc>
         <a:spcPct val="100000"/>
       </a:lnSpc>
@@ -684,7 +699,7 @@
         <a:srgbClr val="000000"/>
       </a:buClr>
       <a:buFont typeface="Arial"/>
-      <a:defRPr b="0" i="0" sz="1400" u="none" cap="none" strike="noStrike">
+      <a:defRPr sz="1400" b="0" i="0" u="none" strike="noStrike" cap="none">
         <a:solidFill>
           <a:srgbClr val="000000"/>
         </a:solidFill>
@@ -699,11 +714,11 @@
 </file>
 
 <file path=ppt/notesSlides/notesSlide1.xml><?xml version="1.0" encoding="utf-8"?>
-<p:notes xmlns:a="http://schemas.openxmlformats.org/drawingml/2006/main" xmlns:r="http://schemas.openxmlformats.org/officeDocument/2006/relationships" xmlns:mc="http://schemas.openxmlformats.org/markup-compatibility/2006" xmlns:mv="urn:schemas-microsoft-com:mac:vml" xmlns:p="http://schemas.openxmlformats.org/presentationml/2006/main" xmlns:c="http://schemas.openxmlformats.org/drawingml/2006/chart" xmlns:dgm="http://schemas.openxmlformats.org/drawingml/2006/diagram" xmlns:o="urn:schemas-microsoft-com:office:office" xmlns:v="urn:schemas-microsoft-com:vml" xmlns:pvml="urn:schemas-microsoft-com:office:powerpoint" xmlns:com="http://schemas.openxmlformats.org/drawingml/2006/compatibility" xmlns:p14="http://schemas.microsoft.com/office/powerpoint/2010/main" xmlns:p15="http://schemas.microsoft.com/office/powerpoint/2012/main" xmlns:ahyp="http://schemas.microsoft.com/office/drawing/2018/hyperlinkcolor" showMasterPhAnim="0" showMasterSp="0">
+<p:notes xmlns:a="http://schemas.openxmlformats.org/drawingml/2006/main" xmlns:r="http://schemas.openxmlformats.org/officeDocument/2006/relationships" xmlns:p="http://schemas.openxmlformats.org/presentationml/2006/main" showMasterSp="0" showMasterPhAnim="0">
   <p:cSld>
     <p:spTree>
       <p:nvGrpSpPr>
-        <p:cNvPr id="80" name="Shape 80"/>
+        <p:cNvPr id="1" name="Shape 80"/>
         <p:cNvGrpSpPr/>
         <p:nvPr/>
       </p:nvGrpSpPr>
@@ -718,9 +733,11 @@
       <p:sp>
         <p:nvSpPr>
           <p:cNvPr id="81" name="Google Shape;81;p1:notes"/>
-          <p:cNvSpPr txBox="1"/>
+          <p:cNvSpPr txBox="1">
+            <a:spLocks noGrp="1"/>
+          </p:cNvSpPr>
           <p:nvPr>
-            <p:ph idx="1" type="body"/>
+            <p:ph type="body" idx="1"/>
           </p:nvPr>
         </p:nvSpPr>
         <p:spPr>
@@ -733,12 +750,12 @@
           </a:prstGeom>
         </p:spPr>
         <p:txBody>
-          <a:bodyPr anchorCtr="0" anchor="t" bIns="91425" lIns="91425" spcFirstLastPara="1" rIns="91425" wrap="square" tIns="91425">
+          <a:bodyPr spcFirstLastPara="1" wrap="square" lIns="91425" tIns="91425" rIns="91425" bIns="91425" anchor="t" anchorCtr="0">
             <a:noAutofit/>
           </a:bodyPr>
           <a:lstStyle/>
           <a:p>
-            <a:pPr indent="0" lvl="0" marL="0" rtl="0" algn="l">
+            <a:pPr marL="0" lvl="0" indent="0" algn="l" rtl="0">
               <a:spcBef>
                 <a:spcPts val="0"/>
               </a:spcBef>
@@ -747,9 +764,6 @@
               </a:spcAft>
               <a:buNone/>
             </a:pPr>
-            <a:r>
-              <a:t/>
-            </a:r>
             <a:endParaRPr/>
           </a:p>
         </p:txBody>
@@ -757,20 +771,26 @@
       <p:sp>
         <p:nvSpPr>
           <p:cNvPr id="82" name="Google Shape;82;p1:notes"/>
-          <p:cNvSpPr/>
+          <p:cNvSpPr>
+            <a:spLocks noGrp="1" noRot="1" noChangeAspect="1"/>
+          </p:cNvSpPr>
           <p:nvPr>
-            <p:ph idx="2" type="sldImg"/>
+            <p:ph type="sldImg" idx="2"/>
           </p:nvPr>
         </p:nvSpPr>
         <p:spPr>
           <a:xfrm>
-            <a:off x="1143225" y="685800"/>
-            <a:ext cx="4572225" cy="3429000"/>
+            <a:off x="1143000" y="685800"/>
+            <a:ext cx="4572000" cy="3429000"/>
           </a:xfrm>
           <a:custGeom>
-            <a:rect b="b" l="l" r="r" t="t"/>
+            <a:avLst/>
+            <a:gdLst/>
+            <a:ahLst/>
+            <a:cxnLst/>
+            <a:rect l="l" t="t" r="r" b="b"/>
             <a:pathLst>
-              <a:path extrusionOk="0" h="120000" w="120000">
+              <a:path w="120000" h="120000" extrusionOk="0">
                 <a:moveTo>
                   <a:pt x="0" y="0"/>
                 </a:moveTo>
@@ -798,11 +818,11 @@
 </file>
 
 <file path=ppt/notesSlides/notesSlide10.xml><?xml version="1.0" encoding="utf-8"?>
-<p:notes xmlns:a="http://schemas.openxmlformats.org/drawingml/2006/main" xmlns:r="http://schemas.openxmlformats.org/officeDocument/2006/relationships" xmlns:mc="http://schemas.openxmlformats.org/markup-compatibility/2006" xmlns:mv="urn:schemas-microsoft-com:mac:vml" xmlns:p="http://schemas.openxmlformats.org/presentationml/2006/main" xmlns:c="http://schemas.openxmlformats.org/drawingml/2006/chart" xmlns:dgm="http://schemas.openxmlformats.org/drawingml/2006/diagram" xmlns:o="urn:schemas-microsoft-com:office:office" xmlns:v="urn:schemas-microsoft-com:vml" xmlns:pvml="urn:schemas-microsoft-com:office:powerpoint" xmlns:com="http://schemas.openxmlformats.org/drawingml/2006/compatibility" xmlns:p14="http://schemas.microsoft.com/office/powerpoint/2010/main" xmlns:p15="http://schemas.microsoft.com/office/powerpoint/2012/main" xmlns:ahyp="http://schemas.microsoft.com/office/drawing/2018/hyperlinkcolor" showMasterPhAnim="0" showMasterSp="0">
+<p:notes xmlns:a="http://schemas.openxmlformats.org/drawingml/2006/main" xmlns:r="http://schemas.openxmlformats.org/officeDocument/2006/relationships" xmlns:p="http://schemas.openxmlformats.org/presentationml/2006/main" showMasterSp="0" showMasterPhAnim="0">
   <p:cSld>
     <p:spTree>
       <p:nvGrpSpPr>
-        <p:cNvPr id="148" name="Shape 148"/>
+        <p:cNvPr id="1" name="Shape 148"/>
         <p:cNvGrpSpPr/>
         <p:nvPr/>
       </p:nvGrpSpPr>
@@ -817,9 +837,11 @@
       <p:sp>
         <p:nvSpPr>
           <p:cNvPr id="149" name="Google Shape;149;g3c74ccc9e21_0_13:notes"/>
-          <p:cNvSpPr txBox="1"/>
+          <p:cNvSpPr txBox="1">
+            <a:spLocks noGrp="1"/>
+          </p:cNvSpPr>
           <p:nvPr>
-            <p:ph idx="1" type="body"/>
+            <p:ph type="body" idx="1"/>
           </p:nvPr>
         </p:nvSpPr>
         <p:spPr>
@@ -832,12 +854,12 @@
           </a:prstGeom>
         </p:spPr>
         <p:txBody>
-          <a:bodyPr anchorCtr="0" anchor="t" bIns="91425" lIns="91425" spcFirstLastPara="1" rIns="91425" wrap="square" tIns="91425">
+          <a:bodyPr spcFirstLastPara="1" wrap="square" lIns="91425" tIns="91425" rIns="91425" bIns="91425" anchor="t" anchorCtr="0">
             <a:noAutofit/>
           </a:bodyPr>
           <a:lstStyle/>
           <a:p>
-            <a:pPr indent="0" lvl="0" marL="0" rtl="0" algn="l">
+            <a:pPr marL="0" lvl="0" indent="0" algn="l" rtl="0">
               <a:spcBef>
                 <a:spcPts val="0"/>
               </a:spcBef>
@@ -846,9 +868,6 @@
               </a:spcAft>
               <a:buNone/>
             </a:pPr>
-            <a:r>
-              <a:t/>
-            </a:r>
             <a:endParaRPr/>
           </a:p>
         </p:txBody>
@@ -856,9 +875,11 @@
       <p:sp>
         <p:nvSpPr>
           <p:cNvPr id="150" name="Google Shape;150;g3c74ccc9e21_0_13:notes"/>
-          <p:cNvSpPr/>
+          <p:cNvSpPr>
+            <a:spLocks noGrp="1" noRot="1" noChangeAspect="1"/>
+          </p:cNvSpPr>
           <p:nvPr>
-            <p:ph idx="2" type="sldImg"/>
+            <p:ph type="sldImg" idx="2"/>
           </p:nvPr>
         </p:nvSpPr>
         <p:spPr>
@@ -867,9 +888,13 @@
             <a:ext cx="4572300" cy="3429000"/>
           </a:xfrm>
           <a:custGeom>
-            <a:rect b="b" l="l" r="r" t="t"/>
+            <a:avLst/>
+            <a:gdLst/>
+            <a:ahLst/>
+            <a:cxnLst/>
+            <a:rect l="l" t="t" r="r" b="b"/>
             <a:pathLst>
-              <a:path extrusionOk="0" h="120000" w="120000">
+              <a:path w="120000" h="120000" extrusionOk="0">
                 <a:moveTo>
                   <a:pt x="0" y="0"/>
                 </a:moveTo>
@@ -897,11 +922,11 @@
 </file>
 
 <file path=ppt/notesSlides/notesSlide11.xml><?xml version="1.0" encoding="utf-8"?>
-<p:notes xmlns:a="http://schemas.openxmlformats.org/drawingml/2006/main" xmlns:r="http://schemas.openxmlformats.org/officeDocument/2006/relationships" xmlns:mc="http://schemas.openxmlformats.org/markup-compatibility/2006" xmlns:mv="urn:schemas-microsoft-com:mac:vml" xmlns:p="http://schemas.openxmlformats.org/presentationml/2006/main" xmlns:c="http://schemas.openxmlformats.org/drawingml/2006/chart" xmlns:dgm="http://schemas.openxmlformats.org/drawingml/2006/diagram" xmlns:o="urn:schemas-microsoft-com:office:office" xmlns:v="urn:schemas-microsoft-com:vml" xmlns:pvml="urn:schemas-microsoft-com:office:powerpoint" xmlns:com="http://schemas.openxmlformats.org/drawingml/2006/compatibility" xmlns:p14="http://schemas.microsoft.com/office/powerpoint/2010/main" xmlns:p15="http://schemas.microsoft.com/office/powerpoint/2012/main" xmlns:ahyp="http://schemas.microsoft.com/office/drawing/2018/hyperlinkcolor" showMasterPhAnim="0" showMasterSp="0">
+<p:notes xmlns:a="http://schemas.openxmlformats.org/drawingml/2006/main" xmlns:r="http://schemas.openxmlformats.org/officeDocument/2006/relationships" xmlns:p="http://schemas.openxmlformats.org/presentationml/2006/main" showMasterSp="0" showMasterPhAnim="0">
   <p:cSld>
     <p:spTree>
       <p:nvGrpSpPr>
-        <p:cNvPr id="155" name="Shape 155"/>
+        <p:cNvPr id="1" name="Shape 155"/>
         <p:cNvGrpSpPr/>
         <p:nvPr/>
       </p:nvGrpSpPr>
@@ -916,9 +941,11 @@
       <p:sp>
         <p:nvSpPr>
           <p:cNvPr id="156" name="Google Shape;156;g3c74ccc9e21_0_18:notes"/>
-          <p:cNvSpPr txBox="1"/>
+          <p:cNvSpPr txBox="1">
+            <a:spLocks noGrp="1"/>
+          </p:cNvSpPr>
           <p:nvPr>
-            <p:ph idx="1" type="body"/>
+            <p:ph type="body" idx="1"/>
           </p:nvPr>
         </p:nvSpPr>
         <p:spPr>
@@ -931,12 +958,12 @@
           </a:prstGeom>
         </p:spPr>
         <p:txBody>
-          <a:bodyPr anchorCtr="0" anchor="t" bIns="91425" lIns="91425" spcFirstLastPara="1" rIns="91425" wrap="square" tIns="91425">
+          <a:bodyPr spcFirstLastPara="1" wrap="square" lIns="91425" tIns="91425" rIns="91425" bIns="91425" anchor="t" anchorCtr="0">
             <a:noAutofit/>
           </a:bodyPr>
           <a:lstStyle/>
           <a:p>
-            <a:pPr indent="0" lvl="0" marL="0" rtl="0" algn="l">
+            <a:pPr marL="0" lvl="0" indent="0" algn="l" rtl="0">
               <a:spcBef>
                 <a:spcPts val="0"/>
               </a:spcBef>
@@ -945,9 +972,6 @@
               </a:spcAft>
               <a:buNone/>
             </a:pPr>
-            <a:r>
-              <a:t/>
-            </a:r>
             <a:endParaRPr/>
           </a:p>
         </p:txBody>
@@ -955,9 +979,11 @@
       <p:sp>
         <p:nvSpPr>
           <p:cNvPr id="157" name="Google Shape;157;g3c74ccc9e21_0_18:notes"/>
-          <p:cNvSpPr/>
+          <p:cNvSpPr>
+            <a:spLocks noGrp="1" noRot="1" noChangeAspect="1"/>
+          </p:cNvSpPr>
           <p:nvPr>
-            <p:ph idx="2" type="sldImg"/>
+            <p:ph type="sldImg" idx="2"/>
           </p:nvPr>
         </p:nvSpPr>
         <p:spPr>
@@ -966,9 +992,13 @@
             <a:ext cx="4572300" cy="3429000"/>
           </a:xfrm>
           <a:custGeom>
-            <a:rect b="b" l="l" r="r" t="t"/>
+            <a:avLst/>
+            <a:gdLst/>
+            <a:ahLst/>
+            <a:cxnLst/>
+            <a:rect l="l" t="t" r="r" b="b"/>
             <a:pathLst>
-              <a:path extrusionOk="0" h="120000" w="120000">
+              <a:path w="120000" h="120000" extrusionOk="0">
                 <a:moveTo>
                   <a:pt x="0" y="0"/>
                 </a:moveTo>
@@ -996,11 +1026,11 @@
 </file>
 
 <file path=ppt/notesSlides/notesSlide12.xml><?xml version="1.0" encoding="utf-8"?>
-<p:notes xmlns:a="http://schemas.openxmlformats.org/drawingml/2006/main" xmlns:r="http://schemas.openxmlformats.org/officeDocument/2006/relationships" xmlns:mc="http://schemas.openxmlformats.org/markup-compatibility/2006" xmlns:mv="urn:schemas-microsoft-com:mac:vml" xmlns:p="http://schemas.openxmlformats.org/presentationml/2006/main" xmlns:c="http://schemas.openxmlformats.org/drawingml/2006/chart" xmlns:dgm="http://schemas.openxmlformats.org/drawingml/2006/diagram" xmlns:o="urn:schemas-microsoft-com:office:office" xmlns:v="urn:schemas-microsoft-com:vml" xmlns:pvml="urn:schemas-microsoft-com:office:powerpoint" xmlns:com="http://schemas.openxmlformats.org/drawingml/2006/compatibility" xmlns:p14="http://schemas.microsoft.com/office/powerpoint/2010/main" xmlns:p15="http://schemas.microsoft.com/office/powerpoint/2012/main" xmlns:ahyp="http://schemas.microsoft.com/office/drawing/2018/hyperlinkcolor" showMasterPhAnim="0" showMasterSp="0">
+<p:notes xmlns:a="http://schemas.openxmlformats.org/drawingml/2006/main" xmlns:r="http://schemas.openxmlformats.org/officeDocument/2006/relationships" xmlns:p="http://schemas.openxmlformats.org/presentationml/2006/main" showMasterSp="0" showMasterPhAnim="0">
   <p:cSld>
     <p:spTree>
       <p:nvGrpSpPr>
-        <p:cNvPr id="162" name="Shape 162"/>
+        <p:cNvPr id="1" name="Shape 162"/>
         <p:cNvGrpSpPr/>
         <p:nvPr/>
       </p:nvGrpSpPr>
@@ -1015,9 +1045,11 @@
       <p:sp>
         <p:nvSpPr>
           <p:cNvPr id="163" name="Google Shape;163;p10:notes"/>
-          <p:cNvSpPr txBox="1"/>
+          <p:cNvSpPr txBox="1">
+            <a:spLocks noGrp="1"/>
+          </p:cNvSpPr>
           <p:nvPr>
-            <p:ph idx="1" type="body"/>
+            <p:ph type="body" idx="1"/>
           </p:nvPr>
         </p:nvSpPr>
         <p:spPr>
@@ -1030,12 +1062,12 @@
           </a:prstGeom>
         </p:spPr>
         <p:txBody>
-          <a:bodyPr anchorCtr="0" anchor="t" bIns="91425" lIns="91425" spcFirstLastPara="1" rIns="91425" wrap="square" tIns="91425">
+          <a:bodyPr spcFirstLastPara="1" wrap="square" lIns="91425" tIns="91425" rIns="91425" bIns="91425" anchor="t" anchorCtr="0">
             <a:noAutofit/>
           </a:bodyPr>
           <a:lstStyle/>
           <a:p>
-            <a:pPr indent="0" lvl="0" marL="0" rtl="0" algn="l">
+            <a:pPr marL="0" lvl="0" indent="0" algn="l" rtl="0">
               <a:spcBef>
                 <a:spcPts val="0"/>
               </a:spcBef>
@@ -1044,9 +1076,6 @@
               </a:spcAft>
               <a:buNone/>
             </a:pPr>
-            <a:r>
-              <a:t/>
-            </a:r>
             <a:endParaRPr/>
           </a:p>
         </p:txBody>
@@ -1054,9 +1083,11 @@
       <p:sp>
         <p:nvSpPr>
           <p:cNvPr id="164" name="Google Shape;164;p10:notes"/>
-          <p:cNvSpPr/>
+          <p:cNvSpPr>
+            <a:spLocks noGrp="1" noRot="1" noChangeAspect="1"/>
+          </p:cNvSpPr>
           <p:nvPr>
-            <p:ph idx="2" type="sldImg"/>
+            <p:ph type="sldImg" idx="2"/>
           </p:nvPr>
         </p:nvSpPr>
         <p:spPr>
@@ -1065,9 +1096,13 @@
             <a:ext cx="4572225" cy="3429000"/>
           </a:xfrm>
           <a:custGeom>
-            <a:rect b="b" l="l" r="r" t="t"/>
+            <a:avLst/>
+            <a:gdLst/>
+            <a:ahLst/>
+            <a:cxnLst/>
+            <a:rect l="l" t="t" r="r" b="b"/>
             <a:pathLst>
-              <a:path extrusionOk="0" h="120000" w="120000">
+              <a:path w="120000" h="120000" extrusionOk="0">
                 <a:moveTo>
                   <a:pt x="0" y="0"/>
                 </a:moveTo>
@@ -1095,11 +1130,11 @@
 </file>
 
 <file path=ppt/notesSlides/notesSlide13.xml><?xml version="1.0" encoding="utf-8"?>
-<p:notes xmlns:a="http://schemas.openxmlformats.org/drawingml/2006/main" xmlns:r="http://schemas.openxmlformats.org/officeDocument/2006/relationships" xmlns:mc="http://schemas.openxmlformats.org/markup-compatibility/2006" xmlns:mv="urn:schemas-microsoft-com:mac:vml" xmlns:p="http://schemas.openxmlformats.org/presentationml/2006/main" xmlns:c="http://schemas.openxmlformats.org/drawingml/2006/chart" xmlns:dgm="http://schemas.openxmlformats.org/drawingml/2006/diagram" xmlns:o="urn:schemas-microsoft-com:office:office" xmlns:v="urn:schemas-microsoft-com:vml" xmlns:pvml="urn:schemas-microsoft-com:office:powerpoint" xmlns:com="http://schemas.openxmlformats.org/drawingml/2006/compatibility" xmlns:p14="http://schemas.microsoft.com/office/powerpoint/2010/main" xmlns:p15="http://schemas.microsoft.com/office/powerpoint/2012/main" xmlns:ahyp="http://schemas.microsoft.com/office/drawing/2018/hyperlinkcolor" showMasterPhAnim="0" showMasterSp="0">
+<p:notes xmlns:a="http://schemas.openxmlformats.org/drawingml/2006/main" xmlns:r="http://schemas.openxmlformats.org/officeDocument/2006/relationships" xmlns:p="http://schemas.openxmlformats.org/presentationml/2006/main" showMasterSp="0" showMasterPhAnim="0">
   <p:cSld>
     <p:spTree>
       <p:nvGrpSpPr>
-        <p:cNvPr id="170" name="Shape 170"/>
+        <p:cNvPr id="1" name="Shape 170"/>
         <p:cNvGrpSpPr/>
         <p:nvPr/>
       </p:nvGrpSpPr>
@@ -1114,9 +1149,11 @@
       <p:sp>
         <p:nvSpPr>
           <p:cNvPr id="171" name="Google Shape;171;p11:notes"/>
-          <p:cNvSpPr txBox="1"/>
+          <p:cNvSpPr txBox="1">
+            <a:spLocks noGrp="1"/>
+          </p:cNvSpPr>
           <p:nvPr>
-            <p:ph idx="1" type="body"/>
+            <p:ph type="body" idx="1"/>
           </p:nvPr>
         </p:nvSpPr>
         <p:spPr>
@@ -1129,12 +1166,12 @@
           </a:prstGeom>
         </p:spPr>
         <p:txBody>
-          <a:bodyPr anchorCtr="0" anchor="t" bIns="91425" lIns="91425" spcFirstLastPara="1" rIns="91425" wrap="square" tIns="91425">
+          <a:bodyPr spcFirstLastPara="1" wrap="square" lIns="91425" tIns="91425" rIns="91425" bIns="91425" anchor="t" anchorCtr="0">
             <a:noAutofit/>
           </a:bodyPr>
           <a:lstStyle/>
           <a:p>
-            <a:pPr indent="0" lvl="0" marL="0" rtl="0" algn="l">
+            <a:pPr marL="0" lvl="0" indent="0" algn="l" rtl="0">
               <a:spcBef>
                 <a:spcPts val="0"/>
               </a:spcBef>
@@ -1143,9 +1180,6 @@
               </a:spcAft>
               <a:buNone/>
             </a:pPr>
-            <a:r>
-              <a:t/>
-            </a:r>
             <a:endParaRPr/>
           </a:p>
         </p:txBody>
@@ -1153,9 +1187,11 @@
       <p:sp>
         <p:nvSpPr>
           <p:cNvPr id="172" name="Google Shape;172;p11:notes"/>
-          <p:cNvSpPr/>
+          <p:cNvSpPr>
+            <a:spLocks noGrp="1" noRot="1" noChangeAspect="1"/>
+          </p:cNvSpPr>
           <p:nvPr>
-            <p:ph idx="2" type="sldImg"/>
+            <p:ph type="sldImg" idx="2"/>
           </p:nvPr>
         </p:nvSpPr>
         <p:spPr>
@@ -1164,9 +1200,13 @@
             <a:ext cx="4572225" cy="3429000"/>
           </a:xfrm>
           <a:custGeom>
-            <a:rect b="b" l="l" r="r" t="t"/>
+            <a:avLst/>
+            <a:gdLst/>
+            <a:ahLst/>
+            <a:cxnLst/>
+            <a:rect l="l" t="t" r="r" b="b"/>
             <a:pathLst>
-              <a:path extrusionOk="0" h="120000" w="120000">
+              <a:path w="120000" h="120000" extrusionOk="0">
                 <a:moveTo>
                   <a:pt x="0" y="0"/>
                 </a:moveTo>
@@ -1194,11 +1234,11 @@
 </file>
 
 <file path=ppt/notesSlides/notesSlide2.xml><?xml version="1.0" encoding="utf-8"?>
-<p:notes xmlns:a="http://schemas.openxmlformats.org/drawingml/2006/main" xmlns:r="http://schemas.openxmlformats.org/officeDocument/2006/relationships" xmlns:mc="http://schemas.openxmlformats.org/markup-compatibility/2006" xmlns:mv="urn:schemas-microsoft-com:mac:vml" xmlns:p="http://schemas.openxmlformats.org/presentationml/2006/main" xmlns:c="http://schemas.openxmlformats.org/drawingml/2006/chart" xmlns:dgm="http://schemas.openxmlformats.org/drawingml/2006/diagram" xmlns:o="urn:schemas-microsoft-com:office:office" xmlns:v="urn:schemas-microsoft-com:vml" xmlns:pvml="urn:schemas-microsoft-com:office:powerpoint" xmlns:com="http://schemas.openxmlformats.org/drawingml/2006/compatibility" xmlns:p14="http://schemas.microsoft.com/office/powerpoint/2010/main" xmlns:p15="http://schemas.microsoft.com/office/powerpoint/2012/main" xmlns:ahyp="http://schemas.microsoft.com/office/drawing/2018/hyperlinkcolor" showMasterPhAnim="0" showMasterSp="0">
+<p:notes xmlns:a="http://schemas.openxmlformats.org/drawingml/2006/main" xmlns:r="http://schemas.openxmlformats.org/officeDocument/2006/relationships" xmlns:p="http://schemas.openxmlformats.org/presentationml/2006/main" showMasterSp="0" showMasterPhAnim="0">
   <p:cSld>
     <p:spTree>
       <p:nvGrpSpPr>
-        <p:cNvPr id="88" name="Shape 88"/>
+        <p:cNvPr id="1" name="Shape 88"/>
         <p:cNvGrpSpPr/>
         <p:nvPr/>
       </p:nvGrpSpPr>
@@ -1213,9 +1253,11 @@
       <p:sp>
         <p:nvSpPr>
           <p:cNvPr id="89" name="Google Shape;89;p2:notes"/>
-          <p:cNvSpPr txBox="1"/>
+          <p:cNvSpPr txBox="1">
+            <a:spLocks noGrp="1"/>
+          </p:cNvSpPr>
           <p:nvPr>
-            <p:ph idx="1" type="body"/>
+            <p:ph type="body" idx="1"/>
           </p:nvPr>
         </p:nvSpPr>
         <p:spPr>
@@ -1228,12 +1270,12 @@
           </a:prstGeom>
         </p:spPr>
         <p:txBody>
-          <a:bodyPr anchorCtr="0" anchor="t" bIns="91425" lIns="91425" spcFirstLastPara="1" rIns="91425" wrap="square" tIns="91425">
+          <a:bodyPr spcFirstLastPara="1" wrap="square" lIns="91425" tIns="91425" rIns="91425" bIns="91425" anchor="t" anchorCtr="0">
             <a:noAutofit/>
           </a:bodyPr>
           <a:lstStyle/>
           <a:p>
-            <a:pPr indent="0" lvl="0" marL="0" rtl="0" algn="l">
+            <a:pPr marL="0" lvl="0" indent="0" algn="l" rtl="0">
               <a:spcBef>
                 <a:spcPts val="0"/>
               </a:spcBef>
@@ -1242,9 +1284,6 @@
               </a:spcAft>
               <a:buNone/>
             </a:pPr>
-            <a:r>
-              <a:t/>
-            </a:r>
             <a:endParaRPr/>
           </a:p>
         </p:txBody>
@@ -1252,9 +1291,11 @@
       <p:sp>
         <p:nvSpPr>
           <p:cNvPr id="90" name="Google Shape;90;p2:notes"/>
-          <p:cNvSpPr/>
+          <p:cNvSpPr>
+            <a:spLocks noGrp="1" noRot="1" noChangeAspect="1"/>
+          </p:cNvSpPr>
           <p:nvPr>
-            <p:ph idx="2" type="sldImg"/>
+            <p:ph type="sldImg" idx="2"/>
           </p:nvPr>
         </p:nvSpPr>
         <p:spPr>
@@ -1263,9 +1304,13 @@
             <a:ext cx="4572225" cy="3429000"/>
           </a:xfrm>
           <a:custGeom>
-            <a:rect b="b" l="l" r="r" t="t"/>
+            <a:avLst/>
+            <a:gdLst/>
+            <a:ahLst/>
+            <a:cxnLst/>
+            <a:rect l="l" t="t" r="r" b="b"/>
             <a:pathLst>
-              <a:path extrusionOk="0" h="120000" w="120000">
+              <a:path w="120000" h="120000" extrusionOk="0">
                 <a:moveTo>
                   <a:pt x="0" y="0"/>
                 </a:moveTo>
@@ -1293,11 +1338,11 @@
 </file>
 
 <file path=ppt/notesSlides/notesSlide3.xml><?xml version="1.0" encoding="utf-8"?>
-<p:notes xmlns:a="http://schemas.openxmlformats.org/drawingml/2006/main" xmlns:r="http://schemas.openxmlformats.org/officeDocument/2006/relationships" xmlns:mc="http://schemas.openxmlformats.org/markup-compatibility/2006" xmlns:mv="urn:schemas-microsoft-com:mac:vml" xmlns:p="http://schemas.openxmlformats.org/presentationml/2006/main" xmlns:c="http://schemas.openxmlformats.org/drawingml/2006/chart" xmlns:dgm="http://schemas.openxmlformats.org/drawingml/2006/diagram" xmlns:o="urn:schemas-microsoft-com:office:office" xmlns:v="urn:schemas-microsoft-com:vml" xmlns:pvml="urn:schemas-microsoft-com:office:powerpoint" xmlns:com="http://schemas.openxmlformats.org/drawingml/2006/compatibility" xmlns:p14="http://schemas.microsoft.com/office/powerpoint/2010/main" xmlns:p15="http://schemas.microsoft.com/office/powerpoint/2012/main" xmlns:ahyp="http://schemas.microsoft.com/office/drawing/2018/hyperlinkcolor" showMasterPhAnim="0" showMasterSp="0">
+<p:notes xmlns:a="http://schemas.openxmlformats.org/drawingml/2006/main" xmlns:r="http://schemas.openxmlformats.org/officeDocument/2006/relationships" xmlns:p="http://schemas.openxmlformats.org/presentationml/2006/main" showMasterSp="0" showMasterPhAnim="0">
   <p:cSld>
     <p:spTree>
       <p:nvGrpSpPr>
-        <p:cNvPr id="96" name="Shape 96"/>
+        <p:cNvPr id="1" name="Shape 96"/>
         <p:cNvGrpSpPr/>
         <p:nvPr/>
       </p:nvGrpSpPr>
@@ -1312,9 +1357,11 @@
       <p:sp>
         <p:nvSpPr>
           <p:cNvPr id="97" name="Google Shape;97;p3:notes"/>
-          <p:cNvSpPr txBox="1"/>
+          <p:cNvSpPr txBox="1">
+            <a:spLocks noGrp="1"/>
+          </p:cNvSpPr>
           <p:nvPr>
-            <p:ph idx="1" type="body"/>
+            <p:ph type="body" idx="1"/>
           </p:nvPr>
         </p:nvSpPr>
         <p:spPr>
@@ -1327,12 +1374,12 @@
           </a:prstGeom>
         </p:spPr>
         <p:txBody>
-          <a:bodyPr anchorCtr="0" anchor="t" bIns="91425" lIns="91425" spcFirstLastPara="1" rIns="91425" wrap="square" tIns="91425">
+          <a:bodyPr spcFirstLastPara="1" wrap="square" lIns="91425" tIns="91425" rIns="91425" bIns="91425" anchor="t" anchorCtr="0">
             <a:noAutofit/>
           </a:bodyPr>
           <a:lstStyle/>
           <a:p>
-            <a:pPr indent="0" lvl="0" marL="0" rtl="0" algn="l">
+            <a:pPr marL="0" lvl="0" indent="0" algn="l" rtl="0">
               <a:spcBef>
                 <a:spcPts val="0"/>
               </a:spcBef>
@@ -1341,9 +1388,6 @@
               </a:spcAft>
               <a:buNone/>
             </a:pPr>
-            <a:r>
-              <a:t/>
-            </a:r>
             <a:endParaRPr/>
           </a:p>
         </p:txBody>
@@ -1351,9 +1395,11 @@
       <p:sp>
         <p:nvSpPr>
           <p:cNvPr id="98" name="Google Shape;98;p3:notes"/>
-          <p:cNvSpPr/>
+          <p:cNvSpPr>
+            <a:spLocks noGrp="1" noRot="1" noChangeAspect="1"/>
+          </p:cNvSpPr>
           <p:nvPr>
-            <p:ph idx="2" type="sldImg"/>
+            <p:ph type="sldImg" idx="2"/>
           </p:nvPr>
         </p:nvSpPr>
         <p:spPr>
@@ -1362,9 +1408,13 @@
             <a:ext cx="4572225" cy="3429000"/>
           </a:xfrm>
           <a:custGeom>
-            <a:rect b="b" l="l" r="r" t="t"/>
+            <a:avLst/>
+            <a:gdLst/>
+            <a:ahLst/>
+            <a:cxnLst/>
+            <a:rect l="l" t="t" r="r" b="b"/>
             <a:pathLst>
-              <a:path extrusionOk="0" h="120000" w="120000">
+              <a:path w="120000" h="120000" extrusionOk="0">
                 <a:moveTo>
                   <a:pt x="0" y="0"/>
                 </a:moveTo>
@@ -1392,11 +1442,11 @@
 </file>
 
 <file path=ppt/notesSlides/notesSlide4.xml><?xml version="1.0" encoding="utf-8"?>
-<p:notes xmlns:a="http://schemas.openxmlformats.org/drawingml/2006/main" xmlns:r="http://schemas.openxmlformats.org/officeDocument/2006/relationships" xmlns:mc="http://schemas.openxmlformats.org/markup-compatibility/2006" xmlns:mv="urn:schemas-microsoft-com:mac:vml" xmlns:p="http://schemas.openxmlformats.org/presentationml/2006/main" xmlns:c="http://schemas.openxmlformats.org/drawingml/2006/chart" xmlns:dgm="http://schemas.openxmlformats.org/drawingml/2006/diagram" xmlns:o="urn:schemas-microsoft-com:office:office" xmlns:v="urn:schemas-microsoft-com:vml" xmlns:pvml="urn:schemas-microsoft-com:office:powerpoint" xmlns:com="http://schemas.openxmlformats.org/drawingml/2006/compatibility" xmlns:p14="http://schemas.microsoft.com/office/powerpoint/2010/main" xmlns:p15="http://schemas.microsoft.com/office/powerpoint/2012/main" xmlns:ahyp="http://schemas.microsoft.com/office/drawing/2018/hyperlinkcolor" showMasterPhAnim="0" showMasterSp="0">
+<p:notes xmlns:a="http://schemas.openxmlformats.org/drawingml/2006/main" xmlns:r="http://schemas.openxmlformats.org/officeDocument/2006/relationships" xmlns:p="http://schemas.openxmlformats.org/presentationml/2006/main" showMasterSp="0" showMasterPhAnim="0">
   <p:cSld>
     <p:spTree>
       <p:nvGrpSpPr>
-        <p:cNvPr id="104" name="Shape 104"/>
+        <p:cNvPr id="1" name="Shape 104"/>
         <p:cNvGrpSpPr/>
         <p:nvPr/>
       </p:nvGrpSpPr>
@@ -1411,9 +1461,11 @@
       <p:sp>
         <p:nvSpPr>
           <p:cNvPr id="105" name="Google Shape;105;p4:notes"/>
-          <p:cNvSpPr txBox="1"/>
+          <p:cNvSpPr txBox="1">
+            <a:spLocks noGrp="1"/>
+          </p:cNvSpPr>
           <p:nvPr>
-            <p:ph idx="1" type="body"/>
+            <p:ph type="body" idx="1"/>
           </p:nvPr>
         </p:nvSpPr>
         <p:spPr>
@@ -1426,12 +1478,12 @@
           </a:prstGeom>
         </p:spPr>
         <p:txBody>
-          <a:bodyPr anchorCtr="0" anchor="t" bIns="91425" lIns="91425" spcFirstLastPara="1" rIns="91425" wrap="square" tIns="91425">
+          <a:bodyPr spcFirstLastPara="1" wrap="square" lIns="91425" tIns="91425" rIns="91425" bIns="91425" anchor="t" anchorCtr="0">
             <a:noAutofit/>
           </a:bodyPr>
           <a:lstStyle/>
           <a:p>
-            <a:pPr indent="0" lvl="0" marL="0" rtl="0" algn="l">
+            <a:pPr marL="0" lvl="0" indent="0" algn="l" rtl="0">
               <a:spcBef>
                 <a:spcPts val="0"/>
               </a:spcBef>
@@ -1440,9 +1492,6 @@
               </a:spcAft>
               <a:buNone/>
             </a:pPr>
-            <a:r>
-              <a:t/>
-            </a:r>
             <a:endParaRPr/>
           </a:p>
         </p:txBody>
@@ -1450,9 +1499,11 @@
       <p:sp>
         <p:nvSpPr>
           <p:cNvPr id="106" name="Google Shape;106;p4:notes"/>
-          <p:cNvSpPr/>
+          <p:cNvSpPr>
+            <a:spLocks noGrp="1" noRot="1" noChangeAspect="1"/>
+          </p:cNvSpPr>
           <p:nvPr>
-            <p:ph idx="2" type="sldImg"/>
+            <p:ph type="sldImg" idx="2"/>
           </p:nvPr>
         </p:nvSpPr>
         <p:spPr>
@@ -1461,9 +1512,13 @@
             <a:ext cx="4572225" cy="3429000"/>
           </a:xfrm>
           <a:custGeom>
-            <a:rect b="b" l="l" r="r" t="t"/>
+            <a:avLst/>
+            <a:gdLst/>
+            <a:ahLst/>
+            <a:cxnLst/>
+            <a:rect l="l" t="t" r="r" b="b"/>
             <a:pathLst>
-              <a:path extrusionOk="0" h="120000" w="120000">
+              <a:path w="120000" h="120000" extrusionOk="0">
                 <a:moveTo>
                   <a:pt x="0" y="0"/>
                 </a:moveTo>
@@ -1491,11 +1546,11 @@
 </file>
 
 <file path=ppt/notesSlides/notesSlide5.xml><?xml version="1.0" encoding="utf-8"?>
-<p:notes xmlns:a="http://schemas.openxmlformats.org/drawingml/2006/main" xmlns:r="http://schemas.openxmlformats.org/officeDocument/2006/relationships" xmlns:mc="http://schemas.openxmlformats.org/markup-compatibility/2006" xmlns:mv="urn:schemas-microsoft-com:mac:vml" xmlns:p="http://schemas.openxmlformats.org/presentationml/2006/main" xmlns:c="http://schemas.openxmlformats.org/drawingml/2006/chart" xmlns:dgm="http://schemas.openxmlformats.org/drawingml/2006/diagram" xmlns:o="urn:schemas-microsoft-com:office:office" xmlns:v="urn:schemas-microsoft-com:vml" xmlns:pvml="urn:schemas-microsoft-com:office:powerpoint" xmlns:com="http://schemas.openxmlformats.org/drawingml/2006/compatibility" xmlns:p14="http://schemas.microsoft.com/office/powerpoint/2010/main" xmlns:p15="http://schemas.microsoft.com/office/powerpoint/2012/main" xmlns:ahyp="http://schemas.microsoft.com/office/drawing/2018/hyperlinkcolor" showMasterPhAnim="0" showMasterSp="0">
+<p:notes xmlns:a="http://schemas.openxmlformats.org/drawingml/2006/main" xmlns:r="http://schemas.openxmlformats.org/officeDocument/2006/relationships" xmlns:p="http://schemas.openxmlformats.org/presentationml/2006/main" showMasterSp="0" showMasterPhAnim="0">
   <p:cSld>
     <p:spTree>
       <p:nvGrpSpPr>
-        <p:cNvPr id="112" name="Shape 112"/>
+        <p:cNvPr id="1" name="Shape 112"/>
         <p:cNvGrpSpPr/>
         <p:nvPr/>
       </p:nvGrpSpPr>
@@ -1510,9 +1565,11 @@
       <p:sp>
         <p:nvSpPr>
           <p:cNvPr id="113" name="Google Shape;113;p5:notes"/>
-          <p:cNvSpPr txBox="1"/>
+          <p:cNvSpPr txBox="1">
+            <a:spLocks noGrp="1"/>
+          </p:cNvSpPr>
           <p:nvPr>
-            <p:ph idx="1" type="body"/>
+            <p:ph type="body" idx="1"/>
           </p:nvPr>
         </p:nvSpPr>
         <p:spPr>
@@ -1525,12 +1582,12 @@
           </a:prstGeom>
         </p:spPr>
         <p:txBody>
-          <a:bodyPr anchorCtr="0" anchor="t" bIns="91425" lIns="91425" spcFirstLastPara="1" rIns="91425" wrap="square" tIns="91425">
+          <a:bodyPr spcFirstLastPara="1" wrap="square" lIns="91425" tIns="91425" rIns="91425" bIns="91425" anchor="t" anchorCtr="0">
             <a:noAutofit/>
           </a:bodyPr>
           <a:lstStyle/>
           <a:p>
-            <a:pPr indent="0" lvl="0" marL="0" rtl="0" algn="l">
+            <a:pPr marL="0" lvl="0" indent="0" algn="l" rtl="0">
               <a:spcBef>
                 <a:spcPts val="0"/>
               </a:spcBef>
@@ -1539,9 +1596,6 @@
               </a:spcAft>
               <a:buNone/>
             </a:pPr>
-            <a:r>
-              <a:t/>
-            </a:r>
             <a:endParaRPr/>
           </a:p>
         </p:txBody>
@@ -1549,9 +1603,11 @@
       <p:sp>
         <p:nvSpPr>
           <p:cNvPr id="114" name="Google Shape;114;p5:notes"/>
-          <p:cNvSpPr/>
+          <p:cNvSpPr>
+            <a:spLocks noGrp="1" noRot="1" noChangeAspect="1"/>
+          </p:cNvSpPr>
           <p:nvPr>
-            <p:ph idx="2" type="sldImg"/>
+            <p:ph type="sldImg" idx="2"/>
           </p:nvPr>
         </p:nvSpPr>
         <p:spPr>
@@ -1560,9 +1616,13 @@
             <a:ext cx="4572225" cy="3429000"/>
           </a:xfrm>
           <a:custGeom>
-            <a:rect b="b" l="l" r="r" t="t"/>
+            <a:avLst/>
+            <a:gdLst/>
+            <a:ahLst/>
+            <a:cxnLst/>
+            <a:rect l="l" t="t" r="r" b="b"/>
             <a:pathLst>
-              <a:path extrusionOk="0" h="120000" w="120000">
+              <a:path w="120000" h="120000" extrusionOk="0">
                 <a:moveTo>
                   <a:pt x="0" y="0"/>
                 </a:moveTo>
@@ -1590,11 +1650,11 @@
 </file>
 
 <file path=ppt/notesSlides/notesSlide6.xml><?xml version="1.0" encoding="utf-8"?>
-<p:notes xmlns:a="http://schemas.openxmlformats.org/drawingml/2006/main" xmlns:r="http://schemas.openxmlformats.org/officeDocument/2006/relationships" xmlns:mc="http://schemas.openxmlformats.org/markup-compatibility/2006" xmlns:mv="urn:schemas-microsoft-com:mac:vml" xmlns:p="http://schemas.openxmlformats.org/presentationml/2006/main" xmlns:c="http://schemas.openxmlformats.org/drawingml/2006/chart" xmlns:dgm="http://schemas.openxmlformats.org/drawingml/2006/diagram" xmlns:o="urn:schemas-microsoft-com:office:office" xmlns:v="urn:schemas-microsoft-com:vml" xmlns:pvml="urn:schemas-microsoft-com:office:powerpoint" xmlns:com="http://schemas.openxmlformats.org/drawingml/2006/compatibility" xmlns:p14="http://schemas.microsoft.com/office/powerpoint/2010/main" xmlns:p15="http://schemas.microsoft.com/office/powerpoint/2012/main" xmlns:ahyp="http://schemas.microsoft.com/office/drawing/2018/hyperlinkcolor" showMasterPhAnim="0" showMasterSp="0">
+<p:notes xmlns:a="http://schemas.openxmlformats.org/drawingml/2006/main" xmlns:r="http://schemas.openxmlformats.org/officeDocument/2006/relationships" xmlns:p="http://schemas.openxmlformats.org/presentationml/2006/main" showMasterSp="0" showMasterPhAnim="0">
   <p:cSld>
     <p:spTree>
       <p:nvGrpSpPr>
-        <p:cNvPr id="120" name="Shape 120"/>
+        <p:cNvPr id="1" name="Shape 120"/>
         <p:cNvGrpSpPr/>
         <p:nvPr/>
       </p:nvGrpSpPr>
@@ -1609,9 +1669,11 @@
       <p:sp>
         <p:nvSpPr>
           <p:cNvPr id="121" name="Google Shape;121;p6:notes"/>
-          <p:cNvSpPr txBox="1"/>
+          <p:cNvSpPr txBox="1">
+            <a:spLocks noGrp="1"/>
+          </p:cNvSpPr>
           <p:nvPr>
-            <p:ph idx="1" type="body"/>
+            <p:ph type="body" idx="1"/>
           </p:nvPr>
         </p:nvSpPr>
         <p:spPr>
@@ -1624,12 +1686,12 @@
           </a:prstGeom>
         </p:spPr>
         <p:txBody>
-          <a:bodyPr anchorCtr="0" anchor="t" bIns="91425" lIns="91425" spcFirstLastPara="1" rIns="91425" wrap="square" tIns="91425">
+          <a:bodyPr spcFirstLastPara="1" wrap="square" lIns="91425" tIns="91425" rIns="91425" bIns="91425" anchor="t" anchorCtr="0">
             <a:noAutofit/>
           </a:bodyPr>
           <a:lstStyle/>
           <a:p>
-            <a:pPr indent="0" lvl="0" marL="0" rtl="0" algn="l">
+            <a:pPr marL="0" lvl="0" indent="0" algn="l" rtl="0">
               <a:spcBef>
                 <a:spcPts val="0"/>
               </a:spcBef>
@@ -1638,9 +1700,6 @@
               </a:spcAft>
               <a:buNone/>
             </a:pPr>
-            <a:r>
-              <a:t/>
-            </a:r>
             <a:endParaRPr/>
           </a:p>
         </p:txBody>
@@ -1648,9 +1707,11 @@
       <p:sp>
         <p:nvSpPr>
           <p:cNvPr id="122" name="Google Shape;122;p6:notes"/>
-          <p:cNvSpPr/>
+          <p:cNvSpPr>
+            <a:spLocks noGrp="1" noRot="1" noChangeAspect="1"/>
+          </p:cNvSpPr>
           <p:nvPr>
-            <p:ph idx="2" type="sldImg"/>
+            <p:ph type="sldImg" idx="2"/>
           </p:nvPr>
         </p:nvSpPr>
         <p:spPr>
@@ -1659,9 +1720,13 @@
             <a:ext cx="4572225" cy="3429000"/>
           </a:xfrm>
           <a:custGeom>
-            <a:rect b="b" l="l" r="r" t="t"/>
+            <a:avLst/>
+            <a:gdLst/>
+            <a:ahLst/>
+            <a:cxnLst/>
+            <a:rect l="l" t="t" r="r" b="b"/>
             <a:pathLst>
-              <a:path extrusionOk="0" h="120000" w="120000">
+              <a:path w="120000" h="120000" extrusionOk="0">
                 <a:moveTo>
                   <a:pt x="0" y="0"/>
                 </a:moveTo>
@@ -1689,11 +1754,11 @@
 </file>
 
 <file path=ppt/notesSlides/notesSlide7.xml><?xml version="1.0" encoding="utf-8"?>
-<p:notes xmlns:a="http://schemas.openxmlformats.org/drawingml/2006/main" xmlns:r="http://schemas.openxmlformats.org/officeDocument/2006/relationships" xmlns:mc="http://schemas.openxmlformats.org/markup-compatibility/2006" xmlns:mv="urn:schemas-microsoft-com:mac:vml" xmlns:p="http://schemas.openxmlformats.org/presentationml/2006/main" xmlns:c="http://schemas.openxmlformats.org/drawingml/2006/chart" xmlns:dgm="http://schemas.openxmlformats.org/drawingml/2006/diagram" xmlns:o="urn:schemas-microsoft-com:office:office" xmlns:v="urn:schemas-microsoft-com:vml" xmlns:pvml="urn:schemas-microsoft-com:office:powerpoint" xmlns:com="http://schemas.openxmlformats.org/drawingml/2006/compatibility" xmlns:p14="http://schemas.microsoft.com/office/powerpoint/2010/main" xmlns:p15="http://schemas.microsoft.com/office/powerpoint/2012/main" xmlns:ahyp="http://schemas.microsoft.com/office/drawing/2018/hyperlinkcolor" showMasterPhAnim="0" showMasterSp="0">
+<p:notes xmlns:a="http://schemas.openxmlformats.org/drawingml/2006/main" xmlns:r="http://schemas.openxmlformats.org/officeDocument/2006/relationships" xmlns:p="http://schemas.openxmlformats.org/presentationml/2006/main" showMasterSp="0" showMasterPhAnim="0">
   <p:cSld>
     <p:spTree>
       <p:nvGrpSpPr>
-        <p:cNvPr id="127" name="Shape 127"/>
+        <p:cNvPr id="1" name="Shape 127"/>
         <p:cNvGrpSpPr/>
         <p:nvPr/>
       </p:nvGrpSpPr>
@@ -1708,9 +1773,11 @@
       <p:sp>
         <p:nvSpPr>
           <p:cNvPr id="128" name="Google Shape;128;p7:notes"/>
-          <p:cNvSpPr txBox="1"/>
+          <p:cNvSpPr txBox="1">
+            <a:spLocks noGrp="1"/>
+          </p:cNvSpPr>
           <p:nvPr>
-            <p:ph idx="1" type="body"/>
+            <p:ph type="body" idx="1"/>
           </p:nvPr>
         </p:nvSpPr>
         <p:spPr>
@@ -1723,12 +1790,12 @@
           </a:prstGeom>
         </p:spPr>
         <p:txBody>
-          <a:bodyPr anchorCtr="0" anchor="t" bIns="91425" lIns="91425" spcFirstLastPara="1" rIns="91425" wrap="square" tIns="91425">
+          <a:bodyPr spcFirstLastPara="1" wrap="square" lIns="91425" tIns="91425" rIns="91425" bIns="91425" anchor="t" anchorCtr="0">
             <a:noAutofit/>
           </a:bodyPr>
           <a:lstStyle/>
           <a:p>
-            <a:pPr indent="0" lvl="0" marL="0" rtl="0" algn="l">
+            <a:pPr marL="0" lvl="0" indent="0" algn="l" rtl="0">
               <a:spcBef>
                 <a:spcPts val="0"/>
               </a:spcBef>
@@ -1737,9 +1804,6 @@
               </a:spcAft>
               <a:buNone/>
             </a:pPr>
-            <a:r>
-              <a:t/>
-            </a:r>
             <a:endParaRPr/>
           </a:p>
         </p:txBody>
@@ -1747,9 +1811,11 @@
       <p:sp>
         <p:nvSpPr>
           <p:cNvPr id="129" name="Google Shape;129;p7:notes"/>
-          <p:cNvSpPr/>
+          <p:cNvSpPr>
+            <a:spLocks noGrp="1" noRot="1" noChangeAspect="1"/>
+          </p:cNvSpPr>
           <p:nvPr>
-            <p:ph idx="2" type="sldImg"/>
+            <p:ph type="sldImg" idx="2"/>
           </p:nvPr>
         </p:nvSpPr>
         <p:spPr>
@@ -1758,9 +1824,13 @@
             <a:ext cx="4572225" cy="3429000"/>
           </a:xfrm>
           <a:custGeom>
-            <a:rect b="b" l="l" r="r" t="t"/>
+            <a:avLst/>
+            <a:gdLst/>
+            <a:ahLst/>
+            <a:cxnLst/>
+            <a:rect l="l" t="t" r="r" b="b"/>
             <a:pathLst>
-              <a:path extrusionOk="0" h="120000" w="120000">
+              <a:path w="120000" h="120000" extrusionOk="0">
                 <a:moveTo>
                   <a:pt x="0" y="0"/>
                 </a:moveTo>
@@ -1788,11 +1858,11 @@
 </file>
 
 <file path=ppt/notesSlides/notesSlide8.xml><?xml version="1.0" encoding="utf-8"?>
-<p:notes xmlns:a="http://schemas.openxmlformats.org/drawingml/2006/main" xmlns:r="http://schemas.openxmlformats.org/officeDocument/2006/relationships" xmlns:mc="http://schemas.openxmlformats.org/markup-compatibility/2006" xmlns:mv="urn:schemas-microsoft-com:mac:vml" xmlns:p="http://schemas.openxmlformats.org/presentationml/2006/main" xmlns:c="http://schemas.openxmlformats.org/drawingml/2006/chart" xmlns:dgm="http://schemas.openxmlformats.org/drawingml/2006/diagram" xmlns:o="urn:schemas-microsoft-com:office:office" xmlns:v="urn:schemas-microsoft-com:vml" xmlns:pvml="urn:schemas-microsoft-com:office:powerpoint" xmlns:com="http://schemas.openxmlformats.org/drawingml/2006/compatibility" xmlns:p14="http://schemas.microsoft.com/office/powerpoint/2010/main" xmlns:p15="http://schemas.microsoft.com/office/powerpoint/2012/main" xmlns:ahyp="http://schemas.microsoft.com/office/drawing/2018/hyperlinkcolor" showMasterPhAnim="0" showMasterSp="0">
+<p:notes xmlns:a="http://schemas.openxmlformats.org/drawingml/2006/main" xmlns:r="http://schemas.openxmlformats.org/officeDocument/2006/relationships" xmlns:p="http://schemas.openxmlformats.org/presentationml/2006/main" showMasterSp="0" showMasterPhAnim="0">
   <p:cSld>
     <p:spTree>
       <p:nvGrpSpPr>
-        <p:cNvPr id="134" name="Shape 134"/>
+        <p:cNvPr id="1" name="Shape 134"/>
         <p:cNvGrpSpPr/>
         <p:nvPr/>
       </p:nvGrpSpPr>
@@ -1807,9 +1877,11 @@
       <p:sp>
         <p:nvSpPr>
           <p:cNvPr id="135" name="Google Shape;135;p8:notes"/>
-          <p:cNvSpPr txBox="1"/>
+          <p:cNvSpPr txBox="1">
+            <a:spLocks noGrp="1"/>
+          </p:cNvSpPr>
           <p:nvPr>
-            <p:ph idx="1" type="body"/>
+            <p:ph type="body" idx="1"/>
           </p:nvPr>
         </p:nvSpPr>
         <p:spPr>
@@ -1822,12 +1894,12 @@
           </a:prstGeom>
         </p:spPr>
         <p:txBody>
-          <a:bodyPr anchorCtr="0" anchor="t" bIns="91425" lIns="91425" spcFirstLastPara="1" rIns="91425" wrap="square" tIns="91425">
+          <a:bodyPr spcFirstLastPara="1" wrap="square" lIns="91425" tIns="91425" rIns="91425" bIns="91425" anchor="t" anchorCtr="0">
             <a:noAutofit/>
           </a:bodyPr>
           <a:lstStyle/>
           <a:p>
-            <a:pPr indent="0" lvl="0" marL="0" rtl="0" algn="l">
+            <a:pPr marL="0" lvl="0" indent="0" algn="l" rtl="0">
               <a:spcBef>
                 <a:spcPts val="0"/>
               </a:spcBef>
@@ -1836,9 +1908,6 @@
               </a:spcAft>
               <a:buNone/>
             </a:pPr>
-            <a:r>
-              <a:t/>
-            </a:r>
             <a:endParaRPr/>
           </a:p>
         </p:txBody>
@@ -1846,9 +1915,11 @@
       <p:sp>
         <p:nvSpPr>
           <p:cNvPr id="136" name="Google Shape;136;p8:notes"/>
-          <p:cNvSpPr/>
+          <p:cNvSpPr>
+            <a:spLocks noGrp="1" noRot="1" noChangeAspect="1"/>
+          </p:cNvSpPr>
           <p:nvPr>
-            <p:ph idx="2" type="sldImg"/>
+            <p:ph type="sldImg" idx="2"/>
           </p:nvPr>
         </p:nvSpPr>
         <p:spPr>
@@ -1857,9 +1928,13 @@
             <a:ext cx="4572225" cy="3429000"/>
           </a:xfrm>
           <a:custGeom>
-            <a:rect b="b" l="l" r="r" t="t"/>
+            <a:avLst/>
+            <a:gdLst/>
+            <a:ahLst/>
+            <a:cxnLst/>
+            <a:rect l="l" t="t" r="r" b="b"/>
             <a:pathLst>
-              <a:path extrusionOk="0" h="120000" w="120000">
+              <a:path w="120000" h="120000" extrusionOk="0">
                 <a:moveTo>
                   <a:pt x="0" y="0"/>
                 </a:moveTo>
@@ -1887,11 +1962,11 @@
 </file>
 
 <file path=ppt/notesSlides/notesSlide9.xml><?xml version="1.0" encoding="utf-8"?>
-<p:notes xmlns:a="http://schemas.openxmlformats.org/drawingml/2006/main" xmlns:r="http://schemas.openxmlformats.org/officeDocument/2006/relationships" xmlns:mc="http://schemas.openxmlformats.org/markup-compatibility/2006" xmlns:mv="urn:schemas-microsoft-com:mac:vml" xmlns:p="http://schemas.openxmlformats.org/presentationml/2006/main" xmlns:c="http://schemas.openxmlformats.org/drawingml/2006/chart" xmlns:dgm="http://schemas.openxmlformats.org/drawingml/2006/diagram" xmlns:o="urn:schemas-microsoft-com:office:office" xmlns:v="urn:schemas-microsoft-com:vml" xmlns:pvml="urn:schemas-microsoft-com:office:powerpoint" xmlns:com="http://schemas.openxmlformats.org/drawingml/2006/compatibility" xmlns:p14="http://schemas.microsoft.com/office/powerpoint/2010/main" xmlns:p15="http://schemas.microsoft.com/office/powerpoint/2012/main" xmlns:ahyp="http://schemas.microsoft.com/office/drawing/2018/hyperlinkcolor" showMasterPhAnim="0" showMasterSp="0">
+<p:notes xmlns:a="http://schemas.openxmlformats.org/drawingml/2006/main" xmlns:r="http://schemas.openxmlformats.org/officeDocument/2006/relationships" xmlns:p="http://schemas.openxmlformats.org/presentationml/2006/main" showMasterSp="0" showMasterPhAnim="0">
   <p:cSld>
     <p:spTree>
       <p:nvGrpSpPr>
-        <p:cNvPr id="141" name="Shape 141"/>
+        <p:cNvPr id="1" name="Shape 141"/>
         <p:cNvGrpSpPr/>
         <p:nvPr/>
       </p:nvGrpSpPr>
@@ -1906,9 +1981,11 @@
       <p:sp>
         <p:nvSpPr>
           <p:cNvPr id="142" name="Google Shape;142;p9:notes"/>
-          <p:cNvSpPr txBox="1"/>
+          <p:cNvSpPr txBox="1">
+            <a:spLocks noGrp="1"/>
+          </p:cNvSpPr>
           <p:nvPr>
-            <p:ph idx="1" type="body"/>
+            <p:ph type="body" idx="1"/>
           </p:nvPr>
         </p:nvSpPr>
         <p:spPr>
@@ -1921,12 +1998,12 @@
           </a:prstGeom>
         </p:spPr>
         <p:txBody>
-          <a:bodyPr anchorCtr="0" anchor="t" bIns="91425" lIns="91425" spcFirstLastPara="1" rIns="91425" wrap="square" tIns="91425">
+          <a:bodyPr spcFirstLastPara="1" wrap="square" lIns="91425" tIns="91425" rIns="91425" bIns="91425" anchor="t" anchorCtr="0">
             <a:noAutofit/>
           </a:bodyPr>
           <a:lstStyle/>
           <a:p>
-            <a:pPr indent="0" lvl="0" marL="0" rtl="0" algn="l">
+            <a:pPr marL="0" lvl="0" indent="0" algn="l" rtl="0">
               <a:spcBef>
                 <a:spcPts val="0"/>
               </a:spcBef>
@@ -1935,9 +2012,6 @@
               </a:spcAft>
               <a:buNone/>
             </a:pPr>
-            <a:r>
-              <a:t/>
-            </a:r>
             <a:endParaRPr/>
           </a:p>
         </p:txBody>
@@ -1945,9 +2019,11 @@
       <p:sp>
         <p:nvSpPr>
           <p:cNvPr id="143" name="Google Shape;143;p9:notes"/>
-          <p:cNvSpPr/>
+          <p:cNvSpPr>
+            <a:spLocks noGrp="1" noRot="1" noChangeAspect="1"/>
+          </p:cNvSpPr>
           <p:nvPr>
-            <p:ph idx="2" type="sldImg"/>
+            <p:ph type="sldImg" idx="2"/>
           </p:nvPr>
         </p:nvSpPr>
         <p:spPr>
@@ -1956,9 +2032,13 @@
             <a:ext cx="4572225" cy="3429000"/>
           </a:xfrm>
           <a:custGeom>
-            <a:rect b="b" l="l" r="r" t="t"/>
+            <a:avLst/>
+            <a:gdLst/>
+            <a:ahLst/>
+            <a:cxnLst/>
+            <a:rect l="l" t="t" r="r" b="b"/>
             <a:pathLst>
-              <a:path extrusionOk="0" h="120000" w="120000">
+              <a:path w="120000" h="120000" extrusionOk="0">
                 <a:moveTo>
                   <a:pt x="0" y="0"/>
                 </a:moveTo>
@@ -1986,11 +2066,11 @@
 </file>
 
 <file path=ppt/slideLayouts/slideLayout1.xml><?xml version="1.0" encoding="utf-8"?>
-<p:sldLayout xmlns:a="http://schemas.openxmlformats.org/drawingml/2006/main" xmlns:r="http://schemas.openxmlformats.org/officeDocument/2006/relationships" xmlns:mc="http://schemas.openxmlformats.org/markup-compatibility/2006" xmlns:mv="urn:schemas-microsoft-com:mac:vml" xmlns:p="http://schemas.openxmlformats.org/presentationml/2006/main" xmlns:c="http://schemas.openxmlformats.org/drawingml/2006/chart" xmlns:dgm="http://schemas.openxmlformats.org/drawingml/2006/diagram" xmlns:o="urn:schemas-microsoft-com:office:office" xmlns:v="urn:schemas-microsoft-com:vml" xmlns:pvml="urn:schemas-microsoft-com:office:powerpoint" xmlns:com="http://schemas.openxmlformats.org/drawingml/2006/compatibility" xmlns:p14="http://schemas.microsoft.com/office/powerpoint/2010/main" xmlns:p15="http://schemas.microsoft.com/office/powerpoint/2012/main" xmlns:ahyp="http://schemas.microsoft.com/office/drawing/2018/hyperlinkcolor" matchingName="Blank" type="blank">
+<p:sldLayout xmlns:a="http://schemas.openxmlformats.org/drawingml/2006/main" xmlns:r="http://schemas.openxmlformats.org/officeDocument/2006/relationships" xmlns:p="http://schemas.openxmlformats.org/presentationml/2006/main" matchingName="Blank" type="blank">
   <p:cSld name="BLANK">
     <p:spTree>
       <p:nvGrpSpPr>
-        <p:cNvPr id="11" name="Shape 11"/>
+        <p:cNvPr id="1" name="Shape 11"/>
         <p:cNvGrpSpPr/>
         <p:nvPr/>
       </p:nvGrpSpPr>
@@ -2005,9 +2085,11 @@
       <p:sp>
         <p:nvSpPr>
           <p:cNvPr id="12" name="Google Shape;12;p2"/>
-          <p:cNvSpPr txBox="1"/>
+          <p:cNvSpPr txBox="1">
+            <a:spLocks noGrp="1"/>
+          </p:cNvSpPr>
           <p:nvPr>
-            <p:ph idx="10" type="dt"/>
+            <p:ph type="dt" idx="10"/>
           </p:nvPr>
         </p:nvSpPr>
         <p:spPr>
@@ -2024,7 +2106,7 @@
           </a:ln>
         </p:spPr>
         <p:txBody>
-          <a:bodyPr anchorCtr="0" anchor="ctr" bIns="45700" lIns="91425" spcFirstLastPara="1" rIns="91425" wrap="square" tIns="45700">
+          <a:bodyPr spcFirstLastPara="1" wrap="square" lIns="91425" tIns="45700" rIns="91425" bIns="45700" anchor="ctr" anchorCtr="0">
             <a:noAutofit/>
           </a:bodyPr>
           <a:lstStyle>
@@ -2128,15 +2210,19 @@
               <a:defRPr/>
             </a:lvl9pPr>
           </a:lstStyle>
-          <a:p/>
+          <a:p>
+            <a:endParaRPr/>
+          </a:p>
         </p:txBody>
       </p:sp>
       <p:sp>
         <p:nvSpPr>
           <p:cNvPr id="13" name="Google Shape;13;p2"/>
-          <p:cNvSpPr txBox="1"/>
+          <p:cNvSpPr txBox="1">
+            <a:spLocks noGrp="1"/>
+          </p:cNvSpPr>
           <p:nvPr>
-            <p:ph idx="11" type="ftr"/>
+            <p:ph type="ftr" idx="11"/>
           </p:nvPr>
         </p:nvSpPr>
         <p:spPr>
@@ -2153,7 +2239,7 @@
           </a:ln>
         </p:spPr>
         <p:txBody>
-          <a:bodyPr anchorCtr="0" anchor="ctr" bIns="45700" lIns="91425" spcFirstLastPara="1" rIns="91425" wrap="square" tIns="45700">
+          <a:bodyPr spcFirstLastPara="1" wrap="square" lIns="91425" tIns="45700" rIns="91425" bIns="45700" anchor="ctr" anchorCtr="0">
             <a:noAutofit/>
           </a:bodyPr>
           <a:lstStyle>
@@ -2257,15 +2343,19 @@
               <a:defRPr/>
             </a:lvl9pPr>
           </a:lstStyle>
-          <a:p/>
+          <a:p>
+            <a:endParaRPr/>
+          </a:p>
         </p:txBody>
       </p:sp>
       <p:sp>
         <p:nvSpPr>
           <p:cNvPr id="14" name="Google Shape;14;p2"/>
-          <p:cNvSpPr txBox="1"/>
+          <p:cNvSpPr txBox="1">
+            <a:spLocks noGrp="1"/>
+          </p:cNvSpPr>
           <p:nvPr>
-            <p:ph idx="12" type="sldNum"/>
+            <p:ph type="sldNum" idx="12"/>
           </p:nvPr>
         </p:nvSpPr>
         <p:spPr>
@@ -2282,67 +2372,67 @@
           </a:ln>
         </p:spPr>
         <p:txBody>
-          <a:bodyPr anchorCtr="0" anchor="ctr" bIns="45700" lIns="91425" spcFirstLastPara="1" rIns="91425" wrap="square" tIns="45700">
+          <a:bodyPr spcFirstLastPara="1" wrap="square" lIns="91425" tIns="45700" rIns="91425" bIns="45700" anchor="ctr" anchorCtr="0">
             <a:noAutofit/>
           </a:bodyPr>
           <a:lstStyle>
-            <a:lvl1pPr indent="0" lvl="0" marL="0" algn="r">
+            <a:lvl1pPr marL="0" lvl="0" indent="0" algn="r">
               <a:spcBef>
                 <a:spcPts val="0"/>
               </a:spcBef>
               <a:buNone/>
               <a:defRPr/>
             </a:lvl1pPr>
-            <a:lvl2pPr indent="0" lvl="1" marL="0" algn="r">
+            <a:lvl2pPr marL="0" lvl="1" indent="0" algn="r">
               <a:spcBef>
                 <a:spcPts val="0"/>
               </a:spcBef>
               <a:buNone/>
               <a:defRPr/>
             </a:lvl2pPr>
-            <a:lvl3pPr indent="0" lvl="2" marL="0" algn="r">
+            <a:lvl3pPr marL="0" lvl="2" indent="0" algn="r">
               <a:spcBef>
                 <a:spcPts val="0"/>
               </a:spcBef>
               <a:buNone/>
               <a:defRPr/>
             </a:lvl3pPr>
-            <a:lvl4pPr indent="0" lvl="3" marL="0" algn="r">
+            <a:lvl4pPr marL="0" lvl="3" indent="0" algn="r">
               <a:spcBef>
                 <a:spcPts val="0"/>
               </a:spcBef>
               <a:buNone/>
               <a:defRPr/>
             </a:lvl4pPr>
-            <a:lvl5pPr indent="0" lvl="4" marL="0" algn="r">
+            <a:lvl5pPr marL="0" lvl="4" indent="0" algn="r">
               <a:spcBef>
                 <a:spcPts val="0"/>
               </a:spcBef>
               <a:buNone/>
               <a:defRPr/>
             </a:lvl5pPr>
-            <a:lvl6pPr indent="0" lvl="5" marL="0" algn="r">
+            <a:lvl6pPr marL="0" lvl="5" indent="0" algn="r">
               <a:spcBef>
                 <a:spcPts val="0"/>
               </a:spcBef>
               <a:buNone/>
               <a:defRPr/>
             </a:lvl6pPr>
-            <a:lvl7pPr indent="0" lvl="6" marL="0" algn="r">
+            <a:lvl7pPr marL="0" lvl="6" indent="0" algn="r">
               <a:spcBef>
                 <a:spcPts val="0"/>
               </a:spcBef>
               <a:buNone/>
               <a:defRPr/>
             </a:lvl7pPr>
-            <a:lvl8pPr indent="0" lvl="7" marL="0" algn="r">
+            <a:lvl8pPr marL="0" lvl="7" indent="0" algn="r">
               <a:spcBef>
                 <a:spcPts val="0"/>
               </a:spcBef>
               <a:buNone/>
               <a:defRPr/>
             </a:lvl8pPr>
-            <a:lvl9pPr indent="0" lvl="8" marL="0" algn="r">
+            <a:lvl9pPr marL="0" lvl="8" indent="0" algn="r">
               <a:spcBef>
                 <a:spcPts val="0"/>
               </a:spcBef>
@@ -2351,7 +2441,7 @@
             </a:lvl9pPr>
           </a:lstStyle>
           <a:p>
-            <a:pPr indent="0" lvl="0" marL="0" rtl="0" algn="r">
+            <a:pPr marL="0" lvl="0" indent="0" algn="r" rtl="0">
               <a:spcBef>
                 <a:spcPts val="0"/>
               </a:spcBef>
@@ -2362,7 +2452,7 @@
             </a:pPr>
             <a:fld id="{00000000-1234-1234-1234-123412341234}" type="slidenum">
               <a:rPr lang="en-US"/>
-              <a:t>‹#›</a:t>
+              <a:t>‹N°›</a:t>
             </a:fld>
             <a:endParaRPr/>
           </a:p>
@@ -2377,11 +2467,11 @@
 </file>
 
 <file path=ppt/slideLayouts/slideLayout10.xml><?xml version="1.0" encoding="utf-8"?>
-<p:sldLayout xmlns:a="http://schemas.openxmlformats.org/drawingml/2006/main" xmlns:r="http://schemas.openxmlformats.org/officeDocument/2006/relationships" xmlns:mc="http://schemas.openxmlformats.org/markup-compatibility/2006" xmlns:mv="urn:schemas-microsoft-com:mac:vml" xmlns:p="http://schemas.openxmlformats.org/presentationml/2006/main" xmlns:c="http://schemas.openxmlformats.org/drawingml/2006/chart" xmlns:dgm="http://schemas.openxmlformats.org/drawingml/2006/diagram" xmlns:o="urn:schemas-microsoft-com:office:office" xmlns:v="urn:schemas-microsoft-com:vml" xmlns:pvml="urn:schemas-microsoft-com:office:powerpoint" xmlns:com="http://schemas.openxmlformats.org/drawingml/2006/compatibility" xmlns:p14="http://schemas.microsoft.com/office/powerpoint/2010/main" xmlns:p15="http://schemas.microsoft.com/office/powerpoint/2012/main" xmlns:ahyp="http://schemas.microsoft.com/office/drawing/2018/hyperlinkcolor" matchingName="Title and Vertical Text" type="vertTx">
+<p:sldLayout xmlns:a="http://schemas.openxmlformats.org/drawingml/2006/main" xmlns:r="http://schemas.openxmlformats.org/officeDocument/2006/relationships" xmlns:p="http://schemas.openxmlformats.org/presentationml/2006/main" matchingName="Title and Vertical Text" type="vertTx">
   <p:cSld name="VERTICAL_TEXT">
     <p:spTree>
       <p:nvGrpSpPr>
-        <p:cNvPr id="68" name="Shape 68"/>
+        <p:cNvPr id="1" name="Shape 68"/>
         <p:cNvGrpSpPr/>
         <p:nvPr/>
       </p:nvGrpSpPr>
@@ -2396,7 +2486,9 @@
       <p:sp>
         <p:nvSpPr>
           <p:cNvPr id="69" name="Google Shape;69;p11"/>
-          <p:cNvSpPr txBox="1"/>
+          <p:cNvSpPr txBox="1">
+            <a:spLocks noGrp="1"/>
+          </p:cNvSpPr>
           <p:nvPr>
             <p:ph type="title"/>
           </p:nvPr>
@@ -2415,7 +2507,7 @@
           </a:ln>
         </p:spPr>
         <p:txBody>
-          <a:bodyPr anchorCtr="0" anchor="ctr" bIns="45700" lIns="91425" spcFirstLastPara="1" rIns="91425" wrap="square" tIns="45700">
+          <a:bodyPr spcFirstLastPara="1" wrap="square" lIns="91425" tIns="45700" rIns="91425" bIns="45700" anchor="ctr" anchorCtr="0">
             <a:normAutofit/>
           </a:bodyPr>
           <a:lstStyle>
@@ -2522,15 +2614,19 @@
               <a:defRPr/>
             </a:lvl9pPr>
           </a:lstStyle>
-          <a:p/>
+          <a:p>
+            <a:endParaRPr/>
+          </a:p>
         </p:txBody>
       </p:sp>
       <p:sp>
         <p:nvSpPr>
           <p:cNvPr id="70" name="Google Shape;70;p11"/>
-          <p:cNvSpPr txBox="1"/>
+          <p:cNvSpPr txBox="1">
+            <a:spLocks noGrp="1"/>
+          </p:cNvSpPr>
           <p:nvPr>
-            <p:ph idx="1" type="body"/>
+            <p:ph type="body" idx="1"/>
           </p:nvPr>
         </p:nvSpPr>
         <p:spPr>
@@ -2547,11 +2643,11 @@
           </a:ln>
         </p:spPr>
         <p:txBody>
-          <a:bodyPr anchorCtr="0" anchor="t" bIns="45700" lIns="91425" spcFirstLastPara="1" rIns="91425" wrap="square" tIns="45700">
+          <a:bodyPr spcFirstLastPara="1" wrap="square" lIns="91425" tIns="45700" rIns="91425" bIns="45700" anchor="t" anchorCtr="0">
             <a:normAutofit/>
           </a:bodyPr>
           <a:lstStyle>
-            <a:lvl1pPr indent="-342900" lvl="0" marL="457200" algn="l">
+            <a:lvl1pPr marL="457200" lvl="0" indent="-342900" algn="l">
               <a:spcBef>
                 <a:spcPts val="360"/>
               </a:spcBef>
@@ -2565,7 +2661,7 @@
               <a:buChar char="•"/>
               <a:defRPr/>
             </a:lvl1pPr>
-            <a:lvl2pPr indent="-342900" lvl="1" marL="914400" algn="l">
+            <a:lvl2pPr marL="914400" lvl="1" indent="-342900" algn="l">
               <a:spcBef>
                 <a:spcPts val="360"/>
               </a:spcBef>
@@ -2579,7 +2675,7 @@
               <a:buChar char="–"/>
               <a:defRPr/>
             </a:lvl2pPr>
-            <a:lvl3pPr indent="-342900" lvl="2" marL="1371600" algn="l">
+            <a:lvl3pPr marL="1371600" lvl="2" indent="-342900" algn="l">
               <a:spcBef>
                 <a:spcPts val="360"/>
               </a:spcBef>
@@ -2593,7 +2689,7 @@
               <a:buChar char="•"/>
               <a:defRPr/>
             </a:lvl3pPr>
-            <a:lvl4pPr indent="-342900" lvl="3" marL="1828800" algn="l">
+            <a:lvl4pPr marL="1828800" lvl="3" indent="-342900" algn="l">
               <a:spcBef>
                 <a:spcPts val="360"/>
               </a:spcBef>
@@ -2607,7 +2703,7 @@
               <a:buChar char="–"/>
               <a:defRPr/>
             </a:lvl4pPr>
-            <a:lvl5pPr indent="-342900" lvl="4" marL="2286000" algn="l">
+            <a:lvl5pPr marL="2286000" lvl="4" indent="-342900" algn="l">
               <a:spcBef>
                 <a:spcPts val="360"/>
               </a:spcBef>
@@ -2621,7 +2717,7 @@
               <a:buChar char="»"/>
               <a:defRPr/>
             </a:lvl5pPr>
-            <a:lvl6pPr indent="-342900" lvl="5" marL="2743200" algn="l">
+            <a:lvl6pPr marL="2743200" lvl="5" indent="-342900" algn="l">
               <a:spcBef>
                 <a:spcPts val="360"/>
               </a:spcBef>
@@ -2635,7 +2731,7 @@
               <a:buChar char="•"/>
               <a:defRPr/>
             </a:lvl6pPr>
-            <a:lvl7pPr indent="-342900" lvl="6" marL="3200400" algn="l">
+            <a:lvl7pPr marL="3200400" lvl="6" indent="-342900" algn="l">
               <a:spcBef>
                 <a:spcPts val="360"/>
               </a:spcBef>
@@ -2649,7 +2745,7 @@
               <a:buChar char="•"/>
               <a:defRPr/>
             </a:lvl7pPr>
-            <a:lvl8pPr indent="-342900" lvl="7" marL="3657600" algn="l">
+            <a:lvl8pPr marL="3657600" lvl="7" indent="-342900" algn="l">
               <a:spcBef>
                 <a:spcPts val="360"/>
               </a:spcBef>
@@ -2663,7 +2759,7 @@
               <a:buChar char="•"/>
               <a:defRPr/>
             </a:lvl8pPr>
-            <a:lvl9pPr indent="-342900" lvl="8" marL="4114800" algn="l">
+            <a:lvl9pPr marL="4114800" lvl="8" indent="-342900" algn="l">
               <a:spcBef>
                 <a:spcPts val="360"/>
               </a:spcBef>
@@ -2678,15 +2774,19 @@
               <a:defRPr/>
             </a:lvl9pPr>
           </a:lstStyle>
-          <a:p/>
+          <a:p>
+            <a:endParaRPr/>
+          </a:p>
         </p:txBody>
       </p:sp>
       <p:sp>
         <p:nvSpPr>
           <p:cNvPr id="71" name="Google Shape;71;p11"/>
-          <p:cNvSpPr txBox="1"/>
+          <p:cNvSpPr txBox="1">
+            <a:spLocks noGrp="1"/>
+          </p:cNvSpPr>
           <p:nvPr>
-            <p:ph idx="10" type="dt"/>
+            <p:ph type="dt" idx="10"/>
           </p:nvPr>
         </p:nvSpPr>
         <p:spPr>
@@ -2703,7 +2803,7 @@
           </a:ln>
         </p:spPr>
         <p:txBody>
-          <a:bodyPr anchorCtr="0" anchor="ctr" bIns="45700" lIns="91425" spcFirstLastPara="1" rIns="91425" wrap="square" tIns="45700">
+          <a:bodyPr spcFirstLastPara="1" wrap="square" lIns="91425" tIns="45700" rIns="91425" bIns="45700" anchor="ctr" anchorCtr="0">
             <a:noAutofit/>
           </a:bodyPr>
           <a:lstStyle>
@@ -2807,15 +2907,19 @@
               <a:defRPr/>
             </a:lvl9pPr>
           </a:lstStyle>
-          <a:p/>
+          <a:p>
+            <a:endParaRPr/>
+          </a:p>
         </p:txBody>
       </p:sp>
       <p:sp>
         <p:nvSpPr>
           <p:cNvPr id="72" name="Google Shape;72;p11"/>
-          <p:cNvSpPr txBox="1"/>
+          <p:cNvSpPr txBox="1">
+            <a:spLocks noGrp="1"/>
+          </p:cNvSpPr>
           <p:nvPr>
-            <p:ph idx="11" type="ftr"/>
+            <p:ph type="ftr" idx="11"/>
           </p:nvPr>
         </p:nvSpPr>
         <p:spPr>
@@ -2832,7 +2936,7 @@
           </a:ln>
         </p:spPr>
         <p:txBody>
-          <a:bodyPr anchorCtr="0" anchor="ctr" bIns="45700" lIns="91425" spcFirstLastPara="1" rIns="91425" wrap="square" tIns="45700">
+          <a:bodyPr spcFirstLastPara="1" wrap="square" lIns="91425" tIns="45700" rIns="91425" bIns="45700" anchor="ctr" anchorCtr="0">
             <a:noAutofit/>
           </a:bodyPr>
           <a:lstStyle>
@@ -2936,15 +3040,19 @@
               <a:defRPr/>
             </a:lvl9pPr>
           </a:lstStyle>
-          <a:p/>
+          <a:p>
+            <a:endParaRPr/>
+          </a:p>
         </p:txBody>
       </p:sp>
       <p:sp>
         <p:nvSpPr>
           <p:cNvPr id="73" name="Google Shape;73;p11"/>
-          <p:cNvSpPr txBox="1"/>
+          <p:cNvSpPr txBox="1">
+            <a:spLocks noGrp="1"/>
+          </p:cNvSpPr>
           <p:nvPr>
-            <p:ph idx="12" type="sldNum"/>
+            <p:ph type="sldNum" idx="12"/>
           </p:nvPr>
         </p:nvSpPr>
         <p:spPr>
@@ -2961,67 +3069,67 @@
           </a:ln>
         </p:spPr>
         <p:txBody>
-          <a:bodyPr anchorCtr="0" anchor="ctr" bIns="45700" lIns="91425" spcFirstLastPara="1" rIns="91425" wrap="square" tIns="45700">
+          <a:bodyPr spcFirstLastPara="1" wrap="square" lIns="91425" tIns="45700" rIns="91425" bIns="45700" anchor="ctr" anchorCtr="0">
             <a:noAutofit/>
           </a:bodyPr>
           <a:lstStyle>
-            <a:lvl1pPr indent="0" lvl="0" marL="0" algn="r">
+            <a:lvl1pPr marL="0" lvl="0" indent="0" algn="r">
               <a:spcBef>
                 <a:spcPts val="0"/>
               </a:spcBef>
               <a:buNone/>
               <a:defRPr/>
             </a:lvl1pPr>
-            <a:lvl2pPr indent="0" lvl="1" marL="0" algn="r">
+            <a:lvl2pPr marL="0" lvl="1" indent="0" algn="r">
               <a:spcBef>
                 <a:spcPts val="0"/>
               </a:spcBef>
               <a:buNone/>
               <a:defRPr/>
             </a:lvl2pPr>
-            <a:lvl3pPr indent="0" lvl="2" marL="0" algn="r">
+            <a:lvl3pPr marL="0" lvl="2" indent="0" algn="r">
               <a:spcBef>
                 <a:spcPts val="0"/>
               </a:spcBef>
               <a:buNone/>
               <a:defRPr/>
             </a:lvl3pPr>
-            <a:lvl4pPr indent="0" lvl="3" marL="0" algn="r">
+            <a:lvl4pPr marL="0" lvl="3" indent="0" algn="r">
               <a:spcBef>
                 <a:spcPts val="0"/>
               </a:spcBef>
               <a:buNone/>
               <a:defRPr/>
             </a:lvl4pPr>
-            <a:lvl5pPr indent="0" lvl="4" marL="0" algn="r">
+            <a:lvl5pPr marL="0" lvl="4" indent="0" algn="r">
               <a:spcBef>
                 <a:spcPts val="0"/>
               </a:spcBef>
               <a:buNone/>
               <a:defRPr/>
             </a:lvl5pPr>
-            <a:lvl6pPr indent="0" lvl="5" marL="0" algn="r">
+            <a:lvl6pPr marL="0" lvl="5" indent="0" algn="r">
               <a:spcBef>
                 <a:spcPts val="0"/>
               </a:spcBef>
               <a:buNone/>
               <a:defRPr/>
             </a:lvl6pPr>
-            <a:lvl7pPr indent="0" lvl="6" marL="0" algn="r">
+            <a:lvl7pPr marL="0" lvl="6" indent="0" algn="r">
               <a:spcBef>
                 <a:spcPts val="0"/>
               </a:spcBef>
               <a:buNone/>
               <a:defRPr/>
             </a:lvl7pPr>
-            <a:lvl8pPr indent="0" lvl="7" marL="0" algn="r">
+            <a:lvl8pPr marL="0" lvl="7" indent="0" algn="r">
               <a:spcBef>
                 <a:spcPts val="0"/>
               </a:spcBef>
               <a:buNone/>
               <a:defRPr/>
             </a:lvl8pPr>
-            <a:lvl9pPr indent="0" lvl="8" marL="0" algn="r">
+            <a:lvl9pPr marL="0" lvl="8" indent="0" algn="r">
               <a:spcBef>
                 <a:spcPts val="0"/>
               </a:spcBef>
@@ -3030,7 +3138,7 @@
             </a:lvl9pPr>
           </a:lstStyle>
           <a:p>
-            <a:pPr indent="0" lvl="0" marL="0" rtl="0" algn="r">
+            <a:pPr marL="0" lvl="0" indent="0" algn="r" rtl="0">
               <a:spcBef>
                 <a:spcPts val="0"/>
               </a:spcBef>
@@ -3041,7 +3149,7 @@
             </a:pPr>
             <a:fld id="{00000000-1234-1234-1234-123412341234}" type="slidenum">
               <a:rPr lang="en-US"/>
-              <a:t>‹#›</a:t>
+              <a:t>‹N°›</a:t>
             </a:fld>
             <a:endParaRPr/>
           </a:p>
@@ -3056,11 +3164,11 @@
 </file>
 
 <file path=ppt/slideLayouts/slideLayout11.xml><?xml version="1.0" encoding="utf-8"?>
-<p:sldLayout xmlns:a="http://schemas.openxmlformats.org/drawingml/2006/main" xmlns:r="http://schemas.openxmlformats.org/officeDocument/2006/relationships" xmlns:mc="http://schemas.openxmlformats.org/markup-compatibility/2006" xmlns:mv="urn:schemas-microsoft-com:mac:vml" xmlns:p="http://schemas.openxmlformats.org/presentationml/2006/main" xmlns:c="http://schemas.openxmlformats.org/drawingml/2006/chart" xmlns:dgm="http://schemas.openxmlformats.org/drawingml/2006/diagram" xmlns:o="urn:schemas-microsoft-com:office:office" xmlns:v="urn:schemas-microsoft-com:vml" xmlns:pvml="urn:schemas-microsoft-com:office:powerpoint" xmlns:com="http://schemas.openxmlformats.org/drawingml/2006/compatibility" xmlns:p14="http://schemas.microsoft.com/office/powerpoint/2010/main" xmlns:p15="http://schemas.microsoft.com/office/powerpoint/2012/main" xmlns:ahyp="http://schemas.microsoft.com/office/drawing/2018/hyperlinkcolor" matchingName="Vertical Title and Text" type="vertTitleAndTx">
+<p:sldLayout xmlns:a="http://schemas.openxmlformats.org/drawingml/2006/main" xmlns:r="http://schemas.openxmlformats.org/officeDocument/2006/relationships" xmlns:p="http://schemas.openxmlformats.org/presentationml/2006/main" matchingName="Vertical Title and Text" type="vertTitleAndTx">
   <p:cSld name="VERTICAL_TITLE_AND_VERTICAL_TEXT">
     <p:spTree>
       <p:nvGrpSpPr>
-        <p:cNvPr id="74" name="Shape 74"/>
+        <p:cNvPr id="1" name="Shape 74"/>
         <p:cNvGrpSpPr/>
         <p:nvPr/>
       </p:nvGrpSpPr>
@@ -3075,7 +3183,9 @@
       <p:sp>
         <p:nvSpPr>
           <p:cNvPr id="75" name="Google Shape;75;p12"/>
-          <p:cNvSpPr txBox="1"/>
+          <p:cNvSpPr txBox="1">
+            <a:spLocks noGrp="1"/>
+          </p:cNvSpPr>
           <p:nvPr>
             <p:ph type="title"/>
           </p:nvPr>
@@ -3094,7 +3204,7 @@
           </a:ln>
         </p:spPr>
         <p:txBody>
-          <a:bodyPr anchorCtr="0" anchor="ctr" bIns="45700" lIns="91425" spcFirstLastPara="1" rIns="91425" wrap="square" tIns="45700">
+          <a:bodyPr spcFirstLastPara="1" wrap="square" lIns="91425" tIns="45700" rIns="91425" bIns="45700" anchor="ctr" anchorCtr="0">
             <a:normAutofit/>
           </a:bodyPr>
           <a:lstStyle>
@@ -3201,15 +3311,19 @@
               <a:defRPr/>
             </a:lvl9pPr>
           </a:lstStyle>
-          <a:p/>
+          <a:p>
+            <a:endParaRPr/>
+          </a:p>
         </p:txBody>
       </p:sp>
       <p:sp>
         <p:nvSpPr>
           <p:cNvPr id="76" name="Google Shape;76;p12"/>
-          <p:cNvSpPr txBox="1"/>
+          <p:cNvSpPr txBox="1">
+            <a:spLocks noGrp="1"/>
+          </p:cNvSpPr>
           <p:nvPr>
-            <p:ph idx="1" type="body"/>
+            <p:ph type="body" idx="1"/>
           </p:nvPr>
         </p:nvSpPr>
         <p:spPr>
@@ -3226,11 +3340,11 @@
           </a:ln>
         </p:spPr>
         <p:txBody>
-          <a:bodyPr anchorCtr="0" anchor="t" bIns="45700" lIns="91425" spcFirstLastPara="1" rIns="91425" wrap="square" tIns="45700">
+          <a:bodyPr spcFirstLastPara="1" wrap="square" lIns="91425" tIns="45700" rIns="91425" bIns="45700" anchor="t" anchorCtr="0">
             <a:normAutofit/>
           </a:bodyPr>
           <a:lstStyle>
-            <a:lvl1pPr indent="-342900" lvl="0" marL="457200" algn="l">
+            <a:lvl1pPr marL="457200" lvl="0" indent="-342900" algn="l">
               <a:spcBef>
                 <a:spcPts val="360"/>
               </a:spcBef>
@@ -3244,7 +3358,7 @@
               <a:buChar char="•"/>
               <a:defRPr/>
             </a:lvl1pPr>
-            <a:lvl2pPr indent="-342900" lvl="1" marL="914400" algn="l">
+            <a:lvl2pPr marL="914400" lvl="1" indent="-342900" algn="l">
               <a:spcBef>
                 <a:spcPts val="360"/>
               </a:spcBef>
@@ -3258,7 +3372,7 @@
               <a:buChar char="–"/>
               <a:defRPr/>
             </a:lvl2pPr>
-            <a:lvl3pPr indent="-342900" lvl="2" marL="1371600" algn="l">
+            <a:lvl3pPr marL="1371600" lvl="2" indent="-342900" algn="l">
               <a:spcBef>
                 <a:spcPts val="360"/>
               </a:spcBef>
@@ -3272,7 +3386,7 @@
               <a:buChar char="•"/>
               <a:defRPr/>
             </a:lvl3pPr>
-            <a:lvl4pPr indent="-342900" lvl="3" marL="1828800" algn="l">
+            <a:lvl4pPr marL="1828800" lvl="3" indent="-342900" algn="l">
               <a:spcBef>
                 <a:spcPts val="360"/>
               </a:spcBef>
@@ -3286,7 +3400,7 @@
               <a:buChar char="–"/>
               <a:defRPr/>
             </a:lvl4pPr>
-            <a:lvl5pPr indent="-342900" lvl="4" marL="2286000" algn="l">
+            <a:lvl5pPr marL="2286000" lvl="4" indent="-342900" algn="l">
               <a:spcBef>
                 <a:spcPts val="360"/>
               </a:spcBef>
@@ -3300,7 +3414,7 @@
               <a:buChar char="»"/>
               <a:defRPr/>
             </a:lvl5pPr>
-            <a:lvl6pPr indent="-342900" lvl="5" marL="2743200" algn="l">
+            <a:lvl6pPr marL="2743200" lvl="5" indent="-342900" algn="l">
               <a:spcBef>
                 <a:spcPts val="360"/>
               </a:spcBef>
@@ -3314,7 +3428,7 @@
               <a:buChar char="•"/>
               <a:defRPr/>
             </a:lvl6pPr>
-            <a:lvl7pPr indent="-342900" lvl="6" marL="3200400" algn="l">
+            <a:lvl7pPr marL="3200400" lvl="6" indent="-342900" algn="l">
               <a:spcBef>
                 <a:spcPts val="360"/>
               </a:spcBef>
@@ -3328,7 +3442,7 @@
               <a:buChar char="•"/>
               <a:defRPr/>
             </a:lvl7pPr>
-            <a:lvl8pPr indent="-342900" lvl="7" marL="3657600" algn="l">
+            <a:lvl8pPr marL="3657600" lvl="7" indent="-342900" algn="l">
               <a:spcBef>
                 <a:spcPts val="360"/>
               </a:spcBef>
@@ -3342,7 +3456,7 @@
               <a:buChar char="•"/>
               <a:defRPr/>
             </a:lvl8pPr>
-            <a:lvl9pPr indent="-342900" lvl="8" marL="4114800" algn="l">
+            <a:lvl9pPr marL="4114800" lvl="8" indent="-342900" algn="l">
               <a:spcBef>
                 <a:spcPts val="360"/>
               </a:spcBef>
@@ -3357,15 +3471,19 @@
               <a:defRPr/>
             </a:lvl9pPr>
           </a:lstStyle>
-          <a:p/>
+          <a:p>
+            <a:endParaRPr/>
+          </a:p>
         </p:txBody>
       </p:sp>
       <p:sp>
         <p:nvSpPr>
           <p:cNvPr id="77" name="Google Shape;77;p12"/>
-          <p:cNvSpPr txBox="1"/>
+          <p:cNvSpPr txBox="1">
+            <a:spLocks noGrp="1"/>
+          </p:cNvSpPr>
           <p:nvPr>
-            <p:ph idx="10" type="dt"/>
+            <p:ph type="dt" idx="10"/>
           </p:nvPr>
         </p:nvSpPr>
         <p:spPr>
@@ -3382,7 +3500,7 @@
           </a:ln>
         </p:spPr>
         <p:txBody>
-          <a:bodyPr anchorCtr="0" anchor="ctr" bIns="45700" lIns="91425" spcFirstLastPara="1" rIns="91425" wrap="square" tIns="45700">
+          <a:bodyPr spcFirstLastPara="1" wrap="square" lIns="91425" tIns="45700" rIns="91425" bIns="45700" anchor="ctr" anchorCtr="0">
             <a:noAutofit/>
           </a:bodyPr>
           <a:lstStyle>
@@ -3486,15 +3604,19 @@
               <a:defRPr/>
             </a:lvl9pPr>
           </a:lstStyle>
-          <a:p/>
+          <a:p>
+            <a:endParaRPr/>
+          </a:p>
         </p:txBody>
       </p:sp>
       <p:sp>
         <p:nvSpPr>
           <p:cNvPr id="78" name="Google Shape;78;p12"/>
-          <p:cNvSpPr txBox="1"/>
+          <p:cNvSpPr txBox="1">
+            <a:spLocks noGrp="1"/>
+          </p:cNvSpPr>
           <p:nvPr>
-            <p:ph idx="11" type="ftr"/>
+            <p:ph type="ftr" idx="11"/>
           </p:nvPr>
         </p:nvSpPr>
         <p:spPr>
@@ -3511,7 +3633,7 @@
           </a:ln>
         </p:spPr>
         <p:txBody>
-          <a:bodyPr anchorCtr="0" anchor="ctr" bIns="45700" lIns="91425" spcFirstLastPara="1" rIns="91425" wrap="square" tIns="45700">
+          <a:bodyPr spcFirstLastPara="1" wrap="square" lIns="91425" tIns="45700" rIns="91425" bIns="45700" anchor="ctr" anchorCtr="0">
             <a:noAutofit/>
           </a:bodyPr>
           <a:lstStyle>
@@ -3615,15 +3737,19 @@
               <a:defRPr/>
             </a:lvl9pPr>
           </a:lstStyle>
-          <a:p/>
+          <a:p>
+            <a:endParaRPr/>
+          </a:p>
         </p:txBody>
       </p:sp>
       <p:sp>
         <p:nvSpPr>
           <p:cNvPr id="79" name="Google Shape;79;p12"/>
-          <p:cNvSpPr txBox="1"/>
+          <p:cNvSpPr txBox="1">
+            <a:spLocks noGrp="1"/>
+          </p:cNvSpPr>
           <p:nvPr>
-            <p:ph idx="12" type="sldNum"/>
+            <p:ph type="sldNum" idx="12"/>
           </p:nvPr>
         </p:nvSpPr>
         <p:spPr>
@@ -3640,67 +3766,67 @@
           </a:ln>
         </p:spPr>
         <p:txBody>
-          <a:bodyPr anchorCtr="0" anchor="ctr" bIns="45700" lIns="91425" spcFirstLastPara="1" rIns="91425" wrap="square" tIns="45700">
+          <a:bodyPr spcFirstLastPara="1" wrap="square" lIns="91425" tIns="45700" rIns="91425" bIns="45700" anchor="ctr" anchorCtr="0">
             <a:noAutofit/>
           </a:bodyPr>
           <a:lstStyle>
-            <a:lvl1pPr indent="0" lvl="0" marL="0" algn="r">
+            <a:lvl1pPr marL="0" lvl="0" indent="0" algn="r">
               <a:spcBef>
                 <a:spcPts val="0"/>
               </a:spcBef>
               <a:buNone/>
               <a:defRPr/>
             </a:lvl1pPr>
-            <a:lvl2pPr indent="0" lvl="1" marL="0" algn="r">
+            <a:lvl2pPr marL="0" lvl="1" indent="0" algn="r">
               <a:spcBef>
                 <a:spcPts val="0"/>
               </a:spcBef>
               <a:buNone/>
               <a:defRPr/>
             </a:lvl2pPr>
-            <a:lvl3pPr indent="0" lvl="2" marL="0" algn="r">
+            <a:lvl3pPr marL="0" lvl="2" indent="0" algn="r">
               <a:spcBef>
                 <a:spcPts val="0"/>
               </a:spcBef>
               <a:buNone/>
               <a:defRPr/>
             </a:lvl3pPr>
-            <a:lvl4pPr indent="0" lvl="3" marL="0" algn="r">
+            <a:lvl4pPr marL="0" lvl="3" indent="0" algn="r">
               <a:spcBef>
                 <a:spcPts val="0"/>
               </a:spcBef>
               <a:buNone/>
               <a:defRPr/>
             </a:lvl4pPr>
-            <a:lvl5pPr indent="0" lvl="4" marL="0" algn="r">
+            <a:lvl5pPr marL="0" lvl="4" indent="0" algn="r">
               <a:spcBef>
                 <a:spcPts val="0"/>
               </a:spcBef>
               <a:buNone/>
               <a:defRPr/>
             </a:lvl5pPr>
-            <a:lvl6pPr indent="0" lvl="5" marL="0" algn="r">
+            <a:lvl6pPr marL="0" lvl="5" indent="0" algn="r">
               <a:spcBef>
                 <a:spcPts val="0"/>
               </a:spcBef>
               <a:buNone/>
               <a:defRPr/>
             </a:lvl6pPr>
-            <a:lvl7pPr indent="0" lvl="6" marL="0" algn="r">
+            <a:lvl7pPr marL="0" lvl="6" indent="0" algn="r">
               <a:spcBef>
                 <a:spcPts val="0"/>
               </a:spcBef>
               <a:buNone/>
               <a:defRPr/>
             </a:lvl7pPr>
-            <a:lvl8pPr indent="0" lvl="7" marL="0" algn="r">
+            <a:lvl8pPr marL="0" lvl="7" indent="0" algn="r">
               <a:spcBef>
                 <a:spcPts val="0"/>
               </a:spcBef>
               <a:buNone/>
               <a:defRPr/>
             </a:lvl8pPr>
-            <a:lvl9pPr indent="0" lvl="8" marL="0" algn="r">
+            <a:lvl9pPr marL="0" lvl="8" indent="0" algn="r">
               <a:spcBef>
                 <a:spcPts val="0"/>
               </a:spcBef>
@@ -3709,7 +3835,7 @@
             </a:lvl9pPr>
           </a:lstStyle>
           <a:p>
-            <a:pPr indent="0" lvl="0" marL="0" rtl="0" algn="r">
+            <a:pPr marL="0" lvl="0" indent="0" algn="r" rtl="0">
               <a:spcBef>
                 <a:spcPts val="0"/>
               </a:spcBef>
@@ -3720,7 +3846,7 @@
             </a:pPr>
             <a:fld id="{00000000-1234-1234-1234-123412341234}" type="slidenum">
               <a:rPr lang="en-US"/>
-              <a:t>‹#›</a:t>
+              <a:t>‹N°›</a:t>
             </a:fld>
             <a:endParaRPr/>
           </a:p>
@@ -3735,11 +3861,11 @@
 </file>
 
 <file path=ppt/slideLayouts/slideLayout2.xml><?xml version="1.0" encoding="utf-8"?>
-<p:sldLayout xmlns:a="http://schemas.openxmlformats.org/drawingml/2006/main" xmlns:r="http://schemas.openxmlformats.org/officeDocument/2006/relationships" xmlns:mc="http://schemas.openxmlformats.org/markup-compatibility/2006" xmlns:mv="urn:schemas-microsoft-com:mac:vml" xmlns:p="http://schemas.openxmlformats.org/presentationml/2006/main" xmlns:c="http://schemas.openxmlformats.org/drawingml/2006/chart" xmlns:dgm="http://schemas.openxmlformats.org/drawingml/2006/diagram" xmlns:o="urn:schemas-microsoft-com:office:office" xmlns:v="urn:schemas-microsoft-com:vml" xmlns:pvml="urn:schemas-microsoft-com:office:powerpoint" xmlns:com="http://schemas.openxmlformats.org/drawingml/2006/compatibility" xmlns:p14="http://schemas.microsoft.com/office/powerpoint/2010/main" xmlns:p15="http://schemas.microsoft.com/office/powerpoint/2012/main" xmlns:ahyp="http://schemas.microsoft.com/office/drawing/2018/hyperlinkcolor" matchingName="Title Slide" type="title">
+<p:sldLayout xmlns:a="http://schemas.openxmlformats.org/drawingml/2006/main" xmlns:r="http://schemas.openxmlformats.org/officeDocument/2006/relationships" xmlns:p="http://schemas.openxmlformats.org/presentationml/2006/main" matchingName="Title Slide" type="title">
   <p:cSld name="TITLE">
     <p:spTree>
       <p:nvGrpSpPr>
-        <p:cNvPr id="15" name="Shape 15"/>
+        <p:cNvPr id="1" name="Shape 15"/>
         <p:cNvGrpSpPr/>
         <p:nvPr/>
       </p:nvGrpSpPr>
@@ -3754,7 +3880,9 @@
       <p:sp>
         <p:nvSpPr>
           <p:cNvPr id="16" name="Google Shape;16;p3"/>
-          <p:cNvSpPr txBox="1"/>
+          <p:cNvSpPr txBox="1">
+            <a:spLocks noGrp="1"/>
+          </p:cNvSpPr>
           <p:nvPr>
             <p:ph type="ctrTitle"/>
           </p:nvPr>
@@ -3773,7 +3901,7 @@
           </a:ln>
         </p:spPr>
         <p:txBody>
-          <a:bodyPr anchorCtr="0" anchor="ctr" bIns="45700" lIns="91425" spcFirstLastPara="1" rIns="91425" wrap="square" tIns="45700">
+          <a:bodyPr spcFirstLastPara="1" wrap="square" lIns="91425" tIns="45700" rIns="91425" bIns="45700" anchor="ctr" anchorCtr="0">
             <a:normAutofit/>
           </a:bodyPr>
           <a:lstStyle>
@@ -3880,15 +4008,19 @@
               <a:defRPr/>
             </a:lvl9pPr>
           </a:lstStyle>
-          <a:p/>
+          <a:p>
+            <a:endParaRPr/>
+          </a:p>
         </p:txBody>
       </p:sp>
       <p:sp>
         <p:nvSpPr>
           <p:cNvPr id="17" name="Google Shape;17;p3"/>
-          <p:cNvSpPr txBox="1"/>
+          <p:cNvSpPr txBox="1">
+            <a:spLocks noGrp="1"/>
+          </p:cNvSpPr>
           <p:nvPr>
-            <p:ph idx="1" type="subTitle"/>
+            <p:ph type="subTitle" idx="1"/>
           </p:nvPr>
         </p:nvSpPr>
         <p:spPr>
@@ -3905,7 +4037,7 @@
           </a:ln>
         </p:spPr>
         <p:txBody>
-          <a:bodyPr anchorCtr="0" anchor="t" bIns="45700" lIns="91425" spcFirstLastPara="1" rIns="91425" wrap="square" tIns="45700">
+          <a:bodyPr spcFirstLastPara="1" wrap="square" lIns="91425" tIns="45700" rIns="91425" bIns="45700" anchor="t" anchorCtr="0">
             <a:normAutofit/>
           </a:bodyPr>
           <a:lstStyle>
@@ -4072,15 +4204,19 @@
               </a:defRPr>
             </a:lvl9pPr>
           </a:lstStyle>
-          <a:p/>
+          <a:p>
+            <a:endParaRPr/>
+          </a:p>
         </p:txBody>
       </p:sp>
       <p:sp>
         <p:nvSpPr>
           <p:cNvPr id="18" name="Google Shape;18;p3"/>
-          <p:cNvSpPr txBox="1"/>
+          <p:cNvSpPr txBox="1">
+            <a:spLocks noGrp="1"/>
+          </p:cNvSpPr>
           <p:nvPr>
-            <p:ph idx="10" type="dt"/>
+            <p:ph type="dt" idx="10"/>
           </p:nvPr>
         </p:nvSpPr>
         <p:spPr>
@@ -4097,7 +4233,7 @@
           </a:ln>
         </p:spPr>
         <p:txBody>
-          <a:bodyPr anchorCtr="0" anchor="ctr" bIns="45700" lIns="91425" spcFirstLastPara="1" rIns="91425" wrap="square" tIns="45700">
+          <a:bodyPr spcFirstLastPara="1" wrap="square" lIns="91425" tIns="45700" rIns="91425" bIns="45700" anchor="ctr" anchorCtr="0">
             <a:noAutofit/>
           </a:bodyPr>
           <a:lstStyle>
@@ -4201,15 +4337,19 @@
               <a:defRPr/>
             </a:lvl9pPr>
           </a:lstStyle>
-          <a:p/>
+          <a:p>
+            <a:endParaRPr/>
+          </a:p>
         </p:txBody>
       </p:sp>
       <p:sp>
         <p:nvSpPr>
           <p:cNvPr id="19" name="Google Shape;19;p3"/>
-          <p:cNvSpPr txBox="1"/>
+          <p:cNvSpPr txBox="1">
+            <a:spLocks noGrp="1"/>
+          </p:cNvSpPr>
           <p:nvPr>
-            <p:ph idx="11" type="ftr"/>
+            <p:ph type="ftr" idx="11"/>
           </p:nvPr>
         </p:nvSpPr>
         <p:spPr>
@@ -4226,7 +4366,7 @@
           </a:ln>
         </p:spPr>
         <p:txBody>
-          <a:bodyPr anchorCtr="0" anchor="ctr" bIns="45700" lIns="91425" spcFirstLastPara="1" rIns="91425" wrap="square" tIns="45700">
+          <a:bodyPr spcFirstLastPara="1" wrap="square" lIns="91425" tIns="45700" rIns="91425" bIns="45700" anchor="ctr" anchorCtr="0">
             <a:noAutofit/>
           </a:bodyPr>
           <a:lstStyle>
@@ -4330,15 +4470,19 @@
               <a:defRPr/>
             </a:lvl9pPr>
           </a:lstStyle>
-          <a:p/>
+          <a:p>
+            <a:endParaRPr/>
+          </a:p>
         </p:txBody>
       </p:sp>
       <p:sp>
         <p:nvSpPr>
           <p:cNvPr id="20" name="Google Shape;20;p3"/>
-          <p:cNvSpPr txBox="1"/>
+          <p:cNvSpPr txBox="1">
+            <a:spLocks noGrp="1"/>
+          </p:cNvSpPr>
           <p:nvPr>
-            <p:ph idx="12" type="sldNum"/>
+            <p:ph type="sldNum" idx="12"/>
           </p:nvPr>
         </p:nvSpPr>
         <p:spPr>
@@ -4355,67 +4499,67 @@
           </a:ln>
         </p:spPr>
         <p:txBody>
-          <a:bodyPr anchorCtr="0" anchor="ctr" bIns="45700" lIns="91425" spcFirstLastPara="1" rIns="91425" wrap="square" tIns="45700">
+          <a:bodyPr spcFirstLastPara="1" wrap="square" lIns="91425" tIns="45700" rIns="91425" bIns="45700" anchor="ctr" anchorCtr="0">
             <a:noAutofit/>
           </a:bodyPr>
           <a:lstStyle>
-            <a:lvl1pPr indent="0" lvl="0" marL="0" algn="r">
+            <a:lvl1pPr marL="0" lvl="0" indent="0" algn="r">
               <a:spcBef>
                 <a:spcPts val="0"/>
               </a:spcBef>
               <a:buNone/>
               <a:defRPr/>
             </a:lvl1pPr>
-            <a:lvl2pPr indent="0" lvl="1" marL="0" algn="r">
+            <a:lvl2pPr marL="0" lvl="1" indent="0" algn="r">
               <a:spcBef>
                 <a:spcPts val="0"/>
               </a:spcBef>
               <a:buNone/>
               <a:defRPr/>
             </a:lvl2pPr>
-            <a:lvl3pPr indent="0" lvl="2" marL="0" algn="r">
+            <a:lvl3pPr marL="0" lvl="2" indent="0" algn="r">
               <a:spcBef>
                 <a:spcPts val="0"/>
               </a:spcBef>
               <a:buNone/>
               <a:defRPr/>
             </a:lvl3pPr>
-            <a:lvl4pPr indent="0" lvl="3" marL="0" algn="r">
+            <a:lvl4pPr marL="0" lvl="3" indent="0" algn="r">
               <a:spcBef>
                 <a:spcPts val="0"/>
               </a:spcBef>
               <a:buNone/>
               <a:defRPr/>
             </a:lvl4pPr>
-            <a:lvl5pPr indent="0" lvl="4" marL="0" algn="r">
+            <a:lvl5pPr marL="0" lvl="4" indent="0" algn="r">
               <a:spcBef>
                 <a:spcPts val="0"/>
               </a:spcBef>
               <a:buNone/>
               <a:defRPr/>
             </a:lvl5pPr>
-            <a:lvl6pPr indent="0" lvl="5" marL="0" algn="r">
+            <a:lvl6pPr marL="0" lvl="5" indent="0" algn="r">
               <a:spcBef>
                 <a:spcPts val="0"/>
               </a:spcBef>
               <a:buNone/>
               <a:defRPr/>
             </a:lvl6pPr>
-            <a:lvl7pPr indent="0" lvl="6" marL="0" algn="r">
+            <a:lvl7pPr marL="0" lvl="6" indent="0" algn="r">
               <a:spcBef>
                 <a:spcPts val="0"/>
               </a:spcBef>
               <a:buNone/>
               <a:defRPr/>
             </a:lvl7pPr>
-            <a:lvl8pPr indent="0" lvl="7" marL="0" algn="r">
+            <a:lvl8pPr marL="0" lvl="7" indent="0" algn="r">
               <a:spcBef>
                 <a:spcPts val="0"/>
               </a:spcBef>
               <a:buNone/>
               <a:defRPr/>
             </a:lvl8pPr>
-            <a:lvl9pPr indent="0" lvl="8" marL="0" algn="r">
+            <a:lvl9pPr marL="0" lvl="8" indent="0" algn="r">
               <a:spcBef>
                 <a:spcPts val="0"/>
               </a:spcBef>
@@ -4424,7 +4568,7 @@
             </a:lvl9pPr>
           </a:lstStyle>
           <a:p>
-            <a:pPr indent="0" lvl="0" marL="0" rtl="0" algn="r">
+            <a:pPr marL="0" lvl="0" indent="0" algn="r" rtl="0">
               <a:spcBef>
                 <a:spcPts val="0"/>
               </a:spcBef>
@@ -4435,7 +4579,7 @@
             </a:pPr>
             <a:fld id="{00000000-1234-1234-1234-123412341234}" type="slidenum">
               <a:rPr lang="en-US"/>
-              <a:t>‹#›</a:t>
+              <a:t>‹N°›</a:t>
             </a:fld>
             <a:endParaRPr/>
           </a:p>
@@ -4450,11 +4594,11 @@
 </file>
 
 <file path=ppt/slideLayouts/slideLayout3.xml><?xml version="1.0" encoding="utf-8"?>
-<p:sldLayout xmlns:a="http://schemas.openxmlformats.org/drawingml/2006/main" xmlns:r="http://schemas.openxmlformats.org/officeDocument/2006/relationships" xmlns:mc="http://schemas.openxmlformats.org/markup-compatibility/2006" xmlns:mv="urn:schemas-microsoft-com:mac:vml" xmlns:p="http://schemas.openxmlformats.org/presentationml/2006/main" xmlns:c="http://schemas.openxmlformats.org/drawingml/2006/chart" xmlns:dgm="http://schemas.openxmlformats.org/drawingml/2006/diagram" xmlns:o="urn:schemas-microsoft-com:office:office" xmlns:v="urn:schemas-microsoft-com:vml" xmlns:pvml="urn:schemas-microsoft-com:office:powerpoint" xmlns:com="http://schemas.openxmlformats.org/drawingml/2006/compatibility" xmlns:p14="http://schemas.microsoft.com/office/powerpoint/2010/main" xmlns:p15="http://schemas.microsoft.com/office/powerpoint/2012/main" xmlns:ahyp="http://schemas.microsoft.com/office/drawing/2018/hyperlinkcolor" matchingName="Title and Content" type="obj">
+<p:sldLayout xmlns:a="http://schemas.openxmlformats.org/drawingml/2006/main" xmlns:r="http://schemas.openxmlformats.org/officeDocument/2006/relationships" xmlns:p="http://schemas.openxmlformats.org/presentationml/2006/main" matchingName="Title and Content" type="obj">
   <p:cSld name="OBJECT">
     <p:spTree>
       <p:nvGrpSpPr>
-        <p:cNvPr id="21" name="Shape 21"/>
+        <p:cNvPr id="1" name="Shape 21"/>
         <p:cNvGrpSpPr/>
         <p:nvPr/>
       </p:nvGrpSpPr>
@@ -4469,7 +4613,9 @@
       <p:sp>
         <p:nvSpPr>
           <p:cNvPr id="22" name="Google Shape;22;p4"/>
-          <p:cNvSpPr txBox="1"/>
+          <p:cNvSpPr txBox="1">
+            <a:spLocks noGrp="1"/>
+          </p:cNvSpPr>
           <p:nvPr>
             <p:ph type="title"/>
           </p:nvPr>
@@ -4488,7 +4634,7 @@
           </a:ln>
         </p:spPr>
         <p:txBody>
-          <a:bodyPr anchorCtr="0" anchor="ctr" bIns="45700" lIns="91425" spcFirstLastPara="1" rIns="91425" wrap="square" tIns="45700">
+          <a:bodyPr spcFirstLastPara="1" wrap="square" lIns="91425" tIns="45700" rIns="91425" bIns="45700" anchor="ctr" anchorCtr="0">
             <a:normAutofit/>
           </a:bodyPr>
           <a:lstStyle>
@@ -4595,15 +4741,19 @@
               <a:defRPr/>
             </a:lvl9pPr>
           </a:lstStyle>
-          <a:p/>
+          <a:p>
+            <a:endParaRPr/>
+          </a:p>
         </p:txBody>
       </p:sp>
       <p:sp>
         <p:nvSpPr>
           <p:cNvPr id="23" name="Google Shape;23;p4"/>
-          <p:cNvSpPr txBox="1"/>
+          <p:cNvSpPr txBox="1">
+            <a:spLocks noGrp="1"/>
+          </p:cNvSpPr>
           <p:nvPr>
-            <p:ph idx="1" type="body"/>
+            <p:ph type="body" idx="1"/>
           </p:nvPr>
         </p:nvSpPr>
         <p:spPr>
@@ -4620,11 +4770,11 @@
           </a:ln>
         </p:spPr>
         <p:txBody>
-          <a:bodyPr anchorCtr="0" anchor="t" bIns="45700" lIns="91425" spcFirstLastPara="1" rIns="91425" wrap="square" tIns="45700">
+          <a:bodyPr spcFirstLastPara="1" wrap="square" lIns="91425" tIns="45700" rIns="91425" bIns="45700" anchor="t" anchorCtr="0">
             <a:normAutofit/>
           </a:bodyPr>
           <a:lstStyle>
-            <a:lvl1pPr indent="-342900" lvl="0" marL="457200" algn="l">
+            <a:lvl1pPr marL="457200" lvl="0" indent="-342900" algn="l">
               <a:spcBef>
                 <a:spcPts val="360"/>
               </a:spcBef>
@@ -4638,7 +4788,7 @@
               <a:buChar char="•"/>
               <a:defRPr/>
             </a:lvl1pPr>
-            <a:lvl2pPr indent="-342900" lvl="1" marL="914400" algn="l">
+            <a:lvl2pPr marL="914400" lvl="1" indent="-342900" algn="l">
               <a:spcBef>
                 <a:spcPts val="360"/>
               </a:spcBef>
@@ -4652,7 +4802,7 @@
               <a:buChar char="–"/>
               <a:defRPr/>
             </a:lvl2pPr>
-            <a:lvl3pPr indent="-342900" lvl="2" marL="1371600" algn="l">
+            <a:lvl3pPr marL="1371600" lvl="2" indent="-342900" algn="l">
               <a:spcBef>
                 <a:spcPts val="360"/>
               </a:spcBef>
@@ -4666,7 +4816,7 @@
               <a:buChar char="•"/>
               <a:defRPr/>
             </a:lvl3pPr>
-            <a:lvl4pPr indent="-342900" lvl="3" marL="1828800" algn="l">
+            <a:lvl4pPr marL="1828800" lvl="3" indent="-342900" algn="l">
               <a:spcBef>
                 <a:spcPts val="360"/>
               </a:spcBef>
@@ -4680,7 +4830,7 @@
               <a:buChar char="–"/>
               <a:defRPr/>
             </a:lvl4pPr>
-            <a:lvl5pPr indent="-342900" lvl="4" marL="2286000" algn="l">
+            <a:lvl5pPr marL="2286000" lvl="4" indent="-342900" algn="l">
               <a:spcBef>
                 <a:spcPts val="360"/>
               </a:spcBef>
@@ -4694,7 +4844,7 @@
               <a:buChar char="»"/>
               <a:defRPr/>
             </a:lvl5pPr>
-            <a:lvl6pPr indent="-342900" lvl="5" marL="2743200" algn="l">
+            <a:lvl6pPr marL="2743200" lvl="5" indent="-342900" algn="l">
               <a:spcBef>
                 <a:spcPts val="360"/>
               </a:spcBef>
@@ -4708,7 +4858,7 @@
               <a:buChar char="•"/>
               <a:defRPr/>
             </a:lvl6pPr>
-            <a:lvl7pPr indent="-342900" lvl="6" marL="3200400" algn="l">
+            <a:lvl7pPr marL="3200400" lvl="6" indent="-342900" algn="l">
               <a:spcBef>
                 <a:spcPts val="360"/>
               </a:spcBef>
@@ -4722,7 +4872,7 @@
               <a:buChar char="•"/>
               <a:defRPr/>
             </a:lvl7pPr>
-            <a:lvl8pPr indent="-342900" lvl="7" marL="3657600" algn="l">
+            <a:lvl8pPr marL="3657600" lvl="7" indent="-342900" algn="l">
               <a:spcBef>
                 <a:spcPts val="360"/>
               </a:spcBef>
@@ -4736,7 +4886,7 @@
               <a:buChar char="•"/>
               <a:defRPr/>
             </a:lvl8pPr>
-            <a:lvl9pPr indent="-342900" lvl="8" marL="4114800" algn="l">
+            <a:lvl9pPr marL="4114800" lvl="8" indent="-342900" algn="l">
               <a:spcBef>
                 <a:spcPts val="360"/>
               </a:spcBef>
@@ -4751,15 +4901,19 @@
               <a:defRPr/>
             </a:lvl9pPr>
           </a:lstStyle>
-          <a:p/>
+          <a:p>
+            <a:endParaRPr/>
+          </a:p>
         </p:txBody>
       </p:sp>
       <p:sp>
         <p:nvSpPr>
           <p:cNvPr id="24" name="Google Shape;24;p4"/>
-          <p:cNvSpPr txBox="1"/>
+          <p:cNvSpPr txBox="1">
+            <a:spLocks noGrp="1"/>
+          </p:cNvSpPr>
           <p:nvPr>
-            <p:ph idx="10" type="dt"/>
+            <p:ph type="dt" idx="10"/>
           </p:nvPr>
         </p:nvSpPr>
         <p:spPr>
@@ -4776,7 +4930,7 @@
           </a:ln>
         </p:spPr>
         <p:txBody>
-          <a:bodyPr anchorCtr="0" anchor="ctr" bIns="45700" lIns="91425" spcFirstLastPara="1" rIns="91425" wrap="square" tIns="45700">
+          <a:bodyPr spcFirstLastPara="1" wrap="square" lIns="91425" tIns="45700" rIns="91425" bIns="45700" anchor="ctr" anchorCtr="0">
             <a:noAutofit/>
           </a:bodyPr>
           <a:lstStyle>
@@ -4880,15 +5034,19 @@
               <a:defRPr/>
             </a:lvl9pPr>
           </a:lstStyle>
-          <a:p/>
+          <a:p>
+            <a:endParaRPr/>
+          </a:p>
         </p:txBody>
       </p:sp>
       <p:sp>
         <p:nvSpPr>
           <p:cNvPr id="25" name="Google Shape;25;p4"/>
-          <p:cNvSpPr txBox="1"/>
+          <p:cNvSpPr txBox="1">
+            <a:spLocks noGrp="1"/>
+          </p:cNvSpPr>
           <p:nvPr>
-            <p:ph idx="11" type="ftr"/>
+            <p:ph type="ftr" idx="11"/>
           </p:nvPr>
         </p:nvSpPr>
         <p:spPr>
@@ -4905,7 +5063,7 @@
           </a:ln>
         </p:spPr>
         <p:txBody>
-          <a:bodyPr anchorCtr="0" anchor="ctr" bIns="45700" lIns="91425" spcFirstLastPara="1" rIns="91425" wrap="square" tIns="45700">
+          <a:bodyPr spcFirstLastPara="1" wrap="square" lIns="91425" tIns="45700" rIns="91425" bIns="45700" anchor="ctr" anchorCtr="0">
             <a:noAutofit/>
           </a:bodyPr>
           <a:lstStyle>
@@ -5009,15 +5167,19 @@
               <a:defRPr/>
             </a:lvl9pPr>
           </a:lstStyle>
-          <a:p/>
+          <a:p>
+            <a:endParaRPr/>
+          </a:p>
         </p:txBody>
       </p:sp>
       <p:sp>
         <p:nvSpPr>
           <p:cNvPr id="26" name="Google Shape;26;p4"/>
-          <p:cNvSpPr txBox="1"/>
+          <p:cNvSpPr txBox="1">
+            <a:spLocks noGrp="1"/>
+          </p:cNvSpPr>
           <p:nvPr>
-            <p:ph idx="12" type="sldNum"/>
+            <p:ph type="sldNum" idx="12"/>
           </p:nvPr>
         </p:nvSpPr>
         <p:spPr>
@@ -5034,67 +5196,67 @@
           </a:ln>
         </p:spPr>
         <p:txBody>
-          <a:bodyPr anchorCtr="0" anchor="ctr" bIns="45700" lIns="91425" spcFirstLastPara="1" rIns="91425" wrap="square" tIns="45700">
+          <a:bodyPr spcFirstLastPara="1" wrap="square" lIns="91425" tIns="45700" rIns="91425" bIns="45700" anchor="ctr" anchorCtr="0">
             <a:noAutofit/>
           </a:bodyPr>
           <a:lstStyle>
-            <a:lvl1pPr indent="0" lvl="0" marL="0" algn="r">
+            <a:lvl1pPr marL="0" lvl="0" indent="0" algn="r">
               <a:spcBef>
                 <a:spcPts val="0"/>
               </a:spcBef>
               <a:buNone/>
               <a:defRPr/>
             </a:lvl1pPr>
-            <a:lvl2pPr indent="0" lvl="1" marL="0" algn="r">
+            <a:lvl2pPr marL="0" lvl="1" indent="0" algn="r">
               <a:spcBef>
                 <a:spcPts val="0"/>
               </a:spcBef>
               <a:buNone/>
               <a:defRPr/>
             </a:lvl2pPr>
-            <a:lvl3pPr indent="0" lvl="2" marL="0" algn="r">
+            <a:lvl3pPr marL="0" lvl="2" indent="0" algn="r">
               <a:spcBef>
                 <a:spcPts val="0"/>
               </a:spcBef>
               <a:buNone/>
               <a:defRPr/>
             </a:lvl3pPr>
-            <a:lvl4pPr indent="0" lvl="3" marL="0" algn="r">
+            <a:lvl4pPr marL="0" lvl="3" indent="0" algn="r">
               <a:spcBef>
                 <a:spcPts val="0"/>
               </a:spcBef>
               <a:buNone/>
               <a:defRPr/>
             </a:lvl4pPr>
-            <a:lvl5pPr indent="0" lvl="4" marL="0" algn="r">
+            <a:lvl5pPr marL="0" lvl="4" indent="0" algn="r">
               <a:spcBef>
                 <a:spcPts val="0"/>
               </a:spcBef>
               <a:buNone/>
               <a:defRPr/>
             </a:lvl5pPr>
-            <a:lvl6pPr indent="0" lvl="5" marL="0" algn="r">
+            <a:lvl6pPr marL="0" lvl="5" indent="0" algn="r">
               <a:spcBef>
                 <a:spcPts val="0"/>
               </a:spcBef>
               <a:buNone/>
               <a:defRPr/>
             </a:lvl6pPr>
-            <a:lvl7pPr indent="0" lvl="6" marL="0" algn="r">
+            <a:lvl7pPr marL="0" lvl="6" indent="0" algn="r">
               <a:spcBef>
                 <a:spcPts val="0"/>
               </a:spcBef>
               <a:buNone/>
               <a:defRPr/>
             </a:lvl7pPr>
-            <a:lvl8pPr indent="0" lvl="7" marL="0" algn="r">
+            <a:lvl8pPr marL="0" lvl="7" indent="0" algn="r">
               <a:spcBef>
                 <a:spcPts val="0"/>
               </a:spcBef>
               <a:buNone/>
               <a:defRPr/>
             </a:lvl8pPr>
-            <a:lvl9pPr indent="0" lvl="8" marL="0" algn="r">
+            <a:lvl9pPr marL="0" lvl="8" indent="0" algn="r">
               <a:spcBef>
                 <a:spcPts val="0"/>
               </a:spcBef>
@@ -5103,7 +5265,7 @@
             </a:lvl9pPr>
           </a:lstStyle>
           <a:p>
-            <a:pPr indent="0" lvl="0" marL="0" rtl="0" algn="r">
+            <a:pPr marL="0" lvl="0" indent="0" algn="r" rtl="0">
               <a:spcBef>
                 <a:spcPts val="0"/>
               </a:spcBef>
@@ -5114,7 +5276,7 @@
             </a:pPr>
             <a:fld id="{00000000-1234-1234-1234-123412341234}" type="slidenum">
               <a:rPr lang="en-US"/>
-              <a:t>‹#›</a:t>
+              <a:t>‹N°›</a:t>
             </a:fld>
             <a:endParaRPr/>
           </a:p>
@@ -5129,11 +5291,11 @@
 </file>
 
 <file path=ppt/slideLayouts/slideLayout4.xml><?xml version="1.0" encoding="utf-8"?>
-<p:sldLayout xmlns:a="http://schemas.openxmlformats.org/drawingml/2006/main" xmlns:r="http://schemas.openxmlformats.org/officeDocument/2006/relationships" xmlns:mc="http://schemas.openxmlformats.org/markup-compatibility/2006" xmlns:mv="urn:schemas-microsoft-com:mac:vml" xmlns:p="http://schemas.openxmlformats.org/presentationml/2006/main" xmlns:c="http://schemas.openxmlformats.org/drawingml/2006/chart" xmlns:dgm="http://schemas.openxmlformats.org/drawingml/2006/diagram" xmlns:o="urn:schemas-microsoft-com:office:office" xmlns:v="urn:schemas-microsoft-com:vml" xmlns:pvml="urn:schemas-microsoft-com:office:powerpoint" xmlns:com="http://schemas.openxmlformats.org/drawingml/2006/compatibility" xmlns:p14="http://schemas.microsoft.com/office/powerpoint/2010/main" xmlns:p15="http://schemas.microsoft.com/office/powerpoint/2012/main" xmlns:ahyp="http://schemas.microsoft.com/office/drawing/2018/hyperlinkcolor" matchingName="Section Header" type="secHead">
+<p:sldLayout xmlns:a="http://schemas.openxmlformats.org/drawingml/2006/main" xmlns:r="http://schemas.openxmlformats.org/officeDocument/2006/relationships" xmlns:p="http://schemas.openxmlformats.org/presentationml/2006/main" matchingName="Section Header" type="secHead">
   <p:cSld name="SECTION_HEADER">
     <p:spTree>
       <p:nvGrpSpPr>
-        <p:cNvPr id="27" name="Shape 27"/>
+        <p:cNvPr id="1" name="Shape 27"/>
         <p:cNvGrpSpPr/>
         <p:nvPr/>
       </p:nvGrpSpPr>
@@ -5148,7 +5310,9 @@
       <p:sp>
         <p:nvSpPr>
           <p:cNvPr id="28" name="Google Shape;28;p5"/>
-          <p:cNvSpPr txBox="1"/>
+          <p:cNvSpPr txBox="1">
+            <a:spLocks noGrp="1"/>
+          </p:cNvSpPr>
           <p:nvPr>
             <p:ph type="title"/>
           </p:nvPr>
@@ -5167,7 +5331,7 @@
           </a:ln>
         </p:spPr>
         <p:txBody>
-          <a:bodyPr anchorCtr="0" anchor="t" bIns="45700" lIns="91425" spcFirstLastPara="1" rIns="91425" wrap="square" tIns="45700">
+          <a:bodyPr spcFirstLastPara="1" wrap="square" lIns="91425" tIns="45700" rIns="91425" bIns="45700" anchor="t" anchorCtr="0">
             <a:normAutofit/>
           </a:bodyPr>
           <a:lstStyle>
@@ -5184,7 +5348,7 @@
               <a:buSzPts val="4000"/>
               <a:buFont typeface="Calibri"/>
               <a:buNone/>
-              <a:defRPr b="1" sz="4000" cap="none"/>
+              <a:defRPr sz="4000" b="1" cap="none"/>
             </a:lvl1pPr>
             <a:lvl2pPr lvl="1">
               <a:spcBef>
@@ -5275,15 +5439,19 @@
               <a:defRPr/>
             </a:lvl9pPr>
           </a:lstStyle>
-          <a:p/>
+          <a:p>
+            <a:endParaRPr/>
+          </a:p>
         </p:txBody>
       </p:sp>
       <p:sp>
         <p:nvSpPr>
           <p:cNvPr id="29" name="Google Shape;29;p5"/>
-          <p:cNvSpPr txBox="1"/>
+          <p:cNvSpPr txBox="1">
+            <a:spLocks noGrp="1"/>
+          </p:cNvSpPr>
           <p:nvPr>
-            <p:ph idx="1" type="body"/>
+            <p:ph type="body" idx="1"/>
           </p:nvPr>
         </p:nvSpPr>
         <p:spPr>
@@ -5300,11 +5468,11 @@
           </a:ln>
         </p:spPr>
         <p:txBody>
-          <a:bodyPr anchorCtr="0" anchor="b" bIns="45700" lIns="91425" spcFirstLastPara="1" rIns="91425" wrap="square" tIns="45700">
+          <a:bodyPr spcFirstLastPara="1" wrap="square" lIns="91425" tIns="45700" rIns="91425" bIns="45700" anchor="b" anchorCtr="0">
             <a:normAutofit/>
           </a:bodyPr>
           <a:lstStyle>
-            <a:lvl1pPr indent="-228600" lvl="0" marL="457200" algn="l">
+            <a:lvl1pPr marL="457200" lvl="0" indent="-228600" algn="l">
               <a:spcBef>
                 <a:spcPts val="400"/>
               </a:spcBef>
@@ -5322,7 +5490,7 @@
                 </a:solidFill>
               </a:defRPr>
             </a:lvl1pPr>
-            <a:lvl2pPr indent="-228600" lvl="1" marL="914400" algn="l">
+            <a:lvl2pPr marL="914400" lvl="1" indent="-228600" algn="l">
               <a:spcBef>
                 <a:spcPts val="360"/>
               </a:spcBef>
@@ -5340,7 +5508,7 @@
                 </a:solidFill>
               </a:defRPr>
             </a:lvl2pPr>
-            <a:lvl3pPr indent="-228600" lvl="2" marL="1371600" algn="l">
+            <a:lvl3pPr marL="1371600" lvl="2" indent="-228600" algn="l">
               <a:spcBef>
                 <a:spcPts val="320"/>
               </a:spcBef>
@@ -5358,7 +5526,7 @@
                 </a:solidFill>
               </a:defRPr>
             </a:lvl3pPr>
-            <a:lvl4pPr indent="-228600" lvl="3" marL="1828800" algn="l">
+            <a:lvl4pPr marL="1828800" lvl="3" indent="-228600" algn="l">
               <a:spcBef>
                 <a:spcPts val="280"/>
               </a:spcBef>
@@ -5376,7 +5544,7 @@
                 </a:solidFill>
               </a:defRPr>
             </a:lvl4pPr>
-            <a:lvl5pPr indent="-228600" lvl="4" marL="2286000" algn="l">
+            <a:lvl5pPr marL="2286000" lvl="4" indent="-228600" algn="l">
               <a:spcBef>
                 <a:spcPts val="280"/>
               </a:spcBef>
@@ -5394,7 +5562,7 @@
                 </a:solidFill>
               </a:defRPr>
             </a:lvl5pPr>
-            <a:lvl6pPr indent="-228600" lvl="5" marL="2743200" algn="l">
+            <a:lvl6pPr marL="2743200" lvl="5" indent="-228600" algn="l">
               <a:spcBef>
                 <a:spcPts val="280"/>
               </a:spcBef>
@@ -5412,7 +5580,7 @@
                 </a:solidFill>
               </a:defRPr>
             </a:lvl6pPr>
-            <a:lvl7pPr indent="-228600" lvl="6" marL="3200400" algn="l">
+            <a:lvl7pPr marL="3200400" lvl="6" indent="-228600" algn="l">
               <a:spcBef>
                 <a:spcPts val="280"/>
               </a:spcBef>
@@ -5430,7 +5598,7 @@
                 </a:solidFill>
               </a:defRPr>
             </a:lvl7pPr>
-            <a:lvl8pPr indent="-228600" lvl="7" marL="3657600" algn="l">
+            <a:lvl8pPr marL="3657600" lvl="7" indent="-228600" algn="l">
               <a:spcBef>
                 <a:spcPts val="280"/>
               </a:spcBef>
@@ -5448,7 +5616,7 @@
                 </a:solidFill>
               </a:defRPr>
             </a:lvl8pPr>
-            <a:lvl9pPr indent="-228600" lvl="8" marL="4114800" algn="l">
+            <a:lvl9pPr marL="4114800" lvl="8" indent="-228600" algn="l">
               <a:spcBef>
                 <a:spcPts val="280"/>
               </a:spcBef>
@@ -5467,15 +5635,19 @@
               </a:defRPr>
             </a:lvl9pPr>
           </a:lstStyle>
-          <a:p/>
+          <a:p>
+            <a:endParaRPr/>
+          </a:p>
         </p:txBody>
       </p:sp>
       <p:sp>
         <p:nvSpPr>
           <p:cNvPr id="30" name="Google Shape;30;p5"/>
-          <p:cNvSpPr txBox="1"/>
+          <p:cNvSpPr txBox="1">
+            <a:spLocks noGrp="1"/>
+          </p:cNvSpPr>
           <p:nvPr>
-            <p:ph idx="10" type="dt"/>
+            <p:ph type="dt" idx="10"/>
           </p:nvPr>
         </p:nvSpPr>
         <p:spPr>
@@ -5492,7 +5664,7 @@
           </a:ln>
         </p:spPr>
         <p:txBody>
-          <a:bodyPr anchorCtr="0" anchor="ctr" bIns="45700" lIns="91425" spcFirstLastPara="1" rIns="91425" wrap="square" tIns="45700">
+          <a:bodyPr spcFirstLastPara="1" wrap="square" lIns="91425" tIns="45700" rIns="91425" bIns="45700" anchor="ctr" anchorCtr="0">
             <a:noAutofit/>
           </a:bodyPr>
           <a:lstStyle>
@@ -5596,15 +5768,19 @@
               <a:defRPr/>
             </a:lvl9pPr>
           </a:lstStyle>
-          <a:p/>
+          <a:p>
+            <a:endParaRPr/>
+          </a:p>
         </p:txBody>
       </p:sp>
       <p:sp>
         <p:nvSpPr>
           <p:cNvPr id="31" name="Google Shape;31;p5"/>
-          <p:cNvSpPr txBox="1"/>
+          <p:cNvSpPr txBox="1">
+            <a:spLocks noGrp="1"/>
+          </p:cNvSpPr>
           <p:nvPr>
-            <p:ph idx="11" type="ftr"/>
+            <p:ph type="ftr" idx="11"/>
           </p:nvPr>
         </p:nvSpPr>
         <p:spPr>
@@ -5621,7 +5797,7 @@
           </a:ln>
         </p:spPr>
         <p:txBody>
-          <a:bodyPr anchorCtr="0" anchor="ctr" bIns="45700" lIns="91425" spcFirstLastPara="1" rIns="91425" wrap="square" tIns="45700">
+          <a:bodyPr spcFirstLastPara="1" wrap="square" lIns="91425" tIns="45700" rIns="91425" bIns="45700" anchor="ctr" anchorCtr="0">
             <a:noAutofit/>
           </a:bodyPr>
           <a:lstStyle>
@@ -5725,15 +5901,19 @@
               <a:defRPr/>
             </a:lvl9pPr>
           </a:lstStyle>
-          <a:p/>
+          <a:p>
+            <a:endParaRPr/>
+          </a:p>
         </p:txBody>
       </p:sp>
       <p:sp>
         <p:nvSpPr>
           <p:cNvPr id="32" name="Google Shape;32;p5"/>
-          <p:cNvSpPr txBox="1"/>
+          <p:cNvSpPr txBox="1">
+            <a:spLocks noGrp="1"/>
+          </p:cNvSpPr>
           <p:nvPr>
-            <p:ph idx="12" type="sldNum"/>
+            <p:ph type="sldNum" idx="12"/>
           </p:nvPr>
         </p:nvSpPr>
         <p:spPr>
@@ -5750,67 +5930,67 @@
           </a:ln>
         </p:spPr>
         <p:txBody>
-          <a:bodyPr anchorCtr="0" anchor="ctr" bIns="45700" lIns="91425" spcFirstLastPara="1" rIns="91425" wrap="square" tIns="45700">
+          <a:bodyPr spcFirstLastPara="1" wrap="square" lIns="91425" tIns="45700" rIns="91425" bIns="45700" anchor="ctr" anchorCtr="0">
             <a:noAutofit/>
           </a:bodyPr>
           <a:lstStyle>
-            <a:lvl1pPr indent="0" lvl="0" marL="0" algn="r">
+            <a:lvl1pPr marL="0" lvl="0" indent="0" algn="r">
               <a:spcBef>
                 <a:spcPts val="0"/>
               </a:spcBef>
               <a:buNone/>
               <a:defRPr/>
             </a:lvl1pPr>
-            <a:lvl2pPr indent="0" lvl="1" marL="0" algn="r">
+            <a:lvl2pPr marL="0" lvl="1" indent="0" algn="r">
               <a:spcBef>
                 <a:spcPts val="0"/>
               </a:spcBef>
               <a:buNone/>
               <a:defRPr/>
             </a:lvl2pPr>
-            <a:lvl3pPr indent="0" lvl="2" marL="0" algn="r">
+            <a:lvl3pPr marL="0" lvl="2" indent="0" algn="r">
               <a:spcBef>
                 <a:spcPts val="0"/>
               </a:spcBef>
               <a:buNone/>
               <a:defRPr/>
             </a:lvl3pPr>
-            <a:lvl4pPr indent="0" lvl="3" marL="0" algn="r">
+            <a:lvl4pPr marL="0" lvl="3" indent="0" algn="r">
               <a:spcBef>
                 <a:spcPts val="0"/>
               </a:spcBef>
               <a:buNone/>
               <a:defRPr/>
             </a:lvl4pPr>
-            <a:lvl5pPr indent="0" lvl="4" marL="0" algn="r">
+            <a:lvl5pPr marL="0" lvl="4" indent="0" algn="r">
               <a:spcBef>
                 <a:spcPts val="0"/>
               </a:spcBef>
               <a:buNone/>
               <a:defRPr/>
             </a:lvl5pPr>
-            <a:lvl6pPr indent="0" lvl="5" marL="0" algn="r">
+            <a:lvl6pPr marL="0" lvl="5" indent="0" algn="r">
               <a:spcBef>
                 <a:spcPts val="0"/>
               </a:spcBef>
               <a:buNone/>
               <a:defRPr/>
             </a:lvl6pPr>
-            <a:lvl7pPr indent="0" lvl="6" marL="0" algn="r">
+            <a:lvl7pPr marL="0" lvl="6" indent="0" algn="r">
               <a:spcBef>
                 <a:spcPts val="0"/>
               </a:spcBef>
               <a:buNone/>
               <a:defRPr/>
             </a:lvl7pPr>
-            <a:lvl8pPr indent="0" lvl="7" marL="0" algn="r">
+            <a:lvl8pPr marL="0" lvl="7" indent="0" algn="r">
               <a:spcBef>
                 <a:spcPts val="0"/>
               </a:spcBef>
               <a:buNone/>
               <a:defRPr/>
             </a:lvl8pPr>
-            <a:lvl9pPr indent="0" lvl="8" marL="0" algn="r">
+            <a:lvl9pPr marL="0" lvl="8" indent="0" algn="r">
               <a:spcBef>
                 <a:spcPts val="0"/>
               </a:spcBef>
@@ -5819,7 +5999,7 @@
             </a:lvl9pPr>
           </a:lstStyle>
           <a:p>
-            <a:pPr indent="0" lvl="0" marL="0" rtl="0" algn="r">
+            <a:pPr marL="0" lvl="0" indent="0" algn="r" rtl="0">
               <a:spcBef>
                 <a:spcPts val="0"/>
               </a:spcBef>
@@ -5830,7 +6010,7 @@
             </a:pPr>
             <a:fld id="{00000000-1234-1234-1234-123412341234}" type="slidenum">
               <a:rPr lang="en-US"/>
-              <a:t>‹#›</a:t>
+              <a:t>‹N°›</a:t>
             </a:fld>
             <a:endParaRPr/>
           </a:p>
@@ -5845,11 +6025,11 @@
 </file>
 
 <file path=ppt/slideLayouts/slideLayout5.xml><?xml version="1.0" encoding="utf-8"?>
-<p:sldLayout xmlns:a="http://schemas.openxmlformats.org/drawingml/2006/main" xmlns:r="http://schemas.openxmlformats.org/officeDocument/2006/relationships" xmlns:mc="http://schemas.openxmlformats.org/markup-compatibility/2006" xmlns:mv="urn:schemas-microsoft-com:mac:vml" xmlns:p="http://schemas.openxmlformats.org/presentationml/2006/main" xmlns:c="http://schemas.openxmlformats.org/drawingml/2006/chart" xmlns:dgm="http://schemas.openxmlformats.org/drawingml/2006/diagram" xmlns:o="urn:schemas-microsoft-com:office:office" xmlns:v="urn:schemas-microsoft-com:vml" xmlns:pvml="urn:schemas-microsoft-com:office:powerpoint" xmlns:com="http://schemas.openxmlformats.org/drawingml/2006/compatibility" xmlns:p14="http://schemas.microsoft.com/office/powerpoint/2010/main" xmlns:p15="http://schemas.microsoft.com/office/powerpoint/2012/main" xmlns:ahyp="http://schemas.microsoft.com/office/drawing/2018/hyperlinkcolor" matchingName="Two Content" type="twoObj">
+<p:sldLayout xmlns:a="http://schemas.openxmlformats.org/drawingml/2006/main" xmlns:r="http://schemas.openxmlformats.org/officeDocument/2006/relationships" xmlns:p="http://schemas.openxmlformats.org/presentationml/2006/main" matchingName="Two Content" type="twoObj">
   <p:cSld name="TWO_OBJECTS">
     <p:spTree>
       <p:nvGrpSpPr>
-        <p:cNvPr id="33" name="Shape 33"/>
+        <p:cNvPr id="1" name="Shape 33"/>
         <p:cNvGrpSpPr/>
         <p:nvPr/>
       </p:nvGrpSpPr>
@@ -5864,7 +6044,9 @@
       <p:sp>
         <p:nvSpPr>
           <p:cNvPr id="34" name="Google Shape;34;p6"/>
-          <p:cNvSpPr txBox="1"/>
+          <p:cNvSpPr txBox="1">
+            <a:spLocks noGrp="1"/>
+          </p:cNvSpPr>
           <p:nvPr>
             <p:ph type="title"/>
           </p:nvPr>
@@ -5883,7 +6065,7 @@
           </a:ln>
         </p:spPr>
         <p:txBody>
-          <a:bodyPr anchorCtr="0" anchor="ctr" bIns="45700" lIns="91425" spcFirstLastPara="1" rIns="91425" wrap="square" tIns="45700">
+          <a:bodyPr spcFirstLastPara="1" wrap="square" lIns="91425" tIns="45700" rIns="91425" bIns="45700" anchor="ctr" anchorCtr="0">
             <a:normAutofit/>
           </a:bodyPr>
           <a:lstStyle>
@@ -5990,15 +6172,19 @@
               <a:defRPr/>
             </a:lvl9pPr>
           </a:lstStyle>
-          <a:p/>
+          <a:p>
+            <a:endParaRPr/>
+          </a:p>
         </p:txBody>
       </p:sp>
       <p:sp>
         <p:nvSpPr>
           <p:cNvPr id="35" name="Google Shape;35;p6"/>
-          <p:cNvSpPr txBox="1"/>
+          <p:cNvSpPr txBox="1">
+            <a:spLocks noGrp="1"/>
+          </p:cNvSpPr>
           <p:nvPr>
-            <p:ph idx="1" type="body"/>
+            <p:ph type="body" idx="1"/>
           </p:nvPr>
         </p:nvSpPr>
         <p:spPr>
@@ -6015,11 +6201,11 @@
           </a:ln>
         </p:spPr>
         <p:txBody>
-          <a:bodyPr anchorCtr="0" anchor="t" bIns="45700" lIns="91425" spcFirstLastPara="1" rIns="91425" wrap="square" tIns="45700">
+          <a:bodyPr spcFirstLastPara="1" wrap="square" lIns="91425" tIns="45700" rIns="91425" bIns="45700" anchor="t" anchorCtr="0">
             <a:normAutofit/>
           </a:bodyPr>
           <a:lstStyle>
-            <a:lvl1pPr indent="-406400" lvl="0" marL="457200" algn="l">
+            <a:lvl1pPr marL="457200" lvl="0" indent="-406400" algn="l">
               <a:spcBef>
                 <a:spcPts val="560"/>
               </a:spcBef>
@@ -6033,7 +6219,7 @@
               <a:buChar char="•"/>
               <a:defRPr sz="2800"/>
             </a:lvl1pPr>
-            <a:lvl2pPr indent="-381000" lvl="1" marL="914400" algn="l">
+            <a:lvl2pPr marL="914400" lvl="1" indent="-381000" algn="l">
               <a:spcBef>
                 <a:spcPts val="480"/>
               </a:spcBef>
@@ -6047,7 +6233,7 @@
               <a:buChar char="–"/>
               <a:defRPr sz="2400"/>
             </a:lvl2pPr>
-            <a:lvl3pPr indent="-355600" lvl="2" marL="1371600" algn="l">
+            <a:lvl3pPr marL="1371600" lvl="2" indent="-355600" algn="l">
               <a:spcBef>
                 <a:spcPts val="400"/>
               </a:spcBef>
@@ -6061,7 +6247,7 @@
               <a:buChar char="•"/>
               <a:defRPr sz="2000"/>
             </a:lvl3pPr>
-            <a:lvl4pPr indent="-342900" lvl="3" marL="1828800" algn="l">
+            <a:lvl4pPr marL="1828800" lvl="3" indent="-342900" algn="l">
               <a:spcBef>
                 <a:spcPts val="360"/>
               </a:spcBef>
@@ -6075,7 +6261,7 @@
               <a:buChar char="–"/>
               <a:defRPr sz="1800"/>
             </a:lvl4pPr>
-            <a:lvl5pPr indent="-342900" lvl="4" marL="2286000" algn="l">
+            <a:lvl5pPr marL="2286000" lvl="4" indent="-342900" algn="l">
               <a:spcBef>
                 <a:spcPts val="360"/>
               </a:spcBef>
@@ -6089,7 +6275,7 @@
               <a:buChar char="»"/>
               <a:defRPr sz="1800"/>
             </a:lvl5pPr>
-            <a:lvl6pPr indent="-342900" lvl="5" marL="2743200" algn="l">
+            <a:lvl6pPr marL="2743200" lvl="5" indent="-342900" algn="l">
               <a:spcBef>
                 <a:spcPts val="360"/>
               </a:spcBef>
@@ -6103,7 +6289,7 @@
               <a:buChar char="•"/>
               <a:defRPr sz="1800"/>
             </a:lvl6pPr>
-            <a:lvl7pPr indent="-342900" lvl="6" marL="3200400" algn="l">
+            <a:lvl7pPr marL="3200400" lvl="6" indent="-342900" algn="l">
               <a:spcBef>
                 <a:spcPts val="360"/>
               </a:spcBef>
@@ -6117,7 +6303,7 @@
               <a:buChar char="•"/>
               <a:defRPr sz="1800"/>
             </a:lvl7pPr>
-            <a:lvl8pPr indent="-342900" lvl="7" marL="3657600" algn="l">
+            <a:lvl8pPr marL="3657600" lvl="7" indent="-342900" algn="l">
               <a:spcBef>
                 <a:spcPts val="360"/>
               </a:spcBef>
@@ -6131,7 +6317,7 @@
               <a:buChar char="•"/>
               <a:defRPr sz="1800"/>
             </a:lvl8pPr>
-            <a:lvl9pPr indent="-342900" lvl="8" marL="4114800" algn="l">
+            <a:lvl9pPr marL="4114800" lvl="8" indent="-342900" algn="l">
               <a:spcBef>
                 <a:spcPts val="360"/>
               </a:spcBef>
@@ -6146,15 +6332,19 @@
               <a:defRPr sz="1800"/>
             </a:lvl9pPr>
           </a:lstStyle>
-          <a:p/>
+          <a:p>
+            <a:endParaRPr/>
+          </a:p>
         </p:txBody>
       </p:sp>
       <p:sp>
         <p:nvSpPr>
           <p:cNvPr id="36" name="Google Shape;36;p6"/>
-          <p:cNvSpPr txBox="1"/>
+          <p:cNvSpPr txBox="1">
+            <a:spLocks noGrp="1"/>
+          </p:cNvSpPr>
           <p:nvPr>
-            <p:ph idx="2" type="body"/>
+            <p:ph type="body" idx="2"/>
           </p:nvPr>
         </p:nvSpPr>
         <p:spPr>
@@ -6171,11 +6361,11 @@
           </a:ln>
         </p:spPr>
         <p:txBody>
-          <a:bodyPr anchorCtr="0" anchor="t" bIns="45700" lIns="91425" spcFirstLastPara="1" rIns="91425" wrap="square" tIns="45700">
+          <a:bodyPr spcFirstLastPara="1" wrap="square" lIns="91425" tIns="45700" rIns="91425" bIns="45700" anchor="t" anchorCtr="0">
             <a:normAutofit/>
           </a:bodyPr>
           <a:lstStyle>
-            <a:lvl1pPr indent="-406400" lvl="0" marL="457200" algn="l">
+            <a:lvl1pPr marL="457200" lvl="0" indent="-406400" algn="l">
               <a:spcBef>
                 <a:spcPts val="560"/>
               </a:spcBef>
@@ -6189,7 +6379,7 @@
               <a:buChar char="•"/>
               <a:defRPr sz="2800"/>
             </a:lvl1pPr>
-            <a:lvl2pPr indent="-381000" lvl="1" marL="914400" algn="l">
+            <a:lvl2pPr marL="914400" lvl="1" indent="-381000" algn="l">
               <a:spcBef>
                 <a:spcPts val="480"/>
               </a:spcBef>
@@ -6203,7 +6393,7 @@
               <a:buChar char="–"/>
               <a:defRPr sz="2400"/>
             </a:lvl2pPr>
-            <a:lvl3pPr indent="-355600" lvl="2" marL="1371600" algn="l">
+            <a:lvl3pPr marL="1371600" lvl="2" indent="-355600" algn="l">
               <a:spcBef>
                 <a:spcPts val="400"/>
               </a:spcBef>
@@ -6217,7 +6407,7 @@
               <a:buChar char="•"/>
               <a:defRPr sz="2000"/>
             </a:lvl3pPr>
-            <a:lvl4pPr indent="-342900" lvl="3" marL="1828800" algn="l">
+            <a:lvl4pPr marL="1828800" lvl="3" indent="-342900" algn="l">
               <a:spcBef>
                 <a:spcPts val="360"/>
               </a:spcBef>
@@ -6231,7 +6421,7 @@
               <a:buChar char="–"/>
               <a:defRPr sz="1800"/>
             </a:lvl4pPr>
-            <a:lvl5pPr indent="-342900" lvl="4" marL="2286000" algn="l">
+            <a:lvl5pPr marL="2286000" lvl="4" indent="-342900" algn="l">
               <a:spcBef>
                 <a:spcPts val="360"/>
               </a:spcBef>
@@ -6245,7 +6435,7 @@
               <a:buChar char="»"/>
               <a:defRPr sz="1800"/>
             </a:lvl5pPr>
-            <a:lvl6pPr indent="-342900" lvl="5" marL="2743200" algn="l">
+            <a:lvl6pPr marL="2743200" lvl="5" indent="-342900" algn="l">
               <a:spcBef>
                 <a:spcPts val="360"/>
               </a:spcBef>
@@ -6259,7 +6449,7 @@
               <a:buChar char="•"/>
               <a:defRPr sz="1800"/>
             </a:lvl6pPr>
-            <a:lvl7pPr indent="-342900" lvl="6" marL="3200400" algn="l">
+            <a:lvl7pPr marL="3200400" lvl="6" indent="-342900" algn="l">
               <a:spcBef>
                 <a:spcPts val="360"/>
               </a:spcBef>
@@ -6273,7 +6463,7 @@
               <a:buChar char="•"/>
               <a:defRPr sz="1800"/>
             </a:lvl7pPr>
-            <a:lvl8pPr indent="-342900" lvl="7" marL="3657600" algn="l">
+            <a:lvl8pPr marL="3657600" lvl="7" indent="-342900" algn="l">
               <a:spcBef>
                 <a:spcPts val="360"/>
               </a:spcBef>
@@ -6287,7 +6477,7 @@
               <a:buChar char="•"/>
               <a:defRPr sz="1800"/>
             </a:lvl8pPr>
-            <a:lvl9pPr indent="-342900" lvl="8" marL="4114800" algn="l">
+            <a:lvl9pPr marL="4114800" lvl="8" indent="-342900" algn="l">
               <a:spcBef>
                 <a:spcPts val="360"/>
               </a:spcBef>
@@ -6302,15 +6492,19 @@
               <a:defRPr sz="1800"/>
             </a:lvl9pPr>
           </a:lstStyle>
-          <a:p/>
+          <a:p>
+            <a:endParaRPr/>
+          </a:p>
         </p:txBody>
       </p:sp>
       <p:sp>
         <p:nvSpPr>
           <p:cNvPr id="37" name="Google Shape;37;p6"/>
-          <p:cNvSpPr txBox="1"/>
+          <p:cNvSpPr txBox="1">
+            <a:spLocks noGrp="1"/>
+          </p:cNvSpPr>
           <p:nvPr>
-            <p:ph idx="10" type="dt"/>
+            <p:ph type="dt" idx="10"/>
           </p:nvPr>
         </p:nvSpPr>
         <p:spPr>
@@ -6327,7 +6521,7 @@
           </a:ln>
         </p:spPr>
         <p:txBody>
-          <a:bodyPr anchorCtr="0" anchor="ctr" bIns="45700" lIns="91425" spcFirstLastPara="1" rIns="91425" wrap="square" tIns="45700">
+          <a:bodyPr spcFirstLastPara="1" wrap="square" lIns="91425" tIns="45700" rIns="91425" bIns="45700" anchor="ctr" anchorCtr="0">
             <a:noAutofit/>
           </a:bodyPr>
           <a:lstStyle>
@@ -6431,15 +6625,19 @@
               <a:defRPr/>
             </a:lvl9pPr>
           </a:lstStyle>
-          <a:p/>
+          <a:p>
+            <a:endParaRPr/>
+          </a:p>
         </p:txBody>
       </p:sp>
       <p:sp>
         <p:nvSpPr>
           <p:cNvPr id="38" name="Google Shape;38;p6"/>
-          <p:cNvSpPr txBox="1"/>
+          <p:cNvSpPr txBox="1">
+            <a:spLocks noGrp="1"/>
+          </p:cNvSpPr>
           <p:nvPr>
-            <p:ph idx="11" type="ftr"/>
+            <p:ph type="ftr" idx="11"/>
           </p:nvPr>
         </p:nvSpPr>
         <p:spPr>
@@ -6456,7 +6654,7 @@
           </a:ln>
         </p:spPr>
         <p:txBody>
-          <a:bodyPr anchorCtr="0" anchor="ctr" bIns="45700" lIns="91425" spcFirstLastPara="1" rIns="91425" wrap="square" tIns="45700">
+          <a:bodyPr spcFirstLastPara="1" wrap="square" lIns="91425" tIns="45700" rIns="91425" bIns="45700" anchor="ctr" anchorCtr="0">
             <a:noAutofit/>
           </a:bodyPr>
           <a:lstStyle>
@@ -6560,15 +6758,19 @@
               <a:defRPr/>
             </a:lvl9pPr>
           </a:lstStyle>
-          <a:p/>
+          <a:p>
+            <a:endParaRPr/>
+          </a:p>
         </p:txBody>
       </p:sp>
       <p:sp>
         <p:nvSpPr>
           <p:cNvPr id="39" name="Google Shape;39;p6"/>
-          <p:cNvSpPr txBox="1"/>
+          <p:cNvSpPr txBox="1">
+            <a:spLocks noGrp="1"/>
+          </p:cNvSpPr>
           <p:nvPr>
-            <p:ph idx="12" type="sldNum"/>
+            <p:ph type="sldNum" idx="12"/>
           </p:nvPr>
         </p:nvSpPr>
         <p:spPr>
@@ -6585,67 +6787,67 @@
           </a:ln>
         </p:spPr>
         <p:txBody>
-          <a:bodyPr anchorCtr="0" anchor="ctr" bIns="45700" lIns="91425" spcFirstLastPara="1" rIns="91425" wrap="square" tIns="45700">
+          <a:bodyPr spcFirstLastPara="1" wrap="square" lIns="91425" tIns="45700" rIns="91425" bIns="45700" anchor="ctr" anchorCtr="0">
             <a:noAutofit/>
           </a:bodyPr>
           <a:lstStyle>
-            <a:lvl1pPr indent="0" lvl="0" marL="0" algn="r">
+            <a:lvl1pPr marL="0" lvl="0" indent="0" algn="r">
               <a:spcBef>
                 <a:spcPts val="0"/>
               </a:spcBef>
               <a:buNone/>
               <a:defRPr/>
             </a:lvl1pPr>
-            <a:lvl2pPr indent="0" lvl="1" marL="0" algn="r">
+            <a:lvl2pPr marL="0" lvl="1" indent="0" algn="r">
               <a:spcBef>
                 <a:spcPts val="0"/>
               </a:spcBef>
               <a:buNone/>
               <a:defRPr/>
             </a:lvl2pPr>
-            <a:lvl3pPr indent="0" lvl="2" marL="0" algn="r">
+            <a:lvl3pPr marL="0" lvl="2" indent="0" algn="r">
               <a:spcBef>
                 <a:spcPts val="0"/>
               </a:spcBef>
               <a:buNone/>
               <a:defRPr/>
             </a:lvl3pPr>
-            <a:lvl4pPr indent="0" lvl="3" marL="0" algn="r">
+            <a:lvl4pPr marL="0" lvl="3" indent="0" algn="r">
               <a:spcBef>
                 <a:spcPts val="0"/>
               </a:spcBef>
               <a:buNone/>
               <a:defRPr/>
             </a:lvl4pPr>
-            <a:lvl5pPr indent="0" lvl="4" marL="0" algn="r">
+            <a:lvl5pPr marL="0" lvl="4" indent="0" algn="r">
               <a:spcBef>
                 <a:spcPts val="0"/>
               </a:spcBef>
               <a:buNone/>
               <a:defRPr/>
             </a:lvl5pPr>
-            <a:lvl6pPr indent="0" lvl="5" marL="0" algn="r">
+            <a:lvl6pPr marL="0" lvl="5" indent="0" algn="r">
               <a:spcBef>
                 <a:spcPts val="0"/>
               </a:spcBef>
               <a:buNone/>
               <a:defRPr/>
             </a:lvl6pPr>
-            <a:lvl7pPr indent="0" lvl="6" marL="0" algn="r">
+            <a:lvl7pPr marL="0" lvl="6" indent="0" algn="r">
               <a:spcBef>
                 <a:spcPts val="0"/>
               </a:spcBef>
               <a:buNone/>
               <a:defRPr/>
             </a:lvl7pPr>
-            <a:lvl8pPr indent="0" lvl="7" marL="0" algn="r">
+            <a:lvl8pPr marL="0" lvl="7" indent="0" algn="r">
               <a:spcBef>
                 <a:spcPts val="0"/>
               </a:spcBef>
               <a:buNone/>
               <a:defRPr/>
             </a:lvl8pPr>
-            <a:lvl9pPr indent="0" lvl="8" marL="0" algn="r">
+            <a:lvl9pPr marL="0" lvl="8" indent="0" algn="r">
               <a:spcBef>
                 <a:spcPts val="0"/>
               </a:spcBef>
@@ -6654,7 +6856,7 @@
             </a:lvl9pPr>
           </a:lstStyle>
           <a:p>
-            <a:pPr indent="0" lvl="0" marL="0" rtl="0" algn="r">
+            <a:pPr marL="0" lvl="0" indent="0" algn="r" rtl="0">
               <a:spcBef>
                 <a:spcPts val="0"/>
               </a:spcBef>
@@ -6665,7 +6867,7 @@
             </a:pPr>
             <a:fld id="{00000000-1234-1234-1234-123412341234}" type="slidenum">
               <a:rPr lang="en-US"/>
-              <a:t>‹#›</a:t>
+              <a:t>‹N°›</a:t>
             </a:fld>
             <a:endParaRPr/>
           </a:p>
@@ -6680,11 +6882,11 @@
 </file>
 
 <file path=ppt/slideLayouts/slideLayout6.xml><?xml version="1.0" encoding="utf-8"?>
-<p:sldLayout xmlns:a="http://schemas.openxmlformats.org/drawingml/2006/main" xmlns:r="http://schemas.openxmlformats.org/officeDocument/2006/relationships" xmlns:mc="http://schemas.openxmlformats.org/markup-compatibility/2006" xmlns:mv="urn:schemas-microsoft-com:mac:vml" xmlns:p="http://schemas.openxmlformats.org/presentationml/2006/main" xmlns:c="http://schemas.openxmlformats.org/drawingml/2006/chart" xmlns:dgm="http://schemas.openxmlformats.org/drawingml/2006/diagram" xmlns:o="urn:schemas-microsoft-com:office:office" xmlns:v="urn:schemas-microsoft-com:vml" xmlns:pvml="urn:schemas-microsoft-com:office:powerpoint" xmlns:com="http://schemas.openxmlformats.org/drawingml/2006/compatibility" xmlns:p14="http://schemas.microsoft.com/office/powerpoint/2010/main" xmlns:p15="http://schemas.microsoft.com/office/powerpoint/2012/main" xmlns:ahyp="http://schemas.microsoft.com/office/drawing/2018/hyperlinkcolor" matchingName="Comparison" type="twoTxTwoObj">
+<p:sldLayout xmlns:a="http://schemas.openxmlformats.org/drawingml/2006/main" xmlns:r="http://schemas.openxmlformats.org/officeDocument/2006/relationships" xmlns:p="http://schemas.openxmlformats.org/presentationml/2006/main" matchingName="Comparison" type="twoTxTwoObj">
   <p:cSld name="TWO_OBJECTS_WITH_TEXT">
     <p:spTree>
       <p:nvGrpSpPr>
-        <p:cNvPr id="40" name="Shape 40"/>
+        <p:cNvPr id="1" name="Shape 40"/>
         <p:cNvGrpSpPr/>
         <p:nvPr/>
       </p:nvGrpSpPr>
@@ -6699,7 +6901,9 @@
       <p:sp>
         <p:nvSpPr>
           <p:cNvPr id="41" name="Google Shape;41;p7"/>
-          <p:cNvSpPr txBox="1"/>
+          <p:cNvSpPr txBox="1">
+            <a:spLocks noGrp="1"/>
+          </p:cNvSpPr>
           <p:nvPr>
             <p:ph type="title"/>
           </p:nvPr>
@@ -6718,7 +6922,7 @@
           </a:ln>
         </p:spPr>
         <p:txBody>
-          <a:bodyPr anchorCtr="0" anchor="ctr" bIns="45700" lIns="91425" spcFirstLastPara="1" rIns="91425" wrap="square" tIns="45700">
+          <a:bodyPr spcFirstLastPara="1" wrap="square" lIns="91425" tIns="45700" rIns="91425" bIns="45700" anchor="ctr" anchorCtr="0">
             <a:normAutofit/>
           </a:bodyPr>
           <a:lstStyle>
@@ -6826,15 +7030,19 @@
               <a:defRPr/>
             </a:lvl9pPr>
           </a:lstStyle>
-          <a:p/>
+          <a:p>
+            <a:endParaRPr/>
+          </a:p>
         </p:txBody>
       </p:sp>
       <p:sp>
         <p:nvSpPr>
           <p:cNvPr id="42" name="Google Shape;42;p7"/>
-          <p:cNvSpPr txBox="1"/>
+          <p:cNvSpPr txBox="1">
+            <a:spLocks noGrp="1"/>
+          </p:cNvSpPr>
           <p:nvPr>
-            <p:ph idx="1" type="body"/>
+            <p:ph type="body" idx="1"/>
           </p:nvPr>
         </p:nvSpPr>
         <p:spPr>
@@ -6851,11 +7059,11 @@
           </a:ln>
         </p:spPr>
         <p:txBody>
-          <a:bodyPr anchorCtr="0" anchor="b" bIns="45700" lIns="91425" spcFirstLastPara="1" rIns="91425" wrap="square" tIns="45700">
+          <a:bodyPr spcFirstLastPara="1" wrap="square" lIns="91425" tIns="45700" rIns="91425" bIns="45700" anchor="b" anchorCtr="0">
             <a:normAutofit/>
           </a:bodyPr>
           <a:lstStyle>
-            <a:lvl1pPr indent="-228600" lvl="0" marL="457200" algn="l">
+            <a:lvl1pPr marL="457200" lvl="0" indent="-228600" algn="l">
               <a:spcBef>
                 <a:spcPts val="480"/>
               </a:spcBef>
@@ -6867,9 +7075,9 @@
               </a:buClr>
               <a:buSzPts val="2400"/>
               <a:buNone/>
-              <a:defRPr b="1" sz="2400"/>
+              <a:defRPr sz="2400" b="1"/>
             </a:lvl1pPr>
-            <a:lvl2pPr indent="-228600" lvl="1" marL="914400" algn="l">
+            <a:lvl2pPr marL="914400" lvl="1" indent="-228600" algn="l">
               <a:spcBef>
                 <a:spcPts val="400"/>
               </a:spcBef>
@@ -6881,9 +7089,9 @@
               </a:buClr>
               <a:buSzPts val="2000"/>
               <a:buNone/>
-              <a:defRPr b="1" sz="2000"/>
+              <a:defRPr sz="2000" b="1"/>
             </a:lvl2pPr>
-            <a:lvl3pPr indent="-228600" lvl="2" marL="1371600" algn="l">
+            <a:lvl3pPr marL="1371600" lvl="2" indent="-228600" algn="l">
               <a:spcBef>
                 <a:spcPts val="360"/>
               </a:spcBef>
@@ -6895,9 +7103,9 @@
               </a:buClr>
               <a:buSzPts val="1800"/>
               <a:buNone/>
-              <a:defRPr b="1" sz="1800"/>
+              <a:defRPr sz="1800" b="1"/>
             </a:lvl3pPr>
-            <a:lvl4pPr indent="-228600" lvl="3" marL="1828800" algn="l">
+            <a:lvl4pPr marL="1828800" lvl="3" indent="-228600" algn="l">
               <a:spcBef>
                 <a:spcPts val="320"/>
               </a:spcBef>
@@ -6909,9 +7117,9 @@
               </a:buClr>
               <a:buSzPts val="1600"/>
               <a:buNone/>
-              <a:defRPr b="1" sz="1600"/>
+              <a:defRPr sz="1600" b="1"/>
             </a:lvl4pPr>
-            <a:lvl5pPr indent="-228600" lvl="4" marL="2286000" algn="l">
+            <a:lvl5pPr marL="2286000" lvl="4" indent="-228600" algn="l">
               <a:spcBef>
                 <a:spcPts val="320"/>
               </a:spcBef>
@@ -6923,9 +7131,9 @@
               </a:buClr>
               <a:buSzPts val="1600"/>
               <a:buNone/>
-              <a:defRPr b="1" sz="1600"/>
+              <a:defRPr sz="1600" b="1"/>
             </a:lvl5pPr>
-            <a:lvl6pPr indent="-228600" lvl="5" marL="2743200" algn="l">
+            <a:lvl6pPr marL="2743200" lvl="5" indent="-228600" algn="l">
               <a:spcBef>
                 <a:spcPts val="320"/>
               </a:spcBef>
@@ -6937,9 +7145,9 @@
               </a:buClr>
               <a:buSzPts val="1600"/>
               <a:buNone/>
-              <a:defRPr b="1" sz="1600"/>
+              <a:defRPr sz="1600" b="1"/>
             </a:lvl6pPr>
-            <a:lvl7pPr indent="-228600" lvl="6" marL="3200400" algn="l">
+            <a:lvl7pPr marL="3200400" lvl="6" indent="-228600" algn="l">
               <a:spcBef>
                 <a:spcPts val="320"/>
               </a:spcBef>
@@ -6951,9 +7159,9 @@
               </a:buClr>
               <a:buSzPts val="1600"/>
               <a:buNone/>
-              <a:defRPr b="1" sz="1600"/>
+              <a:defRPr sz="1600" b="1"/>
             </a:lvl7pPr>
-            <a:lvl8pPr indent="-228600" lvl="7" marL="3657600" algn="l">
+            <a:lvl8pPr marL="3657600" lvl="7" indent="-228600" algn="l">
               <a:spcBef>
                 <a:spcPts val="320"/>
               </a:spcBef>
@@ -6965,9 +7173,9 @@
               </a:buClr>
               <a:buSzPts val="1600"/>
               <a:buNone/>
-              <a:defRPr b="1" sz="1600"/>
+              <a:defRPr sz="1600" b="1"/>
             </a:lvl8pPr>
-            <a:lvl9pPr indent="-228600" lvl="8" marL="4114800" algn="l">
+            <a:lvl9pPr marL="4114800" lvl="8" indent="-228600" algn="l">
               <a:spcBef>
                 <a:spcPts val="320"/>
               </a:spcBef>
@@ -6979,18 +7187,22 @@
               </a:buClr>
               <a:buSzPts val="1600"/>
               <a:buNone/>
-              <a:defRPr b="1" sz="1600"/>
+              <a:defRPr sz="1600" b="1"/>
             </a:lvl9pPr>
           </a:lstStyle>
-          <a:p/>
+          <a:p>
+            <a:endParaRPr/>
+          </a:p>
         </p:txBody>
       </p:sp>
       <p:sp>
         <p:nvSpPr>
           <p:cNvPr id="43" name="Google Shape;43;p7"/>
-          <p:cNvSpPr txBox="1"/>
+          <p:cNvSpPr txBox="1">
+            <a:spLocks noGrp="1"/>
+          </p:cNvSpPr>
           <p:nvPr>
-            <p:ph idx="2" type="body"/>
+            <p:ph type="body" idx="2"/>
           </p:nvPr>
         </p:nvSpPr>
         <p:spPr>
@@ -7007,11 +7219,11 @@
           </a:ln>
         </p:spPr>
         <p:txBody>
-          <a:bodyPr anchorCtr="0" anchor="t" bIns="45700" lIns="91425" spcFirstLastPara="1" rIns="91425" wrap="square" tIns="45700">
+          <a:bodyPr spcFirstLastPara="1" wrap="square" lIns="91425" tIns="45700" rIns="91425" bIns="45700" anchor="t" anchorCtr="0">
             <a:normAutofit/>
           </a:bodyPr>
           <a:lstStyle>
-            <a:lvl1pPr indent="-381000" lvl="0" marL="457200" algn="l">
+            <a:lvl1pPr marL="457200" lvl="0" indent="-381000" algn="l">
               <a:spcBef>
                 <a:spcPts val="480"/>
               </a:spcBef>
@@ -7025,7 +7237,7 @@
               <a:buChar char="•"/>
               <a:defRPr sz="2400"/>
             </a:lvl1pPr>
-            <a:lvl2pPr indent="-355600" lvl="1" marL="914400" algn="l">
+            <a:lvl2pPr marL="914400" lvl="1" indent="-355600" algn="l">
               <a:spcBef>
                 <a:spcPts val="400"/>
               </a:spcBef>
@@ -7039,7 +7251,7 @@
               <a:buChar char="–"/>
               <a:defRPr sz="2000"/>
             </a:lvl2pPr>
-            <a:lvl3pPr indent="-342900" lvl="2" marL="1371600" algn="l">
+            <a:lvl3pPr marL="1371600" lvl="2" indent="-342900" algn="l">
               <a:spcBef>
                 <a:spcPts val="360"/>
               </a:spcBef>
@@ -7053,7 +7265,7 @@
               <a:buChar char="•"/>
               <a:defRPr sz="1800"/>
             </a:lvl3pPr>
-            <a:lvl4pPr indent="-330200" lvl="3" marL="1828800" algn="l">
+            <a:lvl4pPr marL="1828800" lvl="3" indent="-330200" algn="l">
               <a:spcBef>
                 <a:spcPts val="320"/>
               </a:spcBef>
@@ -7067,7 +7279,7 @@
               <a:buChar char="–"/>
               <a:defRPr sz="1600"/>
             </a:lvl4pPr>
-            <a:lvl5pPr indent="-330200" lvl="4" marL="2286000" algn="l">
+            <a:lvl5pPr marL="2286000" lvl="4" indent="-330200" algn="l">
               <a:spcBef>
                 <a:spcPts val="320"/>
               </a:spcBef>
@@ -7081,7 +7293,7 @@
               <a:buChar char="»"/>
               <a:defRPr sz="1600"/>
             </a:lvl5pPr>
-            <a:lvl6pPr indent="-330200" lvl="5" marL="2743200" algn="l">
+            <a:lvl6pPr marL="2743200" lvl="5" indent="-330200" algn="l">
               <a:spcBef>
                 <a:spcPts val="320"/>
               </a:spcBef>
@@ -7095,7 +7307,7 @@
               <a:buChar char="•"/>
               <a:defRPr sz="1600"/>
             </a:lvl6pPr>
-            <a:lvl7pPr indent="-330200" lvl="6" marL="3200400" algn="l">
+            <a:lvl7pPr marL="3200400" lvl="6" indent="-330200" algn="l">
               <a:spcBef>
                 <a:spcPts val="320"/>
               </a:spcBef>
@@ -7109,7 +7321,7 @@
               <a:buChar char="•"/>
               <a:defRPr sz="1600"/>
             </a:lvl7pPr>
-            <a:lvl8pPr indent="-330200" lvl="7" marL="3657600" algn="l">
+            <a:lvl8pPr marL="3657600" lvl="7" indent="-330200" algn="l">
               <a:spcBef>
                 <a:spcPts val="320"/>
               </a:spcBef>
@@ -7123,7 +7335,7 @@
               <a:buChar char="•"/>
               <a:defRPr sz="1600"/>
             </a:lvl8pPr>
-            <a:lvl9pPr indent="-330200" lvl="8" marL="4114800" algn="l">
+            <a:lvl9pPr marL="4114800" lvl="8" indent="-330200" algn="l">
               <a:spcBef>
                 <a:spcPts val="320"/>
               </a:spcBef>
@@ -7138,15 +7350,19 @@
               <a:defRPr sz="1600"/>
             </a:lvl9pPr>
           </a:lstStyle>
-          <a:p/>
+          <a:p>
+            <a:endParaRPr/>
+          </a:p>
         </p:txBody>
       </p:sp>
       <p:sp>
         <p:nvSpPr>
           <p:cNvPr id="44" name="Google Shape;44;p7"/>
-          <p:cNvSpPr txBox="1"/>
+          <p:cNvSpPr txBox="1">
+            <a:spLocks noGrp="1"/>
+          </p:cNvSpPr>
           <p:nvPr>
-            <p:ph idx="3" type="body"/>
+            <p:ph type="body" idx="3"/>
           </p:nvPr>
         </p:nvSpPr>
         <p:spPr>
@@ -7163,11 +7379,11 @@
           </a:ln>
         </p:spPr>
         <p:txBody>
-          <a:bodyPr anchorCtr="0" anchor="b" bIns="45700" lIns="91425" spcFirstLastPara="1" rIns="91425" wrap="square" tIns="45700">
+          <a:bodyPr spcFirstLastPara="1" wrap="square" lIns="91425" tIns="45700" rIns="91425" bIns="45700" anchor="b" anchorCtr="0">
             <a:normAutofit/>
           </a:bodyPr>
           <a:lstStyle>
-            <a:lvl1pPr indent="-228600" lvl="0" marL="457200" algn="l">
+            <a:lvl1pPr marL="457200" lvl="0" indent="-228600" algn="l">
               <a:spcBef>
                 <a:spcPts val="480"/>
               </a:spcBef>
@@ -7179,9 +7395,9 @@
               </a:buClr>
               <a:buSzPts val="2400"/>
               <a:buNone/>
-              <a:defRPr b="1" sz="2400"/>
+              <a:defRPr sz="2400" b="1"/>
             </a:lvl1pPr>
-            <a:lvl2pPr indent="-228600" lvl="1" marL="914400" algn="l">
+            <a:lvl2pPr marL="914400" lvl="1" indent="-228600" algn="l">
               <a:spcBef>
                 <a:spcPts val="400"/>
               </a:spcBef>
@@ -7193,9 +7409,9 @@
               </a:buClr>
               <a:buSzPts val="2000"/>
               <a:buNone/>
-              <a:defRPr b="1" sz="2000"/>
+              <a:defRPr sz="2000" b="1"/>
             </a:lvl2pPr>
-            <a:lvl3pPr indent="-228600" lvl="2" marL="1371600" algn="l">
+            <a:lvl3pPr marL="1371600" lvl="2" indent="-228600" algn="l">
               <a:spcBef>
                 <a:spcPts val="360"/>
               </a:spcBef>
@@ -7207,9 +7423,9 @@
               </a:buClr>
               <a:buSzPts val="1800"/>
               <a:buNone/>
-              <a:defRPr b="1" sz="1800"/>
+              <a:defRPr sz="1800" b="1"/>
             </a:lvl3pPr>
-            <a:lvl4pPr indent="-228600" lvl="3" marL="1828800" algn="l">
+            <a:lvl4pPr marL="1828800" lvl="3" indent="-228600" algn="l">
               <a:spcBef>
                 <a:spcPts val="320"/>
               </a:spcBef>
@@ -7221,9 +7437,9 @@
               </a:buClr>
               <a:buSzPts val="1600"/>
               <a:buNone/>
-              <a:defRPr b="1" sz="1600"/>
+              <a:defRPr sz="1600" b="1"/>
             </a:lvl4pPr>
-            <a:lvl5pPr indent="-228600" lvl="4" marL="2286000" algn="l">
+            <a:lvl5pPr marL="2286000" lvl="4" indent="-228600" algn="l">
               <a:spcBef>
                 <a:spcPts val="320"/>
               </a:spcBef>
@@ -7235,9 +7451,9 @@
               </a:buClr>
               <a:buSzPts val="1600"/>
               <a:buNone/>
-              <a:defRPr b="1" sz="1600"/>
+              <a:defRPr sz="1600" b="1"/>
             </a:lvl5pPr>
-            <a:lvl6pPr indent="-228600" lvl="5" marL="2743200" algn="l">
+            <a:lvl6pPr marL="2743200" lvl="5" indent="-228600" algn="l">
               <a:spcBef>
                 <a:spcPts val="320"/>
               </a:spcBef>
@@ -7249,9 +7465,9 @@
               </a:buClr>
               <a:buSzPts val="1600"/>
               <a:buNone/>
-              <a:defRPr b="1" sz="1600"/>
+              <a:defRPr sz="1600" b="1"/>
             </a:lvl6pPr>
-            <a:lvl7pPr indent="-228600" lvl="6" marL="3200400" algn="l">
+            <a:lvl7pPr marL="3200400" lvl="6" indent="-228600" algn="l">
               <a:spcBef>
                 <a:spcPts val="320"/>
               </a:spcBef>
@@ -7263,9 +7479,9 @@
               </a:buClr>
               <a:buSzPts val="1600"/>
               <a:buNone/>
-              <a:defRPr b="1" sz="1600"/>
+              <a:defRPr sz="1600" b="1"/>
             </a:lvl7pPr>
-            <a:lvl8pPr indent="-228600" lvl="7" marL="3657600" algn="l">
+            <a:lvl8pPr marL="3657600" lvl="7" indent="-228600" algn="l">
               <a:spcBef>
                 <a:spcPts val="320"/>
               </a:spcBef>
@@ -7277,9 +7493,9 @@
               </a:buClr>
               <a:buSzPts val="1600"/>
               <a:buNone/>
-              <a:defRPr b="1" sz="1600"/>
+              <a:defRPr sz="1600" b="1"/>
             </a:lvl8pPr>
-            <a:lvl9pPr indent="-228600" lvl="8" marL="4114800" algn="l">
+            <a:lvl9pPr marL="4114800" lvl="8" indent="-228600" algn="l">
               <a:spcBef>
                 <a:spcPts val="320"/>
               </a:spcBef>
@@ -7291,18 +7507,22 @@
               </a:buClr>
               <a:buSzPts val="1600"/>
               <a:buNone/>
-              <a:defRPr b="1" sz="1600"/>
+              <a:defRPr sz="1600" b="1"/>
             </a:lvl9pPr>
           </a:lstStyle>
-          <a:p/>
+          <a:p>
+            <a:endParaRPr/>
+          </a:p>
         </p:txBody>
       </p:sp>
       <p:sp>
         <p:nvSpPr>
           <p:cNvPr id="45" name="Google Shape;45;p7"/>
-          <p:cNvSpPr txBox="1"/>
+          <p:cNvSpPr txBox="1">
+            <a:spLocks noGrp="1"/>
+          </p:cNvSpPr>
           <p:nvPr>
-            <p:ph idx="4" type="body"/>
+            <p:ph type="body" idx="4"/>
           </p:nvPr>
         </p:nvSpPr>
         <p:spPr>
@@ -7319,11 +7539,11 @@
           </a:ln>
         </p:spPr>
         <p:txBody>
-          <a:bodyPr anchorCtr="0" anchor="t" bIns="45700" lIns="91425" spcFirstLastPara="1" rIns="91425" wrap="square" tIns="45700">
+          <a:bodyPr spcFirstLastPara="1" wrap="square" lIns="91425" tIns="45700" rIns="91425" bIns="45700" anchor="t" anchorCtr="0">
             <a:normAutofit/>
           </a:bodyPr>
           <a:lstStyle>
-            <a:lvl1pPr indent="-381000" lvl="0" marL="457200" algn="l">
+            <a:lvl1pPr marL="457200" lvl="0" indent="-381000" algn="l">
               <a:spcBef>
                 <a:spcPts val="480"/>
               </a:spcBef>
@@ -7337,7 +7557,7 @@
               <a:buChar char="•"/>
               <a:defRPr sz="2400"/>
             </a:lvl1pPr>
-            <a:lvl2pPr indent="-355600" lvl="1" marL="914400" algn="l">
+            <a:lvl2pPr marL="914400" lvl="1" indent="-355600" algn="l">
               <a:spcBef>
                 <a:spcPts val="400"/>
               </a:spcBef>
@@ -7351,7 +7571,7 @@
               <a:buChar char="–"/>
               <a:defRPr sz="2000"/>
             </a:lvl2pPr>
-            <a:lvl3pPr indent="-342900" lvl="2" marL="1371600" algn="l">
+            <a:lvl3pPr marL="1371600" lvl="2" indent="-342900" algn="l">
               <a:spcBef>
                 <a:spcPts val="360"/>
               </a:spcBef>
@@ -7365,7 +7585,7 @@
               <a:buChar char="•"/>
               <a:defRPr sz="1800"/>
             </a:lvl3pPr>
-            <a:lvl4pPr indent="-330200" lvl="3" marL="1828800" algn="l">
+            <a:lvl4pPr marL="1828800" lvl="3" indent="-330200" algn="l">
               <a:spcBef>
                 <a:spcPts val="320"/>
               </a:spcBef>
@@ -7379,7 +7599,7 @@
               <a:buChar char="–"/>
               <a:defRPr sz="1600"/>
             </a:lvl4pPr>
-            <a:lvl5pPr indent="-330200" lvl="4" marL="2286000" algn="l">
+            <a:lvl5pPr marL="2286000" lvl="4" indent="-330200" algn="l">
               <a:spcBef>
                 <a:spcPts val="320"/>
               </a:spcBef>
@@ -7393,7 +7613,7 @@
               <a:buChar char="»"/>
               <a:defRPr sz="1600"/>
             </a:lvl5pPr>
-            <a:lvl6pPr indent="-330200" lvl="5" marL="2743200" algn="l">
+            <a:lvl6pPr marL="2743200" lvl="5" indent="-330200" algn="l">
               <a:spcBef>
                 <a:spcPts val="320"/>
               </a:spcBef>
@@ -7407,7 +7627,7 @@
               <a:buChar char="•"/>
               <a:defRPr sz="1600"/>
             </a:lvl6pPr>
-            <a:lvl7pPr indent="-330200" lvl="6" marL="3200400" algn="l">
+            <a:lvl7pPr marL="3200400" lvl="6" indent="-330200" algn="l">
               <a:spcBef>
                 <a:spcPts val="320"/>
               </a:spcBef>
@@ -7421,7 +7641,7 @@
               <a:buChar char="•"/>
               <a:defRPr sz="1600"/>
             </a:lvl7pPr>
-            <a:lvl8pPr indent="-330200" lvl="7" marL="3657600" algn="l">
+            <a:lvl8pPr marL="3657600" lvl="7" indent="-330200" algn="l">
               <a:spcBef>
                 <a:spcPts val="320"/>
               </a:spcBef>
@@ -7435,7 +7655,7 @@
               <a:buChar char="•"/>
               <a:defRPr sz="1600"/>
             </a:lvl8pPr>
-            <a:lvl9pPr indent="-330200" lvl="8" marL="4114800" algn="l">
+            <a:lvl9pPr marL="4114800" lvl="8" indent="-330200" algn="l">
               <a:spcBef>
                 <a:spcPts val="320"/>
               </a:spcBef>
@@ -7450,15 +7670,19 @@
               <a:defRPr sz="1600"/>
             </a:lvl9pPr>
           </a:lstStyle>
-          <a:p/>
+          <a:p>
+            <a:endParaRPr/>
+          </a:p>
         </p:txBody>
       </p:sp>
       <p:sp>
         <p:nvSpPr>
           <p:cNvPr id="46" name="Google Shape;46;p7"/>
-          <p:cNvSpPr txBox="1"/>
+          <p:cNvSpPr txBox="1">
+            <a:spLocks noGrp="1"/>
+          </p:cNvSpPr>
           <p:nvPr>
-            <p:ph idx="10" type="dt"/>
+            <p:ph type="dt" idx="10"/>
           </p:nvPr>
         </p:nvSpPr>
         <p:spPr>
@@ -7475,7 +7699,7 @@
           </a:ln>
         </p:spPr>
         <p:txBody>
-          <a:bodyPr anchorCtr="0" anchor="ctr" bIns="45700" lIns="91425" spcFirstLastPara="1" rIns="91425" wrap="square" tIns="45700">
+          <a:bodyPr spcFirstLastPara="1" wrap="square" lIns="91425" tIns="45700" rIns="91425" bIns="45700" anchor="ctr" anchorCtr="0">
             <a:noAutofit/>
           </a:bodyPr>
           <a:lstStyle>
@@ -7579,15 +7803,19 @@
               <a:defRPr/>
             </a:lvl9pPr>
           </a:lstStyle>
-          <a:p/>
+          <a:p>
+            <a:endParaRPr/>
+          </a:p>
         </p:txBody>
       </p:sp>
       <p:sp>
         <p:nvSpPr>
           <p:cNvPr id="47" name="Google Shape;47;p7"/>
-          <p:cNvSpPr txBox="1"/>
+          <p:cNvSpPr txBox="1">
+            <a:spLocks noGrp="1"/>
+          </p:cNvSpPr>
           <p:nvPr>
-            <p:ph idx="11" type="ftr"/>
+            <p:ph type="ftr" idx="11"/>
           </p:nvPr>
         </p:nvSpPr>
         <p:spPr>
@@ -7604,7 +7832,7 @@
           </a:ln>
         </p:spPr>
         <p:txBody>
-          <a:bodyPr anchorCtr="0" anchor="ctr" bIns="45700" lIns="91425" spcFirstLastPara="1" rIns="91425" wrap="square" tIns="45700">
+          <a:bodyPr spcFirstLastPara="1" wrap="square" lIns="91425" tIns="45700" rIns="91425" bIns="45700" anchor="ctr" anchorCtr="0">
             <a:noAutofit/>
           </a:bodyPr>
           <a:lstStyle>
@@ -7708,15 +7936,19 @@
               <a:defRPr/>
             </a:lvl9pPr>
           </a:lstStyle>
-          <a:p/>
+          <a:p>
+            <a:endParaRPr/>
+          </a:p>
         </p:txBody>
       </p:sp>
       <p:sp>
         <p:nvSpPr>
           <p:cNvPr id="48" name="Google Shape;48;p7"/>
-          <p:cNvSpPr txBox="1"/>
+          <p:cNvSpPr txBox="1">
+            <a:spLocks noGrp="1"/>
+          </p:cNvSpPr>
           <p:nvPr>
-            <p:ph idx="12" type="sldNum"/>
+            <p:ph type="sldNum" idx="12"/>
           </p:nvPr>
         </p:nvSpPr>
         <p:spPr>
@@ -7733,67 +7965,67 @@
           </a:ln>
         </p:spPr>
         <p:txBody>
-          <a:bodyPr anchorCtr="0" anchor="ctr" bIns="45700" lIns="91425" spcFirstLastPara="1" rIns="91425" wrap="square" tIns="45700">
+          <a:bodyPr spcFirstLastPara="1" wrap="square" lIns="91425" tIns="45700" rIns="91425" bIns="45700" anchor="ctr" anchorCtr="0">
             <a:noAutofit/>
           </a:bodyPr>
           <a:lstStyle>
-            <a:lvl1pPr indent="0" lvl="0" marL="0" algn="r">
+            <a:lvl1pPr marL="0" lvl="0" indent="0" algn="r">
               <a:spcBef>
                 <a:spcPts val="0"/>
               </a:spcBef>
               <a:buNone/>
               <a:defRPr/>
             </a:lvl1pPr>
-            <a:lvl2pPr indent="0" lvl="1" marL="0" algn="r">
+            <a:lvl2pPr marL="0" lvl="1" indent="0" algn="r">
               <a:spcBef>
                 <a:spcPts val="0"/>
               </a:spcBef>
               <a:buNone/>
               <a:defRPr/>
             </a:lvl2pPr>
-            <a:lvl3pPr indent="0" lvl="2" marL="0" algn="r">
+            <a:lvl3pPr marL="0" lvl="2" indent="0" algn="r">
               <a:spcBef>
                 <a:spcPts val="0"/>
               </a:spcBef>
               <a:buNone/>
               <a:defRPr/>
             </a:lvl3pPr>
-            <a:lvl4pPr indent="0" lvl="3" marL="0" algn="r">
+            <a:lvl4pPr marL="0" lvl="3" indent="0" algn="r">
               <a:spcBef>
                 <a:spcPts val="0"/>
               </a:spcBef>
               <a:buNone/>
               <a:defRPr/>
             </a:lvl4pPr>
-            <a:lvl5pPr indent="0" lvl="4" marL="0" algn="r">
+            <a:lvl5pPr marL="0" lvl="4" indent="0" algn="r">
               <a:spcBef>
                 <a:spcPts val="0"/>
               </a:spcBef>
               <a:buNone/>
               <a:defRPr/>
             </a:lvl5pPr>
-            <a:lvl6pPr indent="0" lvl="5" marL="0" algn="r">
+            <a:lvl6pPr marL="0" lvl="5" indent="0" algn="r">
               <a:spcBef>
                 <a:spcPts val="0"/>
               </a:spcBef>
               <a:buNone/>
               <a:defRPr/>
             </a:lvl6pPr>
-            <a:lvl7pPr indent="0" lvl="6" marL="0" algn="r">
+            <a:lvl7pPr marL="0" lvl="6" indent="0" algn="r">
               <a:spcBef>
                 <a:spcPts val="0"/>
               </a:spcBef>
               <a:buNone/>
               <a:defRPr/>
             </a:lvl7pPr>
-            <a:lvl8pPr indent="0" lvl="7" marL="0" algn="r">
+            <a:lvl8pPr marL="0" lvl="7" indent="0" algn="r">
               <a:spcBef>
                 <a:spcPts val="0"/>
               </a:spcBef>
               <a:buNone/>
               <a:defRPr/>
             </a:lvl8pPr>
-            <a:lvl9pPr indent="0" lvl="8" marL="0" algn="r">
+            <a:lvl9pPr marL="0" lvl="8" indent="0" algn="r">
               <a:spcBef>
                 <a:spcPts val="0"/>
               </a:spcBef>
@@ -7802,7 +8034,7 @@
             </a:lvl9pPr>
           </a:lstStyle>
           <a:p>
-            <a:pPr indent="0" lvl="0" marL="0" rtl="0" algn="r">
+            <a:pPr marL="0" lvl="0" indent="0" algn="r" rtl="0">
               <a:spcBef>
                 <a:spcPts val="0"/>
               </a:spcBef>
@@ -7813,7 +8045,7 @@
             </a:pPr>
             <a:fld id="{00000000-1234-1234-1234-123412341234}" type="slidenum">
               <a:rPr lang="en-US"/>
-              <a:t>‹#›</a:t>
+              <a:t>‹N°›</a:t>
             </a:fld>
             <a:endParaRPr/>
           </a:p>
@@ -7828,11 +8060,11 @@
 </file>
 
 <file path=ppt/slideLayouts/slideLayout7.xml><?xml version="1.0" encoding="utf-8"?>
-<p:sldLayout xmlns:a="http://schemas.openxmlformats.org/drawingml/2006/main" xmlns:r="http://schemas.openxmlformats.org/officeDocument/2006/relationships" xmlns:mc="http://schemas.openxmlformats.org/markup-compatibility/2006" xmlns:mv="urn:schemas-microsoft-com:mac:vml" xmlns:p="http://schemas.openxmlformats.org/presentationml/2006/main" xmlns:c="http://schemas.openxmlformats.org/drawingml/2006/chart" xmlns:dgm="http://schemas.openxmlformats.org/drawingml/2006/diagram" xmlns:o="urn:schemas-microsoft-com:office:office" xmlns:v="urn:schemas-microsoft-com:vml" xmlns:pvml="urn:schemas-microsoft-com:office:powerpoint" xmlns:com="http://schemas.openxmlformats.org/drawingml/2006/compatibility" xmlns:p14="http://schemas.microsoft.com/office/powerpoint/2010/main" xmlns:p15="http://schemas.microsoft.com/office/powerpoint/2012/main" xmlns:ahyp="http://schemas.microsoft.com/office/drawing/2018/hyperlinkcolor" matchingName="Title Only" type="titleOnly">
+<p:sldLayout xmlns:a="http://schemas.openxmlformats.org/drawingml/2006/main" xmlns:r="http://schemas.openxmlformats.org/officeDocument/2006/relationships" xmlns:p="http://schemas.openxmlformats.org/presentationml/2006/main" matchingName="Title Only" type="titleOnly">
   <p:cSld name="TITLE_ONLY">
     <p:spTree>
       <p:nvGrpSpPr>
-        <p:cNvPr id="49" name="Shape 49"/>
+        <p:cNvPr id="1" name="Shape 49"/>
         <p:cNvGrpSpPr/>
         <p:nvPr/>
       </p:nvGrpSpPr>
@@ -7847,7 +8079,9 @@
       <p:sp>
         <p:nvSpPr>
           <p:cNvPr id="50" name="Google Shape;50;p8"/>
-          <p:cNvSpPr txBox="1"/>
+          <p:cNvSpPr txBox="1">
+            <a:spLocks noGrp="1"/>
+          </p:cNvSpPr>
           <p:nvPr>
             <p:ph type="title"/>
           </p:nvPr>
@@ -7866,7 +8100,7 @@
           </a:ln>
         </p:spPr>
         <p:txBody>
-          <a:bodyPr anchorCtr="0" anchor="ctr" bIns="45700" lIns="91425" spcFirstLastPara="1" rIns="91425" wrap="square" tIns="45700">
+          <a:bodyPr spcFirstLastPara="1" wrap="square" lIns="91425" tIns="45700" rIns="91425" bIns="45700" anchor="ctr" anchorCtr="0">
             <a:normAutofit/>
           </a:bodyPr>
           <a:lstStyle>
@@ -7973,15 +8207,19 @@
               <a:defRPr/>
             </a:lvl9pPr>
           </a:lstStyle>
-          <a:p/>
+          <a:p>
+            <a:endParaRPr/>
+          </a:p>
         </p:txBody>
       </p:sp>
       <p:sp>
         <p:nvSpPr>
           <p:cNvPr id="51" name="Google Shape;51;p8"/>
-          <p:cNvSpPr txBox="1"/>
+          <p:cNvSpPr txBox="1">
+            <a:spLocks noGrp="1"/>
+          </p:cNvSpPr>
           <p:nvPr>
-            <p:ph idx="10" type="dt"/>
+            <p:ph type="dt" idx="10"/>
           </p:nvPr>
         </p:nvSpPr>
         <p:spPr>
@@ -7998,7 +8236,7 @@
           </a:ln>
         </p:spPr>
         <p:txBody>
-          <a:bodyPr anchorCtr="0" anchor="ctr" bIns="45700" lIns="91425" spcFirstLastPara="1" rIns="91425" wrap="square" tIns="45700">
+          <a:bodyPr spcFirstLastPara="1" wrap="square" lIns="91425" tIns="45700" rIns="91425" bIns="45700" anchor="ctr" anchorCtr="0">
             <a:noAutofit/>
           </a:bodyPr>
           <a:lstStyle>
@@ -8102,15 +8340,19 @@
               <a:defRPr/>
             </a:lvl9pPr>
           </a:lstStyle>
-          <a:p/>
+          <a:p>
+            <a:endParaRPr/>
+          </a:p>
         </p:txBody>
       </p:sp>
       <p:sp>
         <p:nvSpPr>
           <p:cNvPr id="52" name="Google Shape;52;p8"/>
-          <p:cNvSpPr txBox="1"/>
+          <p:cNvSpPr txBox="1">
+            <a:spLocks noGrp="1"/>
+          </p:cNvSpPr>
           <p:nvPr>
-            <p:ph idx="11" type="ftr"/>
+            <p:ph type="ftr" idx="11"/>
           </p:nvPr>
         </p:nvSpPr>
         <p:spPr>
@@ -8127,7 +8369,7 @@
           </a:ln>
         </p:spPr>
         <p:txBody>
-          <a:bodyPr anchorCtr="0" anchor="ctr" bIns="45700" lIns="91425" spcFirstLastPara="1" rIns="91425" wrap="square" tIns="45700">
+          <a:bodyPr spcFirstLastPara="1" wrap="square" lIns="91425" tIns="45700" rIns="91425" bIns="45700" anchor="ctr" anchorCtr="0">
             <a:noAutofit/>
           </a:bodyPr>
           <a:lstStyle>
@@ -8231,15 +8473,19 @@
               <a:defRPr/>
             </a:lvl9pPr>
           </a:lstStyle>
-          <a:p/>
+          <a:p>
+            <a:endParaRPr/>
+          </a:p>
         </p:txBody>
       </p:sp>
       <p:sp>
         <p:nvSpPr>
           <p:cNvPr id="53" name="Google Shape;53;p8"/>
-          <p:cNvSpPr txBox="1"/>
+          <p:cNvSpPr txBox="1">
+            <a:spLocks noGrp="1"/>
+          </p:cNvSpPr>
           <p:nvPr>
-            <p:ph idx="12" type="sldNum"/>
+            <p:ph type="sldNum" idx="12"/>
           </p:nvPr>
         </p:nvSpPr>
         <p:spPr>
@@ -8256,67 +8502,67 @@
           </a:ln>
         </p:spPr>
         <p:txBody>
-          <a:bodyPr anchorCtr="0" anchor="ctr" bIns="45700" lIns="91425" spcFirstLastPara="1" rIns="91425" wrap="square" tIns="45700">
+          <a:bodyPr spcFirstLastPara="1" wrap="square" lIns="91425" tIns="45700" rIns="91425" bIns="45700" anchor="ctr" anchorCtr="0">
             <a:noAutofit/>
           </a:bodyPr>
           <a:lstStyle>
-            <a:lvl1pPr indent="0" lvl="0" marL="0" algn="r">
+            <a:lvl1pPr marL="0" lvl="0" indent="0" algn="r">
               <a:spcBef>
                 <a:spcPts val="0"/>
               </a:spcBef>
               <a:buNone/>
               <a:defRPr/>
             </a:lvl1pPr>
-            <a:lvl2pPr indent="0" lvl="1" marL="0" algn="r">
+            <a:lvl2pPr marL="0" lvl="1" indent="0" algn="r">
               <a:spcBef>
                 <a:spcPts val="0"/>
               </a:spcBef>
               <a:buNone/>
               <a:defRPr/>
             </a:lvl2pPr>
-            <a:lvl3pPr indent="0" lvl="2" marL="0" algn="r">
+            <a:lvl3pPr marL="0" lvl="2" indent="0" algn="r">
               <a:spcBef>
                 <a:spcPts val="0"/>
               </a:spcBef>
               <a:buNone/>
               <a:defRPr/>
             </a:lvl3pPr>
-            <a:lvl4pPr indent="0" lvl="3" marL="0" algn="r">
+            <a:lvl4pPr marL="0" lvl="3" indent="0" algn="r">
               <a:spcBef>
                 <a:spcPts val="0"/>
               </a:spcBef>
               <a:buNone/>
               <a:defRPr/>
             </a:lvl4pPr>
-            <a:lvl5pPr indent="0" lvl="4" marL="0" algn="r">
+            <a:lvl5pPr marL="0" lvl="4" indent="0" algn="r">
               <a:spcBef>
                 <a:spcPts val="0"/>
               </a:spcBef>
               <a:buNone/>
               <a:defRPr/>
             </a:lvl5pPr>
-            <a:lvl6pPr indent="0" lvl="5" marL="0" algn="r">
+            <a:lvl6pPr marL="0" lvl="5" indent="0" algn="r">
               <a:spcBef>
                 <a:spcPts val="0"/>
               </a:spcBef>
               <a:buNone/>
               <a:defRPr/>
             </a:lvl6pPr>
-            <a:lvl7pPr indent="0" lvl="6" marL="0" algn="r">
+            <a:lvl7pPr marL="0" lvl="6" indent="0" algn="r">
               <a:spcBef>
                 <a:spcPts val="0"/>
               </a:spcBef>
               <a:buNone/>
               <a:defRPr/>
             </a:lvl7pPr>
-            <a:lvl8pPr indent="0" lvl="7" marL="0" algn="r">
+            <a:lvl8pPr marL="0" lvl="7" indent="0" algn="r">
               <a:spcBef>
                 <a:spcPts val="0"/>
               </a:spcBef>
               <a:buNone/>
               <a:defRPr/>
             </a:lvl8pPr>
-            <a:lvl9pPr indent="0" lvl="8" marL="0" algn="r">
+            <a:lvl9pPr marL="0" lvl="8" indent="0" algn="r">
               <a:spcBef>
                 <a:spcPts val="0"/>
               </a:spcBef>
@@ -8325,7 +8571,7 @@
             </a:lvl9pPr>
           </a:lstStyle>
           <a:p>
-            <a:pPr indent="0" lvl="0" marL="0" rtl="0" algn="r">
+            <a:pPr marL="0" lvl="0" indent="0" algn="r" rtl="0">
               <a:spcBef>
                 <a:spcPts val="0"/>
               </a:spcBef>
@@ -8336,7 +8582,7 @@
             </a:pPr>
             <a:fld id="{00000000-1234-1234-1234-123412341234}" type="slidenum">
               <a:rPr lang="en-US"/>
-              <a:t>‹#›</a:t>
+              <a:t>‹N°›</a:t>
             </a:fld>
             <a:endParaRPr/>
           </a:p>
@@ -8351,11 +8597,11 @@
 </file>
 
 <file path=ppt/slideLayouts/slideLayout8.xml><?xml version="1.0" encoding="utf-8"?>
-<p:sldLayout xmlns:a="http://schemas.openxmlformats.org/drawingml/2006/main" xmlns:r="http://schemas.openxmlformats.org/officeDocument/2006/relationships" xmlns:mc="http://schemas.openxmlformats.org/markup-compatibility/2006" xmlns:mv="urn:schemas-microsoft-com:mac:vml" xmlns:p="http://schemas.openxmlformats.org/presentationml/2006/main" xmlns:c="http://schemas.openxmlformats.org/drawingml/2006/chart" xmlns:dgm="http://schemas.openxmlformats.org/drawingml/2006/diagram" xmlns:o="urn:schemas-microsoft-com:office:office" xmlns:v="urn:schemas-microsoft-com:vml" xmlns:pvml="urn:schemas-microsoft-com:office:powerpoint" xmlns:com="http://schemas.openxmlformats.org/drawingml/2006/compatibility" xmlns:p14="http://schemas.microsoft.com/office/powerpoint/2010/main" xmlns:p15="http://schemas.microsoft.com/office/powerpoint/2012/main" xmlns:ahyp="http://schemas.microsoft.com/office/drawing/2018/hyperlinkcolor" matchingName="Content with Caption" type="objTx">
+<p:sldLayout xmlns:a="http://schemas.openxmlformats.org/drawingml/2006/main" xmlns:r="http://schemas.openxmlformats.org/officeDocument/2006/relationships" xmlns:p="http://schemas.openxmlformats.org/presentationml/2006/main" matchingName="Content with Caption" type="objTx">
   <p:cSld name="OBJECT_WITH_CAPTION_TEXT">
     <p:spTree>
       <p:nvGrpSpPr>
-        <p:cNvPr id="54" name="Shape 54"/>
+        <p:cNvPr id="1" name="Shape 54"/>
         <p:cNvGrpSpPr/>
         <p:nvPr/>
       </p:nvGrpSpPr>
@@ -8370,7 +8616,9 @@
       <p:sp>
         <p:nvSpPr>
           <p:cNvPr id="55" name="Google Shape;55;p9"/>
-          <p:cNvSpPr txBox="1"/>
+          <p:cNvSpPr txBox="1">
+            <a:spLocks noGrp="1"/>
+          </p:cNvSpPr>
           <p:nvPr>
             <p:ph type="title"/>
           </p:nvPr>
@@ -8389,7 +8637,7 @@
           </a:ln>
         </p:spPr>
         <p:txBody>
-          <a:bodyPr anchorCtr="0" anchor="b" bIns="45700" lIns="91425" spcFirstLastPara="1" rIns="91425" wrap="square" tIns="45700">
+          <a:bodyPr spcFirstLastPara="1" wrap="square" lIns="91425" tIns="45700" rIns="91425" bIns="45700" anchor="b" anchorCtr="0">
             <a:normAutofit/>
           </a:bodyPr>
           <a:lstStyle>
@@ -8406,7 +8654,7 @@
               <a:buSzPts val="2000"/>
               <a:buFont typeface="Calibri"/>
               <a:buNone/>
-              <a:defRPr b="1" sz="2000"/>
+              <a:defRPr sz="2000" b="1"/>
             </a:lvl1pPr>
             <a:lvl2pPr lvl="1">
               <a:spcBef>
@@ -8497,15 +8745,19 @@
               <a:defRPr/>
             </a:lvl9pPr>
           </a:lstStyle>
-          <a:p/>
+          <a:p>
+            <a:endParaRPr/>
+          </a:p>
         </p:txBody>
       </p:sp>
       <p:sp>
         <p:nvSpPr>
           <p:cNvPr id="56" name="Google Shape;56;p9"/>
-          <p:cNvSpPr txBox="1"/>
+          <p:cNvSpPr txBox="1">
+            <a:spLocks noGrp="1"/>
+          </p:cNvSpPr>
           <p:nvPr>
-            <p:ph idx="1" type="body"/>
+            <p:ph type="body" idx="1"/>
           </p:nvPr>
         </p:nvSpPr>
         <p:spPr>
@@ -8522,11 +8774,11 @@
           </a:ln>
         </p:spPr>
         <p:txBody>
-          <a:bodyPr anchorCtr="0" anchor="t" bIns="45700" lIns="91425" spcFirstLastPara="1" rIns="91425" wrap="square" tIns="45700">
+          <a:bodyPr spcFirstLastPara="1" wrap="square" lIns="91425" tIns="45700" rIns="91425" bIns="45700" anchor="t" anchorCtr="0">
             <a:normAutofit/>
           </a:bodyPr>
           <a:lstStyle>
-            <a:lvl1pPr indent="-431800" lvl="0" marL="457200" algn="l">
+            <a:lvl1pPr marL="457200" lvl="0" indent="-431800" algn="l">
               <a:spcBef>
                 <a:spcPts val="640"/>
               </a:spcBef>
@@ -8540,7 +8792,7 @@
               <a:buChar char="•"/>
               <a:defRPr sz="3200"/>
             </a:lvl1pPr>
-            <a:lvl2pPr indent="-406400" lvl="1" marL="914400" algn="l">
+            <a:lvl2pPr marL="914400" lvl="1" indent="-406400" algn="l">
               <a:spcBef>
                 <a:spcPts val="560"/>
               </a:spcBef>
@@ -8554,7 +8806,7 @@
               <a:buChar char="–"/>
               <a:defRPr sz="2800"/>
             </a:lvl2pPr>
-            <a:lvl3pPr indent="-381000" lvl="2" marL="1371600" algn="l">
+            <a:lvl3pPr marL="1371600" lvl="2" indent="-381000" algn="l">
               <a:spcBef>
                 <a:spcPts val="480"/>
               </a:spcBef>
@@ -8568,7 +8820,7 @@
               <a:buChar char="•"/>
               <a:defRPr sz="2400"/>
             </a:lvl3pPr>
-            <a:lvl4pPr indent="-355600" lvl="3" marL="1828800" algn="l">
+            <a:lvl4pPr marL="1828800" lvl="3" indent="-355600" algn="l">
               <a:spcBef>
                 <a:spcPts val="400"/>
               </a:spcBef>
@@ -8582,7 +8834,7 @@
               <a:buChar char="–"/>
               <a:defRPr sz="2000"/>
             </a:lvl4pPr>
-            <a:lvl5pPr indent="-355600" lvl="4" marL="2286000" algn="l">
+            <a:lvl5pPr marL="2286000" lvl="4" indent="-355600" algn="l">
               <a:spcBef>
                 <a:spcPts val="400"/>
               </a:spcBef>
@@ -8596,7 +8848,7 @@
               <a:buChar char="»"/>
               <a:defRPr sz="2000"/>
             </a:lvl5pPr>
-            <a:lvl6pPr indent="-355600" lvl="5" marL="2743200" algn="l">
+            <a:lvl6pPr marL="2743200" lvl="5" indent="-355600" algn="l">
               <a:spcBef>
                 <a:spcPts val="400"/>
               </a:spcBef>
@@ -8610,7 +8862,7 @@
               <a:buChar char="•"/>
               <a:defRPr sz="2000"/>
             </a:lvl6pPr>
-            <a:lvl7pPr indent="-355600" lvl="6" marL="3200400" algn="l">
+            <a:lvl7pPr marL="3200400" lvl="6" indent="-355600" algn="l">
               <a:spcBef>
                 <a:spcPts val="400"/>
               </a:spcBef>
@@ -8624,7 +8876,7 @@
               <a:buChar char="•"/>
               <a:defRPr sz="2000"/>
             </a:lvl7pPr>
-            <a:lvl8pPr indent="-355600" lvl="7" marL="3657600" algn="l">
+            <a:lvl8pPr marL="3657600" lvl="7" indent="-355600" algn="l">
               <a:spcBef>
                 <a:spcPts val="400"/>
               </a:spcBef>
@@ -8638,7 +8890,7 @@
               <a:buChar char="•"/>
               <a:defRPr sz="2000"/>
             </a:lvl8pPr>
-            <a:lvl9pPr indent="-355600" lvl="8" marL="4114800" algn="l">
+            <a:lvl9pPr marL="4114800" lvl="8" indent="-355600" algn="l">
               <a:spcBef>
                 <a:spcPts val="400"/>
               </a:spcBef>
@@ -8653,15 +8905,19 @@
               <a:defRPr sz="2000"/>
             </a:lvl9pPr>
           </a:lstStyle>
-          <a:p/>
+          <a:p>
+            <a:endParaRPr/>
+          </a:p>
         </p:txBody>
       </p:sp>
       <p:sp>
         <p:nvSpPr>
           <p:cNvPr id="57" name="Google Shape;57;p9"/>
-          <p:cNvSpPr txBox="1"/>
+          <p:cNvSpPr txBox="1">
+            <a:spLocks noGrp="1"/>
+          </p:cNvSpPr>
           <p:nvPr>
-            <p:ph idx="2" type="body"/>
+            <p:ph type="body" idx="2"/>
           </p:nvPr>
         </p:nvSpPr>
         <p:spPr>
@@ -8678,11 +8934,11 @@
           </a:ln>
         </p:spPr>
         <p:txBody>
-          <a:bodyPr anchorCtr="0" anchor="t" bIns="45700" lIns="91425" spcFirstLastPara="1" rIns="91425" wrap="square" tIns="45700">
+          <a:bodyPr spcFirstLastPara="1" wrap="square" lIns="91425" tIns="45700" rIns="91425" bIns="45700" anchor="t" anchorCtr="0">
             <a:normAutofit/>
           </a:bodyPr>
           <a:lstStyle>
-            <a:lvl1pPr indent="-228600" lvl="0" marL="457200" algn="l">
+            <a:lvl1pPr marL="457200" lvl="0" indent="-228600" algn="l">
               <a:spcBef>
                 <a:spcPts val="280"/>
               </a:spcBef>
@@ -8696,7 +8952,7 @@
               <a:buNone/>
               <a:defRPr sz="1400"/>
             </a:lvl1pPr>
-            <a:lvl2pPr indent="-228600" lvl="1" marL="914400" algn="l">
+            <a:lvl2pPr marL="914400" lvl="1" indent="-228600" algn="l">
               <a:spcBef>
                 <a:spcPts val="240"/>
               </a:spcBef>
@@ -8710,7 +8966,7 @@
               <a:buNone/>
               <a:defRPr sz="1200"/>
             </a:lvl2pPr>
-            <a:lvl3pPr indent="-228600" lvl="2" marL="1371600" algn="l">
+            <a:lvl3pPr marL="1371600" lvl="2" indent="-228600" algn="l">
               <a:spcBef>
                 <a:spcPts val="200"/>
               </a:spcBef>
@@ -8724,7 +8980,7 @@
               <a:buNone/>
               <a:defRPr sz="1000"/>
             </a:lvl3pPr>
-            <a:lvl4pPr indent="-228600" lvl="3" marL="1828800" algn="l">
+            <a:lvl4pPr marL="1828800" lvl="3" indent="-228600" algn="l">
               <a:spcBef>
                 <a:spcPts val="180"/>
               </a:spcBef>
@@ -8738,7 +8994,7 @@
               <a:buNone/>
               <a:defRPr sz="900"/>
             </a:lvl4pPr>
-            <a:lvl5pPr indent="-228600" lvl="4" marL="2286000" algn="l">
+            <a:lvl5pPr marL="2286000" lvl="4" indent="-228600" algn="l">
               <a:spcBef>
                 <a:spcPts val="180"/>
               </a:spcBef>
@@ -8752,7 +9008,7 @@
               <a:buNone/>
               <a:defRPr sz="900"/>
             </a:lvl5pPr>
-            <a:lvl6pPr indent="-228600" lvl="5" marL="2743200" algn="l">
+            <a:lvl6pPr marL="2743200" lvl="5" indent="-228600" algn="l">
               <a:spcBef>
                 <a:spcPts val="180"/>
               </a:spcBef>
@@ -8766,7 +9022,7 @@
               <a:buNone/>
               <a:defRPr sz="900"/>
             </a:lvl6pPr>
-            <a:lvl7pPr indent="-228600" lvl="6" marL="3200400" algn="l">
+            <a:lvl7pPr marL="3200400" lvl="6" indent="-228600" algn="l">
               <a:spcBef>
                 <a:spcPts val="180"/>
               </a:spcBef>
@@ -8780,7 +9036,7 @@
               <a:buNone/>
               <a:defRPr sz="900"/>
             </a:lvl7pPr>
-            <a:lvl8pPr indent="-228600" lvl="7" marL="3657600" algn="l">
+            <a:lvl8pPr marL="3657600" lvl="7" indent="-228600" algn="l">
               <a:spcBef>
                 <a:spcPts val="180"/>
               </a:spcBef>
@@ -8794,7 +9050,7 @@
               <a:buNone/>
               <a:defRPr sz="900"/>
             </a:lvl8pPr>
-            <a:lvl9pPr indent="-228600" lvl="8" marL="4114800" algn="l">
+            <a:lvl9pPr marL="4114800" lvl="8" indent="-228600" algn="l">
               <a:spcBef>
                 <a:spcPts val="180"/>
               </a:spcBef>
@@ -8809,15 +9065,19 @@
               <a:defRPr sz="900"/>
             </a:lvl9pPr>
           </a:lstStyle>
-          <a:p/>
+          <a:p>
+            <a:endParaRPr/>
+          </a:p>
         </p:txBody>
       </p:sp>
       <p:sp>
         <p:nvSpPr>
           <p:cNvPr id="58" name="Google Shape;58;p9"/>
-          <p:cNvSpPr txBox="1"/>
+          <p:cNvSpPr txBox="1">
+            <a:spLocks noGrp="1"/>
+          </p:cNvSpPr>
           <p:nvPr>
-            <p:ph idx="10" type="dt"/>
+            <p:ph type="dt" idx="10"/>
           </p:nvPr>
         </p:nvSpPr>
         <p:spPr>
@@ -8834,7 +9094,7 @@
           </a:ln>
         </p:spPr>
         <p:txBody>
-          <a:bodyPr anchorCtr="0" anchor="ctr" bIns="45700" lIns="91425" spcFirstLastPara="1" rIns="91425" wrap="square" tIns="45700">
+          <a:bodyPr spcFirstLastPara="1" wrap="square" lIns="91425" tIns="45700" rIns="91425" bIns="45700" anchor="ctr" anchorCtr="0">
             <a:noAutofit/>
           </a:bodyPr>
           <a:lstStyle>
@@ -8938,15 +9198,19 @@
               <a:defRPr/>
             </a:lvl9pPr>
           </a:lstStyle>
-          <a:p/>
+          <a:p>
+            <a:endParaRPr/>
+          </a:p>
         </p:txBody>
       </p:sp>
       <p:sp>
         <p:nvSpPr>
           <p:cNvPr id="59" name="Google Shape;59;p9"/>
-          <p:cNvSpPr txBox="1"/>
+          <p:cNvSpPr txBox="1">
+            <a:spLocks noGrp="1"/>
+          </p:cNvSpPr>
           <p:nvPr>
-            <p:ph idx="11" type="ftr"/>
+            <p:ph type="ftr" idx="11"/>
           </p:nvPr>
         </p:nvSpPr>
         <p:spPr>
@@ -8963,7 +9227,7 @@
           </a:ln>
         </p:spPr>
         <p:txBody>
-          <a:bodyPr anchorCtr="0" anchor="ctr" bIns="45700" lIns="91425" spcFirstLastPara="1" rIns="91425" wrap="square" tIns="45700">
+          <a:bodyPr spcFirstLastPara="1" wrap="square" lIns="91425" tIns="45700" rIns="91425" bIns="45700" anchor="ctr" anchorCtr="0">
             <a:noAutofit/>
           </a:bodyPr>
           <a:lstStyle>
@@ -9067,15 +9331,19 @@
               <a:defRPr/>
             </a:lvl9pPr>
           </a:lstStyle>
-          <a:p/>
+          <a:p>
+            <a:endParaRPr/>
+          </a:p>
         </p:txBody>
       </p:sp>
       <p:sp>
         <p:nvSpPr>
           <p:cNvPr id="60" name="Google Shape;60;p9"/>
-          <p:cNvSpPr txBox="1"/>
+          <p:cNvSpPr txBox="1">
+            <a:spLocks noGrp="1"/>
+          </p:cNvSpPr>
           <p:nvPr>
-            <p:ph idx="12" type="sldNum"/>
+            <p:ph type="sldNum" idx="12"/>
           </p:nvPr>
         </p:nvSpPr>
         <p:spPr>
@@ -9092,67 +9360,67 @@
           </a:ln>
         </p:spPr>
         <p:txBody>
-          <a:bodyPr anchorCtr="0" anchor="ctr" bIns="45700" lIns="91425" spcFirstLastPara="1" rIns="91425" wrap="square" tIns="45700">
+          <a:bodyPr spcFirstLastPara="1" wrap="square" lIns="91425" tIns="45700" rIns="91425" bIns="45700" anchor="ctr" anchorCtr="0">
             <a:noAutofit/>
           </a:bodyPr>
           <a:lstStyle>
-            <a:lvl1pPr indent="0" lvl="0" marL="0" algn="r">
+            <a:lvl1pPr marL="0" lvl="0" indent="0" algn="r">
               <a:spcBef>
                 <a:spcPts val="0"/>
               </a:spcBef>
               <a:buNone/>
               <a:defRPr/>
             </a:lvl1pPr>
-            <a:lvl2pPr indent="0" lvl="1" marL="0" algn="r">
+            <a:lvl2pPr marL="0" lvl="1" indent="0" algn="r">
               <a:spcBef>
                 <a:spcPts val="0"/>
               </a:spcBef>
               <a:buNone/>
               <a:defRPr/>
             </a:lvl2pPr>
-            <a:lvl3pPr indent="0" lvl="2" marL="0" algn="r">
+            <a:lvl3pPr marL="0" lvl="2" indent="0" algn="r">
               <a:spcBef>
                 <a:spcPts val="0"/>
               </a:spcBef>
               <a:buNone/>
               <a:defRPr/>
             </a:lvl3pPr>
-            <a:lvl4pPr indent="0" lvl="3" marL="0" algn="r">
+            <a:lvl4pPr marL="0" lvl="3" indent="0" algn="r">
               <a:spcBef>
                 <a:spcPts val="0"/>
               </a:spcBef>
               <a:buNone/>
               <a:defRPr/>
             </a:lvl4pPr>
-            <a:lvl5pPr indent="0" lvl="4" marL="0" algn="r">
+            <a:lvl5pPr marL="0" lvl="4" indent="0" algn="r">
               <a:spcBef>
                 <a:spcPts val="0"/>
               </a:spcBef>
               <a:buNone/>
               <a:defRPr/>
             </a:lvl5pPr>
-            <a:lvl6pPr indent="0" lvl="5" marL="0" algn="r">
+            <a:lvl6pPr marL="0" lvl="5" indent="0" algn="r">
               <a:spcBef>
                 <a:spcPts val="0"/>
               </a:spcBef>
               <a:buNone/>
               <a:defRPr/>
             </a:lvl6pPr>
-            <a:lvl7pPr indent="0" lvl="6" marL="0" algn="r">
+            <a:lvl7pPr marL="0" lvl="6" indent="0" algn="r">
               <a:spcBef>
                 <a:spcPts val="0"/>
               </a:spcBef>
               <a:buNone/>
               <a:defRPr/>
             </a:lvl7pPr>
-            <a:lvl8pPr indent="0" lvl="7" marL="0" algn="r">
+            <a:lvl8pPr marL="0" lvl="7" indent="0" algn="r">
               <a:spcBef>
                 <a:spcPts val="0"/>
               </a:spcBef>
               <a:buNone/>
               <a:defRPr/>
             </a:lvl8pPr>
-            <a:lvl9pPr indent="0" lvl="8" marL="0" algn="r">
+            <a:lvl9pPr marL="0" lvl="8" indent="0" algn="r">
               <a:spcBef>
                 <a:spcPts val="0"/>
               </a:spcBef>
@@ -9161,7 +9429,7 @@
             </a:lvl9pPr>
           </a:lstStyle>
           <a:p>
-            <a:pPr indent="0" lvl="0" marL="0" rtl="0" algn="r">
+            <a:pPr marL="0" lvl="0" indent="0" algn="r" rtl="0">
               <a:spcBef>
                 <a:spcPts val="0"/>
               </a:spcBef>
@@ -9172,7 +9440,7 @@
             </a:pPr>
             <a:fld id="{00000000-1234-1234-1234-123412341234}" type="slidenum">
               <a:rPr lang="en-US"/>
-              <a:t>‹#›</a:t>
+              <a:t>‹N°›</a:t>
             </a:fld>
             <a:endParaRPr/>
           </a:p>
@@ -9187,11 +9455,11 @@
 </file>
 
 <file path=ppt/slideLayouts/slideLayout9.xml><?xml version="1.0" encoding="utf-8"?>
-<p:sldLayout xmlns:a="http://schemas.openxmlformats.org/drawingml/2006/main" xmlns:r="http://schemas.openxmlformats.org/officeDocument/2006/relationships" xmlns:mc="http://schemas.openxmlformats.org/markup-compatibility/2006" xmlns:mv="urn:schemas-microsoft-com:mac:vml" xmlns:p="http://schemas.openxmlformats.org/presentationml/2006/main" xmlns:c="http://schemas.openxmlformats.org/drawingml/2006/chart" xmlns:dgm="http://schemas.openxmlformats.org/drawingml/2006/diagram" xmlns:o="urn:schemas-microsoft-com:office:office" xmlns:v="urn:schemas-microsoft-com:vml" xmlns:pvml="urn:schemas-microsoft-com:office:powerpoint" xmlns:com="http://schemas.openxmlformats.org/drawingml/2006/compatibility" xmlns:p14="http://schemas.microsoft.com/office/powerpoint/2010/main" xmlns:p15="http://schemas.microsoft.com/office/powerpoint/2012/main" xmlns:ahyp="http://schemas.microsoft.com/office/drawing/2018/hyperlinkcolor" matchingName="Picture with Caption" type="picTx">
+<p:sldLayout xmlns:a="http://schemas.openxmlformats.org/drawingml/2006/main" xmlns:r="http://schemas.openxmlformats.org/officeDocument/2006/relationships" xmlns:p="http://schemas.openxmlformats.org/presentationml/2006/main" matchingName="Picture with Caption" type="picTx">
   <p:cSld name="PICTURE_WITH_CAPTION_TEXT">
     <p:spTree>
       <p:nvGrpSpPr>
-        <p:cNvPr id="61" name="Shape 61"/>
+        <p:cNvPr id="1" name="Shape 61"/>
         <p:cNvGrpSpPr/>
         <p:nvPr/>
       </p:nvGrpSpPr>
@@ -9206,7 +9474,9 @@
       <p:sp>
         <p:nvSpPr>
           <p:cNvPr id="62" name="Google Shape;62;p10"/>
-          <p:cNvSpPr txBox="1"/>
+          <p:cNvSpPr txBox="1">
+            <a:spLocks noGrp="1"/>
+          </p:cNvSpPr>
           <p:nvPr>
             <p:ph type="title"/>
           </p:nvPr>
@@ -9225,7 +9495,7 @@
           </a:ln>
         </p:spPr>
         <p:txBody>
-          <a:bodyPr anchorCtr="0" anchor="b" bIns="45700" lIns="91425" spcFirstLastPara="1" rIns="91425" wrap="square" tIns="45700">
+          <a:bodyPr spcFirstLastPara="1" wrap="square" lIns="91425" tIns="45700" rIns="91425" bIns="45700" anchor="b" anchorCtr="0">
             <a:normAutofit/>
           </a:bodyPr>
           <a:lstStyle>
@@ -9242,7 +9512,7 @@
               <a:buSzPts val="2000"/>
               <a:buFont typeface="Calibri"/>
               <a:buNone/>
-              <a:defRPr b="1" sz="2000"/>
+              <a:defRPr sz="2000" b="1"/>
             </a:lvl1pPr>
             <a:lvl2pPr lvl="1">
               <a:spcBef>
@@ -9333,15 +9603,19 @@
               <a:defRPr/>
             </a:lvl9pPr>
           </a:lstStyle>
-          <a:p/>
+          <a:p>
+            <a:endParaRPr/>
+          </a:p>
         </p:txBody>
       </p:sp>
       <p:sp>
         <p:nvSpPr>
           <p:cNvPr id="63" name="Google Shape;63;p10"/>
-          <p:cNvSpPr/>
+          <p:cNvSpPr>
+            <a:spLocks noGrp="1"/>
+          </p:cNvSpPr>
           <p:nvPr>
-            <p:ph idx="2" type="pic"/>
+            <p:ph type="pic" idx="2"/>
           </p:nvPr>
         </p:nvSpPr>
         <p:spPr>
@@ -9361,9 +9635,11 @@
       <p:sp>
         <p:nvSpPr>
           <p:cNvPr id="64" name="Google Shape;64;p10"/>
-          <p:cNvSpPr txBox="1"/>
+          <p:cNvSpPr txBox="1">
+            <a:spLocks noGrp="1"/>
+          </p:cNvSpPr>
           <p:nvPr>
-            <p:ph idx="1" type="body"/>
+            <p:ph type="body" idx="1"/>
           </p:nvPr>
         </p:nvSpPr>
         <p:spPr>
@@ -9380,11 +9656,11 @@
           </a:ln>
         </p:spPr>
         <p:txBody>
-          <a:bodyPr anchorCtr="0" anchor="t" bIns="45700" lIns="91425" spcFirstLastPara="1" rIns="91425" wrap="square" tIns="45700">
+          <a:bodyPr spcFirstLastPara="1" wrap="square" lIns="91425" tIns="45700" rIns="91425" bIns="45700" anchor="t" anchorCtr="0">
             <a:normAutofit/>
           </a:bodyPr>
           <a:lstStyle>
-            <a:lvl1pPr indent="-228600" lvl="0" marL="457200" algn="l">
+            <a:lvl1pPr marL="457200" lvl="0" indent="-228600" algn="l">
               <a:spcBef>
                 <a:spcPts val="280"/>
               </a:spcBef>
@@ -9398,7 +9674,7 @@
               <a:buNone/>
               <a:defRPr sz="1400"/>
             </a:lvl1pPr>
-            <a:lvl2pPr indent="-228600" lvl="1" marL="914400" algn="l">
+            <a:lvl2pPr marL="914400" lvl="1" indent="-228600" algn="l">
               <a:spcBef>
                 <a:spcPts val="240"/>
               </a:spcBef>
@@ -9412,7 +9688,7 @@
               <a:buNone/>
               <a:defRPr sz="1200"/>
             </a:lvl2pPr>
-            <a:lvl3pPr indent="-228600" lvl="2" marL="1371600" algn="l">
+            <a:lvl3pPr marL="1371600" lvl="2" indent="-228600" algn="l">
               <a:spcBef>
                 <a:spcPts val="200"/>
               </a:spcBef>
@@ -9426,7 +9702,7 @@
               <a:buNone/>
               <a:defRPr sz="1000"/>
             </a:lvl3pPr>
-            <a:lvl4pPr indent="-228600" lvl="3" marL="1828800" algn="l">
+            <a:lvl4pPr marL="1828800" lvl="3" indent="-228600" algn="l">
               <a:spcBef>
                 <a:spcPts val="180"/>
               </a:spcBef>
@@ -9440,7 +9716,7 @@
               <a:buNone/>
               <a:defRPr sz="900"/>
             </a:lvl4pPr>
-            <a:lvl5pPr indent="-228600" lvl="4" marL="2286000" algn="l">
+            <a:lvl5pPr marL="2286000" lvl="4" indent="-228600" algn="l">
               <a:spcBef>
                 <a:spcPts val="180"/>
               </a:spcBef>
@@ -9454,7 +9730,7 @@
               <a:buNone/>
               <a:defRPr sz="900"/>
             </a:lvl5pPr>
-            <a:lvl6pPr indent="-228600" lvl="5" marL="2743200" algn="l">
+            <a:lvl6pPr marL="2743200" lvl="5" indent="-228600" algn="l">
               <a:spcBef>
                 <a:spcPts val="180"/>
               </a:spcBef>
@@ -9468,7 +9744,7 @@
               <a:buNone/>
               <a:defRPr sz="900"/>
             </a:lvl6pPr>
-            <a:lvl7pPr indent="-228600" lvl="6" marL="3200400" algn="l">
+            <a:lvl7pPr marL="3200400" lvl="6" indent="-228600" algn="l">
               <a:spcBef>
                 <a:spcPts val="180"/>
               </a:spcBef>
@@ -9482,7 +9758,7 @@
               <a:buNone/>
               <a:defRPr sz="900"/>
             </a:lvl7pPr>
-            <a:lvl8pPr indent="-228600" lvl="7" marL="3657600" algn="l">
+            <a:lvl8pPr marL="3657600" lvl="7" indent="-228600" algn="l">
               <a:spcBef>
                 <a:spcPts val="180"/>
               </a:spcBef>
@@ -9496,7 +9772,7 @@
               <a:buNone/>
               <a:defRPr sz="900"/>
             </a:lvl8pPr>
-            <a:lvl9pPr indent="-228600" lvl="8" marL="4114800" algn="l">
+            <a:lvl9pPr marL="4114800" lvl="8" indent="-228600" algn="l">
               <a:spcBef>
                 <a:spcPts val="180"/>
               </a:spcBef>
@@ -9511,15 +9787,19 @@
               <a:defRPr sz="900"/>
             </a:lvl9pPr>
           </a:lstStyle>
-          <a:p/>
+          <a:p>
+            <a:endParaRPr/>
+          </a:p>
         </p:txBody>
       </p:sp>
       <p:sp>
         <p:nvSpPr>
           <p:cNvPr id="65" name="Google Shape;65;p10"/>
-          <p:cNvSpPr txBox="1"/>
+          <p:cNvSpPr txBox="1">
+            <a:spLocks noGrp="1"/>
+          </p:cNvSpPr>
           <p:nvPr>
-            <p:ph idx="10" type="dt"/>
+            <p:ph type="dt" idx="10"/>
           </p:nvPr>
         </p:nvSpPr>
         <p:spPr>
@@ -9536,7 +9816,7 @@
           </a:ln>
         </p:spPr>
         <p:txBody>
-          <a:bodyPr anchorCtr="0" anchor="ctr" bIns="45700" lIns="91425" spcFirstLastPara="1" rIns="91425" wrap="square" tIns="45700">
+          <a:bodyPr spcFirstLastPara="1" wrap="square" lIns="91425" tIns="45700" rIns="91425" bIns="45700" anchor="ctr" anchorCtr="0">
             <a:noAutofit/>
           </a:bodyPr>
           <a:lstStyle>
@@ -9640,15 +9920,19 @@
               <a:defRPr/>
             </a:lvl9pPr>
           </a:lstStyle>
-          <a:p/>
+          <a:p>
+            <a:endParaRPr/>
+          </a:p>
         </p:txBody>
       </p:sp>
       <p:sp>
         <p:nvSpPr>
           <p:cNvPr id="66" name="Google Shape;66;p10"/>
-          <p:cNvSpPr txBox="1"/>
+          <p:cNvSpPr txBox="1">
+            <a:spLocks noGrp="1"/>
+          </p:cNvSpPr>
           <p:nvPr>
-            <p:ph idx="11" type="ftr"/>
+            <p:ph type="ftr" idx="11"/>
           </p:nvPr>
         </p:nvSpPr>
         <p:spPr>
@@ -9665,7 +9949,7 @@
           </a:ln>
         </p:spPr>
         <p:txBody>
-          <a:bodyPr anchorCtr="0" anchor="ctr" bIns="45700" lIns="91425" spcFirstLastPara="1" rIns="91425" wrap="square" tIns="45700">
+          <a:bodyPr spcFirstLastPara="1" wrap="square" lIns="91425" tIns="45700" rIns="91425" bIns="45700" anchor="ctr" anchorCtr="0">
             <a:noAutofit/>
           </a:bodyPr>
           <a:lstStyle>
@@ -9769,15 +10053,19 @@
               <a:defRPr/>
             </a:lvl9pPr>
           </a:lstStyle>
-          <a:p/>
+          <a:p>
+            <a:endParaRPr/>
+          </a:p>
         </p:txBody>
       </p:sp>
       <p:sp>
         <p:nvSpPr>
           <p:cNvPr id="67" name="Google Shape;67;p10"/>
-          <p:cNvSpPr txBox="1"/>
+          <p:cNvSpPr txBox="1">
+            <a:spLocks noGrp="1"/>
+          </p:cNvSpPr>
           <p:nvPr>
-            <p:ph idx="12" type="sldNum"/>
+            <p:ph type="sldNum" idx="12"/>
           </p:nvPr>
         </p:nvSpPr>
         <p:spPr>
@@ -9794,67 +10082,67 @@
           </a:ln>
         </p:spPr>
         <p:txBody>
-          <a:bodyPr anchorCtr="0" anchor="ctr" bIns="45700" lIns="91425" spcFirstLastPara="1" rIns="91425" wrap="square" tIns="45700">
+          <a:bodyPr spcFirstLastPara="1" wrap="square" lIns="91425" tIns="45700" rIns="91425" bIns="45700" anchor="ctr" anchorCtr="0">
             <a:noAutofit/>
           </a:bodyPr>
           <a:lstStyle>
-            <a:lvl1pPr indent="0" lvl="0" marL="0" algn="r">
+            <a:lvl1pPr marL="0" lvl="0" indent="0" algn="r">
               <a:spcBef>
                 <a:spcPts val="0"/>
               </a:spcBef>
               <a:buNone/>
               <a:defRPr/>
             </a:lvl1pPr>
-            <a:lvl2pPr indent="0" lvl="1" marL="0" algn="r">
+            <a:lvl2pPr marL="0" lvl="1" indent="0" algn="r">
               <a:spcBef>
                 <a:spcPts val="0"/>
               </a:spcBef>
               <a:buNone/>
               <a:defRPr/>
             </a:lvl2pPr>
-            <a:lvl3pPr indent="0" lvl="2" marL="0" algn="r">
+            <a:lvl3pPr marL="0" lvl="2" indent="0" algn="r">
               <a:spcBef>
                 <a:spcPts val="0"/>
               </a:spcBef>
               <a:buNone/>
               <a:defRPr/>
             </a:lvl3pPr>
-            <a:lvl4pPr indent="0" lvl="3" marL="0" algn="r">
+            <a:lvl4pPr marL="0" lvl="3" indent="0" algn="r">
               <a:spcBef>
                 <a:spcPts val="0"/>
               </a:spcBef>
               <a:buNone/>
               <a:defRPr/>
             </a:lvl4pPr>
-            <a:lvl5pPr indent="0" lvl="4" marL="0" algn="r">
+            <a:lvl5pPr marL="0" lvl="4" indent="0" algn="r">
               <a:spcBef>
                 <a:spcPts val="0"/>
               </a:spcBef>
               <a:buNone/>
               <a:defRPr/>
             </a:lvl5pPr>
-            <a:lvl6pPr indent="0" lvl="5" marL="0" algn="r">
+            <a:lvl6pPr marL="0" lvl="5" indent="0" algn="r">
               <a:spcBef>
                 <a:spcPts val="0"/>
               </a:spcBef>
               <a:buNone/>
               <a:defRPr/>
             </a:lvl6pPr>
-            <a:lvl7pPr indent="0" lvl="6" marL="0" algn="r">
+            <a:lvl7pPr marL="0" lvl="6" indent="0" algn="r">
               <a:spcBef>
                 <a:spcPts val="0"/>
               </a:spcBef>
               <a:buNone/>
               <a:defRPr/>
             </a:lvl7pPr>
-            <a:lvl8pPr indent="0" lvl="7" marL="0" algn="r">
+            <a:lvl8pPr marL="0" lvl="7" indent="0" algn="r">
               <a:spcBef>
                 <a:spcPts val="0"/>
               </a:spcBef>
               <a:buNone/>
               <a:defRPr/>
             </a:lvl8pPr>
-            <a:lvl9pPr indent="0" lvl="8" marL="0" algn="r">
+            <a:lvl9pPr marL="0" lvl="8" indent="0" algn="r">
               <a:spcBef>
                 <a:spcPts val="0"/>
               </a:spcBef>
@@ -9863,7 +10151,7 @@
             </a:lvl9pPr>
           </a:lstStyle>
           <a:p>
-            <a:pPr indent="0" lvl="0" marL="0" rtl="0" algn="r">
+            <a:pPr marL="0" lvl="0" indent="0" algn="r" rtl="0">
               <a:spcBef>
                 <a:spcPts val="0"/>
               </a:spcBef>
@@ -9874,7 +10162,7 @@
             </a:pPr>
             <a:fld id="{00000000-1234-1234-1234-123412341234}" type="slidenum">
               <a:rPr lang="en-US"/>
-              <a:t>‹#›</a:t>
+              <a:t>‹N°›</a:t>
             </a:fld>
             <a:endParaRPr/>
           </a:p>
@@ -9889,23 +10177,24 @@
 </file>
 
 <file path=ppt/slideMasters/slideMaster1.xml><?xml version="1.0" encoding="utf-8"?>
-<p:sldMaster xmlns:a="http://schemas.openxmlformats.org/drawingml/2006/main" xmlns:r="http://schemas.openxmlformats.org/officeDocument/2006/relationships" xmlns:mc="http://schemas.openxmlformats.org/markup-compatibility/2006" xmlns:mv="urn:schemas-microsoft-com:mac:vml" xmlns:p="http://schemas.openxmlformats.org/presentationml/2006/main" xmlns:c="http://schemas.openxmlformats.org/drawingml/2006/chart" xmlns:dgm="http://schemas.openxmlformats.org/drawingml/2006/diagram" xmlns:o="urn:schemas-microsoft-com:office:office" xmlns:v="urn:schemas-microsoft-com:vml" xmlns:pvml="urn:schemas-microsoft-com:office:powerpoint" xmlns:com="http://schemas.openxmlformats.org/drawingml/2006/compatibility" xmlns:p14="http://schemas.microsoft.com/office/powerpoint/2010/main" xmlns:p15="http://schemas.microsoft.com/office/powerpoint/2012/main" xmlns:ahyp="http://schemas.microsoft.com/office/drawing/2018/hyperlinkcolor">
+<p:sldMaster xmlns:a="http://schemas.openxmlformats.org/drawingml/2006/main" xmlns:r="http://schemas.openxmlformats.org/officeDocument/2006/relationships" xmlns:p="http://schemas.openxmlformats.org/presentationml/2006/main">
   <p:cSld>
     <p:bg>
       <p:bgPr>
         <a:blipFill>
-          <a:blip r:embed="rId1">
+          <a:blip r:embed="rId13">
             <a:alphaModFix/>
           </a:blip>
           <a:stretch>
             <a:fillRect/>
           </a:stretch>
         </a:blipFill>
+        <a:effectLst/>
       </p:bgPr>
     </p:bg>
     <p:spTree>
       <p:nvGrpSpPr>
-        <p:cNvPr id="5" name="Shape 5"/>
+        <p:cNvPr id="1" name="Shape 5"/>
         <p:cNvGrpSpPr/>
         <p:nvPr/>
       </p:nvGrpSpPr>
@@ -9920,7 +10209,9 @@
       <p:sp>
         <p:nvSpPr>
           <p:cNvPr id="6" name="Google Shape;6;p1"/>
-          <p:cNvSpPr txBox="1"/>
+          <p:cNvSpPr txBox="1">
+            <a:spLocks noGrp="1"/>
+          </p:cNvSpPr>
           <p:nvPr>
             <p:ph type="title"/>
           </p:nvPr>
@@ -9939,11 +10230,11 @@
           </a:ln>
         </p:spPr>
         <p:txBody>
-          <a:bodyPr anchorCtr="0" anchor="ctr" bIns="45700" lIns="91425" spcFirstLastPara="1" rIns="91425" wrap="square" tIns="45700">
+          <a:bodyPr spcFirstLastPara="1" wrap="square" lIns="91425" tIns="45700" rIns="91425" bIns="45700" anchor="ctr" anchorCtr="0">
             <a:normAutofit/>
           </a:bodyPr>
           <a:lstStyle>
-            <a:lvl1pPr lvl="0" marR="0" rtl="0" algn="ctr">
+            <a:lvl1pPr marR="0" lvl="0" algn="ctr" rtl="0">
               <a:spcBef>
                 <a:spcPts val="0"/>
               </a:spcBef>
@@ -9956,7 +10247,7 @@
               <a:buSzPts val="4400"/>
               <a:buFont typeface="Calibri"/>
               <a:buNone/>
-              <a:defRPr b="0" i="0" sz="4400" u="none" cap="none" strike="noStrike">
+              <a:defRPr sz="4400" b="0" i="0" u="none" strike="noStrike" cap="none">
                 <a:solidFill>
                   <a:schemeClr val="dk1"/>
                 </a:solidFill>
@@ -10055,15 +10346,19 @@
               <a:defRPr sz="1800"/>
             </a:lvl9pPr>
           </a:lstStyle>
-          <a:p/>
+          <a:p>
+            <a:endParaRPr/>
+          </a:p>
         </p:txBody>
       </p:sp>
       <p:sp>
         <p:nvSpPr>
           <p:cNvPr id="7" name="Google Shape;7;p1"/>
-          <p:cNvSpPr txBox="1"/>
+          <p:cNvSpPr txBox="1">
+            <a:spLocks noGrp="1"/>
+          </p:cNvSpPr>
           <p:nvPr>
-            <p:ph idx="1" type="body"/>
+            <p:ph type="body" idx="1"/>
           </p:nvPr>
         </p:nvSpPr>
         <p:spPr>
@@ -10080,11 +10375,11 @@
           </a:ln>
         </p:spPr>
         <p:txBody>
-          <a:bodyPr anchorCtr="0" anchor="t" bIns="45700" lIns="91425" spcFirstLastPara="1" rIns="91425" wrap="square" tIns="45700">
+          <a:bodyPr spcFirstLastPara="1" wrap="square" lIns="91425" tIns="45700" rIns="91425" bIns="45700" anchor="t" anchorCtr="0">
             <a:normAutofit/>
           </a:bodyPr>
           <a:lstStyle>
-            <a:lvl1pPr indent="-431800" lvl="0" marL="457200" marR="0" rtl="0" algn="l">
+            <a:lvl1pPr marL="457200" marR="0" lvl="0" indent="-431800" algn="l" rtl="0">
               <a:spcBef>
                 <a:spcPts val="640"/>
               </a:spcBef>
@@ -10097,7 +10392,7 @@
               <a:buSzPts val="3200"/>
               <a:buFont typeface="Arial"/>
               <a:buChar char="•"/>
-              <a:defRPr b="0" i="0" sz="3200" u="none" cap="none" strike="noStrike">
+              <a:defRPr sz="3200" b="0" i="0" u="none" strike="noStrike" cap="none">
                 <a:solidFill>
                   <a:schemeClr val="dk1"/>
                 </a:solidFill>
@@ -10107,7 +10402,7 @@
                 <a:sym typeface="Calibri"/>
               </a:defRPr>
             </a:lvl1pPr>
-            <a:lvl2pPr indent="-406400" lvl="1" marL="914400" marR="0" rtl="0" algn="l">
+            <a:lvl2pPr marL="914400" marR="0" lvl="1" indent="-406400" algn="l" rtl="0">
               <a:spcBef>
                 <a:spcPts val="560"/>
               </a:spcBef>
@@ -10120,7 +10415,7 @@
               <a:buSzPts val="2800"/>
               <a:buFont typeface="Arial"/>
               <a:buChar char="–"/>
-              <a:defRPr b="0" i="0" sz="2800" u="none" cap="none" strike="noStrike">
+              <a:defRPr sz="2800" b="0" i="0" u="none" strike="noStrike" cap="none">
                 <a:solidFill>
                   <a:schemeClr val="dk1"/>
                 </a:solidFill>
@@ -10130,7 +10425,7 @@
                 <a:sym typeface="Calibri"/>
               </a:defRPr>
             </a:lvl2pPr>
-            <a:lvl3pPr indent="-381000" lvl="2" marL="1371600" marR="0" rtl="0" algn="l">
+            <a:lvl3pPr marL="1371600" marR="0" lvl="2" indent="-381000" algn="l" rtl="0">
               <a:spcBef>
                 <a:spcPts val="480"/>
               </a:spcBef>
@@ -10143,7 +10438,7 @@
               <a:buSzPts val="2400"/>
               <a:buFont typeface="Arial"/>
               <a:buChar char="•"/>
-              <a:defRPr b="0" i="0" sz="2400" u="none" cap="none" strike="noStrike">
+              <a:defRPr sz="2400" b="0" i="0" u="none" strike="noStrike" cap="none">
                 <a:solidFill>
                   <a:schemeClr val="dk1"/>
                 </a:solidFill>
@@ -10153,7 +10448,7 @@
                 <a:sym typeface="Calibri"/>
               </a:defRPr>
             </a:lvl3pPr>
-            <a:lvl4pPr indent="-355600" lvl="3" marL="1828800" marR="0" rtl="0" algn="l">
+            <a:lvl4pPr marL="1828800" marR="0" lvl="3" indent="-355600" algn="l" rtl="0">
               <a:spcBef>
                 <a:spcPts val="400"/>
               </a:spcBef>
@@ -10166,7 +10461,7 @@
               <a:buSzPts val="2000"/>
               <a:buFont typeface="Arial"/>
               <a:buChar char="–"/>
-              <a:defRPr b="0" i="0" sz="2000" u="none" cap="none" strike="noStrike">
+              <a:defRPr sz="2000" b="0" i="0" u="none" strike="noStrike" cap="none">
                 <a:solidFill>
                   <a:schemeClr val="dk1"/>
                 </a:solidFill>
@@ -10176,7 +10471,7 @@
                 <a:sym typeface="Calibri"/>
               </a:defRPr>
             </a:lvl4pPr>
-            <a:lvl5pPr indent="-355600" lvl="4" marL="2286000" marR="0" rtl="0" algn="l">
+            <a:lvl5pPr marL="2286000" marR="0" lvl="4" indent="-355600" algn="l" rtl="0">
               <a:spcBef>
                 <a:spcPts val="400"/>
               </a:spcBef>
@@ -10189,7 +10484,7 @@
               <a:buSzPts val="2000"/>
               <a:buFont typeface="Arial"/>
               <a:buChar char="»"/>
-              <a:defRPr b="0" i="0" sz="2000" u="none" cap="none" strike="noStrike">
+              <a:defRPr sz="2000" b="0" i="0" u="none" strike="noStrike" cap="none">
                 <a:solidFill>
                   <a:schemeClr val="dk1"/>
                 </a:solidFill>
@@ -10199,7 +10494,7 @@
                 <a:sym typeface="Calibri"/>
               </a:defRPr>
             </a:lvl5pPr>
-            <a:lvl6pPr indent="-355600" lvl="5" marL="2743200" marR="0" rtl="0" algn="l">
+            <a:lvl6pPr marL="2743200" marR="0" lvl="5" indent="-355600" algn="l" rtl="0">
               <a:spcBef>
                 <a:spcPts val="400"/>
               </a:spcBef>
@@ -10212,7 +10507,7 @@
               <a:buSzPts val="2000"/>
               <a:buFont typeface="Arial"/>
               <a:buChar char="•"/>
-              <a:defRPr b="0" i="0" sz="2000" u="none" cap="none" strike="noStrike">
+              <a:defRPr sz="2000" b="0" i="0" u="none" strike="noStrike" cap="none">
                 <a:solidFill>
                   <a:schemeClr val="dk1"/>
                 </a:solidFill>
@@ -10222,7 +10517,7 @@
                 <a:sym typeface="Calibri"/>
               </a:defRPr>
             </a:lvl6pPr>
-            <a:lvl7pPr indent="-355600" lvl="6" marL="3200400" marR="0" rtl="0" algn="l">
+            <a:lvl7pPr marL="3200400" marR="0" lvl="6" indent="-355600" algn="l" rtl="0">
               <a:spcBef>
                 <a:spcPts val="400"/>
               </a:spcBef>
@@ -10235,7 +10530,7 @@
               <a:buSzPts val="2000"/>
               <a:buFont typeface="Arial"/>
               <a:buChar char="•"/>
-              <a:defRPr b="0" i="0" sz="2000" u="none" cap="none" strike="noStrike">
+              <a:defRPr sz="2000" b="0" i="0" u="none" strike="noStrike" cap="none">
                 <a:solidFill>
                   <a:schemeClr val="dk1"/>
                 </a:solidFill>
@@ -10245,7 +10540,7 @@
                 <a:sym typeface="Calibri"/>
               </a:defRPr>
             </a:lvl7pPr>
-            <a:lvl8pPr indent="-355600" lvl="7" marL="3657600" marR="0" rtl="0" algn="l">
+            <a:lvl8pPr marL="3657600" marR="0" lvl="7" indent="-355600" algn="l" rtl="0">
               <a:spcBef>
                 <a:spcPts val="400"/>
               </a:spcBef>
@@ -10258,7 +10553,7 @@
               <a:buSzPts val="2000"/>
               <a:buFont typeface="Arial"/>
               <a:buChar char="•"/>
-              <a:defRPr b="0" i="0" sz="2000" u="none" cap="none" strike="noStrike">
+              <a:defRPr sz="2000" b="0" i="0" u="none" strike="noStrike" cap="none">
                 <a:solidFill>
                   <a:schemeClr val="dk1"/>
                 </a:solidFill>
@@ -10268,7 +10563,7 @@
                 <a:sym typeface="Calibri"/>
               </a:defRPr>
             </a:lvl8pPr>
-            <a:lvl9pPr indent="-355600" lvl="8" marL="4114800" marR="0" rtl="0" algn="l">
+            <a:lvl9pPr marL="4114800" marR="0" lvl="8" indent="-355600" algn="l" rtl="0">
               <a:spcBef>
                 <a:spcPts val="400"/>
               </a:spcBef>
@@ -10281,7 +10576,7 @@
               <a:buSzPts val="2000"/>
               <a:buFont typeface="Arial"/>
               <a:buChar char="•"/>
-              <a:defRPr b="0" i="0" sz="2000" u="none" cap="none" strike="noStrike">
+              <a:defRPr sz="2000" b="0" i="0" u="none" strike="noStrike" cap="none">
                 <a:solidFill>
                   <a:schemeClr val="dk1"/>
                 </a:solidFill>
@@ -10292,15 +10587,19 @@
               </a:defRPr>
             </a:lvl9pPr>
           </a:lstStyle>
-          <a:p/>
+          <a:p>
+            <a:endParaRPr/>
+          </a:p>
         </p:txBody>
       </p:sp>
       <p:sp>
         <p:nvSpPr>
           <p:cNvPr id="8" name="Google Shape;8;p1"/>
-          <p:cNvSpPr txBox="1"/>
+          <p:cNvSpPr txBox="1">
+            <a:spLocks noGrp="1"/>
+          </p:cNvSpPr>
           <p:nvPr>
-            <p:ph idx="10" type="dt"/>
+            <p:ph type="dt" idx="10"/>
           </p:nvPr>
         </p:nvSpPr>
         <p:spPr>
@@ -10317,20 +10616,20 @@
           </a:ln>
         </p:spPr>
         <p:txBody>
-          <a:bodyPr anchorCtr="0" anchor="ctr" bIns="45700" lIns="91425" spcFirstLastPara="1" rIns="91425" wrap="square" tIns="45700">
+          <a:bodyPr spcFirstLastPara="1" wrap="square" lIns="91425" tIns="45700" rIns="91425" bIns="45700" anchor="ctr" anchorCtr="0">
             <a:noAutofit/>
           </a:bodyPr>
           <a:lstStyle>
-            <a:lvl1pPr lvl="0" marR="0" rtl="0" algn="l">
-              <a:spcBef>
-                <a:spcPts val="0"/>
-              </a:spcBef>
-              <a:spcAft>
-                <a:spcPts val="0"/>
-              </a:spcAft>
-              <a:buSzPts val="1400"/>
-              <a:buNone/>
-              <a:defRPr b="0" i="0" sz="1200" u="none" cap="none" strike="noStrike">
+            <a:lvl1pPr marR="0" lvl="0" algn="l" rtl="0">
+              <a:spcBef>
+                <a:spcPts val="0"/>
+              </a:spcBef>
+              <a:spcAft>
+                <a:spcPts val="0"/>
+              </a:spcAft>
+              <a:buSzPts val="1400"/>
+              <a:buNone/>
+              <a:defRPr sz="1200" b="0" i="0" u="none" strike="noStrike" cap="none">
                 <a:solidFill>
                   <a:srgbClr val="888888"/>
                 </a:solidFill>
@@ -10340,16 +10639,16 @@
                 <a:sym typeface="Calibri"/>
               </a:defRPr>
             </a:lvl1pPr>
-            <a:lvl2pPr lvl="1" marR="0" rtl="0" algn="l">
-              <a:spcBef>
-                <a:spcPts val="0"/>
-              </a:spcBef>
-              <a:spcAft>
-                <a:spcPts val="0"/>
-              </a:spcAft>
-              <a:buSzPts val="1400"/>
-              <a:buNone/>
-              <a:defRPr b="0" i="0" sz="1800" u="none" cap="none" strike="noStrike">
+            <a:lvl2pPr marR="0" lvl="1" algn="l" rtl="0">
+              <a:spcBef>
+                <a:spcPts val="0"/>
+              </a:spcBef>
+              <a:spcAft>
+                <a:spcPts val="0"/>
+              </a:spcAft>
+              <a:buSzPts val="1400"/>
+              <a:buNone/>
+              <a:defRPr sz="1800" b="0" i="0" u="none" strike="noStrike" cap="none">
                 <a:solidFill>
                   <a:schemeClr val="dk1"/>
                 </a:solidFill>
@@ -10359,16 +10658,16 @@
                 <a:sym typeface="Calibri"/>
               </a:defRPr>
             </a:lvl2pPr>
-            <a:lvl3pPr lvl="2" marR="0" rtl="0" algn="l">
-              <a:spcBef>
-                <a:spcPts val="0"/>
-              </a:spcBef>
-              <a:spcAft>
-                <a:spcPts val="0"/>
-              </a:spcAft>
-              <a:buSzPts val="1400"/>
-              <a:buNone/>
-              <a:defRPr b="0" i="0" sz="1800" u="none" cap="none" strike="noStrike">
+            <a:lvl3pPr marR="0" lvl="2" algn="l" rtl="0">
+              <a:spcBef>
+                <a:spcPts val="0"/>
+              </a:spcBef>
+              <a:spcAft>
+                <a:spcPts val="0"/>
+              </a:spcAft>
+              <a:buSzPts val="1400"/>
+              <a:buNone/>
+              <a:defRPr sz="1800" b="0" i="0" u="none" strike="noStrike" cap="none">
                 <a:solidFill>
                   <a:schemeClr val="dk1"/>
                 </a:solidFill>
@@ -10378,16 +10677,16 @@
                 <a:sym typeface="Calibri"/>
               </a:defRPr>
             </a:lvl3pPr>
-            <a:lvl4pPr lvl="3" marR="0" rtl="0" algn="l">
-              <a:spcBef>
-                <a:spcPts val="0"/>
-              </a:spcBef>
-              <a:spcAft>
-                <a:spcPts val="0"/>
-              </a:spcAft>
-              <a:buSzPts val="1400"/>
-              <a:buNone/>
-              <a:defRPr b="0" i="0" sz="1800" u="none" cap="none" strike="noStrike">
+            <a:lvl4pPr marR="0" lvl="3" algn="l" rtl="0">
+              <a:spcBef>
+                <a:spcPts val="0"/>
+              </a:spcBef>
+              <a:spcAft>
+                <a:spcPts val="0"/>
+              </a:spcAft>
+              <a:buSzPts val="1400"/>
+              <a:buNone/>
+              <a:defRPr sz="1800" b="0" i="0" u="none" strike="noStrike" cap="none">
                 <a:solidFill>
                   <a:schemeClr val="dk1"/>
                 </a:solidFill>
@@ -10397,16 +10696,16 @@
                 <a:sym typeface="Calibri"/>
               </a:defRPr>
             </a:lvl4pPr>
-            <a:lvl5pPr lvl="4" marR="0" rtl="0" algn="l">
-              <a:spcBef>
-                <a:spcPts val="0"/>
-              </a:spcBef>
-              <a:spcAft>
-                <a:spcPts val="0"/>
-              </a:spcAft>
-              <a:buSzPts val="1400"/>
-              <a:buNone/>
-              <a:defRPr b="0" i="0" sz="1800" u="none" cap="none" strike="noStrike">
+            <a:lvl5pPr marR="0" lvl="4" algn="l" rtl="0">
+              <a:spcBef>
+                <a:spcPts val="0"/>
+              </a:spcBef>
+              <a:spcAft>
+                <a:spcPts val="0"/>
+              </a:spcAft>
+              <a:buSzPts val="1400"/>
+              <a:buNone/>
+              <a:defRPr sz="1800" b="0" i="0" u="none" strike="noStrike" cap="none">
                 <a:solidFill>
                   <a:schemeClr val="dk1"/>
                 </a:solidFill>
@@ -10416,16 +10715,16 @@
                 <a:sym typeface="Calibri"/>
               </a:defRPr>
             </a:lvl5pPr>
-            <a:lvl6pPr lvl="5" marR="0" rtl="0" algn="l">
-              <a:spcBef>
-                <a:spcPts val="0"/>
-              </a:spcBef>
-              <a:spcAft>
-                <a:spcPts val="0"/>
-              </a:spcAft>
-              <a:buSzPts val="1400"/>
-              <a:buNone/>
-              <a:defRPr b="0" i="0" sz="1800" u="none" cap="none" strike="noStrike">
+            <a:lvl6pPr marR="0" lvl="5" algn="l" rtl="0">
+              <a:spcBef>
+                <a:spcPts val="0"/>
+              </a:spcBef>
+              <a:spcAft>
+                <a:spcPts val="0"/>
+              </a:spcAft>
+              <a:buSzPts val="1400"/>
+              <a:buNone/>
+              <a:defRPr sz="1800" b="0" i="0" u="none" strike="noStrike" cap="none">
                 <a:solidFill>
                   <a:schemeClr val="dk1"/>
                 </a:solidFill>
@@ -10435,16 +10734,16 @@
                 <a:sym typeface="Calibri"/>
               </a:defRPr>
             </a:lvl6pPr>
-            <a:lvl7pPr lvl="6" marR="0" rtl="0" algn="l">
-              <a:spcBef>
-                <a:spcPts val="0"/>
-              </a:spcBef>
-              <a:spcAft>
-                <a:spcPts val="0"/>
-              </a:spcAft>
-              <a:buSzPts val="1400"/>
-              <a:buNone/>
-              <a:defRPr b="0" i="0" sz="1800" u="none" cap="none" strike="noStrike">
+            <a:lvl7pPr marR="0" lvl="6" algn="l" rtl="0">
+              <a:spcBef>
+                <a:spcPts val="0"/>
+              </a:spcBef>
+              <a:spcAft>
+                <a:spcPts val="0"/>
+              </a:spcAft>
+              <a:buSzPts val="1400"/>
+              <a:buNone/>
+              <a:defRPr sz="1800" b="0" i="0" u="none" strike="noStrike" cap="none">
                 <a:solidFill>
                   <a:schemeClr val="dk1"/>
                 </a:solidFill>
@@ -10454,16 +10753,16 @@
                 <a:sym typeface="Calibri"/>
               </a:defRPr>
             </a:lvl7pPr>
-            <a:lvl8pPr lvl="7" marR="0" rtl="0" algn="l">
-              <a:spcBef>
-                <a:spcPts val="0"/>
-              </a:spcBef>
-              <a:spcAft>
-                <a:spcPts val="0"/>
-              </a:spcAft>
-              <a:buSzPts val="1400"/>
-              <a:buNone/>
-              <a:defRPr b="0" i="0" sz="1800" u="none" cap="none" strike="noStrike">
+            <a:lvl8pPr marR="0" lvl="7" algn="l" rtl="0">
+              <a:spcBef>
+                <a:spcPts val="0"/>
+              </a:spcBef>
+              <a:spcAft>
+                <a:spcPts val="0"/>
+              </a:spcAft>
+              <a:buSzPts val="1400"/>
+              <a:buNone/>
+              <a:defRPr sz="1800" b="0" i="0" u="none" strike="noStrike" cap="none">
                 <a:solidFill>
                   <a:schemeClr val="dk1"/>
                 </a:solidFill>
@@ -10473,16 +10772,16 @@
                 <a:sym typeface="Calibri"/>
               </a:defRPr>
             </a:lvl8pPr>
-            <a:lvl9pPr lvl="8" marR="0" rtl="0" algn="l">
-              <a:spcBef>
-                <a:spcPts val="0"/>
-              </a:spcBef>
-              <a:spcAft>
-                <a:spcPts val="0"/>
-              </a:spcAft>
-              <a:buSzPts val="1400"/>
-              <a:buNone/>
-              <a:defRPr b="0" i="0" sz="1800" u="none" cap="none" strike="noStrike">
+            <a:lvl9pPr marR="0" lvl="8" algn="l" rtl="0">
+              <a:spcBef>
+                <a:spcPts val="0"/>
+              </a:spcBef>
+              <a:spcAft>
+                <a:spcPts val="0"/>
+              </a:spcAft>
+              <a:buSzPts val="1400"/>
+              <a:buNone/>
+              <a:defRPr sz="1800" b="0" i="0" u="none" strike="noStrike" cap="none">
                 <a:solidFill>
                   <a:schemeClr val="dk1"/>
                 </a:solidFill>
@@ -10493,15 +10792,19 @@
               </a:defRPr>
             </a:lvl9pPr>
           </a:lstStyle>
-          <a:p/>
+          <a:p>
+            <a:endParaRPr/>
+          </a:p>
         </p:txBody>
       </p:sp>
       <p:sp>
         <p:nvSpPr>
           <p:cNvPr id="9" name="Google Shape;9;p1"/>
-          <p:cNvSpPr txBox="1"/>
+          <p:cNvSpPr txBox="1">
+            <a:spLocks noGrp="1"/>
+          </p:cNvSpPr>
           <p:nvPr>
-            <p:ph idx="11" type="ftr"/>
+            <p:ph type="ftr" idx="11"/>
           </p:nvPr>
         </p:nvSpPr>
         <p:spPr>
@@ -10518,20 +10821,20 @@
           </a:ln>
         </p:spPr>
         <p:txBody>
-          <a:bodyPr anchorCtr="0" anchor="ctr" bIns="45700" lIns="91425" spcFirstLastPara="1" rIns="91425" wrap="square" tIns="45700">
+          <a:bodyPr spcFirstLastPara="1" wrap="square" lIns="91425" tIns="45700" rIns="91425" bIns="45700" anchor="ctr" anchorCtr="0">
             <a:noAutofit/>
           </a:bodyPr>
           <a:lstStyle>
-            <a:lvl1pPr lvl="0" marR="0" rtl="0" algn="ctr">
-              <a:spcBef>
-                <a:spcPts val="0"/>
-              </a:spcBef>
-              <a:spcAft>
-                <a:spcPts val="0"/>
-              </a:spcAft>
-              <a:buSzPts val="1400"/>
-              <a:buNone/>
-              <a:defRPr b="0" i="0" sz="1200" u="none" cap="none" strike="noStrike">
+            <a:lvl1pPr marR="0" lvl="0" algn="ctr" rtl="0">
+              <a:spcBef>
+                <a:spcPts val="0"/>
+              </a:spcBef>
+              <a:spcAft>
+                <a:spcPts val="0"/>
+              </a:spcAft>
+              <a:buSzPts val="1400"/>
+              <a:buNone/>
+              <a:defRPr sz="1200" b="0" i="0" u="none" strike="noStrike" cap="none">
                 <a:solidFill>
                   <a:srgbClr val="888888"/>
                 </a:solidFill>
@@ -10541,16 +10844,16 @@
                 <a:sym typeface="Calibri"/>
               </a:defRPr>
             </a:lvl1pPr>
-            <a:lvl2pPr lvl="1" marR="0" rtl="0" algn="l">
-              <a:spcBef>
-                <a:spcPts val="0"/>
-              </a:spcBef>
-              <a:spcAft>
-                <a:spcPts val="0"/>
-              </a:spcAft>
-              <a:buSzPts val="1400"/>
-              <a:buNone/>
-              <a:defRPr b="0" i="0" sz="1800" u="none" cap="none" strike="noStrike">
+            <a:lvl2pPr marR="0" lvl="1" algn="l" rtl="0">
+              <a:spcBef>
+                <a:spcPts val="0"/>
+              </a:spcBef>
+              <a:spcAft>
+                <a:spcPts val="0"/>
+              </a:spcAft>
+              <a:buSzPts val="1400"/>
+              <a:buNone/>
+              <a:defRPr sz="1800" b="0" i="0" u="none" strike="noStrike" cap="none">
                 <a:solidFill>
                   <a:schemeClr val="dk1"/>
                 </a:solidFill>
@@ -10560,16 +10863,16 @@
                 <a:sym typeface="Calibri"/>
               </a:defRPr>
             </a:lvl2pPr>
-            <a:lvl3pPr lvl="2" marR="0" rtl="0" algn="l">
-              <a:spcBef>
-                <a:spcPts val="0"/>
-              </a:spcBef>
-              <a:spcAft>
-                <a:spcPts val="0"/>
-              </a:spcAft>
-              <a:buSzPts val="1400"/>
-              <a:buNone/>
-              <a:defRPr b="0" i="0" sz="1800" u="none" cap="none" strike="noStrike">
+            <a:lvl3pPr marR="0" lvl="2" algn="l" rtl="0">
+              <a:spcBef>
+                <a:spcPts val="0"/>
+              </a:spcBef>
+              <a:spcAft>
+                <a:spcPts val="0"/>
+              </a:spcAft>
+              <a:buSzPts val="1400"/>
+              <a:buNone/>
+              <a:defRPr sz="1800" b="0" i="0" u="none" strike="noStrike" cap="none">
                 <a:solidFill>
                   <a:schemeClr val="dk1"/>
                 </a:solidFill>
@@ -10579,16 +10882,16 @@
                 <a:sym typeface="Calibri"/>
               </a:defRPr>
             </a:lvl3pPr>
-            <a:lvl4pPr lvl="3" marR="0" rtl="0" algn="l">
-              <a:spcBef>
-                <a:spcPts val="0"/>
-              </a:spcBef>
-              <a:spcAft>
-                <a:spcPts val="0"/>
-              </a:spcAft>
-              <a:buSzPts val="1400"/>
-              <a:buNone/>
-              <a:defRPr b="0" i="0" sz="1800" u="none" cap="none" strike="noStrike">
+            <a:lvl4pPr marR="0" lvl="3" algn="l" rtl="0">
+              <a:spcBef>
+                <a:spcPts val="0"/>
+              </a:spcBef>
+              <a:spcAft>
+                <a:spcPts val="0"/>
+              </a:spcAft>
+              <a:buSzPts val="1400"/>
+              <a:buNone/>
+              <a:defRPr sz="1800" b="0" i="0" u="none" strike="noStrike" cap="none">
                 <a:solidFill>
                   <a:schemeClr val="dk1"/>
                 </a:solidFill>
@@ -10598,16 +10901,16 @@
                 <a:sym typeface="Calibri"/>
               </a:defRPr>
             </a:lvl4pPr>
-            <a:lvl5pPr lvl="4" marR="0" rtl="0" algn="l">
-              <a:spcBef>
-                <a:spcPts val="0"/>
-              </a:spcBef>
-              <a:spcAft>
-                <a:spcPts val="0"/>
-              </a:spcAft>
-              <a:buSzPts val="1400"/>
-              <a:buNone/>
-              <a:defRPr b="0" i="0" sz="1800" u="none" cap="none" strike="noStrike">
+            <a:lvl5pPr marR="0" lvl="4" algn="l" rtl="0">
+              <a:spcBef>
+                <a:spcPts val="0"/>
+              </a:spcBef>
+              <a:spcAft>
+                <a:spcPts val="0"/>
+              </a:spcAft>
+              <a:buSzPts val="1400"/>
+              <a:buNone/>
+              <a:defRPr sz="1800" b="0" i="0" u="none" strike="noStrike" cap="none">
                 <a:solidFill>
                   <a:schemeClr val="dk1"/>
                 </a:solidFill>
@@ -10617,16 +10920,16 @@
                 <a:sym typeface="Calibri"/>
               </a:defRPr>
             </a:lvl5pPr>
-            <a:lvl6pPr lvl="5" marR="0" rtl="0" algn="l">
-              <a:spcBef>
-                <a:spcPts val="0"/>
-              </a:spcBef>
-              <a:spcAft>
-                <a:spcPts val="0"/>
-              </a:spcAft>
-              <a:buSzPts val="1400"/>
-              <a:buNone/>
-              <a:defRPr b="0" i="0" sz="1800" u="none" cap="none" strike="noStrike">
+            <a:lvl6pPr marR="0" lvl="5" algn="l" rtl="0">
+              <a:spcBef>
+                <a:spcPts val="0"/>
+              </a:spcBef>
+              <a:spcAft>
+                <a:spcPts val="0"/>
+              </a:spcAft>
+              <a:buSzPts val="1400"/>
+              <a:buNone/>
+              <a:defRPr sz="1800" b="0" i="0" u="none" strike="noStrike" cap="none">
                 <a:solidFill>
                   <a:schemeClr val="dk1"/>
                 </a:solidFill>
@@ -10636,16 +10939,16 @@
                 <a:sym typeface="Calibri"/>
               </a:defRPr>
             </a:lvl6pPr>
-            <a:lvl7pPr lvl="6" marR="0" rtl="0" algn="l">
-              <a:spcBef>
-                <a:spcPts val="0"/>
-              </a:spcBef>
-              <a:spcAft>
-                <a:spcPts val="0"/>
-              </a:spcAft>
-              <a:buSzPts val="1400"/>
-              <a:buNone/>
-              <a:defRPr b="0" i="0" sz="1800" u="none" cap="none" strike="noStrike">
+            <a:lvl7pPr marR="0" lvl="6" algn="l" rtl="0">
+              <a:spcBef>
+                <a:spcPts val="0"/>
+              </a:spcBef>
+              <a:spcAft>
+                <a:spcPts val="0"/>
+              </a:spcAft>
+              <a:buSzPts val="1400"/>
+              <a:buNone/>
+              <a:defRPr sz="1800" b="0" i="0" u="none" strike="noStrike" cap="none">
                 <a:solidFill>
                   <a:schemeClr val="dk1"/>
                 </a:solidFill>
@@ -10655,16 +10958,16 @@
                 <a:sym typeface="Calibri"/>
               </a:defRPr>
             </a:lvl7pPr>
-            <a:lvl8pPr lvl="7" marR="0" rtl="0" algn="l">
-              <a:spcBef>
-                <a:spcPts val="0"/>
-              </a:spcBef>
-              <a:spcAft>
-                <a:spcPts val="0"/>
-              </a:spcAft>
-              <a:buSzPts val="1400"/>
-              <a:buNone/>
-              <a:defRPr b="0" i="0" sz="1800" u="none" cap="none" strike="noStrike">
+            <a:lvl8pPr marR="0" lvl="7" algn="l" rtl="0">
+              <a:spcBef>
+                <a:spcPts val="0"/>
+              </a:spcBef>
+              <a:spcAft>
+                <a:spcPts val="0"/>
+              </a:spcAft>
+              <a:buSzPts val="1400"/>
+              <a:buNone/>
+              <a:defRPr sz="1800" b="0" i="0" u="none" strike="noStrike" cap="none">
                 <a:solidFill>
                   <a:schemeClr val="dk1"/>
                 </a:solidFill>
@@ -10674,16 +10977,16 @@
                 <a:sym typeface="Calibri"/>
               </a:defRPr>
             </a:lvl8pPr>
-            <a:lvl9pPr lvl="8" marR="0" rtl="0" algn="l">
-              <a:spcBef>
-                <a:spcPts val="0"/>
-              </a:spcBef>
-              <a:spcAft>
-                <a:spcPts val="0"/>
-              </a:spcAft>
-              <a:buSzPts val="1400"/>
-              <a:buNone/>
-              <a:defRPr b="0" i="0" sz="1800" u="none" cap="none" strike="noStrike">
+            <a:lvl9pPr marR="0" lvl="8" algn="l" rtl="0">
+              <a:spcBef>
+                <a:spcPts val="0"/>
+              </a:spcBef>
+              <a:spcAft>
+                <a:spcPts val="0"/>
+              </a:spcAft>
+              <a:buSzPts val="1400"/>
+              <a:buNone/>
+              <a:defRPr sz="1800" b="0" i="0" u="none" strike="noStrike" cap="none">
                 <a:solidFill>
                   <a:schemeClr val="dk1"/>
                 </a:solidFill>
@@ -10694,15 +10997,19 @@
               </a:defRPr>
             </a:lvl9pPr>
           </a:lstStyle>
-          <a:p/>
+          <a:p>
+            <a:endParaRPr/>
+          </a:p>
         </p:txBody>
       </p:sp>
       <p:sp>
         <p:nvSpPr>
           <p:cNvPr id="10" name="Google Shape;10;p1"/>
-          <p:cNvSpPr txBox="1"/>
+          <p:cNvSpPr txBox="1">
+            <a:spLocks noGrp="1"/>
+          </p:cNvSpPr>
           <p:nvPr>
-            <p:ph idx="12" type="sldNum"/>
+            <p:ph type="sldNum" idx="12"/>
           </p:nvPr>
         </p:nvSpPr>
         <p:spPr>
@@ -10719,16 +11026,16 @@
           </a:ln>
         </p:spPr>
         <p:txBody>
-          <a:bodyPr anchorCtr="0" anchor="ctr" bIns="45700" lIns="91425" spcFirstLastPara="1" rIns="91425" wrap="square" tIns="45700">
+          <a:bodyPr spcFirstLastPara="1" wrap="square" lIns="91425" tIns="45700" rIns="91425" bIns="45700" anchor="ctr" anchorCtr="0">
             <a:noAutofit/>
           </a:bodyPr>
           <a:lstStyle>
-            <a:lvl1pPr indent="0" lvl="0" marL="0" marR="0" rtl="0" algn="r">
-              <a:spcBef>
-                <a:spcPts val="0"/>
-              </a:spcBef>
-              <a:buNone/>
-              <a:defRPr b="0" i="0" sz="1200" u="none" cap="none" strike="noStrike">
+            <a:lvl1pPr marL="0" marR="0" lvl="0" indent="0" algn="r" rtl="0">
+              <a:spcBef>
+                <a:spcPts val="0"/>
+              </a:spcBef>
+              <a:buNone/>
+              <a:defRPr sz="1200" b="0" i="0" u="none" strike="noStrike" cap="none">
                 <a:solidFill>
                   <a:srgbClr val="888888"/>
                 </a:solidFill>
@@ -10738,12 +11045,12 @@
                 <a:sym typeface="Calibri"/>
               </a:defRPr>
             </a:lvl1pPr>
-            <a:lvl2pPr indent="0" lvl="1" marL="0" marR="0" rtl="0" algn="r">
-              <a:spcBef>
-                <a:spcPts val="0"/>
-              </a:spcBef>
-              <a:buNone/>
-              <a:defRPr b="0" i="0" sz="1200" u="none" cap="none" strike="noStrike">
+            <a:lvl2pPr marL="0" marR="0" lvl="1" indent="0" algn="r" rtl="0">
+              <a:spcBef>
+                <a:spcPts val="0"/>
+              </a:spcBef>
+              <a:buNone/>
+              <a:defRPr sz="1200" b="0" i="0" u="none" strike="noStrike" cap="none">
                 <a:solidFill>
                   <a:srgbClr val="888888"/>
                 </a:solidFill>
@@ -10753,12 +11060,12 @@
                 <a:sym typeface="Calibri"/>
               </a:defRPr>
             </a:lvl2pPr>
-            <a:lvl3pPr indent="0" lvl="2" marL="0" marR="0" rtl="0" algn="r">
-              <a:spcBef>
-                <a:spcPts val="0"/>
-              </a:spcBef>
-              <a:buNone/>
-              <a:defRPr b="0" i="0" sz="1200" u="none" cap="none" strike="noStrike">
+            <a:lvl3pPr marL="0" marR="0" lvl="2" indent="0" algn="r" rtl="0">
+              <a:spcBef>
+                <a:spcPts val="0"/>
+              </a:spcBef>
+              <a:buNone/>
+              <a:defRPr sz="1200" b="0" i="0" u="none" strike="noStrike" cap="none">
                 <a:solidFill>
                   <a:srgbClr val="888888"/>
                 </a:solidFill>
@@ -10768,12 +11075,12 @@
                 <a:sym typeface="Calibri"/>
               </a:defRPr>
             </a:lvl3pPr>
-            <a:lvl4pPr indent="0" lvl="3" marL="0" marR="0" rtl="0" algn="r">
-              <a:spcBef>
-                <a:spcPts val="0"/>
-              </a:spcBef>
-              <a:buNone/>
-              <a:defRPr b="0" i="0" sz="1200" u="none" cap="none" strike="noStrike">
+            <a:lvl4pPr marL="0" marR="0" lvl="3" indent="0" algn="r" rtl="0">
+              <a:spcBef>
+                <a:spcPts val="0"/>
+              </a:spcBef>
+              <a:buNone/>
+              <a:defRPr sz="1200" b="0" i="0" u="none" strike="noStrike" cap="none">
                 <a:solidFill>
                   <a:srgbClr val="888888"/>
                 </a:solidFill>
@@ -10783,12 +11090,12 @@
                 <a:sym typeface="Calibri"/>
               </a:defRPr>
             </a:lvl4pPr>
-            <a:lvl5pPr indent="0" lvl="4" marL="0" marR="0" rtl="0" algn="r">
-              <a:spcBef>
-                <a:spcPts val="0"/>
-              </a:spcBef>
-              <a:buNone/>
-              <a:defRPr b="0" i="0" sz="1200" u="none" cap="none" strike="noStrike">
+            <a:lvl5pPr marL="0" marR="0" lvl="4" indent="0" algn="r" rtl="0">
+              <a:spcBef>
+                <a:spcPts val="0"/>
+              </a:spcBef>
+              <a:buNone/>
+              <a:defRPr sz="1200" b="0" i="0" u="none" strike="noStrike" cap="none">
                 <a:solidFill>
                   <a:srgbClr val="888888"/>
                 </a:solidFill>
@@ -10798,12 +11105,12 @@
                 <a:sym typeface="Calibri"/>
               </a:defRPr>
             </a:lvl5pPr>
-            <a:lvl6pPr indent="0" lvl="5" marL="0" marR="0" rtl="0" algn="r">
-              <a:spcBef>
-                <a:spcPts val="0"/>
-              </a:spcBef>
-              <a:buNone/>
-              <a:defRPr b="0" i="0" sz="1200" u="none" cap="none" strike="noStrike">
+            <a:lvl6pPr marL="0" marR="0" lvl="5" indent="0" algn="r" rtl="0">
+              <a:spcBef>
+                <a:spcPts val="0"/>
+              </a:spcBef>
+              <a:buNone/>
+              <a:defRPr sz="1200" b="0" i="0" u="none" strike="noStrike" cap="none">
                 <a:solidFill>
                   <a:srgbClr val="888888"/>
                 </a:solidFill>
@@ -10813,12 +11120,12 @@
                 <a:sym typeface="Calibri"/>
               </a:defRPr>
             </a:lvl6pPr>
-            <a:lvl7pPr indent="0" lvl="6" marL="0" marR="0" rtl="0" algn="r">
-              <a:spcBef>
-                <a:spcPts val="0"/>
-              </a:spcBef>
-              <a:buNone/>
-              <a:defRPr b="0" i="0" sz="1200" u="none" cap="none" strike="noStrike">
+            <a:lvl7pPr marL="0" marR="0" lvl="6" indent="0" algn="r" rtl="0">
+              <a:spcBef>
+                <a:spcPts val="0"/>
+              </a:spcBef>
+              <a:buNone/>
+              <a:defRPr sz="1200" b="0" i="0" u="none" strike="noStrike" cap="none">
                 <a:solidFill>
                   <a:srgbClr val="888888"/>
                 </a:solidFill>
@@ -10828,12 +11135,12 @@
                 <a:sym typeface="Calibri"/>
               </a:defRPr>
             </a:lvl7pPr>
-            <a:lvl8pPr indent="0" lvl="7" marL="0" marR="0" rtl="0" algn="r">
-              <a:spcBef>
-                <a:spcPts val="0"/>
-              </a:spcBef>
-              <a:buNone/>
-              <a:defRPr b="0" i="0" sz="1200" u="none" cap="none" strike="noStrike">
+            <a:lvl8pPr marL="0" marR="0" lvl="7" indent="0" algn="r" rtl="0">
+              <a:spcBef>
+                <a:spcPts val="0"/>
+              </a:spcBef>
+              <a:buNone/>
+              <a:defRPr sz="1200" b="0" i="0" u="none" strike="noStrike" cap="none">
                 <a:solidFill>
                   <a:srgbClr val="888888"/>
                 </a:solidFill>
@@ -10843,12 +11150,12 @@
                 <a:sym typeface="Calibri"/>
               </a:defRPr>
             </a:lvl8pPr>
-            <a:lvl9pPr indent="0" lvl="8" marL="0" marR="0" rtl="0" algn="r">
-              <a:spcBef>
-                <a:spcPts val="0"/>
-              </a:spcBef>
-              <a:buNone/>
-              <a:defRPr b="0" i="0" sz="1200" u="none" cap="none" strike="noStrike">
+            <a:lvl9pPr marL="0" marR="0" lvl="8" indent="0" algn="r" rtl="0">
+              <a:spcBef>
+                <a:spcPts val="0"/>
+              </a:spcBef>
+              <a:buNone/>
+              <a:defRPr sz="1200" b="0" i="0" u="none" strike="noStrike" cap="none">
                 <a:solidFill>
                   <a:srgbClr val="888888"/>
                 </a:solidFill>
@@ -10860,7 +11167,7 @@
             </a:lvl9pPr>
           </a:lstStyle>
           <a:p>
-            <a:pPr indent="0" lvl="0" marL="0" rtl="0" algn="r">
+            <a:pPr marL="0" lvl="0" indent="0" algn="r" rtl="0">
               <a:spcBef>
                 <a:spcPts val="0"/>
               </a:spcBef>
@@ -10871,7 +11178,7 @@
             </a:pPr>
             <a:fld id="{00000000-1234-1234-1234-123412341234}" type="slidenum">
               <a:rPr lang="en-US"/>
-              <a:t>‹#›</a:t>
+              <a:t>‹N°›</a:t>
             </a:fld>
             <a:endParaRPr/>
           </a:p>
@@ -10879,24 +11186,24 @@
       </p:sp>
     </p:spTree>
   </p:cSld>
-  <p:clrMap accent1="accent1" accent2="accent2" accent3="accent3" accent4="accent4" accent5="accent5" accent6="accent6" bg1="lt1" bg2="dk2" tx1="dk1" tx2="lt2" folHlink="folHlink" hlink="hlink"/>
+  <p:clrMap bg1="lt1" tx1="dk1" bg2="dk2" tx2="lt2" accent1="accent1" accent2="accent2" accent3="accent3" accent4="accent4" accent5="accent5" accent6="accent6" hlink="hlink" folHlink="folHlink"/>
   <p:sldLayoutIdLst>
-    <p:sldLayoutId id="2147483648" r:id="rId2"/>
-    <p:sldLayoutId id="2147483649" r:id="rId3"/>
-    <p:sldLayoutId id="2147483650" r:id="rId4"/>
-    <p:sldLayoutId id="2147483651" r:id="rId5"/>
-    <p:sldLayoutId id="2147483652" r:id="rId6"/>
-    <p:sldLayoutId id="2147483653" r:id="rId7"/>
-    <p:sldLayoutId id="2147483654" r:id="rId8"/>
-    <p:sldLayoutId id="2147483655" r:id="rId9"/>
-    <p:sldLayoutId id="2147483656" r:id="rId10"/>
-    <p:sldLayoutId id="2147483657" r:id="rId11"/>
-    <p:sldLayoutId id="2147483658" r:id="rId12"/>
+    <p:sldLayoutId id="2147483648" r:id="rId1"/>
+    <p:sldLayoutId id="2147483649" r:id="rId2"/>
+    <p:sldLayoutId id="2147483650" r:id="rId3"/>
+    <p:sldLayoutId id="2147483651" r:id="rId4"/>
+    <p:sldLayoutId id="2147483652" r:id="rId5"/>
+    <p:sldLayoutId id="2147483653" r:id="rId6"/>
+    <p:sldLayoutId id="2147483654" r:id="rId7"/>
+    <p:sldLayoutId id="2147483655" r:id="rId8"/>
+    <p:sldLayoutId id="2147483656" r:id="rId9"/>
+    <p:sldLayoutId id="2147483657" r:id="rId10"/>
+    <p:sldLayoutId id="2147483658" r:id="rId11"/>
   </p:sldLayoutIdLst>
-  <p:hf dt="0" ftr="0" hdr="0" sldNum="0"/>
+  <p:hf sldNum="0" hdr="0" ftr="0" dt="0"/>
   <p:txStyles>
     <p:titleStyle>
-      <a:defPPr lvl="0" marR="0" rtl="0" algn="l">
+      <a:defPPr marR="0" lvl="0" algn="l" rtl="0">
         <a:lnSpc>
           <a:spcPct val="100000"/>
         </a:lnSpc>
@@ -10907,7 +11214,7 @@
           <a:spcPts val="0"/>
         </a:spcAft>
       </a:defPPr>
-      <a:lvl1pPr lvl="0" marR="0" rtl="0" algn="l">
+      <a:lvl1pPr marR="0" lvl="0" algn="l" rtl="0">
         <a:lnSpc>
           <a:spcPct val="100000"/>
         </a:lnSpc>
@@ -10921,7 +11228,7 @@
           <a:srgbClr val="000000"/>
         </a:buClr>
         <a:buFont typeface="Arial"/>
-        <a:defRPr b="0" i="0" sz="1400" u="none" cap="none" strike="noStrike">
+        <a:defRPr sz="1400" b="0" i="0" u="none" strike="noStrike" cap="none">
           <a:solidFill>
             <a:srgbClr val="000000"/>
           </a:solidFill>
@@ -10931,7 +11238,7 @@
           <a:sym typeface="Arial"/>
         </a:defRPr>
       </a:lvl1pPr>
-      <a:lvl2pPr lvl="1" marR="0" rtl="0" algn="l">
+      <a:lvl2pPr marR="0" lvl="1" algn="l" rtl="0">
         <a:lnSpc>
           <a:spcPct val="100000"/>
         </a:lnSpc>
@@ -10945,7 +11252,7 @@
           <a:srgbClr val="000000"/>
         </a:buClr>
         <a:buFont typeface="Arial"/>
-        <a:defRPr b="0" i="0" sz="1400" u="none" cap="none" strike="noStrike">
+        <a:defRPr sz="1400" b="0" i="0" u="none" strike="noStrike" cap="none">
           <a:solidFill>
             <a:srgbClr val="000000"/>
           </a:solidFill>
@@ -10955,7 +11262,7 @@
           <a:sym typeface="Arial"/>
         </a:defRPr>
       </a:lvl2pPr>
-      <a:lvl3pPr lvl="2" marR="0" rtl="0" algn="l">
+      <a:lvl3pPr marR="0" lvl="2" algn="l" rtl="0">
         <a:lnSpc>
           <a:spcPct val="100000"/>
         </a:lnSpc>
@@ -10969,7 +11276,7 @@
           <a:srgbClr val="000000"/>
         </a:buClr>
         <a:buFont typeface="Arial"/>
-        <a:defRPr b="0" i="0" sz="1400" u="none" cap="none" strike="noStrike">
+        <a:defRPr sz="1400" b="0" i="0" u="none" strike="noStrike" cap="none">
           <a:solidFill>
             <a:srgbClr val="000000"/>
           </a:solidFill>
@@ -10979,7 +11286,7 @@
           <a:sym typeface="Arial"/>
         </a:defRPr>
       </a:lvl3pPr>
-      <a:lvl4pPr lvl="3" marR="0" rtl="0" algn="l">
+      <a:lvl4pPr marR="0" lvl="3" algn="l" rtl="0">
         <a:lnSpc>
           <a:spcPct val="100000"/>
         </a:lnSpc>
@@ -10993,7 +11300,7 @@
           <a:srgbClr val="000000"/>
         </a:buClr>
         <a:buFont typeface="Arial"/>
-        <a:defRPr b="0" i="0" sz="1400" u="none" cap="none" strike="noStrike">
+        <a:defRPr sz="1400" b="0" i="0" u="none" strike="noStrike" cap="none">
           <a:solidFill>
             <a:srgbClr val="000000"/>
           </a:solidFill>
@@ -11003,7 +11310,7 @@
           <a:sym typeface="Arial"/>
         </a:defRPr>
       </a:lvl4pPr>
-      <a:lvl5pPr lvl="4" marR="0" rtl="0" algn="l">
+      <a:lvl5pPr marR="0" lvl="4" algn="l" rtl="0">
         <a:lnSpc>
           <a:spcPct val="100000"/>
         </a:lnSpc>
@@ -11017,7 +11324,7 @@
           <a:srgbClr val="000000"/>
         </a:buClr>
         <a:buFont typeface="Arial"/>
-        <a:defRPr b="0" i="0" sz="1400" u="none" cap="none" strike="noStrike">
+        <a:defRPr sz="1400" b="0" i="0" u="none" strike="noStrike" cap="none">
           <a:solidFill>
             <a:srgbClr val="000000"/>
           </a:solidFill>
@@ -11027,7 +11334,7 @@
           <a:sym typeface="Arial"/>
         </a:defRPr>
       </a:lvl5pPr>
-      <a:lvl6pPr lvl="5" marR="0" rtl="0" algn="l">
+      <a:lvl6pPr marR="0" lvl="5" algn="l" rtl="0">
         <a:lnSpc>
           <a:spcPct val="100000"/>
         </a:lnSpc>
@@ -11041,7 +11348,7 @@
           <a:srgbClr val="000000"/>
         </a:buClr>
         <a:buFont typeface="Arial"/>
-        <a:defRPr b="0" i="0" sz="1400" u="none" cap="none" strike="noStrike">
+        <a:defRPr sz="1400" b="0" i="0" u="none" strike="noStrike" cap="none">
           <a:solidFill>
             <a:srgbClr val="000000"/>
           </a:solidFill>
@@ -11051,7 +11358,7 @@
           <a:sym typeface="Arial"/>
         </a:defRPr>
       </a:lvl6pPr>
-      <a:lvl7pPr lvl="6" marR="0" rtl="0" algn="l">
+      <a:lvl7pPr marR="0" lvl="6" algn="l" rtl="0">
         <a:lnSpc>
           <a:spcPct val="100000"/>
         </a:lnSpc>
@@ -11065,7 +11372,7 @@
           <a:srgbClr val="000000"/>
         </a:buClr>
         <a:buFont typeface="Arial"/>
-        <a:defRPr b="0" i="0" sz="1400" u="none" cap="none" strike="noStrike">
+        <a:defRPr sz="1400" b="0" i="0" u="none" strike="noStrike" cap="none">
           <a:solidFill>
             <a:srgbClr val="000000"/>
           </a:solidFill>
@@ -11075,7 +11382,7 @@
           <a:sym typeface="Arial"/>
         </a:defRPr>
       </a:lvl7pPr>
-      <a:lvl8pPr lvl="7" marR="0" rtl="0" algn="l">
+      <a:lvl8pPr marR="0" lvl="7" algn="l" rtl="0">
         <a:lnSpc>
           <a:spcPct val="100000"/>
         </a:lnSpc>
@@ -11089,7 +11396,7 @@
           <a:srgbClr val="000000"/>
         </a:buClr>
         <a:buFont typeface="Arial"/>
-        <a:defRPr b="0" i="0" sz="1400" u="none" cap="none" strike="noStrike">
+        <a:defRPr sz="1400" b="0" i="0" u="none" strike="noStrike" cap="none">
           <a:solidFill>
             <a:srgbClr val="000000"/>
           </a:solidFill>
@@ -11099,7 +11406,7 @@
           <a:sym typeface="Arial"/>
         </a:defRPr>
       </a:lvl8pPr>
-      <a:lvl9pPr lvl="8" marR="0" rtl="0" algn="l">
+      <a:lvl9pPr marR="0" lvl="8" algn="l" rtl="0">
         <a:lnSpc>
           <a:spcPct val="100000"/>
         </a:lnSpc>
@@ -11113,7 +11420,7 @@
           <a:srgbClr val="000000"/>
         </a:buClr>
         <a:buFont typeface="Arial"/>
-        <a:defRPr b="0" i="0" sz="1400" u="none" cap="none" strike="noStrike">
+        <a:defRPr sz="1400" b="0" i="0" u="none" strike="noStrike" cap="none">
           <a:solidFill>
             <a:srgbClr val="000000"/>
           </a:solidFill>
@@ -11125,7 +11432,7 @@
       </a:lvl9pPr>
     </p:titleStyle>
     <p:bodyStyle>
-      <a:defPPr lvl="0" marR="0" rtl="0" algn="l">
+      <a:defPPr marR="0" lvl="0" algn="l" rtl="0">
         <a:lnSpc>
           <a:spcPct val="100000"/>
         </a:lnSpc>
@@ -11136,7 +11443,7 @@
           <a:spcPts val="0"/>
         </a:spcAft>
       </a:defPPr>
-      <a:lvl1pPr lvl="0" marR="0" rtl="0" algn="l">
+      <a:lvl1pPr marR="0" lvl="0" algn="l" rtl="0">
         <a:lnSpc>
           <a:spcPct val="100000"/>
         </a:lnSpc>
@@ -11150,7 +11457,7 @@
           <a:srgbClr val="000000"/>
         </a:buClr>
         <a:buFont typeface="Arial"/>
-        <a:defRPr b="0" i="0" sz="1400" u="none" cap="none" strike="noStrike">
+        <a:defRPr sz="1400" b="0" i="0" u="none" strike="noStrike" cap="none">
           <a:solidFill>
             <a:srgbClr val="000000"/>
           </a:solidFill>
@@ -11160,7 +11467,7 @@
           <a:sym typeface="Arial"/>
         </a:defRPr>
       </a:lvl1pPr>
-      <a:lvl2pPr lvl="1" marR="0" rtl="0" algn="l">
+      <a:lvl2pPr marR="0" lvl="1" algn="l" rtl="0">
         <a:lnSpc>
           <a:spcPct val="100000"/>
         </a:lnSpc>
@@ -11174,7 +11481,7 @@
           <a:srgbClr val="000000"/>
         </a:buClr>
         <a:buFont typeface="Arial"/>
-        <a:defRPr b="0" i="0" sz="1400" u="none" cap="none" strike="noStrike">
+        <a:defRPr sz="1400" b="0" i="0" u="none" strike="noStrike" cap="none">
           <a:solidFill>
             <a:srgbClr val="000000"/>
           </a:solidFill>
@@ -11184,7 +11491,7 @@
           <a:sym typeface="Arial"/>
         </a:defRPr>
       </a:lvl2pPr>
-      <a:lvl3pPr lvl="2" marR="0" rtl="0" algn="l">
+      <a:lvl3pPr marR="0" lvl="2" algn="l" rtl="0">
         <a:lnSpc>
           <a:spcPct val="100000"/>
         </a:lnSpc>
@@ -11198,7 +11505,7 @@
           <a:srgbClr val="000000"/>
         </a:buClr>
         <a:buFont typeface="Arial"/>
-        <a:defRPr b="0" i="0" sz="1400" u="none" cap="none" strike="noStrike">
+        <a:defRPr sz="1400" b="0" i="0" u="none" strike="noStrike" cap="none">
           <a:solidFill>
             <a:srgbClr val="000000"/>
           </a:solidFill>
@@ -11208,7 +11515,7 @@
           <a:sym typeface="Arial"/>
         </a:defRPr>
       </a:lvl3pPr>
-      <a:lvl4pPr lvl="3" marR="0" rtl="0" algn="l">
+      <a:lvl4pPr marR="0" lvl="3" algn="l" rtl="0">
         <a:lnSpc>
           <a:spcPct val="100000"/>
         </a:lnSpc>
@@ -11222,7 +11529,7 @@
           <a:srgbClr val="000000"/>
         </a:buClr>
         <a:buFont typeface="Arial"/>
-        <a:defRPr b="0" i="0" sz="1400" u="none" cap="none" strike="noStrike">
+        <a:defRPr sz="1400" b="0" i="0" u="none" strike="noStrike" cap="none">
           <a:solidFill>
             <a:srgbClr val="000000"/>
           </a:solidFill>
@@ -11232,7 +11539,7 @@
           <a:sym typeface="Arial"/>
         </a:defRPr>
       </a:lvl4pPr>
-      <a:lvl5pPr lvl="4" marR="0" rtl="0" algn="l">
+      <a:lvl5pPr marR="0" lvl="4" algn="l" rtl="0">
         <a:lnSpc>
           <a:spcPct val="100000"/>
         </a:lnSpc>
@@ -11246,7 +11553,7 @@
           <a:srgbClr val="000000"/>
         </a:buClr>
         <a:buFont typeface="Arial"/>
-        <a:defRPr b="0" i="0" sz="1400" u="none" cap="none" strike="noStrike">
+        <a:defRPr sz="1400" b="0" i="0" u="none" strike="noStrike" cap="none">
           <a:solidFill>
             <a:srgbClr val="000000"/>
           </a:solidFill>
@@ -11256,7 +11563,7 @@
           <a:sym typeface="Arial"/>
         </a:defRPr>
       </a:lvl5pPr>
-      <a:lvl6pPr lvl="5" marR="0" rtl="0" algn="l">
+      <a:lvl6pPr marR="0" lvl="5" algn="l" rtl="0">
         <a:lnSpc>
           <a:spcPct val="100000"/>
         </a:lnSpc>
@@ -11270,7 +11577,7 @@
           <a:srgbClr val="000000"/>
         </a:buClr>
         <a:buFont typeface="Arial"/>
-        <a:defRPr b="0" i="0" sz="1400" u="none" cap="none" strike="noStrike">
+        <a:defRPr sz="1400" b="0" i="0" u="none" strike="noStrike" cap="none">
           <a:solidFill>
             <a:srgbClr val="000000"/>
           </a:solidFill>
@@ -11280,7 +11587,7 @@
           <a:sym typeface="Arial"/>
         </a:defRPr>
       </a:lvl6pPr>
-      <a:lvl7pPr lvl="6" marR="0" rtl="0" algn="l">
+      <a:lvl7pPr marR="0" lvl="6" algn="l" rtl="0">
         <a:lnSpc>
           <a:spcPct val="100000"/>
         </a:lnSpc>
@@ -11294,7 +11601,7 @@
           <a:srgbClr val="000000"/>
         </a:buClr>
         <a:buFont typeface="Arial"/>
-        <a:defRPr b="0" i="0" sz="1400" u="none" cap="none" strike="noStrike">
+        <a:defRPr sz="1400" b="0" i="0" u="none" strike="noStrike" cap="none">
           <a:solidFill>
             <a:srgbClr val="000000"/>
           </a:solidFill>
@@ -11304,7 +11611,7 @@
           <a:sym typeface="Arial"/>
         </a:defRPr>
       </a:lvl7pPr>
-      <a:lvl8pPr lvl="7" marR="0" rtl="0" algn="l">
+      <a:lvl8pPr marR="0" lvl="7" algn="l" rtl="0">
         <a:lnSpc>
           <a:spcPct val="100000"/>
         </a:lnSpc>
@@ -11318,7 +11625,7 @@
           <a:srgbClr val="000000"/>
         </a:buClr>
         <a:buFont typeface="Arial"/>
-        <a:defRPr b="0" i="0" sz="1400" u="none" cap="none" strike="noStrike">
+        <a:defRPr sz="1400" b="0" i="0" u="none" strike="noStrike" cap="none">
           <a:solidFill>
             <a:srgbClr val="000000"/>
           </a:solidFill>
@@ -11328,7 +11635,7 @@
           <a:sym typeface="Arial"/>
         </a:defRPr>
       </a:lvl8pPr>
-      <a:lvl9pPr lvl="8" marR="0" rtl="0" algn="l">
+      <a:lvl9pPr marR="0" lvl="8" algn="l" rtl="0">
         <a:lnSpc>
           <a:spcPct val="100000"/>
         </a:lnSpc>
@@ -11342,7 +11649,7 @@
           <a:srgbClr val="000000"/>
         </a:buClr>
         <a:buFont typeface="Arial"/>
-        <a:defRPr b="0" i="0" sz="1400" u="none" cap="none" strike="noStrike">
+        <a:defRPr sz="1400" b="0" i="0" u="none" strike="noStrike" cap="none">
           <a:solidFill>
             <a:srgbClr val="000000"/>
           </a:solidFill>
@@ -11354,7 +11661,7 @@
       </a:lvl9pPr>
     </p:bodyStyle>
     <p:otherStyle>
-      <a:defPPr lvl="0" marR="0" rtl="0" algn="l">
+      <a:defPPr marR="0" lvl="0" algn="l" rtl="0">
         <a:lnSpc>
           <a:spcPct val="100000"/>
         </a:lnSpc>
@@ -11365,7 +11672,7 @@
           <a:spcPts val="0"/>
         </a:spcAft>
       </a:defPPr>
-      <a:lvl1pPr lvl="0" marR="0" rtl="0" algn="l">
+      <a:lvl1pPr marR="0" lvl="0" algn="l" rtl="0">
         <a:lnSpc>
           <a:spcPct val="100000"/>
         </a:lnSpc>
@@ -11379,7 +11686,7 @@
           <a:srgbClr val="000000"/>
         </a:buClr>
         <a:buFont typeface="Arial"/>
-        <a:defRPr b="0" i="0" sz="1400" u="none" cap="none" strike="noStrike">
+        <a:defRPr sz="1400" b="0" i="0" u="none" strike="noStrike" cap="none">
           <a:solidFill>
             <a:srgbClr val="000000"/>
           </a:solidFill>
@@ -11389,7 +11696,7 @@
           <a:sym typeface="Arial"/>
         </a:defRPr>
       </a:lvl1pPr>
-      <a:lvl2pPr lvl="1" marR="0" rtl="0" algn="l">
+      <a:lvl2pPr marR="0" lvl="1" algn="l" rtl="0">
         <a:lnSpc>
           <a:spcPct val="100000"/>
         </a:lnSpc>
@@ -11403,7 +11710,7 @@
           <a:srgbClr val="000000"/>
         </a:buClr>
         <a:buFont typeface="Arial"/>
-        <a:defRPr b="0" i="0" sz="1400" u="none" cap="none" strike="noStrike">
+        <a:defRPr sz="1400" b="0" i="0" u="none" strike="noStrike" cap="none">
           <a:solidFill>
             <a:srgbClr val="000000"/>
           </a:solidFill>
@@ -11413,7 +11720,7 @@
           <a:sym typeface="Arial"/>
         </a:defRPr>
       </a:lvl2pPr>
-      <a:lvl3pPr lvl="2" marR="0" rtl="0" algn="l">
+      <a:lvl3pPr marR="0" lvl="2" algn="l" rtl="0">
         <a:lnSpc>
           <a:spcPct val="100000"/>
         </a:lnSpc>
@@ -11427,7 +11734,7 @@
           <a:srgbClr val="000000"/>
         </a:buClr>
         <a:buFont typeface="Arial"/>
-        <a:defRPr b="0" i="0" sz="1400" u="none" cap="none" strike="noStrike">
+        <a:defRPr sz="1400" b="0" i="0" u="none" strike="noStrike" cap="none">
           <a:solidFill>
             <a:srgbClr val="000000"/>
           </a:solidFill>
@@ -11437,7 +11744,7 @@
           <a:sym typeface="Arial"/>
         </a:defRPr>
       </a:lvl3pPr>
-      <a:lvl4pPr lvl="3" marR="0" rtl="0" algn="l">
+      <a:lvl4pPr marR="0" lvl="3" algn="l" rtl="0">
         <a:lnSpc>
           <a:spcPct val="100000"/>
         </a:lnSpc>
@@ -11451,7 +11758,7 @@
           <a:srgbClr val="000000"/>
         </a:buClr>
         <a:buFont typeface="Arial"/>
-        <a:defRPr b="0" i="0" sz="1400" u="none" cap="none" strike="noStrike">
+        <a:defRPr sz="1400" b="0" i="0" u="none" strike="noStrike" cap="none">
           <a:solidFill>
             <a:srgbClr val="000000"/>
           </a:solidFill>
@@ -11461,7 +11768,7 @@
           <a:sym typeface="Arial"/>
         </a:defRPr>
       </a:lvl4pPr>
-      <a:lvl5pPr lvl="4" marR="0" rtl="0" algn="l">
+      <a:lvl5pPr marR="0" lvl="4" algn="l" rtl="0">
         <a:lnSpc>
           <a:spcPct val="100000"/>
         </a:lnSpc>
@@ -11475,7 +11782,7 @@
           <a:srgbClr val="000000"/>
         </a:buClr>
         <a:buFont typeface="Arial"/>
-        <a:defRPr b="0" i="0" sz="1400" u="none" cap="none" strike="noStrike">
+        <a:defRPr sz="1400" b="0" i="0" u="none" strike="noStrike" cap="none">
           <a:solidFill>
             <a:srgbClr val="000000"/>
           </a:solidFill>
@@ -11485,7 +11792,7 @@
           <a:sym typeface="Arial"/>
         </a:defRPr>
       </a:lvl5pPr>
-      <a:lvl6pPr lvl="5" marR="0" rtl="0" algn="l">
+      <a:lvl6pPr marR="0" lvl="5" algn="l" rtl="0">
         <a:lnSpc>
           <a:spcPct val="100000"/>
         </a:lnSpc>
@@ -11499,7 +11806,7 @@
           <a:srgbClr val="000000"/>
         </a:buClr>
         <a:buFont typeface="Arial"/>
-        <a:defRPr b="0" i="0" sz="1400" u="none" cap="none" strike="noStrike">
+        <a:defRPr sz="1400" b="0" i="0" u="none" strike="noStrike" cap="none">
           <a:solidFill>
             <a:srgbClr val="000000"/>
           </a:solidFill>
@@ -11509,7 +11816,7 @@
           <a:sym typeface="Arial"/>
         </a:defRPr>
       </a:lvl6pPr>
-      <a:lvl7pPr lvl="6" marR="0" rtl="0" algn="l">
+      <a:lvl7pPr marR="0" lvl="6" algn="l" rtl="0">
         <a:lnSpc>
           <a:spcPct val="100000"/>
         </a:lnSpc>
@@ -11523,7 +11830,7 @@
           <a:srgbClr val="000000"/>
         </a:buClr>
         <a:buFont typeface="Arial"/>
-        <a:defRPr b="0" i="0" sz="1400" u="none" cap="none" strike="noStrike">
+        <a:defRPr sz="1400" b="0" i="0" u="none" strike="noStrike" cap="none">
           <a:solidFill>
             <a:srgbClr val="000000"/>
           </a:solidFill>
@@ -11533,7 +11840,7 @@
           <a:sym typeface="Arial"/>
         </a:defRPr>
       </a:lvl7pPr>
-      <a:lvl8pPr lvl="7" marR="0" rtl="0" algn="l">
+      <a:lvl8pPr marR="0" lvl="7" algn="l" rtl="0">
         <a:lnSpc>
           <a:spcPct val="100000"/>
         </a:lnSpc>
@@ -11547,7 +11854,7 @@
           <a:srgbClr val="000000"/>
         </a:buClr>
         <a:buFont typeface="Arial"/>
-        <a:defRPr b="0" i="0" sz="1400" u="none" cap="none" strike="noStrike">
+        <a:defRPr sz="1400" b="0" i="0" u="none" strike="noStrike" cap="none">
           <a:solidFill>
             <a:srgbClr val="000000"/>
           </a:solidFill>
@@ -11557,7 +11864,7 @@
           <a:sym typeface="Arial"/>
         </a:defRPr>
       </a:lvl8pPr>
-      <a:lvl9pPr lvl="8" marR="0" rtl="0" algn="l">
+      <a:lvl9pPr marR="0" lvl="8" algn="l" rtl="0">
         <a:lnSpc>
           <a:spcPct val="100000"/>
         </a:lnSpc>
@@ -11571,7 +11878,7 @@
           <a:srgbClr val="000000"/>
         </a:buClr>
         <a:buFont typeface="Arial"/>
-        <a:defRPr b="0" i="0" sz="1400" u="none" cap="none" strike="noStrike">
+        <a:defRPr sz="1400" b="0" i="0" u="none" strike="noStrike" cap="none">
           <a:solidFill>
             <a:srgbClr val="000000"/>
           </a:solidFill>
@@ -11587,11 +11894,11 @@
 </file>
 
 <file path=ppt/slides/slide1.xml><?xml version="1.0" encoding="utf-8"?>
-<p:sld xmlns:a="http://schemas.openxmlformats.org/drawingml/2006/main" xmlns:r="http://schemas.openxmlformats.org/officeDocument/2006/relationships" xmlns:mc="http://schemas.openxmlformats.org/markup-compatibility/2006" xmlns:mv="urn:schemas-microsoft-com:mac:vml" xmlns:p="http://schemas.openxmlformats.org/presentationml/2006/main" xmlns:c="http://schemas.openxmlformats.org/drawingml/2006/chart" xmlns:dgm="http://schemas.openxmlformats.org/drawingml/2006/diagram" xmlns:o="urn:schemas-microsoft-com:office:office" xmlns:v="urn:schemas-microsoft-com:vml" xmlns:pvml="urn:schemas-microsoft-com:office:powerpoint" xmlns:com="http://schemas.openxmlformats.org/drawingml/2006/compatibility" xmlns:p14="http://schemas.microsoft.com/office/powerpoint/2010/main" xmlns:p15="http://schemas.microsoft.com/office/powerpoint/2012/main" xmlns:ahyp="http://schemas.microsoft.com/office/drawing/2018/hyperlinkcolor">
+<p:sld xmlns:a="http://schemas.openxmlformats.org/drawingml/2006/main" xmlns:r="http://schemas.openxmlformats.org/officeDocument/2006/relationships" xmlns:p="http://schemas.openxmlformats.org/presentationml/2006/main">
   <p:cSld>
     <p:spTree>
       <p:nvGrpSpPr>
-        <p:cNvPr id="83" name="Shape 83"/>
+        <p:cNvPr id="1" name="Shape 83"/>
         <p:cNvGrpSpPr/>
         <p:nvPr/>
       </p:nvGrpSpPr>
@@ -11611,8 +11918,8 @@
         </p:nvSpPr>
         <p:spPr>
           <a:xfrm>
-            <a:off x="-166925" y="-121800"/>
-            <a:ext cx="3077400" cy="7128300"/>
+            <a:off x="0" y="0"/>
+            <a:ext cx="3077400" cy="6858000"/>
           </a:xfrm>
           <a:prstGeom prst="rect">
             <a:avLst/>
@@ -11622,23 +11929,23 @@
               <a:alpha val="50000"/>
             </a:srgbClr>
           </a:solidFill>
-          <a:ln cap="flat" cmpd="sng" w="28575">
+          <a:ln w="28575" cap="flat" cmpd="sng">
             <a:solidFill>
               <a:srgbClr val="FF2D75"/>
             </a:solidFill>
             <a:prstDash val="solid"/>
             <a:round/>
-            <a:headEnd len="sm" w="sm" type="none"/>
-            <a:tailEnd len="sm" w="sm" type="none"/>
+            <a:headEnd type="none" w="sm" len="sm"/>
+            <a:tailEnd type="none" w="sm" len="sm"/>
           </a:ln>
         </p:spPr>
         <p:txBody>
-          <a:bodyPr anchorCtr="0" anchor="ctr" bIns="91425" lIns="91425" spcFirstLastPara="1" rIns="91425" wrap="square" tIns="91425">
+          <a:bodyPr spcFirstLastPara="1" wrap="square" lIns="91425" tIns="91425" rIns="91425" bIns="91425" anchor="ctr" anchorCtr="0">
             <a:noAutofit/>
           </a:bodyPr>
           <a:lstStyle/>
           <a:p>
-            <a:pPr indent="0" lvl="0" marL="0" rtl="0" algn="ctr">
+            <a:pPr marL="0" lvl="0" indent="0" algn="ctr" rtl="0">
               <a:spcBef>
                 <a:spcPts val="0"/>
               </a:spcBef>
@@ -11647,9 +11954,6 @@
               </a:spcAft>
               <a:buNone/>
             </a:pPr>
-            <a:r>
-              <a:t/>
-            </a:r>
             <a:endParaRPr>
               <a:latin typeface="Calibri"/>
               <a:ea typeface="Calibri"/>
@@ -11661,7 +11965,7 @@
       </p:sp>
       <p:pic>
         <p:nvPicPr>
-          <p:cNvPr descr="LOGO_BoostMe.png" id="85" name="Google Shape;85;p13"/>
+          <p:cNvPr id="85" name="Google Shape;85;p13" descr="LOGO_BoostMe.png"/>
           <p:cNvPicPr preferRelativeResize="0"/>
           <p:nvPr/>
         </p:nvPicPr>
@@ -11669,7 +11973,7 @@
           <a:blip r:embed="rId3">
             <a:alphaModFix/>
           </a:blip>
-          <a:srcRect b="0" l="0" r="0" t="0"/>
+          <a:srcRect/>
           <a:stretch/>
         </p:blipFill>
         <p:spPr>
@@ -11685,7 +11989,7 @@
             <a:noFill/>
           </a:ln>
           <a:effectLst>
-            <a:outerShdw blurRad="57150" rotWithShape="0" algn="bl" dir="5400000" dist="180975">
+            <a:outerShdw blurRad="57150" dist="180975" dir="5400000" algn="bl" rotWithShape="0">
               <a:srgbClr val="000000">
                 <a:alpha val="78000"/>
               </a:srgbClr>
@@ -11713,12 +12017,12 @@
           </a:ln>
         </p:spPr>
         <p:txBody>
-          <a:bodyPr anchorCtr="0" anchor="t" bIns="45700" lIns="91425" spcFirstLastPara="1" rIns="91425" wrap="square" tIns="45700">
+          <a:bodyPr spcFirstLastPara="1" wrap="square" lIns="91425" tIns="45700" rIns="91425" bIns="45700" anchor="t" anchorCtr="0">
             <a:spAutoFit/>
           </a:bodyPr>
           <a:lstStyle/>
           <a:p>
-            <a:pPr indent="0" lvl="0" marL="0" marR="0" rtl="0" algn="l">
+            <a:pPr marL="0" marR="0" lvl="0" indent="0" algn="l" rtl="0">
               <a:spcBef>
                 <a:spcPts val="0"/>
               </a:spcBef>
@@ -11728,7 +12032,7 @@
               <a:buNone/>
             </a:pPr>
             <a:r>
-              <a:rPr b="1" lang="en-US" sz="5300">
+              <a:rPr lang="en-US" sz="5300" b="1">
                 <a:solidFill>
                   <a:schemeClr val="lt1"/>
                 </a:solidFill>
@@ -11767,12 +12071,12 @@
           </a:ln>
         </p:spPr>
         <p:txBody>
-          <a:bodyPr anchorCtr="0" anchor="t" bIns="45700" lIns="91425" spcFirstLastPara="1" rIns="91425" wrap="square" tIns="45700">
+          <a:bodyPr spcFirstLastPara="1" wrap="square" lIns="91425" tIns="45700" rIns="91425" bIns="45700" anchor="t" anchorCtr="0">
             <a:spAutoFit/>
           </a:bodyPr>
           <a:lstStyle/>
           <a:p>
-            <a:pPr indent="0" lvl="0" marL="0" rtl="0" algn="l">
+            <a:pPr marL="0" lvl="0" indent="0" algn="l" rtl="0">
               <a:spcBef>
                 <a:spcPts val="0"/>
               </a:spcBef>
@@ -11814,11 +12118,11 @@
 </file>
 
 <file path=ppt/slides/slide10.xml><?xml version="1.0" encoding="utf-8"?>
-<p:sld xmlns:a="http://schemas.openxmlformats.org/drawingml/2006/main" xmlns:r="http://schemas.openxmlformats.org/officeDocument/2006/relationships" xmlns:mc="http://schemas.openxmlformats.org/markup-compatibility/2006" xmlns:mv="urn:schemas-microsoft-com:mac:vml" xmlns:p="http://schemas.openxmlformats.org/presentationml/2006/main" xmlns:c="http://schemas.openxmlformats.org/drawingml/2006/chart" xmlns:dgm="http://schemas.openxmlformats.org/drawingml/2006/diagram" xmlns:o="urn:schemas-microsoft-com:office:office" xmlns:v="urn:schemas-microsoft-com:vml" xmlns:pvml="urn:schemas-microsoft-com:office:powerpoint" xmlns:com="http://schemas.openxmlformats.org/drawingml/2006/compatibility" xmlns:p14="http://schemas.microsoft.com/office/powerpoint/2010/main" xmlns:p15="http://schemas.microsoft.com/office/powerpoint/2012/main" xmlns:ahyp="http://schemas.microsoft.com/office/drawing/2018/hyperlinkcolor">
+<p:sld xmlns:a="http://schemas.openxmlformats.org/drawingml/2006/main" xmlns:r="http://schemas.openxmlformats.org/officeDocument/2006/relationships" xmlns:p="http://schemas.openxmlformats.org/presentationml/2006/main">
   <p:cSld>
     <p:spTree>
       <p:nvGrpSpPr>
-        <p:cNvPr id="151" name="Shape 151"/>
+        <p:cNvPr id="1" name="Shape 151"/>
         <p:cNvGrpSpPr/>
         <p:nvPr/>
       </p:nvGrpSpPr>
@@ -11854,12 +12158,12 @@
           </a:ln>
         </p:spPr>
         <p:txBody>
-          <a:bodyPr anchorCtr="0" anchor="ctr" bIns="91425" lIns="91425" spcFirstLastPara="1" rIns="91425" wrap="square" tIns="91425">
+          <a:bodyPr spcFirstLastPara="1" wrap="square" lIns="91425" tIns="91425" rIns="91425" bIns="91425" anchor="ctr" anchorCtr="0">
             <a:noAutofit/>
           </a:bodyPr>
           <a:lstStyle/>
           <a:p>
-            <a:pPr indent="0" lvl="0" marL="0" rtl="0" algn="ctr">
+            <a:pPr marL="0" lvl="0" indent="0" algn="ctr" rtl="0">
               <a:spcBef>
                 <a:spcPts val="0"/>
               </a:spcBef>
@@ -11868,9 +12172,6 @@
               </a:spcAft>
               <a:buNone/>
             </a:pPr>
-            <a:r>
-              <a:t/>
-            </a:r>
             <a:endParaRPr>
               <a:latin typeface="Calibri"/>
               <a:ea typeface="Calibri"/>
@@ -11900,12 +12201,12 @@
           </a:ln>
         </p:spPr>
         <p:txBody>
-          <a:bodyPr anchorCtr="0" anchor="t" bIns="45700" lIns="91425" spcFirstLastPara="1" rIns="91425" wrap="square" tIns="45700">
+          <a:bodyPr spcFirstLastPara="1" wrap="square" lIns="91425" tIns="45700" rIns="91425" bIns="45700" anchor="t" anchorCtr="0">
             <a:spAutoFit/>
           </a:bodyPr>
           <a:lstStyle/>
           <a:p>
-            <a:pPr indent="0" lvl="0" marL="0" marR="0" rtl="0" algn="ctr">
+            <a:pPr marL="0" marR="0" lvl="0" indent="0" algn="ctr" rtl="0">
               <a:spcBef>
                 <a:spcPts val="0"/>
               </a:spcBef>
@@ -11915,7 +12216,7 @@
               <a:buNone/>
             </a:pPr>
             <a:r>
-              <a:rPr b="1" lang="en-US" sz="4000">
+              <a:rPr lang="en-US" sz="4000" b="1">
                 <a:solidFill>
                   <a:srgbClr val="FF8C00"/>
                 </a:solidFill>
@@ -11932,7 +12233,7 @@
       </p:sp>
       <p:pic>
         <p:nvPicPr>
-          <p:cNvPr descr="LOGO_BoostMe.png" id="154" name="Google Shape;154;p22"/>
+          <p:cNvPr id="154" name="Google Shape;154;p22" descr="LOGO_BoostMe.png"/>
           <p:cNvPicPr preferRelativeResize="0"/>
           <p:nvPr/>
         </p:nvPicPr>
@@ -11940,7 +12241,7 @@
           <a:blip r:embed="rId3">
             <a:alphaModFix/>
           </a:blip>
-          <a:srcRect b="0" l="0" r="0" t="0"/>
+          <a:srcRect/>
           <a:stretch/>
         </p:blipFill>
         <p:spPr>
@@ -11956,7 +12257,7 @@
             <a:noFill/>
           </a:ln>
           <a:effectLst>
-            <a:outerShdw blurRad="157163" rotWithShape="0" algn="bl" dir="5400000" dist="66675">
+            <a:outerShdw blurRad="157163" dist="66675" dir="5400000" algn="bl" rotWithShape="0">
               <a:srgbClr val="000000">
                 <a:alpha val="68000"/>
               </a:srgbClr>
@@ -11973,11 +12274,11 @@
 </file>
 
 <file path=ppt/slides/slide11.xml><?xml version="1.0" encoding="utf-8"?>
-<p:sld xmlns:a="http://schemas.openxmlformats.org/drawingml/2006/main" xmlns:r="http://schemas.openxmlformats.org/officeDocument/2006/relationships" xmlns:mc="http://schemas.openxmlformats.org/markup-compatibility/2006" xmlns:mv="urn:schemas-microsoft-com:mac:vml" xmlns:p="http://schemas.openxmlformats.org/presentationml/2006/main" xmlns:c="http://schemas.openxmlformats.org/drawingml/2006/chart" xmlns:dgm="http://schemas.openxmlformats.org/drawingml/2006/diagram" xmlns:o="urn:schemas-microsoft-com:office:office" xmlns:v="urn:schemas-microsoft-com:vml" xmlns:pvml="urn:schemas-microsoft-com:office:powerpoint" xmlns:com="http://schemas.openxmlformats.org/drawingml/2006/compatibility" xmlns:p14="http://schemas.microsoft.com/office/powerpoint/2010/main" xmlns:p15="http://schemas.microsoft.com/office/powerpoint/2012/main" xmlns:ahyp="http://schemas.microsoft.com/office/drawing/2018/hyperlinkcolor">
+<p:sld xmlns:a="http://schemas.openxmlformats.org/drawingml/2006/main" xmlns:r="http://schemas.openxmlformats.org/officeDocument/2006/relationships" xmlns:p="http://schemas.openxmlformats.org/presentationml/2006/main">
   <p:cSld>
     <p:spTree>
       <p:nvGrpSpPr>
-        <p:cNvPr id="158" name="Shape 158"/>
+        <p:cNvPr id="1" name="Shape 158"/>
         <p:cNvGrpSpPr/>
         <p:nvPr/>
       </p:nvGrpSpPr>
@@ -12009,12 +12310,12 @@
           </a:ln>
         </p:spPr>
         <p:txBody>
-          <a:bodyPr anchorCtr="0" anchor="t" bIns="45700" lIns="91425" spcFirstLastPara="1" rIns="91425" wrap="square" tIns="45700">
+          <a:bodyPr spcFirstLastPara="1" wrap="square" lIns="91425" tIns="45700" rIns="91425" bIns="45700" anchor="t" anchorCtr="0">
             <a:spAutoFit/>
           </a:bodyPr>
           <a:lstStyle/>
           <a:p>
-            <a:pPr indent="0" lvl="0" marL="0" marR="0" rtl="0" algn="l">
+            <a:pPr marL="0" marR="0" lvl="0" indent="0" algn="l" rtl="0">
               <a:spcBef>
                 <a:spcPts val="0"/>
               </a:spcBef>
@@ -12024,7 +12325,7 @@
               <a:buNone/>
             </a:pPr>
             <a:r>
-              <a:rPr b="1" lang="en-US" sz="3000">
+              <a:rPr lang="en-US" sz="3000" b="1">
                 <a:solidFill>
                   <a:srgbClr val="FF8C00"/>
                 </a:solidFill>
@@ -12052,23 +12353,23 @@
           </a:xfrm>
           <a:prstGeom prst="roundRect">
             <a:avLst>
-              <a:gd fmla="val 16667" name="adj"/>
+              <a:gd name="adj" fmla="val 16667"/>
             </a:avLst>
           </a:prstGeom>
           <a:solidFill>
             <a:srgbClr val="E6E6E6"/>
           </a:solidFill>
-          <a:ln cap="flat" cmpd="sng" w="9525">
+          <a:ln w="9525" cap="flat" cmpd="sng">
             <a:solidFill>
               <a:srgbClr val="FF2D75"/>
             </a:solidFill>
             <a:prstDash val="solid"/>
             <a:round/>
-            <a:headEnd len="sm" w="sm" type="none"/>
-            <a:tailEnd len="sm" w="sm" type="none"/>
+            <a:headEnd type="none" w="sm" len="sm"/>
+            <a:tailEnd type="none" w="sm" len="sm"/>
           </a:ln>
           <a:effectLst>
-            <a:outerShdw blurRad="40000" rotWithShape="0" dir="5400000" dist="23000">
+            <a:outerShdw blurRad="40000" dist="23000" dir="5400000" rotWithShape="0">
               <a:srgbClr val="000000">
                 <a:alpha val="34900"/>
               </a:srgbClr>
@@ -12076,12 +12377,12 @@
           </a:effectLst>
         </p:spPr>
         <p:txBody>
-          <a:bodyPr anchorCtr="0" anchor="ctr" bIns="45700" lIns="91425" spcFirstLastPara="1" rIns="91425" wrap="square" tIns="45700">
+          <a:bodyPr spcFirstLastPara="1" wrap="square" lIns="91425" tIns="45700" rIns="91425" bIns="45700" anchor="ctr" anchorCtr="0">
             <a:noAutofit/>
           </a:bodyPr>
           <a:lstStyle/>
           <a:p>
-            <a:pPr indent="0" lvl="0" marL="0" marR="0" rtl="0" algn="ctr">
+            <a:pPr marL="0" marR="0" lvl="0" indent="0" algn="ctr" rtl="0">
               <a:spcBef>
                 <a:spcPts val="0"/>
               </a:spcBef>
@@ -12090,9 +12391,6 @@
               </a:spcAft>
               <a:buNone/>
             </a:pPr>
-            <a:r>
-              <a:t/>
-            </a:r>
             <a:endParaRPr sz="1800">
               <a:solidFill>
                 <a:schemeClr val="dk1"/>
@@ -12125,12 +12423,12 @@
           </a:ln>
         </p:spPr>
         <p:txBody>
-          <a:bodyPr anchorCtr="0" anchor="t" bIns="45700" lIns="91425" spcFirstLastPara="1" rIns="91425" wrap="square" tIns="45700">
+          <a:bodyPr spcFirstLastPara="1" wrap="square" lIns="91425" tIns="45700" rIns="91425" bIns="45700" anchor="t" anchorCtr="0">
             <a:spAutoFit/>
           </a:bodyPr>
           <a:lstStyle/>
           <a:p>
-            <a:pPr indent="0" lvl="0" marL="0" marR="0" rtl="0" algn="l">
+            <a:pPr marL="0" marR="0" lvl="0" indent="0" algn="l" rtl="0">
               <a:spcBef>
                 <a:spcPts val="0"/>
               </a:spcBef>
@@ -12140,7 +12438,7 @@
               <a:buNone/>
             </a:pPr>
             <a:r>
-              <a:rPr b="1" lang="en-US" sz="1800">
+              <a:rPr lang="en-US" sz="1800" b="1">
                 <a:solidFill>
                   <a:schemeClr val="lt1"/>
                 </a:solidFill>
@@ -12168,11 +12466,11 @@
 </file>
 
 <file path=ppt/slides/slide12.xml><?xml version="1.0" encoding="utf-8"?>
-<p:sld xmlns:a="http://schemas.openxmlformats.org/drawingml/2006/main" xmlns:r="http://schemas.openxmlformats.org/officeDocument/2006/relationships" xmlns:mc="http://schemas.openxmlformats.org/markup-compatibility/2006" xmlns:mv="urn:schemas-microsoft-com:mac:vml" xmlns:p="http://schemas.openxmlformats.org/presentationml/2006/main" xmlns:c="http://schemas.openxmlformats.org/drawingml/2006/chart" xmlns:dgm="http://schemas.openxmlformats.org/drawingml/2006/diagram" xmlns:o="urn:schemas-microsoft-com:office:office" xmlns:v="urn:schemas-microsoft-com:vml" xmlns:pvml="urn:schemas-microsoft-com:office:powerpoint" xmlns:com="http://schemas.openxmlformats.org/drawingml/2006/compatibility" xmlns:p14="http://schemas.microsoft.com/office/powerpoint/2010/main" xmlns:p15="http://schemas.microsoft.com/office/powerpoint/2012/main" xmlns:ahyp="http://schemas.microsoft.com/office/drawing/2018/hyperlinkcolor">
+<p:sld xmlns:a="http://schemas.openxmlformats.org/drawingml/2006/main" xmlns:r="http://schemas.openxmlformats.org/officeDocument/2006/relationships" xmlns:p="http://schemas.openxmlformats.org/presentationml/2006/main">
   <p:cSld>
     <p:spTree>
       <p:nvGrpSpPr>
-        <p:cNvPr id="165" name="Shape 165"/>
+        <p:cNvPr id="1" name="Shape 165"/>
         <p:cNvGrpSpPr/>
         <p:nvPr/>
       </p:nvGrpSpPr>
@@ -12201,23 +12499,23 @@
           <a:solidFill>
             <a:schemeClr val="lt2"/>
           </a:solidFill>
-          <a:ln cap="flat" cmpd="sng" w="9525">
+          <a:ln w="9525" cap="flat" cmpd="sng">
             <a:solidFill>
               <a:schemeClr val="dk2"/>
             </a:solidFill>
             <a:prstDash val="solid"/>
             <a:round/>
-            <a:headEnd len="sm" w="sm" type="none"/>
-            <a:tailEnd len="sm" w="sm" type="none"/>
+            <a:headEnd type="none" w="sm" len="sm"/>
+            <a:tailEnd type="none" w="sm" len="sm"/>
           </a:ln>
         </p:spPr>
         <p:txBody>
-          <a:bodyPr anchorCtr="0" anchor="ctr" bIns="91425" lIns="91425" spcFirstLastPara="1" rIns="91425" wrap="square" tIns="91425">
+          <a:bodyPr spcFirstLastPara="1" wrap="square" lIns="91425" tIns="91425" rIns="91425" bIns="91425" anchor="ctr" anchorCtr="0">
             <a:noAutofit/>
           </a:bodyPr>
           <a:lstStyle/>
           <a:p>
-            <a:pPr indent="0" lvl="0" marL="0" rtl="0" algn="ctr">
+            <a:pPr marL="0" lvl="0" indent="0" algn="ctr" rtl="0">
               <a:spcBef>
                 <a:spcPts val="0"/>
               </a:spcBef>
@@ -12226,9 +12524,6 @@
               </a:spcAft>
               <a:buNone/>
             </a:pPr>
-            <a:r>
-              <a:t/>
-            </a:r>
             <a:endParaRPr>
               <a:latin typeface="Calibri"/>
               <a:ea typeface="Calibri"/>
@@ -12240,7 +12535,7 @@
       </p:sp>
       <p:pic>
         <p:nvPicPr>
-          <p:cNvPr descr="LOGO_BoostMe.png" id="167" name="Google Shape;167;p24"/>
+          <p:cNvPr id="167" name="Google Shape;167;p24" descr="LOGO_BoostMe.png"/>
           <p:cNvPicPr preferRelativeResize="0"/>
           <p:nvPr/>
         </p:nvPicPr>
@@ -12248,7 +12543,7 @@
           <a:blip r:embed="rId3">
             <a:alphaModFix/>
           </a:blip>
-          <a:srcRect b="0" l="0" r="0" t="0"/>
+          <a:srcRect/>
           <a:stretch/>
         </p:blipFill>
         <p:spPr>
@@ -12264,7 +12559,7 @@
             <a:noFill/>
           </a:ln>
           <a:effectLst>
-            <a:outerShdw blurRad="157163" rotWithShape="0" algn="bl" dir="5400000" dist="66675">
+            <a:outerShdw blurRad="157163" dist="66675" dir="5400000" algn="bl" rotWithShape="0">
               <a:srgbClr val="000000">
                 <a:alpha val="68000"/>
               </a:srgbClr>
@@ -12292,12 +12587,12 @@
           </a:ln>
         </p:spPr>
         <p:txBody>
-          <a:bodyPr anchorCtr="0" anchor="t" bIns="45700" lIns="91425" spcFirstLastPara="1" rIns="91425" wrap="square" tIns="45700">
+          <a:bodyPr spcFirstLastPara="1" wrap="square" lIns="91425" tIns="45700" rIns="91425" bIns="45700" anchor="t" anchorCtr="0">
             <a:spAutoFit/>
           </a:bodyPr>
           <a:lstStyle/>
           <a:p>
-            <a:pPr indent="0" lvl="0" marL="0" marR="0" rtl="0" algn="l">
+            <a:pPr marL="0" marR="0" lvl="0" indent="0" algn="l" rtl="0">
               <a:spcBef>
                 <a:spcPts val="0"/>
               </a:spcBef>
@@ -12307,7 +12602,7 @@
               <a:buNone/>
             </a:pPr>
             <a:r>
-              <a:rPr b="1" lang="en-US" sz="3000">
+              <a:rPr lang="en-US" sz="3000" b="1">
                 <a:solidFill>
                   <a:srgbClr val="FF8C00"/>
                 </a:solidFill>
@@ -12342,12 +12637,12 @@
           </a:ln>
         </p:spPr>
         <p:txBody>
-          <a:bodyPr anchorCtr="0" anchor="t" bIns="45700" lIns="91425" spcFirstLastPara="1" rIns="91425" wrap="square" tIns="45700">
+          <a:bodyPr spcFirstLastPara="1" wrap="square" lIns="91425" tIns="45700" rIns="91425" bIns="45700" anchor="t" anchorCtr="0">
             <a:spAutoFit/>
           </a:bodyPr>
           <a:lstStyle/>
           <a:p>
-            <a:pPr indent="0" lvl="0" marL="0" marR="0" rtl="0" algn="l">
+            <a:pPr marL="0" marR="0" lvl="0" indent="0" algn="l" rtl="0">
               <a:spcBef>
                 <a:spcPts val="0"/>
               </a:spcBef>
@@ -12357,7 +12652,7 @@
               <a:buNone/>
             </a:pPr>
             <a:r>
-              <a:rPr b="1" lang="en-US" sz="2000">
+              <a:rPr lang="en-US" sz="2000" b="1">
                 <a:solidFill>
                   <a:schemeClr val="dk1"/>
                 </a:solidFill>
@@ -12375,7 +12670,7 @@
             </a:endParaRPr>
           </a:p>
           <a:p>
-            <a:pPr indent="0" lvl="0" marL="0" marR="0" rtl="0" algn="l">
+            <a:pPr marL="0" marR="0" lvl="0" indent="0" algn="l" rtl="0">
               <a:spcBef>
                 <a:spcPts val="0"/>
               </a:spcBef>
@@ -12385,7 +12680,7 @@
               <a:buNone/>
             </a:pPr>
             <a:r>
-              <a:rPr b="1" lang="en-US" sz="2000">
+              <a:rPr lang="en-US" sz="2000" b="1">
                 <a:solidFill>
                   <a:schemeClr val="dk1"/>
                 </a:solidFill>
@@ -12403,7 +12698,7 @@
             </a:endParaRPr>
           </a:p>
           <a:p>
-            <a:pPr indent="0" lvl="0" marL="0" marR="0" rtl="0" algn="l">
+            <a:pPr marL="0" marR="0" lvl="0" indent="0" algn="l" rtl="0">
               <a:spcBef>
                 <a:spcPts val="0"/>
               </a:spcBef>
@@ -12413,7 +12708,7 @@
               <a:buNone/>
             </a:pPr>
             <a:r>
-              <a:rPr b="1" lang="en-US" sz="2000">
+              <a:rPr lang="en-US" sz="2000" b="1">
                 <a:solidFill>
                   <a:schemeClr val="dk1"/>
                 </a:solidFill>
@@ -12431,7 +12726,7 @@
             </a:endParaRPr>
           </a:p>
           <a:p>
-            <a:pPr indent="0" lvl="0" marL="0" marR="0" rtl="0" algn="l">
+            <a:pPr marL="0" marR="0" lvl="0" indent="0" algn="l" rtl="0">
               <a:spcBef>
                 <a:spcPts val="0"/>
               </a:spcBef>
@@ -12441,7 +12736,7 @@
               <a:buNone/>
             </a:pPr>
             <a:r>
-              <a:rPr b="1" lang="en-US" sz="2000">
+              <a:rPr lang="en-US" sz="2000" b="1">
                 <a:solidFill>
                   <a:schemeClr val="dk1"/>
                 </a:solidFill>
@@ -12469,11 +12764,11 @@
 </file>
 
 <file path=ppt/slides/slide13.xml><?xml version="1.0" encoding="utf-8"?>
-<p:sld xmlns:a="http://schemas.openxmlformats.org/drawingml/2006/main" xmlns:r="http://schemas.openxmlformats.org/officeDocument/2006/relationships" xmlns:mc="http://schemas.openxmlformats.org/markup-compatibility/2006" xmlns:mv="urn:schemas-microsoft-com:mac:vml" xmlns:p="http://schemas.openxmlformats.org/presentationml/2006/main" xmlns:c="http://schemas.openxmlformats.org/drawingml/2006/chart" xmlns:dgm="http://schemas.openxmlformats.org/drawingml/2006/diagram" xmlns:o="urn:schemas-microsoft-com:office:office" xmlns:v="urn:schemas-microsoft-com:vml" xmlns:pvml="urn:schemas-microsoft-com:office:powerpoint" xmlns:com="http://schemas.openxmlformats.org/drawingml/2006/compatibility" xmlns:p14="http://schemas.microsoft.com/office/powerpoint/2010/main" xmlns:p15="http://schemas.microsoft.com/office/powerpoint/2012/main" xmlns:ahyp="http://schemas.microsoft.com/office/drawing/2018/hyperlinkcolor">
+<p:sld xmlns:a="http://schemas.openxmlformats.org/drawingml/2006/main" xmlns:r="http://schemas.openxmlformats.org/officeDocument/2006/relationships" xmlns:p="http://schemas.openxmlformats.org/presentationml/2006/main">
   <p:cSld>
     <p:spTree>
       <p:nvGrpSpPr>
-        <p:cNvPr id="173" name="Shape 173"/>
+        <p:cNvPr id="1" name="Shape 173"/>
         <p:cNvGrpSpPr/>
         <p:nvPr/>
       </p:nvGrpSpPr>
@@ -12502,23 +12797,23 @@
           <a:solidFill>
             <a:schemeClr val="lt2"/>
           </a:solidFill>
-          <a:ln cap="flat" cmpd="sng" w="9525">
+          <a:ln w="9525" cap="flat" cmpd="sng">
             <a:solidFill>
               <a:schemeClr val="dk2"/>
             </a:solidFill>
             <a:prstDash val="solid"/>
             <a:round/>
-            <a:headEnd len="sm" w="sm" type="none"/>
-            <a:tailEnd len="sm" w="sm" type="none"/>
+            <a:headEnd type="none" w="sm" len="sm"/>
+            <a:tailEnd type="none" w="sm" len="sm"/>
           </a:ln>
         </p:spPr>
         <p:txBody>
-          <a:bodyPr anchorCtr="0" anchor="ctr" bIns="91425" lIns="91425" spcFirstLastPara="1" rIns="91425" wrap="square" tIns="91425">
+          <a:bodyPr spcFirstLastPara="1" wrap="square" lIns="91425" tIns="91425" rIns="91425" bIns="91425" anchor="ctr" anchorCtr="0">
             <a:noAutofit/>
           </a:bodyPr>
           <a:lstStyle/>
           <a:p>
-            <a:pPr indent="0" lvl="0" marL="0" rtl="0" algn="ctr">
+            <a:pPr marL="0" lvl="0" indent="0" algn="ctr" rtl="0">
               <a:spcBef>
                 <a:spcPts val="0"/>
               </a:spcBef>
@@ -12527,9 +12822,6 @@
               </a:spcAft>
               <a:buNone/>
             </a:pPr>
-            <a:r>
-              <a:t/>
-            </a:r>
             <a:endParaRPr>
               <a:latin typeface="Calibri"/>
               <a:ea typeface="Calibri"/>
@@ -12541,7 +12833,7 @@
       </p:sp>
       <p:pic>
         <p:nvPicPr>
-          <p:cNvPr descr="LOGO_BoostMe.png" id="175" name="Google Shape;175;p25"/>
+          <p:cNvPr id="175" name="Google Shape;175;p25" descr="LOGO_BoostMe.png"/>
           <p:cNvPicPr preferRelativeResize="0"/>
           <p:nvPr/>
         </p:nvPicPr>
@@ -12549,7 +12841,7 @@
           <a:blip r:embed="rId3">
             <a:alphaModFix/>
           </a:blip>
-          <a:srcRect b="0" l="0" r="0" t="0"/>
+          <a:srcRect/>
           <a:stretch/>
         </p:blipFill>
         <p:spPr>
@@ -12565,7 +12857,7 @@
             <a:noFill/>
           </a:ln>
           <a:effectLst>
-            <a:outerShdw blurRad="157163" rotWithShape="0" algn="bl" dir="5400000" dist="66675">
+            <a:outerShdw blurRad="157163" dist="66675" dir="5400000" algn="bl" rotWithShape="0">
               <a:srgbClr val="000000">
                 <a:alpha val="68000"/>
               </a:srgbClr>
@@ -12593,12 +12885,12 @@
           </a:ln>
         </p:spPr>
         <p:txBody>
-          <a:bodyPr anchorCtr="0" anchor="t" bIns="45700" lIns="91425" spcFirstLastPara="1" rIns="91425" wrap="square" tIns="45700">
+          <a:bodyPr spcFirstLastPara="1" wrap="square" lIns="91425" tIns="45700" rIns="91425" bIns="45700" anchor="t" anchorCtr="0">
             <a:spAutoFit/>
           </a:bodyPr>
           <a:lstStyle/>
           <a:p>
-            <a:pPr indent="0" lvl="0" marL="0" marR="0" rtl="0" algn="l">
+            <a:pPr marL="0" marR="0" lvl="0" indent="0" algn="l" rtl="0">
               <a:spcBef>
                 <a:spcPts val="0"/>
               </a:spcBef>
@@ -12608,7 +12900,7 @@
               <a:buNone/>
             </a:pPr>
             <a:r>
-              <a:rPr b="1" lang="en-US" sz="3000">
+              <a:rPr lang="en-US" sz="3000" b="1">
                 <a:solidFill>
                   <a:srgbClr val="FF8C00"/>
                 </a:solidFill>
@@ -12643,12 +12935,12 @@
           </a:ln>
         </p:spPr>
         <p:txBody>
-          <a:bodyPr anchorCtr="0" anchor="t" bIns="45700" lIns="91425" spcFirstLastPara="1" rIns="91425" wrap="square" tIns="45700">
+          <a:bodyPr spcFirstLastPara="1" wrap="square" lIns="91425" tIns="45700" rIns="91425" bIns="45700" anchor="t" anchorCtr="0">
             <a:spAutoFit/>
           </a:bodyPr>
           <a:lstStyle/>
           <a:p>
-            <a:pPr indent="0" lvl="0" marL="0" marR="0" rtl="0" algn="l">
+            <a:pPr marL="0" marR="0" lvl="0" indent="0" algn="l" rtl="0">
               <a:spcBef>
                 <a:spcPts val="0"/>
               </a:spcBef>
@@ -12658,7 +12950,7 @@
               <a:buNone/>
             </a:pPr>
             <a:r>
-              <a:rPr b="1" lang="en-US" sz="2000">
+              <a:rPr lang="en-US" sz="2000" b="1">
                 <a:solidFill>
                   <a:schemeClr val="dk1"/>
                 </a:solidFill>
@@ -12676,7 +12968,7 @@
             </a:endParaRPr>
           </a:p>
           <a:p>
-            <a:pPr indent="0" lvl="0" marL="0" marR="0" rtl="0" algn="l">
+            <a:pPr marL="0" marR="0" lvl="0" indent="0" algn="l" rtl="0">
               <a:spcBef>
                 <a:spcPts val="0"/>
               </a:spcBef>
@@ -12686,7 +12978,7 @@
               <a:buNone/>
             </a:pPr>
             <a:r>
-              <a:rPr b="1" lang="en-US" sz="2000">
+              <a:rPr lang="en-US" sz="2000" b="1">
                 <a:solidFill>
                   <a:schemeClr val="dk1"/>
                 </a:solidFill>
@@ -12704,7 +12996,7 @@
             </a:endParaRPr>
           </a:p>
           <a:p>
-            <a:pPr indent="0" lvl="0" marL="0" marR="0" rtl="0" algn="l">
+            <a:pPr marL="0" marR="0" lvl="0" indent="0" algn="l" rtl="0">
               <a:spcBef>
                 <a:spcPts val="0"/>
               </a:spcBef>
@@ -12714,7 +13006,7 @@
               <a:buNone/>
             </a:pPr>
             <a:r>
-              <a:rPr b="1" lang="en-US" sz="2000">
+              <a:rPr lang="en-US" sz="2000" b="1">
                 <a:solidFill>
                   <a:schemeClr val="dk1"/>
                 </a:solidFill>
@@ -12742,11 +13034,11 @@
 </file>
 
 <file path=ppt/slides/slide2.xml><?xml version="1.0" encoding="utf-8"?>
-<p:sld xmlns:a="http://schemas.openxmlformats.org/drawingml/2006/main" xmlns:r="http://schemas.openxmlformats.org/officeDocument/2006/relationships" xmlns:mc="http://schemas.openxmlformats.org/markup-compatibility/2006" xmlns:mv="urn:schemas-microsoft-com:mac:vml" xmlns:p="http://schemas.openxmlformats.org/presentationml/2006/main" xmlns:c="http://schemas.openxmlformats.org/drawingml/2006/chart" xmlns:dgm="http://schemas.openxmlformats.org/drawingml/2006/diagram" xmlns:o="urn:schemas-microsoft-com:office:office" xmlns:v="urn:schemas-microsoft-com:vml" xmlns:pvml="urn:schemas-microsoft-com:office:powerpoint" xmlns:com="http://schemas.openxmlformats.org/drawingml/2006/compatibility" xmlns:p14="http://schemas.microsoft.com/office/powerpoint/2010/main" xmlns:p15="http://schemas.microsoft.com/office/powerpoint/2012/main" xmlns:ahyp="http://schemas.microsoft.com/office/drawing/2018/hyperlinkcolor">
+<p:sld xmlns:a="http://schemas.openxmlformats.org/drawingml/2006/main" xmlns:r="http://schemas.openxmlformats.org/officeDocument/2006/relationships" xmlns:p="http://schemas.openxmlformats.org/presentationml/2006/main">
   <p:cSld>
     <p:spTree>
       <p:nvGrpSpPr>
-        <p:cNvPr id="91" name="Shape 91"/>
+        <p:cNvPr id="1" name="Shape 91"/>
         <p:cNvGrpSpPr/>
         <p:nvPr/>
       </p:nvGrpSpPr>
@@ -12775,23 +13067,23 @@
           <a:solidFill>
             <a:schemeClr val="lt2"/>
           </a:solidFill>
-          <a:ln cap="flat" cmpd="sng" w="9525">
+          <a:ln w="9525" cap="flat" cmpd="sng">
             <a:solidFill>
               <a:schemeClr val="dk2"/>
             </a:solidFill>
             <a:prstDash val="solid"/>
             <a:round/>
-            <a:headEnd len="sm" w="sm" type="none"/>
-            <a:tailEnd len="sm" w="sm" type="none"/>
+            <a:headEnd type="none" w="sm" len="sm"/>
+            <a:tailEnd type="none" w="sm" len="sm"/>
           </a:ln>
         </p:spPr>
         <p:txBody>
-          <a:bodyPr anchorCtr="0" anchor="ctr" bIns="91425" lIns="91425" spcFirstLastPara="1" rIns="91425" wrap="square" tIns="91425">
+          <a:bodyPr spcFirstLastPara="1" wrap="square" lIns="91425" tIns="91425" rIns="91425" bIns="91425" anchor="ctr" anchorCtr="0">
             <a:noAutofit/>
           </a:bodyPr>
           <a:lstStyle/>
           <a:p>
-            <a:pPr indent="0" lvl="0" marL="0" rtl="0" algn="ctr">
+            <a:pPr marL="0" lvl="0" indent="0" algn="ctr" rtl="0">
               <a:spcBef>
                 <a:spcPts val="0"/>
               </a:spcBef>
@@ -12800,9 +13092,6 @@
               </a:spcAft>
               <a:buNone/>
             </a:pPr>
-            <a:r>
-              <a:t/>
-            </a:r>
             <a:endParaRPr>
               <a:latin typeface="Calibri"/>
               <a:ea typeface="Calibri"/>
@@ -12832,12 +13121,12 @@
           </a:ln>
         </p:spPr>
         <p:txBody>
-          <a:bodyPr anchorCtr="0" anchor="t" bIns="45700" lIns="91425" spcFirstLastPara="1" rIns="91425" wrap="square" tIns="45700">
+          <a:bodyPr spcFirstLastPara="1" wrap="square" lIns="91425" tIns="45700" rIns="91425" bIns="45700" anchor="t" anchorCtr="0">
             <a:spAutoFit/>
           </a:bodyPr>
           <a:lstStyle/>
           <a:p>
-            <a:pPr indent="0" lvl="0" marL="0" marR="0" rtl="0" algn="l">
+            <a:pPr marL="0" marR="0" lvl="0" indent="0" algn="l" rtl="0">
               <a:spcBef>
                 <a:spcPts val="0"/>
               </a:spcBef>
@@ -12847,7 +13136,7 @@
               <a:buNone/>
             </a:pPr>
             <a:r>
-              <a:rPr b="1" lang="en-US" sz="3000">
+              <a:rPr lang="en-US" sz="3000" b="1">
                 <a:solidFill>
                   <a:srgbClr val="FF8C00"/>
                 </a:solidFill>
@@ -12882,12 +13171,12 @@
           </a:ln>
         </p:spPr>
         <p:txBody>
-          <a:bodyPr anchorCtr="0" anchor="t" bIns="45700" lIns="91425" spcFirstLastPara="1" rIns="91425" wrap="square" tIns="45700">
+          <a:bodyPr spcFirstLastPara="1" wrap="square" lIns="91425" tIns="45700" rIns="91425" bIns="45700" anchor="t" anchorCtr="0">
             <a:spAutoFit/>
           </a:bodyPr>
           <a:lstStyle/>
           <a:p>
-            <a:pPr indent="0" lvl="0" marL="0" marR="0" rtl="0" algn="l">
+            <a:pPr marL="0" marR="0" lvl="0" indent="0" algn="l" rtl="0">
               <a:spcBef>
                 <a:spcPts val="0"/>
               </a:spcBef>
@@ -12897,7 +13186,7 @@
               <a:buNone/>
             </a:pPr>
             <a:r>
-              <a:rPr b="1" lang="en-US" sz="2000">
+              <a:rPr lang="en-US" sz="2000" b="1">
                 <a:solidFill>
                   <a:schemeClr val="dk1"/>
                 </a:solidFill>
@@ -12915,7 +13204,7 @@
             </a:endParaRPr>
           </a:p>
           <a:p>
-            <a:pPr indent="0" lvl="0" marL="0" marR="0" rtl="0" algn="l">
+            <a:pPr marL="0" marR="0" lvl="0" indent="0" algn="l" rtl="0">
               <a:spcBef>
                 <a:spcPts val="0"/>
               </a:spcBef>
@@ -12925,7 +13214,7 @@
               <a:buNone/>
             </a:pPr>
             <a:r>
-              <a:rPr b="1" lang="en-US" sz="2000">
+              <a:rPr lang="en-US" sz="2000" b="1">
                 <a:solidFill>
                   <a:schemeClr val="dk1"/>
                 </a:solidFill>
@@ -12943,7 +13232,7 @@
             </a:endParaRPr>
           </a:p>
           <a:p>
-            <a:pPr indent="0" lvl="0" marL="0" marR="0" rtl="0" algn="l">
+            <a:pPr marL="0" marR="0" lvl="0" indent="0" algn="l" rtl="0">
               <a:spcBef>
                 <a:spcPts val="0"/>
               </a:spcBef>
@@ -12953,7 +13242,7 @@
               <a:buNone/>
             </a:pPr>
             <a:r>
-              <a:rPr b="1" lang="en-US" sz="2000">
+              <a:rPr lang="en-US" sz="2000" b="1">
                 <a:solidFill>
                   <a:schemeClr val="dk1"/>
                 </a:solidFill>
@@ -12974,7 +13263,7 @@
       </p:sp>
       <p:pic>
         <p:nvPicPr>
-          <p:cNvPr descr="LOGO_BoostMe.png" id="95" name="Google Shape;95;p14"/>
+          <p:cNvPr id="95" name="Google Shape;95;p14" descr="LOGO_BoostMe.png"/>
           <p:cNvPicPr preferRelativeResize="0"/>
           <p:nvPr/>
         </p:nvPicPr>
@@ -12982,7 +13271,7 @@
           <a:blip r:embed="rId3">
             <a:alphaModFix/>
           </a:blip>
-          <a:srcRect b="0" l="0" r="0" t="0"/>
+          <a:srcRect/>
           <a:stretch/>
         </p:blipFill>
         <p:spPr>
@@ -12998,7 +13287,7 @@
             <a:noFill/>
           </a:ln>
           <a:effectLst>
-            <a:outerShdw blurRad="157163" rotWithShape="0" algn="bl" dir="5400000" dist="66675">
+            <a:outerShdw blurRad="157163" dist="66675" dir="5400000" algn="bl" rotWithShape="0">
               <a:srgbClr val="000000">
                 <a:alpha val="68000"/>
               </a:srgbClr>
@@ -13015,11 +13304,11 @@
 </file>
 
 <file path=ppt/slides/slide3.xml><?xml version="1.0" encoding="utf-8"?>
-<p:sld xmlns:a="http://schemas.openxmlformats.org/drawingml/2006/main" xmlns:r="http://schemas.openxmlformats.org/officeDocument/2006/relationships" xmlns:mc="http://schemas.openxmlformats.org/markup-compatibility/2006" xmlns:mv="urn:schemas-microsoft-com:mac:vml" xmlns:p="http://schemas.openxmlformats.org/presentationml/2006/main" xmlns:c="http://schemas.openxmlformats.org/drawingml/2006/chart" xmlns:dgm="http://schemas.openxmlformats.org/drawingml/2006/diagram" xmlns:o="urn:schemas-microsoft-com:office:office" xmlns:v="urn:schemas-microsoft-com:vml" xmlns:pvml="urn:schemas-microsoft-com:office:powerpoint" xmlns:com="http://schemas.openxmlformats.org/drawingml/2006/compatibility" xmlns:p14="http://schemas.microsoft.com/office/powerpoint/2010/main" xmlns:p15="http://schemas.microsoft.com/office/powerpoint/2012/main" xmlns:ahyp="http://schemas.microsoft.com/office/drawing/2018/hyperlinkcolor">
+<p:sld xmlns:a="http://schemas.openxmlformats.org/drawingml/2006/main" xmlns:r="http://schemas.openxmlformats.org/officeDocument/2006/relationships" xmlns:p="http://schemas.openxmlformats.org/presentationml/2006/main">
   <p:cSld>
     <p:spTree>
       <p:nvGrpSpPr>
-        <p:cNvPr id="99" name="Shape 99"/>
+        <p:cNvPr id="1" name="Shape 99"/>
         <p:cNvGrpSpPr/>
         <p:nvPr/>
       </p:nvGrpSpPr>
@@ -13048,23 +13337,23 @@
           <a:solidFill>
             <a:schemeClr val="lt2"/>
           </a:solidFill>
-          <a:ln cap="flat" cmpd="sng" w="9525">
+          <a:ln w="9525" cap="flat" cmpd="sng">
             <a:solidFill>
               <a:schemeClr val="dk2"/>
             </a:solidFill>
             <a:prstDash val="solid"/>
             <a:round/>
-            <a:headEnd len="sm" w="sm" type="none"/>
-            <a:tailEnd len="sm" w="sm" type="none"/>
+            <a:headEnd type="none" w="sm" len="sm"/>
+            <a:tailEnd type="none" w="sm" len="sm"/>
           </a:ln>
         </p:spPr>
         <p:txBody>
-          <a:bodyPr anchorCtr="0" anchor="ctr" bIns="91425" lIns="91425" spcFirstLastPara="1" rIns="91425" wrap="square" tIns="91425">
+          <a:bodyPr spcFirstLastPara="1" wrap="square" lIns="91425" tIns="91425" rIns="91425" bIns="91425" anchor="ctr" anchorCtr="0">
             <a:noAutofit/>
           </a:bodyPr>
           <a:lstStyle/>
           <a:p>
-            <a:pPr indent="0" lvl="0" marL="0" rtl="0" algn="ctr">
+            <a:pPr marL="0" lvl="0" indent="0" algn="ctr" rtl="0">
               <a:spcBef>
                 <a:spcPts val="0"/>
               </a:spcBef>
@@ -13073,9 +13362,6 @@
               </a:spcAft>
               <a:buNone/>
             </a:pPr>
-            <a:r>
-              <a:t/>
-            </a:r>
             <a:endParaRPr>
               <a:latin typeface="Calibri"/>
               <a:ea typeface="Calibri"/>
@@ -13087,7 +13373,7 @@
       </p:sp>
       <p:pic>
         <p:nvPicPr>
-          <p:cNvPr descr="LOGO_BoostMe.png" id="101" name="Google Shape;101;p15"/>
+          <p:cNvPr id="101" name="Google Shape;101;p15" descr="LOGO_BoostMe.png"/>
           <p:cNvPicPr preferRelativeResize="0"/>
           <p:nvPr/>
         </p:nvPicPr>
@@ -13095,7 +13381,7 @@
           <a:blip r:embed="rId3">
             <a:alphaModFix/>
           </a:blip>
-          <a:srcRect b="0" l="0" r="0" t="0"/>
+          <a:srcRect/>
           <a:stretch/>
         </p:blipFill>
         <p:spPr>
@@ -13111,7 +13397,7 @@
             <a:noFill/>
           </a:ln>
           <a:effectLst>
-            <a:outerShdw blurRad="157163" rotWithShape="0" algn="bl" dir="5400000" dist="66675">
+            <a:outerShdw blurRad="157163" dist="66675" dir="5400000" algn="bl" rotWithShape="0">
               <a:srgbClr val="000000">
                 <a:alpha val="68000"/>
               </a:srgbClr>
@@ -13139,12 +13425,12 @@
           </a:ln>
         </p:spPr>
         <p:txBody>
-          <a:bodyPr anchorCtr="0" anchor="t" bIns="45700" lIns="91425" spcFirstLastPara="1" rIns="91425" wrap="square" tIns="45700">
+          <a:bodyPr spcFirstLastPara="1" wrap="square" lIns="91425" tIns="45700" rIns="91425" bIns="45700" anchor="t" anchorCtr="0">
             <a:spAutoFit/>
           </a:bodyPr>
           <a:lstStyle/>
           <a:p>
-            <a:pPr indent="0" lvl="0" marL="0" marR="0" rtl="0" algn="l">
+            <a:pPr marL="0" marR="0" lvl="0" indent="0" algn="l" rtl="0">
               <a:spcBef>
                 <a:spcPts val="0"/>
               </a:spcBef>
@@ -13154,7 +13440,7 @@
               <a:buNone/>
             </a:pPr>
             <a:r>
-              <a:rPr b="1" lang="en-US" sz="3000">
+              <a:rPr lang="en-US" sz="3000" b="1">
                 <a:solidFill>
                   <a:srgbClr val="FF8C00"/>
                 </a:solidFill>
@@ -13189,12 +13475,12 @@
           </a:ln>
         </p:spPr>
         <p:txBody>
-          <a:bodyPr anchorCtr="0" anchor="t" bIns="45700" lIns="91425" spcFirstLastPara="1" rIns="91425" wrap="square" tIns="45700">
+          <a:bodyPr spcFirstLastPara="1" wrap="square" lIns="91425" tIns="45700" rIns="91425" bIns="45700" anchor="t" anchorCtr="0">
             <a:spAutoFit/>
           </a:bodyPr>
           <a:lstStyle/>
           <a:p>
-            <a:pPr indent="0" lvl="0" marL="0" marR="0" rtl="0" algn="l">
+            <a:pPr marL="0" marR="0" lvl="0" indent="0" algn="l" rtl="0">
               <a:spcBef>
                 <a:spcPts val="0"/>
               </a:spcBef>
@@ -13204,7 +13490,7 @@
               <a:buNone/>
             </a:pPr>
             <a:r>
-              <a:rPr b="1" lang="en-US" sz="2000">
+              <a:rPr lang="en-US" sz="2000" b="1">
                 <a:solidFill>
                   <a:schemeClr val="dk1"/>
                 </a:solidFill>
@@ -13222,7 +13508,7 @@
             </a:endParaRPr>
           </a:p>
           <a:p>
-            <a:pPr indent="0" lvl="0" marL="0" marR="0" rtl="0" algn="l">
+            <a:pPr marL="0" marR="0" lvl="0" indent="0" algn="l" rtl="0">
               <a:spcBef>
                 <a:spcPts val="0"/>
               </a:spcBef>
@@ -13232,7 +13518,7 @@
               <a:buNone/>
             </a:pPr>
             <a:r>
-              <a:rPr b="1" lang="en-US" sz="2000">
+              <a:rPr lang="en-US" sz="2000" b="1">
                 <a:solidFill>
                   <a:schemeClr val="dk1"/>
                 </a:solidFill>
@@ -13250,7 +13536,7 @@
             </a:endParaRPr>
           </a:p>
           <a:p>
-            <a:pPr indent="0" lvl="0" marL="0" marR="0" rtl="0" algn="l">
+            <a:pPr marL="0" marR="0" lvl="0" indent="0" algn="l" rtl="0">
               <a:spcBef>
                 <a:spcPts val="0"/>
               </a:spcBef>
@@ -13260,7 +13546,7 @@
               <a:buNone/>
             </a:pPr>
             <a:r>
-              <a:rPr b="1" lang="en-US" sz="2000">
+              <a:rPr lang="en-US" sz="2000" b="1">
                 <a:solidFill>
                   <a:schemeClr val="dk1"/>
                 </a:solidFill>
@@ -13278,7 +13564,7 @@
             </a:endParaRPr>
           </a:p>
           <a:p>
-            <a:pPr indent="0" lvl="0" marL="0" marR="0" rtl="0" algn="l">
+            <a:pPr marL="0" marR="0" lvl="0" indent="0" algn="l" rtl="0">
               <a:spcBef>
                 <a:spcPts val="0"/>
               </a:spcBef>
@@ -13288,7 +13574,7 @@
               <a:buNone/>
             </a:pPr>
             <a:r>
-              <a:rPr b="1" lang="en-US" sz="2000">
+              <a:rPr lang="en-US" sz="2000" b="1">
                 <a:solidFill>
                   <a:schemeClr val="dk1"/>
                 </a:solidFill>
@@ -13316,11 +13602,11 @@
 </file>
 
 <file path=ppt/slides/slide4.xml><?xml version="1.0" encoding="utf-8"?>
-<p:sld xmlns:a="http://schemas.openxmlformats.org/drawingml/2006/main" xmlns:r="http://schemas.openxmlformats.org/officeDocument/2006/relationships" xmlns:mc="http://schemas.openxmlformats.org/markup-compatibility/2006" xmlns:mv="urn:schemas-microsoft-com:mac:vml" xmlns:p="http://schemas.openxmlformats.org/presentationml/2006/main" xmlns:c="http://schemas.openxmlformats.org/drawingml/2006/chart" xmlns:dgm="http://schemas.openxmlformats.org/drawingml/2006/diagram" xmlns:o="urn:schemas-microsoft-com:office:office" xmlns:v="urn:schemas-microsoft-com:vml" xmlns:pvml="urn:schemas-microsoft-com:office:powerpoint" xmlns:com="http://schemas.openxmlformats.org/drawingml/2006/compatibility" xmlns:p14="http://schemas.microsoft.com/office/powerpoint/2010/main" xmlns:p15="http://schemas.microsoft.com/office/powerpoint/2012/main" xmlns:ahyp="http://schemas.microsoft.com/office/drawing/2018/hyperlinkcolor">
+<p:sld xmlns:a="http://schemas.openxmlformats.org/drawingml/2006/main" xmlns:r="http://schemas.openxmlformats.org/officeDocument/2006/relationships" xmlns:p="http://schemas.openxmlformats.org/presentationml/2006/main">
   <p:cSld>
     <p:spTree>
       <p:nvGrpSpPr>
-        <p:cNvPr id="107" name="Shape 107"/>
+        <p:cNvPr id="1" name="Shape 107"/>
         <p:cNvGrpSpPr/>
         <p:nvPr/>
       </p:nvGrpSpPr>
@@ -13349,23 +13635,23 @@
           <a:solidFill>
             <a:schemeClr val="lt2"/>
           </a:solidFill>
-          <a:ln cap="flat" cmpd="sng" w="9525">
+          <a:ln w="9525" cap="flat" cmpd="sng">
             <a:solidFill>
               <a:schemeClr val="dk2"/>
             </a:solidFill>
             <a:prstDash val="solid"/>
             <a:round/>
-            <a:headEnd len="sm" w="sm" type="none"/>
-            <a:tailEnd len="sm" w="sm" type="none"/>
+            <a:headEnd type="none" w="sm" len="sm"/>
+            <a:tailEnd type="none" w="sm" len="sm"/>
           </a:ln>
         </p:spPr>
         <p:txBody>
-          <a:bodyPr anchorCtr="0" anchor="ctr" bIns="91425" lIns="91425" spcFirstLastPara="1" rIns="91425" wrap="square" tIns="91425">
+          <a:bodyPr spcFirstLastPara="1" wrap="square" lIns="91425" tIns="91425" rIns="91425" bIns="91425" anchor="ctr" anchorCtr="0">
             <a:noAutofit/>
           </a:bodyPr>
           <a:lstStyle/>
           <a:p>
-            <a:pPr indent="0" lvl="0" marL="0" rtl="0" algn="ctr">
+            <a:pPr marL="0" lvl="0" indent="0" algn="ctr" rtl="0">
               <a:spcBef>
                 <a:spcPts val="0"/>
               </a:spcBef>
@@ -13374,9 +13660,6 @@
               </a:spcAft>
               <a:buNone/>
             </a:pPr>
-            <a:r>
-              <a:t/>
-            </a:r>
             <a:endParaRPr>
               <a:latin typeface="Calibri"/>
               <a:ea typeface="Calibri"/>
@@ -13388,7 +13671,7 @@
       </p:sp>
       <p:pic>
         <p:nvPicPr>
-          <p:cNvPr descr="LOGO_BoostMe.png" id="109" name="Google Shape;109;p16"/>
+          <p:cNvPr id="109" name="Google Shape;109;p16" descr="LOGO_BoostMe.png"/>
           <p:cNvPicPr preferRelativeResize="0"/>
           <p:nvPr/>
         </p:nvPicPr>
@@ -13396,7 +13679,7 @@
           <a:blip r:embed="rId3">
             <a:alphaModFix/>
           </a:blip>
-          <a:srcRect b="0" l="0" r="0" t="0"/>
+          <a:srcRect/>
           <a:stretch/>
         </p:blipFill>
         <p:spPr>
@@ -13412,7 +13695,7 @@
             <a:noFill/>
           </a:ln>
           <a:effectLst>
-            <a:outerShdw blurRad="157163" rotWithShape="0" algn="bl" dir="5400000" dist="66675">
+            <a:outerShdw blurRad="157163" dist="66675" dir="5400000" algn="bl" rotWithShape="0">
               <a:srgbClr val="000000">
                 <a:alpha val="68000"/>
               </a:srgbClr>
@@ -13440,12 +13723,12 @@
           </a:ln>
         </p:spPr>
         <p:txBody>
-          <a:bodyPr anchorCtr="0" anchor="t" bIns="45700" lIns="91425" spcFirstLastPara="1" rIns="91425" wrap="square" tIns="45700">
+          <a:bodyPr spcFirstLastPara="1" wrap="square" lIns="91425" tIns="45700" rIns="91425" bIns="45700" anchor="t" anchorCtr="0">
             <a:spAutoFit/>
           </a:bodyPr>
           <a:lstStyle/>
           <a:p>
-            <a:pPr indent="0" lvl="0" marL="0" marR="0" rtl="0" algn="l">
+            <a:pPr marL="0" marR="0" lvl="0" indent="0" algn="l" rtl="0">
               <a:spcBef>
                 <a:spcPts val="0"/>
               </a:spcBef>
@@ -13455,7 +13738,7 @@
               <a:buNone/>
             </a:pPr>
             <a:r>
-              <a:rPr b="1" lang="en-US" sz="3000">
+              <a:rPr lang="en-US" sz="3000" b="1">
                 <a:solidFill>
                   <a:srgbClr val="FF8C00"/>
                 </a:solidFill>
@@ -13490,12 +13773,12 @@
           </a:ln>
         </p:spPr>
         <p:txBody>
-          <a:bodyPr anchorCtr="0" anchor="t" bIns="45700" lIns="91425" spcFirstLastPara="1" rIns="91425" wrap="square" tIns="45700">
+          <a:bodyPr spcFirstLastPara="1" wrap="square" lIns="91425" tIns="45700" rIns="91425" bIns="45700" anchor="t" anchorCtr="0">
             <a:spAutoFit/>
           </a:bodyPr>
           <a:lstStyle/>
           <a:p>
-            <a:pPr indent="0" lvl="0" marL="0" marR="0" rtl="0" algn="l">
+            <a:pPr marL="0" marR="0" lvl="0" indent="0" algn="l" rtl="0">
               <a:spcBef>
                 <a:spcPts val="0"/>
               </a:spcBef>
@@ -13505,7 +13788,7 @@
               <a:buNone/>
             </a:pPr>
             <a:r>
-              <a:rPr b="1" lang="en-US" sz="2000">
+              <a:rPr lang="en-US" sz="2000" b="1">
                 <a:solidFill>
                   <a:schemeClr val="dk1"/>
                 </a:solidFill>
@@ -13523,7 +13806,7 @@
             </a:endParaRPr>
           </a:p>
           <a:p>
-            <a:pPr indent="0" lvl="0" marL="0" marR="0" rtl="0" algn="l">
+            <a:pPr marL="0" marR="0" lvl="0" indent="0" algn="l" rtl="0">
               <a:spcBef>
                 <a:spcPts val="0"/>
               </a:spcBef>
@@ -13533,7 +13816,7 @@
               <a:buNone/>
             </a:pPr>
             <a:r>
-              <a:rPr b="1" lang="en-US" sz="2000">
+              <a:rPr lang="en-US" sz="2000" b="1">
                 <a:solidFill>
                   <a:schemeClr val="dk1"/>
                 </a:solidFill>
@@ -13555,7 +13838,7 @@
             </a:endParaRPr>
           </a:p>
           <a:p>
-            <a:pPr indent="0" lvl="0" marL="0" marR="0" rtl="0" algn="l">
+            <a:pPr marL="0" marR="0" lvl="0" indent="0" algn="l" rtl="0">
               <a:spcBef>
                 <a:spcPts val="0"/>
               </a:spcBef>
@@ -13565,7 +13848,7 @@
               <a:buNone/>
             </a:pPr>
             <a:r>
-              <a:rPr b="1" lang="en-US" sz="2000">
+              <a:rPr lang="en-US" sz="2000" b="1">
                 <a:solidFill>
                   <a:schemeClr val="dk1"/>
                 </a:solidFill>
@@ -13583,7 +13866,7 @@
             </a:endParaRPr>
           </a:p>
           <a:p>
-            <a:pPr indent="0" lvl="0" marL="0" marR="0" rtl="0" algn="l">
+            <a:pPr marL="0" marR="0" lvl="0" indent="0" algn="l" rtl="0">
               <a:spcBef>
                 <a:spcPts val="0"/>
               </a:spcBef>
@@ -13593,7 +13876,7 @@
               <a:buNone/>
             </a:pPr>
             <a:r>
-              <a:rPr b="1" lang="en-US" sz="2000">
+              <a:rPr lang="en-US" sz="2000" b="1">
                 <a:solidFill>
                   <a:schemeClr val="dk1"/>
                 </a:solidFill>
@@ -13611,7 +13894,7 @@
             </a:endParaRPr>
           </a:p>
           <a:p>
-            <a:pPr indent="0" lvl="0" marL="0" marR="0" rtl="0" algn="l">
+            <a:pPr marL="0" marR="0" lvl="0" indent="0" algn="l" rtl="0">
               <a:spcBef>
                 <a:spcPts val="0"/>
               </a:spcBef>
@@ -13621,7 +13904,7 @@
               <a:buNone/>
             </a:pPr>
             <a:r>
-              <a:rPr b="1" lang="en-US" sz="2000">
+              <a:rPr lang="en-US" sz="2000" b="1">
                 <a:solidFill>
                   <a:schemeClr val="dk1"/>
                 </a:solidFill>
@@ -13649,11 +13932,11 @@
 </file>
 
 <file path=ppt/slides/slide5.xml><?xml version="1.0" encoding="utf-8"?>
-<p:sld xmlns:a="http://schemas.openxmlformats.org/drawingml/2006/main" xmlns:r="http://schemas.openxmlformats.org/officeDocument/2006/relationships" xmlns:mc="http://schemas.openxmlformats.org/markup-compatibility/2006" xmlns:mv="urn:schemas-microsoft-com:mac:vml" xmlns:p="http://schemas.openxmlformats.org/presentationml/2006/main" xmlns:c="http://schemas.openxmlformats.org/drawingml/2006/chart" xmlns:dgm="http://schemas.openxmlformats.org/drawingml/2006/diagram" xmlns:o="urn:schemas-microsoft-com:office:office" xmlns:v="urn:schemas-microsoft-com:vml" xmlns:pvml="urn:schemas-microsoft-com:office:powerpoint" xmlns:com="http://schemas.openxmlformats.org/drawingml/2006/compatibility" xmlns:p14="http://schemas.microsoft.com/office/powerpoint/2010/main" xmlns:p15="http://schemas.microsoft.com/office/powerpoint/2012/main" xmlns:ahyp="http://schemas.microsoft.com/office/drawing/2018/hyperlinkcolor">
+<p:sld xmlns:a="http://schemas.openxmlformats.org/drawingml/2006/main" xmlns:r="http://schemas.openxmlformats.org/officeDocument/2006/relationships" xmlns:p="http://schemas.openxmlformats.org/presentationml/2006/main">
   <p:cSld>
     <p:spTree>
       <p:nvGrpSpPr>
-        <p:cNvPr id="115" name="Shape 115"/>
+        <p:cNvPr id="1" name="Shape 115"/>
         <p:cNvGrpSpPr/>
         <p:nvPr/>
       </p:nvGrpSpPr>
@@ -13682,23 +13965,23 @@
           <a:solidFill>
             <a:schemeClr val="lt2"/>
           </a:solidFill>
-          <a:ln cap="flat" cmpd="sng" w="9525">
+          <a:ln w="9525" cap="flat" cmpd="sng">
             <a:solidFill>
               <a:schemeClr val="dk2"/>
             </a:solidFill>
             <a:prstDash val="solid"/>
             <a:round/>
-            <a:headEnd len="sm" w="sm" type="none"/>
-            <a:tailEnd len="sm" w="sm" type="none"/>
+            <a:headEnd type="none" w="sm" len="sm"/>
+            <a:tailEnd type="none" w="sm" len="sm"/>
           </a:ln>
         </p:spPr>
         <p:txBody>
-          <a:bodyPr anchorCtr="0" anchor="ctr" bIns="91425" lIns="91425" spcFirstLastPara="1" rIns="91425" wrap="square" tIns="91425">
+          <a:bodyPr spcFirstLastPara="1" wrap="square" lIns="91425" tIns="91425" rIns="91425" bIns="91425" anchor="ctr" anchorCtr="0">
             <a:noAutofit/>
           </a:bodyPr>
           <a:lstStyle/>
           <a:p>
-            <a:pPr indent="0" lvl="0" marL="0" rtl="0" algn="ctr">
+            <a:pPr marL="0" lvl="0" indent="0" algn="ctr" rtl="0">
               <a:spcBef>
                 <a:spcPts val="0"/>
               </a:spcBef>
@@ -13707,9 +13990,6 @@
               </a:spcAft>
               <a:buNone/>
             </a:pPr>
-            <a:r>
-              <a:t/>
-            </a:r>
             <a:endParaRPr>
               <a:latin typeface="Calibri"/>
               <a:ea typeface="Calibri"/>
@@ -13721,7 +14001,7 @@
       </p:sp>
       <p:pic>
         <p:nvPicPr>
-          <p:cNvPr descr="LOGO_BoostMe.png" id="117" name="Google Shape;117;p17"/>
+          <p:cNvPr id="117" name="Google Shape;117;p17" descr="LOGO_BoostMe.png"/>
           <p:cNvPicPr preferRelativeResize="0"/>
           <p:nvPr/>
         </p:nvPicPr>
@@ -13729,7 +14009,7 @@
           <a:blip r:embed="rId3">
             <a:alphaModFix/>
           </a:blip>
-          <a:srcRect b="0" l="0" r="0" t="0"/>
+          <a:srcRect/>
           <a:stretch/>
         </p:blipFill>
         <p:spPr>
@@ -13745,7 +14025,7 @@
             <a:noFill/>
           </a:ln>
           <a:effectLst>
-            <a:outerShdw blurRad="157163" rotWithShape="0" algn="bl" dir="5400000" dist="66675">
+            <a:outerShdw blurRad="157163" dist="66675" dir="5400000" algn="bl" rotWithShape="0">
               <a:srgbClr val="000000">
                 <a:alpha val="68000"/>
               </a:srgbClr>
@@ -13773,12 +14053,12 @@
           </a:ln>
         </p:spPr>
         <p:txBody>
-          <a:bodyPr anchorCtr="0" anchor="t" bIns="45700" lIns="91425" spcFirstLastPara="1" rIns="91425" wrap="square" tIns="45700">
+          <a:bodyPr spcFirstLastPara="1" wrap="square" lIns="91425" tIns="45700" rIns="91425" bIns="45700" anchor="t" anchorCtr="0">
             <a:spAutoFit/>
           </a:bodyPr>
           <a:lstStyle/>
           <a:p>
-            <a:pPr indent="0" lvl="0" marL="0" marR="0" rtl="0" algn="l">
+            <a:pPr marL="0" marR="0" lvl="0" indent="0" algn="l" rtl="0">
               <a:spcBef>
                 <a:spcPts val="0"/>
               </a:spcBef>
@@ -13788,7 +14068,7 @@
               <a:buNone/>
             </a:pPr>
             <a:r>
-              <a:rPr b="1" lang="en-US" sz="3000">
+              <a:rPr lang="en-US" sz="3000" b="1">
                 <a:solidFill>
                   <a:srgbClr val="FF8C00"/>
                 </a:solidFill>
@@ -13823,12 +14103,12 @@
           </a:ln>
         </p:spPr>
         <p:txBody>
-          <a:bodyPr anchorCtr="0" anchor="t" bIns="45700" lIns="91425" spcFirstLastPara="1" rIns="91425" wrap="square" tIns="45700">
+          <a:bodyPr spcFirstLastPara="1" wrap="square" lIns="91425" tIns="45700" rIns="91425" bIns="45700" anchor="t" anchorCtr="0">
             <a:spAutoFit/>
           </a:bodyPr>
           <a:lstStyle/>
           <a:p>
-            <a:pPr indent="0" lvl="0" marL="0" marR="0" rtl="0" algn="l">
+            <a:pPr marL="0" marR="0" lvl="0" indent="0" algn="l" rtl="0">
               <a:spcBef>
                 <a:spcPts val="0"/>
               </a:spcBef>
@@ -13838,7 +14118,7 @@
               <a:buNone/>
             </a:pPr>
             <a:r>
-              <a:rPr b="1" lang="en-US" sz="2000">
+              <a:rPr lang="en-US" sz="2000" b="1">
                 <a:solidFill>
                   <a:schemeClr val="dk1"/>
                 </a:solidFill>
@@ -13856,7 +14136,7 @@
             </a:endParaRPr>
           </a:p>
           <a:p>
-            <a:pPr indent="0" lvl="0" marL="0" marR="0" rtl="0" algn="l">
+            <a:pPr marL="0" marR="0" lvl="0" indent="0" algn="l" rtl="0">
               <a:spcBef>
                 <a:spcPts val="0"/>
               </a:spcBef>
@@ -13866,7 +14146,7 @@
               <a:buNone/>
             </a:pPr>
             <a:r>
-              <a:rPr b="1" lang="en-US" sz="2000">
+              <a:rPr lang="en-US" sz="2000" b="1">
                 <a:solidFill>
                   <a:schemeClr val="dk1"/>
                 </a:solidFill>
@@ -13884,7 +14164,7 @@
             </a:endParaRPr>
           </a:p>
           <a:p>
-            <a:pPr indent="0" lvl="0" marL="0" marR="0" rtl="0" algn="l">
+            <a:pPr marL="0" marR="0" lvl="0" indent="0" algn="l" rtl="0">
               <a:spcBef>
                 <a:spcPts val="0"/>
               </a:spcBef>
@@ -13894,7 +14174,7 @@
               <a:buNone/>
             </a:pPr>
             <a:r>
-              <a:rPr b="1" lang="en-US" sz="2000">
+              <a:rPr lang="en-US" sz="2000" b="1">
                 <a:solidFill>
                   <a:schemeClr val="dk1"/>
                 </a:solidFill>
@@ -13912,7 +14192,7 @@
             </a:endParaRPr>
           </a:p>
           <a:p>
-            <a:pPr indent="0" lvl="0" marL="0" marR="0" rtl="0" algn="l">
+            <a:pPr marL="0" marR="0" lvl="0" indent="0" algn="l" rtl="0">
               <a:spcBef>
                 <a:spcPts val="0"/>
               </a:spcBef>
@@ -13922,7 +14202,7 @@
               <a:buNone/>
             </a:pPr>
             <a:r>
-              <a:rPr b="1" lang="en-US" sz="2000">
+              <a:rPr lang="en-US" sz="2000" b="1">
                 <a:solidFill>
                   <a:schemeClr val="dk1"/>
                 </a:solidFill>
@@ -13940,7 +14220,7 @@
             </a:endParaRPr>
           </a:p>
           <a:p>
-            <a:pPr indent="0" lvl="0" marL="0" marR="0" rtl="0" algn="l">
+            <a:pPr marL="0" marR="0" lvl="0" indent="0" algn="l" rtl="0">
               <a:spcBef>
                 <a:spcPts val="0"/>
               </a:spcBef>
@@ -13950,7 +14230,7 @@
               <a:buNone/>
             </a:pPr>
             <a:r>
-              <a:rPr b="1" lang="en-US" sz="2000">
+              <a:rPr lang="en-US" sz="2000" b="1">
                 <a:solidFill>
                   <a:schemeClr val="dk1"/>
                 </a:solidFill>
@@ -13978,11 +14258,11 @@
 </file>
 
 <file path=ppt/slides/slide6.xml><?xml version="1.0" encoding="utf-8"?>
-<p:sld xmlns:a="http://schemas.openxmlformats.org/drawingml/2006/main" xmlns:r="http://schemas.openxmlformats.org/officeDocument/2006/relationships" xmlns:mc="http://schemas.openxmlformats.org/markup-compatibility/2006" xmlns:mv="urn:schemas-microsoft-com:mac:vml" xmlns:p="http://schemas.openxmlformats.org/presentationml/2006/main" xmlns:c="http://schemas.openxmlformats.org/drawingml/2006/chart" xmlns:dgm="http://schemas.openxmlformats.org/drawingml/2006/diagram" xmlns:o="urn:schemas-microsoft-com:office:office" xmlns:v="urn:schemas-microsoft-com:vml" xmlns:pvml="urn:schemas-microsoft-com:office:powerpoint" xmlns:com="http://schemas.openxmlformats.org/drawingml/2006/compatibility" xmlns:p14="http://schemas.microsoft.com/office/powerpoint/2010/main" xmlns:p15="http://schemas.microsoft.com/office/powerpoint/2012/main" xmlns:ahyp="http://schemas.microsoft.com/office/drawing/2018/hyperlinkcolor">
+<p:sld xmlns:a="http://schemas.openxmlformats.org/drawingml/2006/main" xmlns:r="http://schemas.openxmlformats.org/officeDocument/2006/relationships" xmlns:p="http://schemas.openxmlformats.org/presentationml/2006/main">
   <p:cSld>
     <p:spTree>
       <p:nvGrpSpPr>
-        <p:cNvPr id="123" name="Shape 123"/>
+        <p:cNvPr id="1" name="Shape 123"/>
         <p:cNvGrpSpPr/>
         <p:nvPr/>
       </p:nvGrpSpPr>
@@ -14018,12 +14298,12 @@
           </a:ln>
         </p:spPr>
         <p:txBody>
-          <a:bodyPr anchorCtr="0" anchor="ctr" bIns="91425" lIns="91425" spcFirstLastPara="1" rIns="91425" wrap="square" tIns="91425">
+          <a:bodyPr spcFirstLastPara="1" wrap="square" lIns="91425" tIns="91425" rIns="91425" bIns="91425" anchor="ctr" anchorCtr="0">
             <a:noAutofit/>
           </a:bodyPr>
           <a:lstStyle/>
           <a:p>
-            <a:pPr indent="0" lvl="0" marL="0" rtl="0" algn="ctr">
+            <a:pPr marL="0" lvl="0" indent="0" algn="ctr" rtl="0">
               <a:spcBef>
                 <a:spcPts val="0"/>
               </a:spcBef>
@@ -14032,9 +14312,6 @@
               </a:spcAft>
               <a:buNone/>
             </a:pPr>
-            <a:r>
-              <a:t/>
-            </a:r>
             <a:endParaRPr>
               <a:latin typeface="Calibri"/>
               <a:ea typeface="Calibri"/>
@@ -14064,12 +14341,12 @@
           </a:ln>
         </p:spPr>
         <p:txBody>
-          <a:bodyPr anchorCtr="0" anchor="t" bIns="45700" lIns="91425" spcFirstLastPara="1" rIns="91425" wrap="square" tIns="45700">
+          <a:bodyPr spcFirstLastPara="1" wrap="square" lIns="91425" tIns="45700" rIns="91425" bIns="45700" anchor="t" anchorCtr="0">
             <a:spAutoFit/>
           </a:bodyPr>
           <a:lstStyle/>
           <a:p>
-            <a:pPr indent="0" lvl="0" marL="0" marR="0" rtl="0" algn="ctr">
+            <a:pPr marL="0" marR="0" lvl="0" indent="0" algn="ctr" rtl="0">
               <a:spcBef>
                 <a:spcPts val="0"/>
               </a:spcBef>
@@ -14079,7 +14356,7 @@
               <a:buNone/>
             </a:pPr>
             <a:r>
-              <a:rPr b="1" lang="en-US" sz="4000">
+              <a:rPr lang="en-US" sz="4000" b="1">
                 <a:solidFill>
                   <a:srgbClr val="FF8C00"/>
                 </a:solidFill>
@@ -14096,7 +14373,7 @@
       </p:sp>
       <p:pic>
         <p:nvPicPr>
-          <p:cNvPr descr="LOGO_BoostMe.png" id="126" name="Google Shape;126;p18"/>
+          <p:cNvPr id="126" name="Google Shape;126;p18" descr="LOGO_BoostMe.png"/>
           <p:cNvPicPr preferRelativeResize="0"/>
           <p:nvPr/>
         </p:nvPicPr>
@@ -14104,7 +14381,7 @@
           <a:blip r:embed="rId3">
             <a:alphaModFix/>
           </a:blip>
-          <a:srcRect b="0" l="0" r="0" t="0"/>
+          <a:srcRect/>
           <a:stretch/>
         </p:blipFill>
         <p:spPr>
@@ -14120,7 +14397,7 @@
             <a:noFill/>
           </a:ln>
           <a:effectLst>
-            <a:outerShdw blurRad="157163" rotWithShape="0" algn="bl" dir="5400000" dist="66675">
+            <a:outerShdw blurRad="157163" dist="66675" dir="5400000" algn="bl" rotWithShape="0">
               <a:srgbClr val="000000">
                 <a:alpha val="68000"/>
               </a:srgbClr>
@@ -14137,11 +14414,11 @@
 </file>
 
 <file path=ppt/slides/slide7.xml><?xml version="1.0" encoding="utf-8"?>
-<p:sld xmlns:a="http://schemas.openxmlformats.org/drawingml/2006/main" xmlns:r="http://schemas.openxmlformats.org/officeDocument/2006/relationships" xmlns:mc="http://schemas.openxmlformats.org/markup-compatibility/2006" xmlns:mv="urn:schemas-microsoft-com:mac:vml" xmlns:p="http://schemas.openxmlformats.org/presentationml/2006/main" xmlns:c="http://schemas.openxmlformats.org/drawingml/2006/chart" xmlns:dgm="http://schemas.openxmlformats.org/drawingml/2006/diagram" xmlns:o="urn:schemas-microsoft-com:office:office" xmlns:v="urn:schemas-microsoft-com:vml" xmlns:pvml="urn:schemas-microsoft-com:office:powerpoint" xmlns:com="http://schemas.openxmlformats.org/drawingml/2006/compatibility" xmlns:p14="http://schemas.microsoft.com/office/powerpoint/2010/main" xmlns:p15="http://schemas.microsoft.com/office/powerpoint/2012/main" xmlns:ahyp="http://schemas.microsoft.com/office/drawing/2018/hyperlinkcolor">
+<p:sld xmlns:a="http://schemas.openxmlformats.org/drawingml/2006/main" xmlns:r="http://schemas.openxmlformats.org/officeDocument/2006/relationships" xmlns:p="http://schemas.openxmlformats.org/presentationml/2006/main">
   <p:cSld>
     <p:spTree>
       <p:nvGrpSpPr>
-        <p:cNvPr id="130" name="Shape 130"/>
+        <p:cNvPr id="1" name="Shape 130"/>
         <p:cNvGrpSpPr/>
         <p:nvPr/>
       </p:nvGrpSpPr>
@@ -14173,12 +14450,12 @@
           </a:ln>
         </p:spPr>
         <p:txBody>
-          <a:bodyPr anchorCtr="0" anchor="t" bIns="45700" lIns="91425" spcFirstLastPara="1" rIns="91425" wrap="square" tIns="45700">
+          <a:bodyPr spcFirstLastPara="1" wrap="square" lIns="91425" tIns="45700" rIns="91425" bIns="45700" anchor="t" anchorCtr="0">
             <a:spAutoFit/>
           </a:bodyPr>
           <a:lstStyle/>
           <a:p>
-            <a:pPr indent="0" lvl="0" marL="0" marR="0" rtl="0" algn="l">
+            <a:pPr marL="0" marR="0" lvl="0" indent="0" algn="l" rtl="0">
               <a:spcBef>
                 <a:spcPts val="0"/>
               </a:spcBef>
@@ -14188,7 +14465,7 @@
               <a:buNone/>
             </a:pPr>
             <a:r>
-              <a:rPr b="1" lang="en-US" sz="3000">
+              <a:rPr lang="en-US" sz="3000" b="1">
                 <a:solidFill>
                   <a:srgbClr val="FF8C00"/>
                 </a:solidFill>
@@ -14216,23 +14493,23 @@
           </a:xfrm>
           <a:prstGeom prst="roundRect">
             <a:avLst>
-              <a:gd fmla="val 16667" name="adj"/>
+              <a:gd name="adj" fmla="val 16667"/>
             </a:avLst>
           </a:prstGeom>
           <a:solidFill>
             <a:srgbClr val="E6E6E6"/>
           </a:solidFill>
-          <a:ln cap="flat" cmpd="sng" w="9525">
+          <a:ln w="9525" cap="flat" cmpd="sng">
             <a:solidFill>
               <a:srgbClr val="FF2D75"/>
             </a:solidFill>
             <a:prstDash val="solid"/>
             <a:round/>
-            <a:headEnd len="sm" w="sm" type="none"/>
-            <a:tailEnd len="sm" w="sm" type="none"/>
+            <a:headEnd type="none" w="sm" len="sm"/>
+            <a:tailEnd type="none" w="sm" len="sm"/>
           </a:ln>
           <a:effectLst>
-            <a:outerShdw blurRad="40000" rotWithShape="0" dir="5400000" dist="23000">
+            <a:outerShdw blurRad="40000" dist="23000" dir="5400000" rotWithShape="0">
               <a:srgbClr val="000000">
                 <a:alpha val="34901"/>
               </a:srgbClr>
@@ -14240,12 +14517,12 @@
           </a:effectLst>
         </p:spPr>
         <p:txBody>
-          <a:bodyPr anchorCtr="0" anchor="ctr" bIns="45700" lIns="91425" spcFirstLastPara="1" rIns="91425" wrap="square" tIns="45700">
+          <a:bodyPr spcFirstLastPara="1" wrap="square" lIns="91425" tIns="45700" rIns="91425" bIns="45700" anchor="ctr" anchorCtr="0">
             <a:noAutofit/>
           </a:bodyPr>
           <a:lstStyle/>
           <a:p>
-            <a:pPr indent="0" lvl="0" marL="0" marR="0" rtl="0" algn="ctr">
+            <a:pPr marL="0" marR="0" lvl="0" indent="0" algn="ctr" rtl="0">
               <a:spcBef>
                 <a:spcPts val="0"/>
               </a:spcBef>
@@ -14254,9 +14531,6 @@
               </a:spcAft>
               <a:buNone/>
             </a:pPr>
-            <a:r>
-              <a:t/>
-            </a:r>
             <a:endParaRPr sz="1800">
               <a:solidFill>
                 <a:schemeClr val="dk1"/>
@@ -14289,12 +14563,12 @@
           </a:ln>
         </p:spPr>
         <p:txBody>
-          <a:bodyPr anchorCtr="0" anchor="t" bIns="45700" lIns="91425" spcFirstLastPara="1" rIns="91425" wrap="square" tIns="45700">
+          <a:bodyPr spcFirstLastPara="1" wrap="square" lIns="91425" tIns="45700" rIns="91425" bIns="45700" anchor="t" anchorCtr="0">
             <a:spAutoFit/>
           </a:bodyPr>
           <a:lstStyle/>
           <a:p>
-            <a:pPr indent="0" lvl="0" marL="0" marR="0" rtl="0" algn="l">
+            <a:pPr marL="0" marR="0" lvl="0" indent="0" algn="l" rtl="0">
               <a:spcBef>
                 <a:spcPts val="0"/>
               </a:spcBef>
@@ -14304,7 +14578,7 @@
               <a:buNone/>
             </a:pPr>
             <a:r>
-              <a:rPr b="1" lang="en-US" sz="1800">
+              <a:rPr lang="en-US" sz="1800" b="1">
                 <a:solidFill>
                   <a:schemeClr val="lt1"/>
                 </a:solidFill>
@@ -14322,7 +14596,7 @@
             </a:endParaRPr>
           </a:p>
           <a:p>
-            <a:pPr indent="0" lvl="0" marL="0" marR="0" rtl="0" algn="l">
+            <a:pPr marL="0" marR="0" lvl="0" indent="0" algn="l" rtl="0">
               <a:spcBef>
                 <a:spcPts val="0"/>
               </a:spcBef>
@@ -14332,7 +14606,7 @@
               <a:buNone/>
             </a:pPr>
             <a:r>
-              <a:rPr b="1" lang="en-US" sz="1800">
+              <a:rPr lang="en-US" sz="1800" b="1">
                 <a:solidFill>
                   <a:schemeClr val="lt1"/>
                 </a:solidFill>
@@ -14350,7 +14624,7 @@
             </a:endParaRPr>
           </a:p>
           <a:p>
-            <a:pPr indent="0" lvl="0" marL="0" marR="0" rtl="0" algn="l">
+            <a:pPr marL="0" marR="0" lvl="0" indent="0" algn="l" rtl="0">
               <a:spcBef>
                 <a:spcPts val="0"/>
               </a:spcBef>
@@ -14360,7 +14634,7 @@
               <a:buNone/>
             </a:pPr>
             <a:r>
-              <a:rPr b="1" lang="en-US" sz="1800">
+              <a:rPr lang="en-US" sz="1800" b="1">
                 <a:solidFill>
                   <a:schemeClr val="lt1"/>
                 </a:solidFill>
@@ -14378,7 +14652,7 @@
             </a:endParaRPr>
           </a:p>
           <a:p>
-            <a:pPr indent="0" lvl="0" marL="0" marR="0" rtl="0" algn="l">
+            <a:pPr marL="0" marR="0" lvl="0" indent="0" algn="l" rtl="0">
               <a:spcBef>
                 <a:spcPts val="0"/>
               </a:spcBef>
@@ -14388,7 +14662,7 @@
               <a:buNone/>
             </a:pPr>
             <a:r>
-              <a:rPr b="1" lang="en-US" sz="1800">
+              <a:rPr lang="en-US" sz="1800" b="1">
                 <a:solidFill>
                   <a:schemeClr val="lt1"/>
                 </a:solidFill>
@@ -14416,11 +14690,11 @@
 </file>
 
 <file path=ppt/slides/slide8.xml><?xml version="1.0" encoding="utf-8"?>
-<p:sld xmlns:a="http://schemas.openxmlformats.org/drawingml/2006/main" xmlns:r="http://schemas.openxmlformats.org/officeDocument/2006/relationships" xmlns:mc="http://schemas.openxmlformats.org/markup-compatibility/2006" xmlns:mv="urn:schemas-microsoft-com:mac:vml" xmlns:p="http://schemas.openxmlformats.org/presentationml/2006/main" xmlns:c="http://schemas.openxmlformats.org/drawingml/2006/chart" xmlns:dgm="http://schemas.openxmlformats.org/drawingml/2006/diagram" xmlns:o="urn:schemas-microsoft-com:office:office" xmlns:v="urn:schemas-microsoft-com:vml" xmlns:pvml="urn:schemas-microsoft-com:office:powerpoint" xmlns:com="http://schemas.openxmlformats.org/drawingml/2006/compatibility" xmlns:p14="http://schemas.microsoft.com/office/powerpoint/2010/main" xmlns:p15="http://schemas.microsoft.com/office/powerpoint/2012/main" xmlns:ahyp="http://schemas.microsoft.com/office/drawing/2018/hyperlinkcolor">
+<p:sld xmlns:a="http://schemas.openxmlformats.org/drawingml/2006/main" xmlns:r="http://schemas.openxmlformats.org/officeDocument/2006/relationships" xmlns:p="http://schemas.openxmlformats.org/presentationml/2006/main">
   <p:cSld>
     <p:spTree>
       <p:nvGrpSpPr>
-        <p:cNvPr id="137" name="Shape 137"/>
+        <p:cNvPr id="1" name="Shape 137"/>
         <p:cNvGrpSpPr/>
         <p:nvPr/>
       </p:nvGrpSpPr>
@@ -14456,12 +14730,12 @@
           </a:ln>
         </p:spPr>
         <p:txBody>
-          <a:bodyPr anchorCtr="0" anchor="ctr" bIns="91425" lIns="91425" spcFirstLastPara="1" rIns="91425" wrap="square" tIns="91425">
+          <a:bodyPr spcFirstLastPara="1" wrap="square" lIns="91425" tIns="91425" rIns="91425" bIns="91425" anchor="ctr" anchorCtr="0">
             <a:noAutofit/>
           </a:bodyPr>
           <a:lstStyle/>
           <a:p>
-            <a:pPr indent="0" lvl="0" marL="0" rtl="0" algn="ctr">
+            <a:pPr marL="0" lvl="0" indent="0" algn="ctr" rtl="0">
               <a:spcBef>
                 <a:spcPts val="0"/>
               </a:spcBef>
@@ -14470,9 +14744,6 @@
               </a:spcAft>
               <a:buNone/>
             </a:pPr>
-            <a:r>
-              <a:t/>
-            </a:r>
             <a:endParaRPr>
               <a:latin typeface="Calibri"/>
               <a:ea typeface="Calibri"/>
@@ -14502,12 +14773,12 @@
           </a:ln>
         </p:spPr>
         <p:txBody>
-          <a:bodyPr anchorCtr="0" anchor="t" bIns="45700" lIns="91425" spcFirstLastPara="1" rIns="91425" wrap="square" tIns="45700">
+          <a:bodyPr spcFirstLastPara="1" wrap="square" lIns="91425" tIns="45700" rIns="91425" bIns="45700" anchor="t" anchorCtr="0">
             <a:spAutoFit/>
           </a:bodyPr>
           <a:lstStyle/>
           <a:p>
-            <a:pPr indent="0" lvl="0" marL="0" marR="0" rtl="0" algn="ctr">
+            <a:pPr marL="0" marR="0" lvl="0" indent="0" algn="ctr" rtl="0">
               <a:spcBef>
                 <a:spcPts val="0"/>
               </a:spcBef>
@@ -14517,7 +14788,7 @@
               <a:buNone/>
             </a:pPr>
             <a:r>
-              <a:rPr b="1" lang="en-US" sz="4000">
+              <a:rPr lang="en-US" sz="4000" b="1">
                 <a:solidFill>
                   <a:srgbClr val="FF8C00"/>
                 </a:solidFill>
@@ -14534,7 +14805,7 @@
       </p:sp>
       <p:pic>
         <p:nvPicPr>
-          <p:cNvPr descr="LOGO_BoostMe.png" id="140" name="Google Shape;140;p20"/>
+          <p:cNvPr id="140" name="Google Shape;140;p20" descr="LOGO_BoostMe.png"/>
           <p:cNvPicPr preferRelativeResize="0"/>
           <p:nvPr/>
         </p:nvPicPr>
@@ -14542,7 +14813,7 @@
           <a:blip r:embed="rId3">
             <a:alphaModFix/>
           </a:blip>
-          <a:srcRect b="0" l="0" r="0" t="0"/>
+          <a:srcRect/>
           <a:stretch/>
         </p:blipFill>
         <p:spPr>
@@ -14558,7 +14829,7 @@
             <a:noFill/>
           </a:ln>
           <a:effectLst>
-            <a:outerShdw blurRad="157163" rotWithShape="0" algn="bl" dir="5400000" dist="66675">
+            <a:outerShdw blurRad="157163" dist="66675" dir="5400000" algn="bl" rotWithShape="0">
               <a:srgbClr val="000000">
                 <a:alpha val="68000"/>
               </a:srgbClr>
@@ -14575,11 +14846,11 @@
 </file>
 
 <file path=ppt/slides/slide9.xml><?xml version="1.0" encoding="utf-8"?>
-<p:sld xmlns:a="http://schemas.openxmlformats.org/drawingml/2006/main" xmlns:r="http://schemas.openxmlformats.org/officeDocument/2006/relationships" xmlns:mc="http://schemas.openxmlformats.org/markup-compatibility/2006" xmlns:mv="urn:schemas-microsoft-com:mac:vml" xmlns:p="http://schemas.openxmlformats.org/presentationml/2006/main" xmlns:c="http://schemas.openxmlformats.org/drawingml/2006/chart" xmlns:dgm="http://schemas.openxmlformats.org/drawingml/2006/diagram" xmlns:o="urn:schemas-microsoft-com:office:office" xmlns:v="urn:schemas-microsoft-com:vml" xmlns:pvml="urn:schemas-microsoft-com:office:powerpoint" xmlns:com="http://schemas.openxmlformats.org/drawingml/2006/compatibility" xmlns:p14="http://schemas.microsoft.com/office/powerpoint/2010/main" xmlns:p15="http://schemas.microsoft.com/office/powerpoint/2012/main" xmlns:ahyp="http://schemas.microsoft.com/office/drawing/2018/hyperlinkcolor">
+<p:sld xmlns:a="http://schemas.openxmlformats.org/drawingml/2006/main" xmlns:r="http://schemas.openxmlformats.org/officeDocument/2006/relationships" xmlns:p="http://schemas.openxmlformats.org/presentationml/2006/main">
   <p:cSld>
     <p:spTree>
       <p:nvGrpSpPr>
-        <p:cNvPr id="144" name="Shape 144"/>
+        <p:cNvPr id="1" name="Shape 144"/>
         <p:cNvGrpSpPr/>
         <p:nvPr/>
       </p:nvGrpSpPr>
@@ -14611,12 +14882,12 @@
           </a:ln>
         </p:spPr>
         <p:txBody>
-          <a:bodyPr anchorCtr="0" anchor="t" bIns="45700" lIns="91425" spcFirstLastPara="1" rIns="91425" wrap="square" tIns="45700">
+          <a:bodyPr spcFirstLastPara="1" wrap="square" lIns="91425" tIns="45700" rIns="91425" bIns="45700" anchor="t" anchorCtr="0">
             <a:spAutoFit/>
           </a:bodyPr>
           <a:lstStyle/>
           <a:p>
-            <a:pPr indent="0" lvl="0" marL="0" marR="0" rtl="0" algn="l">
+            <a:pPr marL="0" marR="0" lvl="0" indent="0" algn="l" rtl="0">
               <a:spcBef>
                 <a:spcPts val="0"/>
               </a:spcBef>
@@ -14626,7 +14897,7 @@
               <a:buNone/>
             </a:pPr>
             <a:r>
-              <a:rPr b="1" lang="en-US" sz="3000">
+              <a:rPr lang="en-US" sz="3000" b="1">
                 <a:solidFill>
                   <a:srgbClr val="FF8C00"/>
                 </a:solidFill>
@@ -14654,23 +14925,23 @@
           </a:xfrm>
           <a:prstGeom prst="roundRect">
             <a:avLst>
-              <a:gd fmla="val 16667" name="adj"/>
+              <a:gd name="adj" fmla="val 16667"/>
             </a:avLst>
           </a:prstGeom>
           <a:solidFill>
             <a:srgbClr val="E6E6E6"/>
           </a:solidFill>
-          <a:ln cap="flat" cmpd="sng" w="9525">
+          <a:ln w="9525" cap="flat" cmpd="sng">
             <a:solidFill>
               <a:srgbClr val="FF2D75"/>
             </a:solidFill>
             <a:prstDash val="solid"/>
             <a:round/>
-            <a:headEnd len="sm" w="sm" type="none"/>
-            <a:tailEnd len="sm" w="sm" type="none"/>
+            <a:headEnd type="none" w="sm" len="sm"/>
+            <a:tailEnd type="none" w="sm" len="sm"/>
           </a:ln>
           <a:effectLst>
-            <a:outerShdw blurRad="40000" rotWithShape="0" dir="5400000" dist="23000">
+            <a:outerShdw blurRad="40000" dist="23000" dir="5400000" rotWithShape="0">
               <a:srgbClr val="000000">
                 <a:alpha val="34901"/>
               </a:srgbClr>
@@ -14678,12 +14949,12 @@
           </a:effectLst>
         </p:spPr>
         <p:txBody>
-          <a:bodyPr anchorCtr="0" anchor="ctr" bIns="45700" lIns="91425" spcFirstLastPara="1" rIns="91425" wrap="square" tIns="45700">
+          <a:bodyPr spcFirstLastPara="1" wrap="square" lIns="91425" tIns="45700" rIns="91425" bIns="45700" anchor="ctr" anchorCtr="0">
             <a:noAutofit/>
           </a:bodyPr>
           <a:lstStyle/>
           <a:p>
-            <a:pPr indent="0" lvl="0" marL="0" marR="0" rtl="0" algn="ctr">
+            <a:pPr marL="0" marR="0" lvl="0" indent="0" algn="ctr" rtl="0">
               <a:spcBef>
                 <a:spcPts val="0"/>
               </a:spcBef>
@@ -14692,9 +14963,6 @@
               </a:spcAft>
               <a:buNone/>
             </a:pPr>
-            <a:r>
-              <a:t/>
-            </a:r>
             <a:endParaRPr sz="1800">
               <a:solidFill>
                 <a:schemeClr val="dk1"/>
@@ -14727,12 +14995,12 @@
           </a:ln>
         </p:spPr>
         <p:txBody>
-          <a:bodyPr anchorCtr="0" anchor="t" bIns="45700" lIns="91425" spcFirstLastPara="1" rIns="91425" wrap="square" tIns="45700">
+          <a:bodyPr spcFirstLastPara="1" wrap="square" lIns="91425" tIns="45700" rIns="91425" bIns="45700" anchor="t" anchorCtr="0">
             <a:spAutoFit/>
           </a:bodyPr>
           <a:lstStyle/>
           <a:p>
-            <a:pPr indent="0" lvl="0" marL="0" marR="0" rtl="0" algn="l">
+            <a:pPr marL="0" marR="0" lvl="0" indent="0" algn="l" rtl="0">
               <a:spcBef>
                 <a:spcPts val="0"/>
               </a:spcBef>
@@ -14742,7 +15010,7 @@
               <a:buNone/>
             </a:pPr>
             <a:r>
-              <a:rPr b="1" lang="en-US" sz="1800">
+              <a:rPr lang="en-US" sz="1800" b="1">
                 <a:solidFill>
                   <a:schemeClr val="lt1"/>
                 </a:solidFill>
@@ -14760,7 +15028,7 @@
             </a:endParaRPr>
           </a:p>
           <a:p>
-            <a:pPr indent="0" lvl="0" marL="0" marR="0" rtl="0" algn="l">
+            <a:pPr marL="0" marR="0" lvl="0" indent="0" algn="l" rtl="0">
               <a:spcBef>
                 <a:spcPts val="0"/>
               </a:spcBef>
@@ -14770,7 +15038,7 @@
               <a:buNone/>
             </a:pPr>
             <a:r>
-              <a:rPr b="1" lang="en-US" sz="1800">
+              <a:rPr lang="en-US" sz="1800" b="1">
                 <a:solidFill>
                   <a:schemeClr val="lt1"/>
                 </a:solidFill>
@@ -14788,7 +15056,7 @@
             </a:endParaRPr>
           </a:p>
           <a:p>
-            <a:pPr indent="0" lvl="0" marL="0" marR="0" rtl="0" algn="l">
+            <a:pPr marL="0" marR="0" lvl="0" indent="0" algn="l" rtl="0">
               <a:spcBef>
                 <a:spcPts val="0"/>
               </a:spcBef>
@@ -14798,7 +15066,7 @@
               <a:buNone/>
             </a:pPr>
             <a:r>
-              <a:rPr b="1" lang="en-US" sz="1800">
+              <a:rPr lang="en-US" sz="1800" b="1">
                 <a:solidFill>
                   <a:schemeClr val="lt1"/>
                 </a:solidFill>
@@ -14816,7 +15084,7 @@
             </a:endParaRPr>
           </a:p>
           <a:p>
-            <a:pPr indent="0" lvl="0" marL="0" marR="0" rtl="0" algn="l">
+            <a:pPr marL="0" marR="0" lvl="0" indent="0" algn="l" rtl="0">
               <a:spcBef>
                 <a:spcPts val="0"/>
               </a:spcBef>
@@ -14826,7 +15094,7 @@
               <a:buNone/>
             </a:pPr>
             <a:r>
-              <a:rPr b="1" lang="en-US" sz="1800">
+              <a:rPr lang="en-US" sz="1800" b="1">
                 <a:solidFill>
                   <a:schemeClr val="lt1"/>
                 </a:solidFill>
@@ -14854,7 +15122,7 @@
 </file>
 
 <file path=ppt/theme/theme1.xml><?xml version="1.0" encoding="utf-8"?>
-<a:theme xmlns:a="http://schemas.openxmlformats.org/drawingml/2006/main" xmlns:r="http://schemas.openxmlformats.org/officeDocument/2006/relationships" name="Office Theme">
+<a:theme xmlns:a="http://schemas.openxmlformats.org/drawingml/2006/main" name="Office Theme">
   <a:themeElements>
     <a:clrScheme name="Office">
       <a:dk1>
@@ -15129,11 +15397,13 @@
       </a:bgFillStyleLst>
     </a:fmtScheme>
   </a:themeElements>
+  <a:objectDefaults/>
+  <a:extraClrSchemeLst/>
 </a:theme>
 </file>
 
 <file path=ppt/theme/theme2.xml><?xml version="1.0" encoding="utf-8"?>
-<a:theme xmlns:a="http://schemas.openxmlformats.org/drawingml/2006/main" xmlns:r="http://schemas.openxmlformats.org/officeDocument/2006/relationships">
+<a:theme xmlns:a="http://schemas.openxmlformats.org/drawingml/2006/main">
   <a:themeElements>
     <a:clrScheme name="Default">
       <a:dk1>
@@ -15408,5 +15678,7 @@
       </a:bgFillStyleLst>
     </a:fmtScheme>
   </a:themeElements>
+  <a:objectDefaults/>
+  <a:extraClrSchemeLst/>
 </a:theme>
 </file>